--- a/Documents/Diagrams.pptx
+++ b/Documents/Diagrams.pptx
@@ -6,6 +6,7 @@
   </p:sldMasterIdLst>
   <p:sldIdLst>
     <p:sldId id="256" r:id="rId2"/>
+    <p:sldId id="257" r:id="rId3"/>
   </p:sldIdLst>
   <p:sldSz cx="12192000" cy="6858000"/>
   <p:notesSz cx="6858000" cy="9144000"/>
@@ -104,6 +105,11 @@
       </a:defRPr>
     </a:lvl9pPr>
   </p:defaultTextStyle>
+  <p:extLst>
+    <p:ext uri="{EFAFB233-063F-42B5-8137-9DF3F51BA10A}">
+      <p15:sldGuideLst xmlns:p15="http://schemas.microsoft.com/office/powerpoint/2012/main"/>
+    </p:ext>
+  </p:extLst>
 </p:presentation>
 </file>
 
@@ -254,7 +260,7 @@
           <a:p>
             <a:fld id="{33C3F64C-C526-40FB-AED9-C37B4F96ABD4}" type="datetimeFigureOut">
               <a:rPr lang="en-US" smtClean="0"/>
-              <a:t>07-Jan-21</a:t>
+              <a:t>20-Jan-21</a:t>
             </a:fld>
             <a:endParaRPr lang="en-US"/>
           </a:p>
@@ -452,7 +458,7 @@
           <a:p>
             <a:fld id="{33C3F64C-C526-40FB-AED9-C37B4F96ABD4}" type="datetimeFigureOut">
               <a:rPr lang="en-US" smtClean="0"/>
-              <a:t>07-Jan-21</a:t>
+              <a:t>20-Jan-21</a:t>
             </a:fld>
             <a:endParaRPr lang="en-US"/>
           </a:p>
@@ -660,7 +666,7 @@
           <a:p>
             <a:fld id="{33C3F64C-C526-40FB-AED9-C37B4F96ABD4}" type="datetimeFigureOut">
               <a:rPr lang="en-US" smtClean="0"/>
-              <a:t>07-Jan-21</a:t>
+              <a:t>20-Jan-21</a:t>
             </a:fld>
             <a:endParaRPr lang="en-US"/>
           </a:p>
@@ -858,7 +864,7 @@
           <a:p>
             <a:fld id="{33C3F64C-C526-40FB-AED9-C37B4F96ABD4}" type="datetimeFigureOut">
               <a:rPr lang="en-US" smtClean="0"/>
-              <a:t>07-Jan-21</a:t>
+              <a:t>20-Jan-21</a:t>
             </a:fld>
             <a:endParaRPr lang="en-US"/>
           </a:p>
@@ -1133,7 +1139,7 @@
           <a:p>
             <a:fld id="{33C3F64C-C526-40FB-AED9-C37B4F96ABD4}" type="datetimeFigureOut">
               <a:rPr lang="en-US" smtClean="0"/>
-              <a:t>07-Jan-21</a:t>
+              <a:t>20-Jan-21</a:t>
             </a:fld>
             <a:endParaRPr lang="en-US"/>
           </a:p>
@@ -1398,7 +1404,7 @@
           <a:p>
             <a:fld id="{33C3F64C-C526-40FB-AED9-C37B4F96ABD4}" type="datetimeFigureOut">
               <a:rPr lang="en-US" smtClean="0"/>
-              <a:t>07-Jan-21</a:t>
+              <a:t>20-Jan-21</a:t>
             </a:fld>
             <a:endParaRPr lang="en-US"/>
           </a:p>
@@ -1810,7 +1816,7 @@
           <a:p>
             <a:fld id="{33C3F64C-C526-40FB-AED9-C37B4F96ABD4}" type="datetimeFigureOut">
               <a:rPr lang="en-US" smtClean="0"/>
-              <a:t>07-Jan-21</a:t>
+              <a:t>20-Jan-21</a:t>
             </a:fld>
             <a:endParaRPr lang="en-US"/>
           </a:p>
@@ -1951,7 +1957,7 @@
           <a:p>
             <a:fld id="{33C3F64C-C526-40FB-AED9-C37B4F96ABD4}" type="datetimeFigureOut">
               <a:rPr lang="en-US" smtClean="0"/>
-              <a:t>07-Jan-21</a:t>
+              <a:t>20-Jan-21</a:t>
             </a:fld>
             <a:endParaRPr lang="en-US"/>
           </a:p>
@@ -2064,7 +2070,7 @@
           <a:p>
             <a:fld id="{33C3F64C-C526-40FB-AED9-C37B4F96ABD4}" type="datetimeFigureOut">
               <a:rPr lang="en-US" smtClean="0"/>
-              <a:t>07-Jan-21</a:t>
+              <a:t>20-Jan-21</a:t>
             </a:fld>
             <a:endParaRPr lang="en-US"/>
           </a:p>
@@ -2375,7 +2381,7 @@
           <a:p>
             <a:fld id="{33C3F64C-C526-40FB-AED9-C37B4F96ABD4}" type="datetimeFigureOut">
               <a:rPr lang="en-US" smtClean="0"/>
-              <a:t>07-Jan-21</a:t>
+              <a:t>20-Jan-21</a:t>
             </a:fld>
             <a:endParaRPr lang="en-US"/>
           </a:p>
@@ -2663,7 +2669,7 @@
           <a:p>
             <a:fld id="{33C3F64C-C526-40FB-AED9-C37B4F96ABD4}" type="datetimeFigureOut">
               <a:rPr lang="en-US" smtClean="0"/>
-              <a:t>07-Jan-21</a:t>
+              <a:t>20-Jan-21</a:t>
             </a:fld>
             <a:endParaRPr lang="en-US"/>
           </a:p>
@@ -2904,7 +2910,7 @@
           <a:p>
             <a:fld id="{33C3F64C-C526-40FB-AED9-C37B4F96ABD4}" type="datetimeFigureOut">
               <a:rPr lang="en-US" smtClean="0"/>
-              <a:t>07-Jan-21</a:t>
+              <a:t>20-Jan-21</a:t>
             </a:fld>
             <a:endParaRPr lang="en-US"/>
           </a:p>
@@ -3513,6 +3519,1322 @@
           </p:spPr>
         </p:pic>
       </p:grpSp>
+      <p:sp>
+        <p:nvSpPr>
+          <p:cNvPr id="27" name="TextBox 26">
+            <a:extLst>
+              <a:ext uri="{FF2B5EF4-FFF2-40B4-BE49-F238E27FC236}">
+                <a16:creationId xmlns:a16="http://schemas.microsoft.com/office/drawing/2014/main" id="{0F833F2A-F0E1-41E4-83BF-887C910BA9E2}"/>
+              </a:ext>
+            </a:extLst>
+          </p:cNvPr>
+          <p:cNvSpPr txBox="1"/>
+          <p:nvPr/>
+        </p:nvSpPr>
+        <p:spPr>
+          <a:xfrm>
+            <a:off x="1379382" y="4309000"/>
+            <a:ext cx="1701411" cy="307777"/>
+          </a:xfrm>
+          <a:prstGeom prst="rect">
+            <a:avLst/>
+          </a:prstGeom>
+          <a:noFill/>
+        </p:spPr>
+        <p:txBody>
+          <a:bodyPr wrap="square" rtlCol="0">
+            <a:spAutoFit/>
+          </a:bodyPr>
+          <a:lstStyle/>
+          <a:p>
+            <a:pPr algn="ctr"/>
+            <a:r>
+              <a:rPr lang="en-US" sz="1400" dirty="0"/>
+              <a:t>Telemetry Simulator</a:t>
+            </a:r>
+          </a:p>
+        </p:txBody>
+      </p:sp>
+      <p:cxnSp>
+        <p:nvCxnSpPr>
+          <p:cNvPr id="34" name="Straight Arrow Connector 33">
+            <a:extLst>
+              <a:ext uri="{FF2B5EF4-FFF2-40B4-BE49-F238E27FC236}">
+                <a16:creationId xmlns:a16="http://schemas.microsoft.com/office/drawing/2014/main" id="{DF2ECA76-E194-4AC3-8F86-61756BD7411A}"/>
+              </a:ext>
+            </a:extLst>
+          </p:cNvPr>
+          <p:cNvCxnSpPr>
+            <a:cxnSpLocks/>
+            <a:stCxn id="9" idx="3"/>
+            <a:endCxn id="20" idx="1"/>
+          </p:cNvCxnSpPr>
+          <p:nvPr/>
+        </p:nvCxnSpPr>
+        <p:spPr>
+          <a:xfrm>
+            <a:off x="2649314" y="2750548"/>
+            <a:ext cx="1379353" cy="500062"/>
+          </a:xfrm>
+          <a:prstGeom prst="straightConnector1">
+            <a:avLst/>
+          </a:prstGeom>
+          <a:ln w="38100">
+            <a:tailEnd type="triangle"/>
+          </a:ln>
+        </p:spPr>
+        <p:style>
+          <a:lnRef idx="1">
+            <a:schemeClr val="accent1"/>
+          </a:lnRef>
+          <a:fillRef idx="0">
+            <a:schemeClr val="accent1"/>
+          </a:fillRef>
+          <a:effectRef idx="0">
+            <a:schemeClr val="accent1"/>
+          </a:effectRef>
+          <a:fontRef idx="minor">
+            <a:schemeClr val="tx1"/>
+          </a:fontRef>
+        </p:style>
+      </p:cxnSp>
+      <p:cxnSp>
+        <p:nvCxnSpPr>
+          <p:cNvPr id="37" name="Straight Arrow Connector 36">
+            <a:extLst>
+              <a:ext uri="{FF2B5EF4-FFF2-40B4-BE49-F238E27FC236}">
+                <a16:creationId xmlns:a16="http://schemas.microsoft.com/office/drawing/2014/main" id="{C4DAE6D7-DD43-4B94-96EE-BA763B9E7C34}"/>
+              </a:ext>
+            </a:extLst>
+          </p:cNvPr>
+          <p:cNvCxnSpPr>
+            <a:cxnSpLocks/>
+            <a:stCxn id="26" idx="3"/>
+            <a:endCxn id="20" idx="1"/>
+          </p:cNvCxnSpPr>
+          <p:nvPr/>
+        </p:nvCxnSpPr>
+        <p:spPr>
+          <a:xfrm flipV="1">
+            <a:off x="3080792" y="3250610"/>
+            <a:ext cx="947875" cy="672432"/>
+          </a:xfrm>
+          <a:prstGeom prst="straightConnector1">
+            <a:avLst/>
+          </a:prstGeom>
+          <a:ln w="38100">
+            <a:tailEnd type="triangle"/>
+          </a:ln>
+        </p:spPr>
+        <p:style>
+          <a:lnRef idx="1">
+            <a:schemeClr val="accent1"/>
+          </a:lnRef>
+          <a:fillRef idx="0">
+            <a:schemeClr val="accent1"/>
+          </a:fillRef>
+          <a:effectRef idx="0">
+            <a:schemeClr val="accent1"/>
+          </a:effectRef>
+          <a:fontRef idx="minor">
+            <a:schemeClr val="tx1"/>
+          </a:fontRef>
+        </p:style>
+      </p:cxnSp>
+      <p:grpSp>
+        <p:nvGrpSpPr>
+          <p:cNvPr id="55" name="Group 54">
+            <a:extLst>
+              <a:ext uri="{FF2B5EF4-FFF2-40B4-BE49-F238E27FC236}">
+                <a16:creationId xmlns:a16="http://schemas.microsoft.com/office/drawing/2014/main" id="{0E63E077-77E7-4829-A77D-5ADC19F58F06}"/>
+              </a:ext>
+            </a:extLst>
+          </p:cNvPr>
+          <p:cNvGrpSpPr/>
+          <p:nvPr/>
+        </p:nvGrpSpPr>
+        <p:grpSpPr>
+          <a:xfrm>
+            <a:off x="4028665" y="2586241"/>
+            <a:ext cx="1371602" cy="1351343"/>
+            <a:chOff x="4054791" y="1750218"/>
+            <a:chExt cx="1371602" cy="1351343"/>
+          </a:xfrm>
+        </p:grpSpPr>
+        <p:sp>
+          <p:nvSpPr>
+            <p:cNvPr id="20" name="Rectangle: Rounded Corners 19">
+              <a:extLst>
+                <a:ext uri="{FF2B5EF4-FFF2-40B4-BE49-F238E27FC236}">
+                  <a16:creationId xmlns:a16="http://schemas.microsoft.com/office/drawing/2014/main" id="{234D77D9-8724-4DE7-B8DF-DC873408EA9F}"/>
+                </a:ext>
+              </a:extLst>
+            </p:cNvPr>
+            <p:cNvSpPr/>
+            <p:nvPr/>
+          </p:nvSpPr>
+          <p:spPr>
+            <a:xfrm>
+              <a:off x="4054793" y="1750218"/>
+              <a:ext cx="1371600" cy="1328738"/>
+            </a:xfrm>
+            <a:prstGeom prst="roundRect">
+              <a:avLst/>
+            </a:prstGeom>
+            <a:solidFill>
+              <a:schemeClr val="bg1"/>
+            </a:solidFill>
+            <a:ln w="28575">
+              <a:solidFill>
+                <a:schemeClr val="tx1"/>
+              </a:solidFill>
+            </a:ln>
+          </p:spPr>
+          <p:style>
+            <a:lnRef idx="2">
+              <a:schemeClr val="accent1">
+                <a:shade val="50000"/>
+              </a:schemeClr>
+            </a:lnRef>
+            <a:fillRef idx="1">
+              <a:schemeClr val="accent1"/>
+            </a:fillRef>
+            <a:effectRef idx="0">
+              <a:schemeClr val="accent1"/>
+            </a:effectRef>
+            <a:fontRef idx="minor">
+              <a:schemeClr val="lt1"/>
+            </a:fontRef>
+          </p:style>
+          <p:txBody>
+            <a:bodyPr rtlCol="0" anchor="ctr"/>
+            <a:lstStyle/>
+            <a:p>
+              <a:pPr algn="ctr"/>
+              <a:endParaRPr lang="en-US"/>
+            </a:p>
+          </p:txBody>
+        </p:sp>
+        <p:pic>
+          <p:nvPicPr>
+            <p:cNvPr id="19" name="Graphic 18">
+              <a:extLst>
+                <a:ext uri="{FF2B5EF4-FFF2-40B4-BE49-F238E27FC236}">
+                  <a16:creationId xmlns:a16="http://schemas.microsoft.com/office/drawing/2014/main" id="{B08DD089-BBE3-49ED-BE63-B9E6434AB502}"/>
+                </a:ext>
+              </a:extLst>
+            </p:cNvPr>
+            <p:cNvPicPr>
+              <a:picLocks noChangeAspect="1"/>
+            </p:cNvPicPr>
+            <p:nvPr/>
+          </p:nvPicPr>
+          <p:blipFill>
+            <a:blip r:embed="rId4">
+              <a:extLst>
+                <a:ext uri="{28A0092B-C50C-407E-A947-70E740481C1C}">
+                  <a14:useLocalDpi xmlns:a14="http://schemas.microsoft.com/office/drawing/2010/main" val="0"/>
+                </a:ext>
+                <a:ext uri="{96DAC541-7B7A-43D3-8B79-37D633B846F1}">
+                  <asvg:svgBlip xmlns:asvg="http://schemas.microsoft.com/office/drawing/2016/SVG/main" r:embed="rId5"/>
+                </a:ext>
+              </a:extLst>
+            </a:blip>
+            <a:stretch>
+              <a:fillRect/>
+            </a:stretch>
+          </p:blipFill>
+          <p:spPr>
+            <a:xfrm>
+              <a:off x="4892738" y="1837029"/>
+              <a:ext cx="457200" cy="457200"/>
+            </a:xfrm>
+            <a:prstGeom prst="rect">
+              <a:avLst/>
+            </a:prstGeom>
+          </p:spPr>
+        </p:pic>
+        <p:sp>
+          <p:nvSpPr>
+            <p:cNvPr id="41" name="TextBox 40">
+              <a:extLst>
+                <a:ext uri="{FF2B5EF4-FFF2-40B4-BE49-F238E27FC236}">
+                  <a16:creationId xmlns:a16="http://schemas.microsoft.com/office/drawing/2014/main" id="{89847BA8-3435-4A40-9E70-5AA0D5421385}"/>
+                </a:ext>
+              </a:extLst>
+            </p:cNvPr>
+            <p:cNvSpPr txBox="1"/>
+            <p:nvPr/>
+          </p:nvSpPr>
+          <p:spPr>
+            <a:xfrm>
+              <a:off x="4054791" y="2793784"/>
+              <a:ext cx="1371599" cy="307777"/>
+            </a:xfrm>
+            <a:prstGeom prst="rect">
+              <a:avLst/>
+            </a:prstGeom>
+            <a:noFill/>
+          </p:spPr>
+          <p:txBody>
+            <a:bodyPr wrap="square" rtlCol="0">
+              <a:spAutoFit/>
+            </a:bodyPr>
+            <a:lstStyle/>
+            <a:p>
+              <a:pPr algn="ctr"/>
+              <a:r>
+                <a:rPr lang="en-US" sz="1400" dirty="0"/>
+                <a:t>IoT Hub</a:t>
+              </a:r>
+            </a:p>
+          </p:txBody>
+        </p:sp>
+      </p:grpSp>
+      <p:grpSp>
+        <p:nvGrpSpPr>
+          <p:cNvPr id="57" name="Group 56">
+            <a:extLst>
+              <a:ext uri="{FF2B5EF4-FFF2-40B4-BE49-F238E27FC236}">
+                <a16:creationId xmlns:a16="http://schemas.microsoft.com/office/drawing/2014/main" id="{255C2CB2-D2B1-4C19-A59F-AD52157DC714}"/>
+              </a:ext>
+            </a:extLst>
+          </p:cNvPr>
+          <p:cNvGrpSpPr/>
+          <p:nvPr/>
+        </p:nvGrpSpPr>
+        <p:grpSpPr>
+          <a:xfrm>
+            <a:off x="9034288" y="2450323"/>
+            <a:ext cx="1931195" cy="1775732"/>
+            <a:chOff x="9578112" y="2087404"/>
+            <a:chExt cx="1931195" cy="1775732"/>
+          </a:xfrm>
+        </p:grpSpPr>
+        <p:sp>
+          <p:nvSpPr>
+            <p:cNvPr id="22" name="Rectangle: Rounded Corners 21">
+              <a:extLst>
+                <a:ext uri="{FF2B5EF4-FFF2-40B4-BE49-F238E27FC236}">
+                  <a16:creationId xmlns:a16="http://schemas.microsoft.com/office/drawing/2014/main" id="{3B069519-3A68-421C-852C-BF59B6E0CC34}"/>
+                </a:ext>
+              </a:extLst>
+            </p:cNvPr>
+            <p:cNvSpPr/>
+            <p:nvPr/>
+          </p:nvSpPr>
+          <p:spPr>
+            <a:xfrm>
+              <a:off x="9578114" y="2087404"/>
+              <a:ext cx="1931193" cy="1775732"/>
+            </a:xfrm>
+            <a:prstGeom prst="roundRect">
+              <a:avLst/>
+            </a:prstGeom>
+            <a:solidFill>
+              <a:schemeClr val="bg1"/>
+            </a:solidFill>
+            <a:ln w="28575">
+              <a:solidFill>
+                <a:schemeClr val="tx1"/>
+              </a:solidFill>
+            </a:ln>
+          </p:spPr>
+          <p:style>
+            <a:lnRef idx="2">
+              <a:schemeClr val="accent1">
+                <a:shade val="50000"/>
+              </a:schemeClr>
+            </a:lnRef>
+            <a:fillRef idx="1">
+              <a:schemeClr val="accent1"/>
+            </a:fillRef>
+            <a:effectRef idx="0">
+              <a:schemeClr val="accent1"/>
+            </a:effectRef>
+            <a:fontRef idx="minor">
+              <a:schemeClr val="lt1"/>
+            </a:fontRef>
+          </p:style>
+          <p:txBody>
+            <a:bodyPr rtlCol="0" anchor="ctr"/>
+            <a:lstStyle/>
+            <a:p>
+              <a:pPr algn="ctr"/>
+              <a:endParaRPr lang="en-US"/>
+            </a:p>
+          </p:txBody>
+        </p:sp>
+        <p:sp>
+          <p:nvSpPr>
+            <p:cNvPr id="43" name="TextBox 42">
+              <a:extLst>
+                <a:ext uri="{FF2B5EF4-FFF2-40B4-BE49-F238E27FC236}">
+                  <a16:creationId xmlns:a16="http://schemas.microsoft.com/office/drawing/2014/main" id="{C2621AED-405E-44FE-A71D-107916912584}"/>
+                </a:ext>
+              </a:extLst>
+            </p:cNvPr>
+            <p:cNvSpPr txBox="1"/>
+            <p:nvPr/>
+          </p:nvSpPr>
+          <p:spPr>
+            <a:xfrm>
+              <a:off x="9578112" y="3548011"/>
+              <a:ext cx="1931192" cy="307777"/>
+            </a:xfrm>
+            <a:prstGeom prst="rect">
+              <a:avLst/>
+            </a:prstGeom>
+            <a:noFill/>
+          </p:spPr>
+          <p:txBody>
+            <a:bodyPr wrap="square" rtlCol="0">
+              <a:spAutoFit/>
+            </a:bodyPr>
+            <a:lstStyle/>
+            <a:p>
+              <a:pPr algn="ctr"/>
+              <a:r>
+                <a:rPr lang="en-US" sz="1400" dirty="0"/>
+                <a:t>Telemetry Devices</a:t>
+              </a:r>
+            </a:p>
+          </p:txBody>
+        </p:sp>
+      </p:grpSp>
+      <p:grpSp>
+        <p:nvGrpSpPr>
+          <p:cNvPr id="56" name="Group 55">
+            <a:extLst>
+              <a:ext uri="{FF2B5EF4-FFF2-40B4-BE49-F238E27FC236}">
+                <a16:creationId xmlns:a16="http://schemas.microsoft.com/office/drawing/2014/main" id="{8BCBDCD7-2B9C-42A2-925D-3CDE43BA3D96}"/>
+              </a:ext>
+            </a:extLst>
+          </p:cNvPr>
+          <p:cNvGrpSpPr/>
+          <p:nvPr/>
+        </p:nvGrpSpPr>
+        <p:grpSpPr>
+          <a:xfrm>
+            <a:off x="6060214" y="2569469"/>
+            <a:ext cx="1701411" cy="1354219"/>
+            <a:chOff x="6797994" y="2207418"/>
+            <a:chExt cx="1701411" cy="1354219"/>
+          </a:xfrm>
+        </p:grpSpPr>
+        <p:sp>
+          <p:nvSpPr>
+            <p:cNvPr id="48" name="Rectangle: Rounded Corners 47">
+              <a:extLst>
+                <a:ext uri="{FF2B5EF4-FFF2-40B4-BE49-F238E27FC236}">
+                  <a16:creationId xmlns:a16="http://schemas.microsoft.com/office/drawing/2014/main" id="{80E676D0-D463-46FF-AEB0-98E55F36713B}"/>
+                </a:ext>
+              </a:extLst>
+            </p:cNvPr>
+            <p:cNvSpPr/>
+            <p:nvPr/>
+          </p:nvSpPr>
+          <p:spPr>
+            <a:xfrm>
+              <a:off x="6797994" y="2207418"/>
+              <a:ext cx="1688068" cy="1328738"/>
+            </a:xfrm>
+            <a:prstGeom prst="roundRect">
+              <a:avLst/>
+            </a:prstGeom>
+            <a:solidFill>
+              <a:schemeClr val="bg1"/>
+            </a:solidFill>
+            <a:ln w="28575">
+              <a:solidFill>
+                <a:schemeClr val="tx1"/>
+              </a:solidFill>
+            </a:ln>
+          </p:spPr>
+          <p:style>
+            <a:lnRef idx="2">
+              <a:schemeClr val="accent1">
+                <a:shade val="50000"/>
+              </a:schemeClr>
+            </a:lnRef>
+            <a:fillRef idx="1">
+              <a:schemeClr val="accent1"/>
+            </a:fillRef>
+            <a:effectRef idx="0">
+              <a:schemeClr val="accent1"/>
+            </a:effectRef>
+            <a:fontRef idx="minor">
+              <a:schemeClr val="lt1"/>
+            </a:fontRef>
+          </p:style>
+          <p:txBody>
+            <a:bodyPr rtlCol="0" anchor="ctr"/>
+            <a:lstStyle/>
+            <a:p>
+              <a:pPr algn="ctr"/>
+              <a:endParaRPr lang="en-US"/>
+            </a:p>
+          </p:txBody>
+        </p:sp>
+        <p:sp>
+          <p:nvSpPr>
+            <p:cNvPr id="52" name="TextBox 51">
+              <a:extLst>
+                <a:ext uri="{FF2B5EF4-FFF2-40B4-BE49-F238E27FC236}">
+                  <a16:creationId xmlns:a16="http://schemas.microsoft.com/office/drawing/2014/main" id="{A6FE7A35-A89D-4D19-B7CD-BACBEE3F6618}"/>
+                </a:ext>
+              </a:extLst>
+            </p:cNvPr>
+            <p:cNvSpPr txBox="1"/>
+            <p:nvPr/>
+          </p:nvSpPr>
+          <p:spPr>
+            <a:xfrm>
+              <a:off x="6797994" y="3038417"/>
+              <a:ext cx="1701411" cy="523220"/>
+            </a:xfrm>
+            <a:prstGeom prst="rect">
+              <a:avLst/>
+            </a:prstGeom>
+            <a:noFill/>
+          </p:spPr>
+          <p:txBody>
+            <a:bodyPr wrap="square" rtlCol="0">
+              <a:spAutoFit/>
+            </a:bodyPr>
+            <a:lstStyle/>
+            <a:p>
+              <a:pPr algn="ctr"/>
+              <a:r>
+                <a:rPr lang="en-US" sz="1400" dirty="0"/>
+                <a:t>Telemetry Dispatcher</a:t>
+              </a:r>
+            </a:p>
+          </p:txBody>
+        </p:sp>
+      </p:grpSp>
+      <p:cxnSp>
+        <p:nvCxnSpPr>
+          <p:cNvPr id="60" name="Straight Arrow Connector 59">
+            <a:extLst>
+              <a:ext uri="{FF2B5EF4-FFF2-40B4-BE49-F238E27FC236}">
+                <a16:creationId xmlns:a16="http://schemas.microsoft.com/office/drawing/2014/main" id="{656E4092-4231-4C71-A80E-633AE171F22E}"/>
+              </a:ext>
+            </a:extLst>
+          </p:cNvPr>
+          <p:cNvCxnSpPr>
+            <a:cxnSpLocks/>
+            <a:stCxn id="20" idx="3"/>
+            <a:endCxn id="48" idx="1"/>
+          </p:cNvCxnSpPr>
+          <p:nvPr/>
+        </p:nvCxnSpPr>
+        <p:spPr>
+          <a:xfrm flipV="1">
+            <a:off x="5400267" y="3233838"/>
+            <a:ext cx="659947" cy="16772"/>
+          </a:xfrm>
+          <a:prstGeom prst="straightConnector1">
+            <a:avLst/>
+          </a:prstGeom>
+          <a:ln w="38100">
+            <a:tailEnd type="triangle"/>
+          </a:ln>
+        </p:spPr>
+        <p:style>
+          <a:lnRef idx="1">
+            <a:schemeClr val="accent1"/>
+          </a:lnRef>
+          <a:fillRef idx="0">
+            <a:schemeClr val="accent1"/>
+          </a:fillRef>
+          <a:effectRef idx="0">
+            <a:schemeClr val="accent1"/>
+          </a:effectRef>
+          <a:fontRef idx="minor">
+            <a:schemeClr val="tx1"/>
+          </a:fontRef>
+        </p:style>
+      </p:cxnSp>
+      <p:cxnSp>
+        <p:nvCxnSpPr>
+          <p:cNvPr id="64" name="Straight Arrow Connector 63">
+            <a:extLst>
+              <a:ext uri="{FF2B5EF4-FFF2-40B4-BE49-F238E27FC236}">
+                <a16:creationId xmlns:a16="http://schemas.microsoft.com/office/drawing/2014/main" id="{72E52F94-84D5-4C02-B49C-395E1C43E4BB}"/>
+              </a:ext>
+            </a:extLst>
+          </p:cNvPr>
+          <p:cNvCxnSpPr>
+            <a:cxnSpLocks/>
+            <a:stCxn id="48" idx="3"/>
+            <a:endCxn id="78" idx="2"/>
+          </p:cNvCxnSpPr>
+          <p:nvPr/>
+        </p:nvCxnSpPr>
+        <p:spPr>
+          <a:xfrm>
+            <a:off x="7748282" y="3233838"/>
+            <a:ext cx="900487" cy="20492"/>
+          </a:xfrm>
+          <a:prstGeom prst="straightConnector1">
+            <a:avLst/>
+          </a:prstGeom>
+          <a:ln w="38100">
+            <a:tailEnd type="triangle"/>
+          </a:ln>
+        </p:spPr>
+        <p:style>
+          <a:lnRef idx="1">
+            <a:schemeClr val="accent1"/>
+          </a:lnRef>
+          <a:fillRef idx="0">
+            <a:schemeClr val="accent1"/>
+          </a:fillRef>
+          <a:effectRef idx="0">
+            <a:schemeClr val="accent1"/>
+          </a:effectRef>
+          <a:fontRef idx="minor">
+            <a:schemeClr val="tx1"/>
+          </a:fontRef>
+        </p:style>
+      </p:cxnSp>
+      <p:grpSp>
+        <p:nvGrpSpPr>
+          <p:cNvPr id="80" name="Group 79">
+            <a:extLst>
+              <a:ext uri="{FF2B5EF4-FFF2-40B4-BE49-F238E27FC236}">
+                <a16:creationId xmlns:a16="http://schemas.microsoft.com/office/drawing/2014/main" id="{FF534C36-4A7E-45C9-B3DA-EDFA62BDDFBD}"/>
+              </a:ext>
+            </a:extLst>
+          </p:cNvPr>
+          <p:cNvGrpSpPr/>
+          <p:nvPr/>
+        </p:nvGrpSpPr>
+        <p:grpSpPr>
+          <a:xfrm>
+            <a:off x="8648769" y="3167244"/>
+            <a:ext cx="374469" cy="174171"/>
+            <a:chOff x="6435634" y="5416731"/>
+            <a:chExt cx="374469" cy="174171"/>
+          </a:xfrm>
+        </p:grpSpPr>
+        <p:cxnSp>
+          <p:nvCxnSpPr>
+            <p:cNvPr id="77" name="Straight Connector 76">
+              <a:extLst>
+                <a:ext uri="{FF2B5EF4-FFF2-40B4-BE49-F238E27FC236}">
+                  <a16:creationId xmlns:a16="http://schemas.microsoft.com/office/drawing/2014/main" id="{5DC6D724-C10D-4FEA-8AB2-8DE50538B27C}"/>
+                </a:ext>
+              </a:extLst>
+            </p:cNvPr>
+            <p:cNvCxnSpPr/>
+            <p:nvPr/>
+          </p:nvCxnSpPr>
+          <p:spPr>
+            <a:xfrm>
+              <a:off x="6522720" y="5503817"/>
+              <a:ext cx="287383" cy="0"/>
+            </a:xfrm>
+            <a:prstGeom prst="line">
+              <a:avLst/>
+            </a:prstGeom>
+            <a:ln w="38100"/>
+          </p:spPr>
+          <p:style>
+            <a:lnRef idx="1">
+              <a:schemeClr val="dk1"/>
+            </a:lnRef>
+            <a:fillRef idx="0">
+              <a:schemeClr val="dk1"/>
+            </a:fillRef>
+            <a:effectRef idx="0">
+              <a:schemeClr val="dk1"/>
+            </a:effectRef>
+            <a:fontRef idx="minor">
+              <a:schemeClr val="tx1"/>
+            </a:fontRef>
+          </p:style>
+        </p:cxnSp>
+        <p:sp>
+          <p:nvSpPr>
+            <p:cNvPr id="78" name="Oval 77">
+              <a:extLst>
+                <a:ext uri="{FF2B5EF4-FFF2-40B4-BE49-F238E27FC236}">
+                  <a16:creationId xmlns:a16="http://schemas.microsoft.com/office/drawing/2014/main" id="{1580FCCD-8A81-4292-9298-4964E250DD43}"/>
+                </a:ext>
+              </a:extLst>
+            </p:cNvPr>
+            <p:cNvSpPr/>
+            <p:nvPr/>
+          </p:nvSpPr>
+          <p:spPr>
+            <a:xfrm>
+              <a:off x="6435634" y="5416731"/>
+              <a:ext cx="174171" cy="174171"/>
+            </a:xfrm>
+            <a:prstGeom prst="ellipse">
+              <a:avLst/>
+            </a:prstGeom>
+            <a:solidFill>
+              <a:schemeClr val="bg1"/>
+            </a:solidFill>
+            <a:ln w="38100">
+              <a:solidFill>
+                <a:schemeClr val="tx1"/>
+              </a:solidFill>
+            </a:ln>
+          </p:spPr>
+          <p:style>
+            <a:lnRef idx="2">
+              <a:schemeClr val="accent1">
+                <a:shade val="50000"/>
+              </a:schemeClr>
+            </a:lnRef>
+            <a:fillRef idx="1">
+              <a:schemeClr val="accent1"/>
+            </a:fillRef>
+            <a:effectRef idx="0">
+              <a:schemeClr val="accent1"/>
+            </a:effectRef>
+            <a:fontRef idx="minor">
+              <a:schemeClr val="lt1"/>
+            </a:fontRef>
+          </p:style>
+          <p:txBody>
+            <a:bodyPr rtlCol="0" anchor="ctr"/>
+            <a:lstStyle/>
+            <a:p>
+              <a:pPr algn="ctr"/>
+              <a:endParaRPr lang="en-US"/>
+            </a:p>
+          </p:txBody>
+        </p:sp>
+      </p:grpSp>
+      <p:grpSp>
+        <p:nvGrpSpPr>
+          <p:cNvPr id="82" name="Group 81">
+            <a:extLst>
+              <a:ext uri="{FF2B5EF4-FFF2-40B4-BE49-F238E27FC236}">
+                <a16:creationId xmlns:a16="http://schemas.microsoft.com/office/drawing/2014/main" id="{5BDBCCB8-9D4B-43E6-8115-F888D2A0AB27}"/>
+              </a:ext>
+            </a:extLst>
+          </p:cNvPr>
+          <p:cNvGrpSpPr/>
+          <p:nvPr/>
+        </p:nvGrpSpPr>
+        <p:grpSpPr>
+          <a:xfrm rot="16200000">
+            <a:off x="9750298" y="4375802"/>
+            <a:ext cx="374469" cy="174171"/>
+            <a:chOff x="6435634" y="5416731"/>
+            <a:chExt cx="374469" cy="174171"/>
+          </a:xfrm>
+        </p:grpSpPr>
+        <p:cxnSp>
+          <p:nvCxnSpPr>
+            <p:cNvPr id="83" name="Straight Connector 82">
+              <a:extLst>
+                <a:ext uri="{FF2B5EF4-FFF2-40B4-BE49-F238E27FC236}">
+                  <a16:creationId xmlns:a16="http://schemas.microsoft.com/office/drawing/2014/main" id="{2612C707-57AF-4541-8086-A2ADF55A14B7}"/>
+                </a:ext>
+              </a:extLst>
+            </p:cNvPr>
+            <p:cNvCxnSpPr/>
+            <p:nvPr/>
+          </p:nvCxnSpPr>
+          <p:spPr>
+            <a:xfrm>
+              <a:off x="6522720" y="5503817"/>
+              <a:ext cx="287383" cy="0"/>
+            </a:xfrm>
+            <a:prstGeom prst="line">
+              <a:avLst/>
+            </a:prstGeom>
+            <a:ln w="38100"/>
+          </p:spPr>
+          <p:style>
+            <a:lnRef idx="1">
+              <a:schemeClr val="dk1"/>
+            </a:lnRef>
+            <a:fillRef idx="0">
+              <a:schemeClr val="dk1"/>
+            </a:fillRef>
+            <a:effectRef idx="0">
+              <a:schemeClr val="dk1"/>
+            </a:effectRef>
+            <a:fontRef idx="minor">
+              <a:schemeClr val="tx1"/>
+            </a:fontRef>
+          </p:style>
+        </p:cxnSp>
+        <p:sp>
+          <p:nvSpPr>
+            <p:cNvPr id="84" name="Oval 83">
+              <a:extLst>
+                <a:ext uri="{FF2B5EF4-FFF2-40B4-BE49-F238E27FC236}">
+                  <a16:creationId xmlns:a16="http://schemas.microsoft.com/office/drawing/2014/main" id="{84BF8D9A-5A31-42C8-9E90-FB70A2729067}"/>
+                </a:ext>
+              </a:extLst>
+            </p:cNvPr>
+            <p:cNvSpPr/>
+            <p:nvPr/>
+          </p:nvSpPr>
+          <p:spPr>
+            <a:xfrm>
+              <a:off x="6435634" y="5416731"/>
+              <a:ext cx="174171" cy="174171"/>
+            </a:xfrm>
+            <a:prstGeom prst="ellipse">
+              <a:avLst/>
+            </a:prstGeom>
+            <a:solidFill>
+              <a:schemeClr val="bg1"/>
+            </a:solidFill>
+            <a:ln w="38100">
+              <a:solidFill>
+                <a:schemeClr val="tx1"/>
+              </a:solidFill>
+            </a:ln>
+          </p:spPr>
+          <p:style>
+            <a:lnRef idx="2">
+              <a:schemeClr val="accent1">
+                <a:shade val="50000"/>
+              </a:schemeClr>
+            </a:lnRef>
+            <a:fillRef idx="1">
+              <a:schemeClr val="accent1"/>
+            </a:fillRef>
+            <a:effectRef idx="0">
+              <a:schemeClr val="accent1"/>
+            </a:effectRef>
+            <a:fontRef idx="minor">
+              <a:schemeClr val="lt1"/>
+            </a:fontRef>
+          </p:style>
+          <p:txBody>
+            <a:bodyPr rtlCol="0" anchor="ctr"/>
+            <a:lstStyle/>
+            <a:p>
+              <a:pPr algn="ctr"/>
+              <a:endParaRPr lang="en-US"/>
+            </a:p>
+          </p:txBody>
+        </p:sp>
+      </p:grpSp>
+      <p:grpSp>
+        <p:nvGrpSpPr>
+          <p:cNvPr id="93" name="Group 92">
+            <a:extLst>
+              <a:ext uri="{FF2B5EF4-FFF2-40B4-BE49-F238E27FC236}">
+                <a16:creationId xmlns:a16="http://schemas.microsoft.com/office/drawing/2014/main" id="{6E320CCD-BB90-42A4-B70F-9BA8B4D34EE3}"/>
+              </a:ext>
+            </a:extLst>
+          </p:cNvPr>
+          <p:cNvGrpSpPr/>
+          <p:nvPr/>
+        </p:nvGrpSpPr>
+        <p:grpSpPr>
+          <a:xfrm>
+            <a:off x="9305966" y="5212949"/>
+            <a:ext cx="1263131" cy="1153044"/>
+            <a:chOff x="8165944" y="5105379"/>
+            <a:chExt cx="1263131" cy="1153044"/>
+          </a:xfrm>
+        </p:grpSpPr>
+        <p:sp>
+          <p:nvSpPr>
+            <p:cNvPr id="90" name="Rectangle: Rounded Corners 89">
+              <a:extLst>
+                <a:ext uri="{FF2B5EF4-FFF2-40B4-BE49-F238E27FC236}">
+                  <a16:creationId xmlns:a16="http://schemas.microsoft.com/office/drawing/2014/main" id="{12E6FE58-FF41-4AFB-A003-C8E5D86D3120}"/>
+                </a:ext>
+              </a:extLst>
+            </p:cNvPr>
+            <p:cNvSpPr/>
+            <p:nvPr/>
+          </p:nvSpPr>
+          <p:spPr>
+            <a:xfrm>
+              <a:off x="8165947" y="5105379"/>
+              <a:ext cx="1263128" cy="1146303"/>
+            </a:xfrm>
+            <a:prstGeom prst="roundRect">
+              <a:avLst/>
+            </a:prstGeom>
+            <a:solidFill>
+              <a:schemeClr val="bg1"/>
+            </a:solidFill>
+            <a:ln w="28575">
+              <a:solidFill>
+                <a:schemeClr val="tx1"/>
+              </a:solidFill>
+            </a:ln>
+          </p:spPr>
+          <p:style>
+            <a:lnRef idx="2">
+              <a:schemeClr val="accent1">
+                <a:shade val="50000"/>
+              </a:schemeClr>
+            </a:lnRef>
+            <a:fillRef idx="1">
+              <a:schemeClr val="accent1"/>
+            </a:fillRef>
+            <a:effectRef idx="0">
+              <a:schemeClr val="accent1"/>
+            </a:effectRef>
+            <a:fontRef idx="minor">
+              <a:schemeClr val="lt1"/>
+            </a:fontRef>
+          </p:style>
+          <p:txBody>
+            <a:bodyPr rtlCol="0" anchor="ctr"/>
+            <a:lstStyle/>
+            <a:p>
+              <a:pPr algn="ctr"/>
+              <a:endParaRPr lang="en-US"/>
+            </a:p>
+          </p:txBody>
+        </p:sp>
+        <p:sp>
+          <p:nvSpPr>
+            <p:cNvPr id="92" name="TextBox 91">
+              <a:extLst>
+                <a:ext uri="{FF2B5EF4-FFF2-40B4-BE49-F238E27FC236}">
+                  <a16:creationId xmlns:a16="http://schemas.microsoft.com/office/drawing/2014/main" id="{93C5EC70-B217-4553-B047-198A86418366}"/>
+                </a:ext>
+              </a:extLst>
+            </p:cNvPr>
+            <p:cNvSpPr txBox="1"/>
+            <p:nvPr/>
+          </p:nvSpPr>
+          <p:spPr>
+            <a:xfrm>
+              <a:off x="8165944" y="5735203"/>
+              <a:ext cx="1263131" cy="523220"/>
+            </a:xfrm>
+            <a:prstGeom prst="rect">
+              <a:avLst/>
+            </a:prstGeom>
+            <a:noFill/>
+          </p:spPr>
+          <p:txBody>
+            <a:bodyPr wrap="square" rtlCol="0">
+              <a:spAutoFit/>
+            </a:bodyPr>
+            <a:lstStyle/>
+            <a:p>
+              <a:pPr algn="ctr"/>
+              <a:r>
+                <a:rPr lang="en-US" sz="1400" dirty="0"/>
+                <a:t>Telemetry Dashboard</a:t>
+              </a:r>
+            </a:p>
+          </p:txBody>
+        </p:sp>
+        <p:pic>
+          <p:nvPicPr>
+            <p:cNvPr id="86" name="Graphic 85">
+              <a:extLst>
+                <a:ext uri="{FF2B5EF4-FFF2-40B4-BE49-F238E27FC236}">
+                  <a16:creationId xmlns:a16="http://schemas.microsoft.com/office/drawing/2014/main" id="{D23AA3D3-34A1-4FC8-BDDD-C23B2F2D7A76}"/>
+                </a:ext>
+              </a:extLst>
+            </p:cNvPr>
+            <p:cNvPicPr>
+              <a:picLocks noChangeAspect="1"/>
+            </p:cNvPicPr>
+            <p:nvPr/>
+          </p:nvPicPr>
+          <p:blipFill>
+            <a:blip r:embed="rId6">
+              <a:extLst>
+                <a:ext uri="{28A0092B-C50C-407E-A947-70E740481C1C}">
+                  <a14:useLocalDpi xmlns:a14="http://schemas.microsoft.com/office/drawing/2010/main" val="0"/>
+                </a:ext>
+                <a:ext uri="{96DAC541-7B7A-43D3-8B79-37D633B846F1}">
+                  <asvg:svgBlip xmlns:asvg="http://schemas.microsoft.com/office/drawing/2016/SVG/main" r:embed="rId7"/>
+                </a:ext>
+              </a:extLst>
+            </a:blip>
+            <a:stretch>
+              <a:fillRect/>
+            </a:stretch>
+          </p:blipFill>
+          <p:spPr>
+            <a:xfrm>
+              <a:off x="8480572" y="5105379"/>
+              <a:ext cx="609600" cy="609600"/>
+            </a:xfrm>
+            <a:prstGeom prst="rect">
+              <a:avLst/>
+            </a:prstGeom>
+          </p:spPr>
+        </p:pic>
+      </p:grpSp>
+      <p:cxnSp>
+        <p:nvCxnSpPr>
+          <p:cNvPr id="95" name="Straight Arrow Connector 94">
+            <a:extLst>
+              <a:ext uri="{FF2B5EF4-FFF2-40B4-BE49-F238E27FC236}">
+                <a16:creationId xmlns:a16="http://schemas.microsoft.com/office/drawing/2014/main" id="{79F40718-E6CA-4335-B6DF-28389D6A279F}"/>
+              </a:ext>
+            </a:extLst>
+          </p:cNvPr>
+          <p:cNvCxnSpPr>
+            <a:cxnSpLocks/>
+            <a:stCxn id="86" idx="0"/>
+            <a:endCxn id="84" idx="2"/>
+          </p:cNvCxnSpPr>
+          <p:nvPr/>
+        </p:nvCxnSpPr>
+        <p:spPr>
+          <a:xfrm flipV="1">
+            <a:off x="9925394" y="4650122"/>
+            <a:ext cx="12139" cy="562827"/>
+          </a:xfrm>
+          <a:prstGeom prst="straightConnector1">
+            <a:avLst/>
+          </a:prstGeom>
+          <a:ln w="38100">
+            <a:headEnd type="triangle" w="med" len="med"/>
+            <a:tailEnd type="triangle" w="med" len="med"/>
+          </a:ln>
+        </p:spPr>
+        <p:style>
+          <a:lnRef idx="1">
+            <a:schemeClr val="accent1"/>
+          </a:lnRef>
+          <a:fillRef idx="0">
+            <a:schemeClr val="accent1"/>
+          </a:fillRef>
+          <a:effectRef idx="0">
+            <a:schemeClr val="accent1"/>
+          </a:effectRef>
+          <a:fontRef idx="minor">
+            <a:schemeClr val="tx1"/>
+          </a:fontRef>
+        </p:style>
+      </p:cxnSp>
+      <p:sp>
+        <p:nvSpPr>
+          <p:cNvPr id="3" name="Rectangle 2">
+            <a:extLst>
+              <a:ext uri="{FF2B5EF4-FFF2-40B4-BE49-F238E27FC236}">
+                <a16:creationId xmlns:a16="http://schemas.microsoft.com/office/drawing/2014/main" id="{616D1DA5-88FE-491D-AA2A-BD900CA561E2}"/>
+              </a:ext>
+            </a:extLst>
+          </p:cNvPr>
+          <p:cNvSpPr/>
+          <p:nvPr/>
+        </p:nvSpPr>
+        <p:spPr>
+          <a:xfrm>
+            <a:off x="6462274" y="2444001"/>
+            <a:ext cx="825431" cy="1107996"/>
+          </a:xfrm>
+          <a:prstGeom prst="rect">
+            <a:avLst/>
+          </a:prstGeom>
+          <a:noFill/>
+        </p:spPr>
+        <p:txBody>
+          <a:bodyPr wrap="square" lIns="91440" tIns="45720" rIns="91440" bIns="45720">
+            <a:spAutoFit/>
+          </a:bodyPr>
+          <a:lstStyle/>
+          <a:p>
+            <a:pPr algn="ctr"/>
+            <a:r>
+              <a:rPr lang="en-US" sz="7200" b="0" cap="none" spc="0" dirty="0">
+                <a:ln w="0"/>
+                <a:solidFill>
+                  <a:schemeClr val="tx1"/>
+                </a:solidFill>
+                <a:effectLst>
+                  <a:outerShdw blurRad="38100" dist="19050" dir="2700000" algn="tl" rotWithShape="0">
+                    <a:schemeClr val="dk1">
+                      <a:alpha val="40000"/>
+                    </a:schemeClr>
+                  </a:outerShdw>
+                </a:effectLst>
+              </a:rPr>
+              <a:t>?</a:t>
+            </a:r>
+          </a:p>
+        </p:txBody>
+      </p:sp>
+      <p:sp>
+        <p:nvSpPr>
+          <p:cNvPr id="4" name="Rectangle 3">
+            <a:extLst>
+              <a:ext uri="{FF2B5EF4-FFF2-40B4-BE49-F238E27FC236}">
+                <a16:creationId xmlns:a16="http://schemas.microsoft.com/office/drawing/2014/main" id="{4B8B11A9-F613-48AC-A539-FD90B2AFCB7A}"/>
+              </a:ext>
+            </a:extLst>
+          </p:cNvPr>
+          <p:cNvSpPr/>
+          <p:nvPr/>
+        </p:nvSpPr>
+        <p:spPr>
+          <a:xfrm>
+            <a:off x="9587168" y="2647578"/>
+            <a:ext cx="825431" cy="1107996"/>
+          </a:xfrm>
+          <a:prstGeom prst="rect">
+            <a:avLst/>
+          </a:prstGeom>
+          <a:noFill/>
+        </p:spPr>
+        <p:txBody>
+          <a:bodyPr wrap="square" lIns="91440" tIns="45720" rIns="91440" bIns="45720">
+            <a:spAutoFit/>
+          </a:bodyPr>
+          <a:lstStyle/>
+          <a:p>
+            <a:pPr algn="ctr"/>
+            <a:r>
+              <a:rPr lang="en-US" sz="7200" b="0" cap="none" spc="0" dirty="0">
+                <a:ln w="0"/>
+                <a:solidFill>
+                  <a:schemeClr val="tx1"/>
+                </a:solidFill>
+                <a:effectLst>
+                  <a:outerShdw blurRad="38100" dist="19050" dir="2700000" algn="tl" rotWithShape="0">
+                    <a:schemeClr val="dk1">
+                      <a:alpha val="40000"/>
+                    </a:schemeClr>
+                  </a:outerShdw>
+                </a:effectLst>
+              </a:rPr>
+              <a:t>?</a:t>
+            </a:r>
+          </a:p>
+        </p:txBody>
+      </p:sp>
+    </p:spTree>
+    <p:extLst>
+      <p:ext uri="{BB962C8B-B14F-4D97-AF65-F5344CB8AC3E}">
+        <p14:creationId xmlns:p14="http://schemas.microsoft.com/office/powerpoint/2010/main" val="851614554"/>
+      </p:ext>
+    </p:extLst>
+  </p:cSld>
+  <p:clrMapOvr>
+    <a:masterClrMapping/>
+  </p:clrMapOvr>
+</p:sld>
+</file>
+
+<file path=ppt/slides/slide2.xml><?xml version="1.0" encoding="utf-8"?>
+<p:sld xmlns:a="http://schemas.openxmlformats.org/drawingml/2006/main" xmlns:r="http://schemas.openxmlformats.org/officeDocument/2006/relationships" xmlns:p="http://schemas.openxmlformats.org/presentationml/2006/main">
+  <p:cSld>
+    <p:spTree>
+      <p:nvGrpSpPr>
+        <p:cNvPr id="1" name=""/>
+        <p:cNvGrpSpPr/>
+        <p:nvPr/>
+      </p:nvGrpSpPr>
+      <p:grpSpPr>
+        <a:xfrm>
+          <a:off x="0" y="0"/>
+          <a:ext cx="0" cy="0"/>
+          <a:chOff x="0" y="0"/>
+          <a:chExt cx="0" cy="0"/>
+        </a:xfrm>
+      </p:grpSpPr>
+      <p:sp>
+        <p:nvSpPr>
+          <p:cNvPr id="26" name="Rectangle: Rounded Corners 25">
+            <a:extLst>
+              <a:ext uri="{FF2B5EF4-FFF2-40B4-BE49-F238E27FC236}">
+                <a16:creationId xmlns:a16="http://schemas.microsoft.com/office/drawing/2014/main" id="{E224E7AD-CBE4-4ED3-A04B-765699513DF3}"/>
+              </a:ext>
+            </a:extLst>
+          </p:cNvPr>
+          <p:cNvSpPr/>
+          <p:nvPr/>
+        </p:nvSpPr>
+        <p:spPr>
+          <a:xfrm>
+            <a:off x="1379382" y="3146924"/>
+            <a:ext cx="1701410" cy="1552235"/>
+          </a:xfrm>
+          <a:prstGeom prst="roundRect">
+            <a:avLst/>
+          </a:prstGeom>
+          <a:solidFill>
+            <a:schemeClr val="bg1"/>
+          </a:solidFill>
+          <a:ln w="28575">
+            <a:solidFill>
+              <a:schemeClr val="tx1"/>
+            </a:solidFill>
+          </a:ln>
+        </p:spPr>
+        <p:style>
+          <a:lnRef idx="2">
+            <a:schemeClr val="accent1">
+              <a:shade val="50000"/>
+            </a:schemeClr>
+          </a:lnRef>
+          <a:fillRef idx="1">
+            <a:schemeClr val="accent1"/>
+          </a:fillRef>
+          <a:effectRef idx="0">
+            <a:schemeClr val="accent1"/>
+          </a:effectRef>
+          <a:fontRef idx="minor">
+            <a:schemeClr val="lt1"/>
+          </a:fontRef>
+        </p:style>
+        <p:txBody>
+          <a:bodyPr rtlCol="0" anchor="ctr"/>
+          <a:lstStyle/>
+          <a:p>
+            <a:pPr algn="ctr"/>
+            <a:endParaRPr lang="en-US"/>
+          </a:p>
+        </p:txBody>
+      </p:sp>
+      <p:grpSp>
+        <p:nvGrpSpPr>
+          <p:cNvPr id="30" name="Group 29">
+            <a:extLst>
+              <a:ext uri="{FF2B5EF4-FFF2-40B4-BE49-F238E27FC236}">
+                <a16:creationId xmlns:a16="http://schemas.microsoft.com/office/drawing/2014/main" id="{1F551A56-9A50-464C-8452-F668750F8141}"/>
+              </a:ext>
+            </a:extLst>
+          </p:cNvPr>
+          <p:cNvGrpSpPr/>
+          <p:nvPr/>
+        </p:nvGrpSpPr>
+        <p:grpSpPr>
+          <a:xfrm>
+            <a:off x="1887314" y="2217148"/>
+            <a:ext cx="762000" cy="762000"/>
+            <a:chOff x="1190625" y="1381125"/>
+            <a:chExt cx="762000" cy="762000"/>
+          </a:xfrm>
+        </p:grpSpPr>
+        <p:pic>
+          <p:nvPicPr>
+            <p:cNvPr id="5" name="Graphic 4">
+              <a:extLst>
+                <a:ext uri="{FF2B5EF4-FFF2-40B4-BE49-F238E27FC236}">
+                  <a16:creationId xmlns:a16="http://schemas.microsoft.com/office/drawing/2014/main" id="{74DAB90C-8F34-47D4-9541-31D4CC4FD576}"/>
+                </a:ext>
+              </a:extLst>
+            </p:cNvPr>
+            <p:cNvPicPr>
+              <a:picLocks noChangeAspect="1"/>
+            </p:cNvPicPr>
+            <p:nvPr/>
+          </p:nvPicPr>
+          <p:blipFill>
+            <a:blip r:embed="rId2">
+              <a:extLst>
+                <a:ext uri="{28A0092B-C50C-407E-A947-70E740481C1C}">
+                  <a14:useLocalDpi xmlns:a14="http://schemas.microsoft.com/office/drawing/2010/main" val="0"/>
+                </a:ext>
+                <a:ext uri="{96DAC541-7B7A-43D3-8B79-37D633B846F1}">
+                  <asvg:svgBlip xmlns:asvg="http://schemas.microsoft.com/office/drawing/2016/SVG/main" r:embed="rId3"/>
+                </a:ext>
+              </a:extLst>
+            </a:blip>
+            <a:stretch>
+              <a:fillRect/>
+            </a:stretch>
+          </p:blipFill>
+          <p:spPr>
+            <a:xfrm>
+              <a:off x="1190625" y="1381125"/>
+              <a:ext cx="457200" cy="457200"/>
+            </a:xfrm>
+            <a:prstGeom prst="rect">
+              <a:avLst/>
+            </a:prstGeom>
+          </p:spPr>
+        </p:pic>
+        <p:pic>
+          <p:nvPicPr>
+            <p:cNvPr id="7" name="Graphic 6">
+              <a:extLst>
+                <a:ext uri="{FF2B5EF4-FFF2-40B4-BE49-F238E27FC236}">
+                  <a16:creationId xmlns:a16="http://schemas.microsoft.com/office/drawing/2014/main" id="{95CF8D16-4198-4D62-97BB-7ACC8D000388}"/>
+                </a:ext>
+              </a:extLst>
+            </p:cNvPr>
+            <p:cNvPicPr>
+              <a:picLocks noChangeAspect="1"/>
+            </p:cNvPicPr>
+            <p:nvPr/>
+          </p:nvPicPr>
+          <p:blipFill>
+            <a:blip r:embed="rId2">
+              <a:extLst>
+                <a:ext uri="{28A0092B-C50C-407E-A947-70E740481C1C}">
+                  <a14:useLocalDpi xmlns:a14="http://schemas.microsoft.com/office/drawing/2010/main" val="0"/>
+                </a:ext>
+                <a:ext uri="{96DAC541-7B7A-43D3-8B79-37D633B846F1}">
+                  <asvg:svgBlip xmlns:asvg="http://schemas.microsoft.com/office/drawing/2016/SVG/main" r:embed="rId3"/>
+                </a:ext>
+              </a:extLst>
+            </a:blip>
+            <a:stretch>
+              <a:fillRect/>
+            </a:stretch>
+          </p:blipFill>
+          <p:spPr>
+            <a:xfrm>
+              <a:off x="1343025" y="1533525"/>
+              <a:ext cx="457200" cy="457200"/>
+            </a:xfrm>
+            <a:prstGeom prst="rect">
+              <a:avLst/>
+            </a:prstGeom>
+          </p:spPr>
+        </p:pic>
+        <p:pic>
+          <p:nvPicPr>
+            <p:cNvPr id="9" name="Graphic 8">
+              <a:extLst>
+                <a:ext uri="{FF2B5EF4-FFF2-40B4-BE49-F238E27FC236}">
+                  <a16:creationId xmlns:a16="http://schemas.microsoft.com/office/drawing/2014/main" id="{5095A627-44E8-4D21-B3D5-590F36E5E7AF}"/>
+                </a:ext>
+              </a:extLst>
+            </p:cNvPr>
+            <p:cNvPicPr>
+              <a:picLocks noChangeAspect="1"/>
+            </p:cNvPicPr>
+            <p:nvPr/>
+          </p:nvPicPr>
+          <p:blipFill>
+            <a:blip r:embed="rId2">
+              <a:extLst>
+                <a:ext uri="{28A0092B-C50C-407E-A947-70E740481C1C}">
+                  <a14:useLocalDpi xmlns:a14="http://schemas.microsoft.com/office/drawing/2010/main" val="0"/>
+                </a:ext>
+                <a:ext uri="{96DAC541-7B7A-43D3-8B79-37D633B846F1}">
+                  <asvg:svgBlip xmlns:asvg="http://schemas.microsoft.com/office/drawing/2016/SVG/main" r:embed="rId3"/>
+                </a:ext>
+              </a:extLst>
+            </a:blip>
+            <a:stretch>
+              <a:fillRect/>
+            </a:stretch>
+          </p:blipFill>
+          <p:spPr>
+            <a:xfrm>
+              <a:off x="1495425" y="1685925"/>
+              <a:ext cx="457200" cy="457200"/>
+            </a:xfrm>
+            <a:prstGeom prst="rect">
+              <a:avLst/>
+            </a:prstGeom>
+          </p:spPr>
+        </p:pic>
+      </p:grpSp>
       <p:pic>
         <p:nvPicPr>
           <p:cNvPr id="11" name="Graphic 10">
@@ -5644,7 +6966,7 @@
     </p:spTree>
     <p:extLst>
       <p:ext uri="{BB962C8B-B14F-4D97-AF65-F5344CB8AC3E}">
-        <p14:creationId xmlns:p14="http://schemas.microsoft.com/office/powerpoint/2010/main" val="851614554"/>
+        <p14:creationId xmlns:p14="http://schemas.microsoft.com/office/powerpoint/2010/main" val="3566589780"/>
       </p:ext>
     </p:extLst>
   </p:cSld>

--- a/Documents/Diagrams.pptx
+++ b/Documents/Diagrams.pptx
@@ -260,7 +260,7 @@
           <a:p>
             <a:fld id="{33C3F64C-C526-40FB-AED9-C37B4F96ABD4}" type="datetimeFigureOut">
               <a:rPr lang="en-US" smtClean="0"/>
-              <a:t>20-Jan-21</a:t>
+              <a:t>26-Jan-21</a:t>
             </a:fld>
             <a:endParaRPr lang="en-US"/>
           </a:p>
@@ -458,7 +458,7 @@
           <a:p>
             <a:fld id="{33C3F64C-C526-40FB-AED9-C37B4F96ABD4}" type="datetimeFigureOut">
               <a:rPr lang="en-US" smtClean="0"/>
-              <a:t>20-Jan-21</a:t>
+              <a:t>26-Jan-21</a:t>
             </a:fld>
             <a:endParaRPr lang="en-US"/>
           </a:p>
@@ -666,7 +666,7 @@
           <a:p>
             <a:fld id="{33C3F64C-C526-40FB-AED9-C37B4F96ABD4}" type="datetimeFigureOut">
               <a:rPr lang="en-US" smtClean="0"/>
-              <a:t>20-Jan-21</a:t>
+              <a:t>26-Jan-21</a:t>
             </a:fld>
             <a:endParaRPr lang="en-US"/>
           </a:p>
@@ -864,7 +864,7 @@
           <a:p>
             <a:fld id="{33C3F64C-C526-40FB-AED9-C37B4F96ABD4}" type="datetimeFigureOut">
               <a:rPr lang="en-US" smtClean="0"/>
-              <a:t>20-Jan-21</a:t>
+              <a:t>26-Jan-21</a:t>
             </a:fld>
             <a:endParaRPr lang="en-US"/>
           </a:p>
@@ -1139,7 +1139,7 @@
           <a:p>
             <a:fld id="{33C3F64C-C526-40FB-AED9-C37B4F96ABD4}" type="datetimeFigureOut">
               <a:rPr lang="en-US" smtClean="0"/>
-              <a:t>20-Jan-21</a:t>
+              <a:t>26-Jan-21</a:t>
             </a:fld>
             <a:endParaRPr lang="en-US"/>
           </a:p>
@@ -1404,7 +1404,7 @@
           <a:p>
             <a:fld id="{33C3F64C-C526-40FB-AED9-C37B4F96ABD4}" type="datetimeFigureOut">
               <a:rPr lang="en-US" smtClean="0"/>
-              <a:t>20-Jan-21</a:t>
+              <a:t>26-Jan-21</a:t>
             </a:fld>
             <a:endParaRPr lang="en-US"/>
           </a:p>
@@ -1816,7 +1816,7 @@
           <a:p>
             <a:fld id="{33C3F64C-C526-40FB-AED9-C37B4F96ABD4}" type="datetimeFigureOut">
               <a:rPr lang="en-US" smtClean="0"/>
-              <a:t>20-Jan-21</a:t>
+              <a:t>26-Jan-21</a:t>
             </a:fld>
             <a:endParaRPr lang="en-US"/>
           </a:p>
@@ -1957,7 +1957,7 @@
           <a:p>
             <a:fld id="{33C3F64C-C526-40FB-AED9-C37B4F96ABD4}" type="datetimeFigureOut">
               <a:rPr lang="en-US" smtClean="0"/>
-              <a:t>20-Jan-21</a:t>
+              <a:t>26-Jan-21</a:t>
             </a:fld>
             <a:endParaRPr lang="en-US"/>
           </a:p>
@@ -2070,7 +2070,7 @@
           <a:p>
             <a:fld id="{33C3F64C-C526-40FB-AED9-C37B4F96ABD4}" type="datetimeFigureOut">
               <a:rPr lang="en-US" smtClean="0"/>
-              <a:t>20-Jan-21</a:t>
+              <a:t>26-Jan-21</a:t>
             </a:fld>
             <a:endParaRPr lang="en-US"/>
           </a:p>
@@ -2381,7 +2381,7 @@
           <a:p>
             <a:fld id="{33C3F64C-C526-40FB-AED9-C37B4F96ABD4}" type="datetimeFigureOut">
               <a:rPr lang="en-US" smtClean="0"/>
-              <a:t>20-Jan-21</a:t>
+              <a:t>26-Jan-21</a:t>
             </a:fld>
             <a:endParaRPr lang="en-US"/>
           </a:p>
@@ -2669,7 +2669,7 @@
           <a:p>
             <a:fld id="{33C3F64C-C526-40FB-AED9-C37B4F96ABD4}" type="datetimeFigureOut">
               <a:rPr lang="en-US" smtClean="0"/>
-              <a:t>20-Jan-21</a:t>
+              <a:t>26-Jan-21</a:t>
             </a:fld>
             <a:endParaRPr lang="en-US"/>
           </a:p>
@@ -2910,7 +2910,7 @@
           <a:p>
             <a:fld id="{33C3F64C-C526-40FB-AED9-C37B4F96ABD4}" type="datetimeFigureOut">
               <a:rPr lang="en-US" smtClean="0"/>
-              <a:t>20-Jan-21</a:t>
+              <a:t>26-Jan-21</a:t>
             </a:fld>
             <a:endParaRPr lang="en-US"/>
           </a:p>
@@ -3341,8 +3341,8 @@
         </p:nvSpPr>
         <p:spPr>
           <a:xfrm>
-            <a:off x="1379382" y="3146924"/>
-            <a:ext cx="1701410" cy="1552235"/>
+            <a:off x="1595922" y="3233838"/>
+            <a:ext cx="1269423" cy="1079131"/>
           </a:xfrm>
           <a:prstGeom prst="roundRect">
             <a:avLst/>
@@ -3533,8 +3533,8 @@
         </p:nvSpPr>
         <p:spPr>
           <a:xfrm>
-            <a:off x="1379382" y="4309000"/>
-            <a:ext cx="1701411" cy="307777"/>
+            <a:off x="1637580" y="3933394"/>
+            <a:ext cx="1227766" cy="307777"/>
           </a:xfrm>
           <a:prstGeom prst="rect">
             <a:avLst/>
@@ -3550,7 +3550,7 @@
             <a:pPr algn="ctr"/>
             <a:r>
               <a:rPr lang="en-US" sz="1400" dirty="0"/>
-              <a:t>Telemetry Simulator</a:t>
+              <a:t>Simulator</a:t>
             </a:r>
           </a:p>
         </p:txBody>
@@ -3616,8 +3616,8 @@
         </p:nvCxnSpPr>
         <p:spPr>
           <a:xfrm flipV="1">
-            <a:off x="3080792" y="3250610"/>
-            <a:ext cx="947875" cy="672432"/>
+            <a:off x="2865345" y="3250610"/>
+            <a:ext cx="1163322" cy="522794"/>
           </a:xfrm>
           <a:prstGeom prst="straightConnector1">
             <a:avLst/>
@@ -3805,7 +3805,7 @@
         </p:nvGrpSpPr>
         <p:grpSpPr>
           <a:xfrm>
-            <a:off x="9034288" y="2450323"/>
+            <a:off x="9034288" y="2345815"/>
             <a:ext cx="1931195" cy="1775732"/>
             <a:chOff x="9578112" y="2087404"/>
             <a:chExt cx="1931195" cy="1775732"/>
@@ -4075,7 +4075,7 @@
         <p:spPr>
           <a:xfrm>
             <a:off x="7748282" y="3233838"/>
-            <a:ext cx="900487" cy="20492"/>
+            <a:ext cx="900487" cy="3074"/>
           </a:xfrm>
           <a:prstGeom prst="straightConnector1">
             <a:avLst/>
@@ -4113,7 +4113,7 @@
         </p:nvGrpSpPr>
         <p:grpSpPr>
           <a:xfrm>
-            <a:off x="8648769" y="3167244"/>
+            <a:off x="8648769" y="3149826"/>
             <a:ext cx="374469" cy="174171"/>
             <a:chOff x="6435634" y="5416731"/>
             <a:chExt cx="374469" cy="174171"/>
@@ -4225,7 +4225,7 @@
         </p:nvGrpSpPr>
         <p:grpSpPr>
           <a:xfrm rot="16200000">
-            <a:off x="9750298" y="4375802"/>
+            <a:off x="9750296" y="4221696"/>
             <a:ext cx="374469" cy="174171"/>
             <a:chOff x="6435634" y="5416731"/>
             <a:chExt cx="374469" cy="174171"/>
@@ -4491,8 +4491,8 @@
         </p:nvCxnSpPr>
         <p:spPr>
           <a:xfrm flipV="1">
-            <a:off x="9925394" y="4650122"/>
-            <a:ext cx="12139" cy="562827"/>
+            <a:off x="9925394" y="4496016"/>
+            <a:ext cx="12137" cy="716933"/>
           </a:xfrm>
           <a:prstGeom prst="straightConnector1">
             <a:avLst/>
@@ -4609,6 +4609,81 @@
                 </a:effectLst>
               </a:rPr>
               <a:t>?</a:t>
+            </a:r>
+          </a:p>
+        </p:txBody>
+      </p:sp>
+      <p:pic>
+        <p:nvPicPr>
+          <p:cNvPr id="6" name="Graphic 5">
+            <a:extLst>
+              <a:ext uri="{FF2B5EF4-FFF2-40B4-BE49-F238E27FC236}">
+                <a16:creationId xmlns:a16="http://schemas.microsoft.com/office/drawing/2014/main" id="{7B5D6211-81D7-4CDB-9200-E6A2849208A2}"/>
+              </a:ext>
+            </a:extLst>
+          </p:cNvPr>
+          <p:cNvPicPr>
+            <a:picLocks noChangeAspect="1"/>
+          </p:cNvPicPr>
+          <p:nvPr/>
+        </p:nvPicPr>
+        <p:blipFill>
+          <a:blip r:embed="rId8">
+            <a:extLst>
+              <a:ext uri="{28A0092B-C50C-407E-A947-70E740481C1C}">
+                <a14:useLocalDpi xmlns:a14="http://schemas.microsoft.com/office/drawing/2010/main" val="0"/>
+              </a:ext>
+              <a:ext uri="{96DAC541-7B7A-43D3-8B79-37D633B846F1}">
+                <asvg:svgBlip xmlns:asvg="http://schemas.microsoft.com/office/drawing/2016/SVG/main" r:embed="rId9"/>
+              </a:ext>
+            </a:extLst>
+          </a:blip>
+          <a:stretch>
+            <a:fillRect/>
+          </a:stretch>
+        </p:blipFill>
+        <p:spPr>
+          <a:xfrm>
+            <a:off x="1738674" y="3114855"/>
+            <a:ext cx="952500" cy="952500"/>
+          </a:xfrm>
+          <a:prstGeom prst="rect">
+            <a:avLst/>
+          </a:prstGeom>
+        </p:spPr>
+      </p:pic>
+      <p:sp>
+        <p:nvSpPr>
+          <p:cNvPr id="11" name="TextBox 10">
+            <a:extLst>
+              <a:ext uri="{FF2B5EF4-FFF2-40B4-BE49-F238E27FC236}">
+                <a16:creationId xmlns:a16="http://schemas.microsoft.com/office/drawing/2014/main" id="{C924919A-B8B3-461C-81D1-DEFDFEE84922}"/>
+              </a:ext>
+            </a:extLst>
+          </p:cNvPr>
+          <p:cNvSpPr txBox="1"/>
+          <p:nvPr/>
+        </p:nvSpPr>
+        <p:spPr>
+          <a:xfrm>
+            <a:off x="1637580" y="1952292"/>
+            <a:ext cx="1227766" cy="307777"/>
+          </a:xfrm>
+          <a:prstGeom prst="rect">
+            <a:avLst/>
+          </a:prstGeom>
+          <a:noFill/>
+        </p:spPr>
+        <p:txBody>
+          <a:bodyPr wrap="square" rtlCol="0">
+            <a:spAutoFit/>
+          </a:bodyPr>
+          <a:lstStyle/>
+          <a:p>
+            <a:pPr algn="ctr"/>
+            <a:r>
+              <a:rPr lang="en-US" sz="1400" dirty="0"/>
+              <a:t>Devices</a:t>
             </a:r>
           </a:p>
         </p:txBody>

--- a/Documents/Diagrams.pptx
+++ b/Documents/Diagrams.pptx
@@ -7,6 +7,8 @@
   <p:sldIdLst>
     <p:sldId id="256" r:id="rId2"/>
     <p:sldId id="257" r:id="rId3"/>
+    <p:sldId id="258" r:id="rId4"/>
+    <p:sldId id="259" r:id="rId5"/>
   </p:sldIdLst>
   <p:sldSz cx="12192000" cy="6858000"/>
   <p:notesSz cx="6858000" cy="9144000"/>
@@ -260,7 +262,7 @@
           <a:p>
             <a:fld id="{33C3F64C-C526-40FB-AED9-C37B4F96ABD4}" type="datetimeFigureOut">
               <a:rPr lang="en-US" smtClean="0"/>
-              <a:t>26-Jan-21</a:t>
+              <a:t>14-Feb-21</a:t>
             </a:fld>
             <a:endParaRPr lang="en-US"/>
           </a:p>
@@ -458,7 +460,7 @@
           <a:p>
             <a:fld id="{33C3F64C-C526-40FB-AED9-C37B4F96ABD4}" type="datetimeFigureOut">
               <a:rPr lang="en-US" smtClean="0"/>
-              <a:t>26-Jan-21</a:t>
+              <a:t>14-Feb-21</a:t>
             </a:fld>
             <a:endParaRPr lang="en-US"/>
           </a:p>
@@ -666,7 +668,7 @@
           <a:p>
             <a:fld id="{33C3F64C-C526-40FB-AED9-C37B4F96ABD4}" type="datetimeFigureOut">
               <a:rPr lang="en-US" smtClean="0"/>
-              <a:t>26-Jan-21</a:t>
+              <a:t>14-Feb-21</a:t>
             </a:fld>
             <a:endParaRPr lang="en-US"/>
           </a:p>
@@ -864,7 +866,7 @@
           <a:p>
             <a:fld id="{33C3F64C-C526-40FB-AED9-C37B4F96ABD4}" type="datetimeFigureOut">
               <a:rPr lang="en-US" smtClean="0"/>
-              <a:t>26-Jan-21</a:t>
+              <a:t>14-Feb-21</a:t>
             </a:fld>
             <a:endParaRPr lang="en-US"/>
           </a:p>
@@ -1139,7 +1141,7 @@
           <a:p>
             <a:fld id="{33C3F64C-C526-40FB-AED9-C37B4F96ABD4}" type="datetimeFigureOut">
               <a:rPr lang="en-US" smtClean="0"/>
-              <a:t>26-Jan-21</a:t>
+              <a:t>14-Feb-21</a:t>
             </a:fld>
             <a:endParaRPr lang="en-US"/>
           </a:p>
@@ -1404,7 +1406,7 @@
           <a:p>
             <a:fld id="{33C3F64C-C526-40FB-AED9-C37B4F96ABD4}" type="datetimeFigureOut">
               <a:rPr lang="en-US" smtClean="0"/>
-              <a:t>26-Jan-21</a:t>
+              <a:t>14-Feb-21</a:t>
             </a:fld>
             <a:endParaRPr lang="en-US"/>
           </a:p>
@@ -1816,7 +1818,7 @@
           <a:p>
             <a:fld id="{33C3F64C-C526-40FB-AED9-C37B4F96ABD4}" type="datetimeFigureOut">
               <a:rPr lang="en-US" smtClean="0"/>
-              <a:t>26-Jan-21</a:t>
+              <a:t>14-Feb-21</a:t>
             </a:fld>
             <a:endParaRPr lang="en-US"/>
           </a:p>
@@ -1957,7 +1959,7 @@
           <a:p>
             <a:fld id="{33C3F64C-C526-40FB-AED9-C37B4F96ABD4}" type="datetimeFigureOut">
               <a:rPr lang="en-US" smtClean="0"/>
-              <a:t>26-Jan-21</a:t>
+              <a:t>14-Feb-21</a:t>
             </a:fld>
             <a:endParaRPr lang="en-US"/>
           </a:p>
@@ -2070,7 +2072,7 @@
           <a:p>
             <a:fld id="{33C3F64C-C526-40FB-AED9-C37B4F96ABD4}" type="datetimeFigureOut">
               <a:rPr lang="en-US" smtClean="0"/>
-              <a:t>26-Jan-21</a:t>
+              <a:t>14-Feb-21</a:t>
             </a:fld>
             <a:endParaRPr lang="en-US"/>
           </a:p>
@@ -2381,7 +2383,7 @@
           <a:p>
             <a:fld id="{33C3F64C-C526-40FB-AED9-C37B4F96ABD4}" type="datetimeFigureOut">
               <a:rPr lang="en-US" smtClean="0"/>
-              <a:t>26-Jan-21</a:t>
+              <a:t>14-Feb-21</a:t>
             </a:fld>
             <a:endParaRPr lang="en-US"/>
           </a:p>
@@ -2669,7 +2671,7 @@
           <a:p>
             <a:fld id="{33C3F64C-C526-40FB-AED9-C37B4F96ABD4}" type="datetimeFigureOut">
               <a:rPr lang="en-US" smtClean="0"/>
-              <a:t>26-Jan-21</a:t>
+              <a:t>14-Feb-21</a:t>
             </a:fld>
             <a:endParaRPr lang="en-US"/>
           </a:p>
@@ -2910,7 +2912,7 @@
           <a:p>
             <a:fld id="{33C3F64C-C526-40FB-AED9-C37B4F96ABD4}" type="datetimeFigureOut">
               <a:rPr lang="en-US" smtClean="0"/>
-              <a:t>26-Jan-21</a:t>
+              <a:t>14-Feb-21</a:t>
             </a:fld>
             <a:endParaRPr lang="en-US"/>
           </a:p>
@@ -7051,6 +7053,6503 @@
 </p:sld>
 </file>
 
+<file path=ppt/slides/slide3.xml><?xml version="1.0" encoding="utf-8"?>
+<p:sld xmlns:a="http://schemas.openxmlformats.org/drawingml/2006/main" xmlns:r="http://schemas.openxmlformats.org/officeDocument/2006/relationships" xmlns:p="http://schemas.openxmlformats.org/presentationml/2006/main">
+  <p:cSld>
+    <p:spTree>
+      <p:nvGrpSpPr>
+        <p:cNvPr id="1" name=""/>
+        <p:cNvGrpSpPr/>
+        <p:nvPr/>
+      </p:nvGrpSpPr>
+      <p:grpSpPr>
+        <a:xfrm>
+          <a:off x="0" y="0"/>
+          <a:ext cx="0" cy="0"/>
+          <a:chOff x="0" y="0"/>
+          <a:chExt cx="0" cy="0"/>
+        </a:xfrm>
+      </p:grpSpPr>
+      <p:sp>
+        <p:nvSpPr>
+          <p:cNvPr id="4" name="Rectangle: Rounded Corners 3">
+            <a:extLst>
+              <a:ext uri="{FF2B5EF4-FFF2-40B4-BE49-F238E27FC236}">
+                <a16:creationId xmlns:a16="http://schemas.microsoft.com/office/drawing/2014/main" id="{DE4DF5EC-C0A1-4B48-A63D-E5C886E77762}"/>
+              </a:ext>
+            </a:extLst>
+          </p:cNvPr>
+          <p:cNvSpPr/>
+          <p:nvPr/>
+        </p:nvSpPr>
+        <p:spPr>
+          <a:xfrm>
+            <a:off x="3100286" y="2244831"/>
+            <a:ext cx="1688068" cy="1328738"/>
+          </a:xfrm>
+          <a:prstGeom prst="roundRect">
+            <a:avLst/>
+          </a:prstGeom>
+          <a:solidFill>
+            <a:schemeClr val="bg1"/>
+          </a:solidFill>
+          <a:ln w="28575">
+            <a:solidFill>
+              <a:schemeClr val="tx1"/>
+            </a:solidFill>
+          </a:ln>
+        </p:spPr>
+        <p:style>
+          <a:lnRef idx="2">
+            <a:schemeClr val="accent1">
+              <a:shade val="50000"/>
+            </a:schemeClr>
+          </a:lnRef>
+          <a:fillRef idx="1">
+            <a:schemeClr val="accent1"/>
+          </a:fillRef>
+          <a:effectRef idx="0">
+            <a:schemeClr val="accent1"/>
+          </a:effectRef>
+          <a:fontRef idx="minor">
+            <a:schemeClr val="lt1"/>
+          </a:fontRef>
+        </p:style>
+        <p:txBody>
+          <a:bodyPr rtlCol="0" anchor="ctr"/>
+          <a:lstStyle/>
+          <a:p>
+            <a:pPr algn="ctr"/>
+            <a:endParaRPr lang="en-US"/>
+          </a:p>
+        </p:txBody>
+      </p:sp>
+      <p:sp>
+        <p:nvSpPr>
+          <p:cNvPr id="5" name="Rectangle: Rounded Corners 4">
+            <a:extLst>
+              <a:ext uri="{FF2B5EF4-FFF2-40B4-BE49-F238E27FC236}">
+                <a16:creationId xmlns:a16="http://schemas.microsoft.com/office/drawing/2014/main" id="{DAC8CCEC-B807-4967-AADE-27905CCE9EDF}"/>
+              </a:ext>
+            </a:extLst>
+          </p:cNvPr>
+          <p:cNvSpPr/>
+          <p:nvPr/>
+        </p:nvSpPr>
+        <p:spPr>
+          <a:xfrm>
+            <a:off x="3034511" y="2159806"/>
+            <a:ext cx="1688068" cy="1328738"/>
+          </a:xfrm>
+          <a:prstGeom prst="roundRect">
+            <a:avLst/>
+          </a:prstGeom>
+          <a:solidFill>
+            <a:schemeClr val="bg1"/>
+          </a:solidFill>
+          <a:ln w="28575">
+            <a:solidFill>
+              <a:schemeClr val="tx1"/>
+            </a:solidFill>
+          </a:ln>
+        </p:spPr>
+        <p:style>
+          <a:lnRef idx="2">
+            <a:schemeClr val="accent1">
+              <a:shade val="50000"/>
+            </a:schemeClr>
+          </a:lnRef>
+          <a:fillRef idx="1">
+            <a:schemeClr val="accent1"/>
+          </a:fillRef>
+          <a:effectRef idx="0">
+            <a:schemeClr val="accent1"/>
+          </a:effectRef>
+          <a:fontRef idx="minor">
+            <a:schemeClr val="lt1"/>
+          </a:fontRef>
+        </p:style>
+        <p:txBody>
+          <a:bodyPr rtlCol="0" anchor="ctr"/>
+          <a:lstStyle/>
+          <a:p>
+            <a:pPr algn="ctr"/>
+            <a:endParaRPr lang="en-US"/>
+          </a:p>
+        </p:txBody>
+      </p:sp>
+      <p:grpSp>
+        <p:nvGrpSpPr>
+          <p:cNvPr id="7" name="Group 6">
+            <a:extLst>
+              <a:ext uri="{FF2B5EF4-FFF2-40B4-BE49-F238E27FC236}">
+                <a16:creationId xmlns:a16="http://schemas.microsoft.com/office/drawing/2014/main" id="{C1E59728-0AE1-4881-B976-47EB26A54317}"/>
+              </a:ext>
+            </a:extLst>
+          </p:cNvPr>
+          <p:cNvGrpSpPr/>
+          <p:nvPr/>
+        </p:nvGrpSpPr>
+        <p:grpSpPr>
+          <a:xfrm>
+            <a:off x="1417918" y="2242447"/>
+            <a:ext cx="1069269" cy="1028702"/>
+            <a:chOff x="4357123" y="1750218"/>
+            <a:chExt cx="1069269" cy="1028702"/>
+          </a:xfrm>
+        </p:grpSpPr>
+        <p:sp>
+          <p:nvSpPr>
+            <p:cNvPr id="8" name="Rectangle: Rounded Corners 7">
+              <a:extLst>
+                <a:ext uri="{FF2B5EF4-FFF2-40B4-BE49-F238E27FC236}">
+                  <a16:creationId xmlns:a16="http://schemas.microsoft.com/office/drawing/2014/main" id="{EA7CFD1A-F277-48D0-82A8-B353510A5E93}"/>
+                </a:ext>
+              </a:extLst>
+            </p:cNvPr>
+            <p:cNvSpPr/>
+            <p:nvPr/>
+          </p:nvSpPr>
+          <p:spPr>
+            <a:xfrm>
+              <a:off x="4357123" y="1750218"/>
+              <a:ext cx="1069269" cy="968624"/>
+            </a:xfrm>
+            <a:prstGeom prst="roundRect">
+              <a:avLst/>
+            </a:prstGeom>
+            <a:solidFill>
+              <a:schemeClr val="bg1"/>
+            </a:solidFill>
+            <a:ln w="28575">
+              <a:solidFill>
+                <a:schemeClr val="tx1"/>
+              </a:solidFill>
+            </a:ln>
+          </p:spPr>
+          <p:style>
+            <a:lnRef idx="2">
+              <a:schemeClr val="accent1">
+                <a:shade val="50000"/>
+              </a:schemeClr>
+            </a:lnRef>
+            <a:fillRef idx="1">
+              <a:schemeClr val="accent1"/>
+            </a:fillRef>
+            <a:effectRef idx="0">
+              <a:schemeClr val="accent1"/>
+            </a:effectRef>
+            <a:fontRef idx="minor">
+              <a:schemeClr val="lt1"/>
+            </a:fontRef>
+          </p:style>
+          <p:txBody>
+            <a:bodyPr rtlCol="0" anchor="ctr"/>
+            <a:lstStyle/>
+            <a:p>
+              <a:pPr algn="ctr"/>
+              <a:endParaRPr lang="en-US"/>
+            </a:p>
+          </p:txBody>
+        </p:sp>
+        <p:pic>
+          <p:nvPicPr>
+            <p:cNvPr id="9" name="Graphic 8">
+              <a:extLst>
+                <a:ext uri="{FF2B5EF4-FFF2-40B4-BE49-F238E27FC236}">
+                  <a16:creationId xmlns:a16="http://schemas.microsoft.com/office/drawing/2014/main" id="{8416DCD6-2F0B-4A3B-91A2-D08C46E5596D}"/>
+                </a:ext>
+              </a:extLst>
+            </p:cNvPr>
+            <p:cNvPicPr>
+              <a:picLocks noChangeAspect="1"/>
+            </p:cNvPicPr>
+            <p:nvPr/>
+          </p:nvPicPr>
+          <p:blipFill>
+            <a:blip r:embed="rId2">
+              <a:extLst>
+                <a:ext uri="{28A0092B-C50C-407E-A947-70E740481C1C}">
+                  <a14:useLocalDpi xmlns:a14="http://schemas.microsoft.com/office/drawing/2010/main" val="0"/>
+                </a:ext>
+                <a:ext uri="{96DAC541-7B7A-43D3-8B79-37D633B846F1}">
+                  <asvg:svgBlip xmlns:asvg="http://schemas.microsoft.com/office/drawing/2016/SVG/main" r:embed="rId3"/>
+                </a:ext>
+              </a:extLst>
+            </a:blip>
+            <a:stretch>
+              <a:fillRect/>
+            </a:stretch>
+          </p:blipFill>
+          <p:spPr>
+            <a:xfrm>
+              <a:off x="4892738" y="1837029"/>
+              <a:ext cx="457200" cy="457200"/>
+            </a:xfrm>
+            <a:prstGeom prst="rect">
+              <a:avLst/>
+            </a:prstGeom>
+          </p:spPr>
+        </p:pic>
+        <p:sp>
+          <p:nvSpPr>
+            <p:cNvPr id="10" name="TextBox 9">
+              <a:extLst>
+                <a:ext uri="{FF2B5EF4-FFF2-40B4-BE49-F238E27FC236}">
+                  <a16:creationId xmlns:a16="http://schemas.microsoft.com/office/drawing/2014/main" id="{D57047B6-3C8F-4EF2-9378-B6BDB9C97D5E}"/>
+                </a:ext>
+              </a:extLst>
+            </p:cNvPr>
+            <p:cNvSpPr txBox="1"/>
+            <p:nvPr/>
+          </p:nvSpPr>
+          <p:spPr>
+            <a:xfrm>
+              <a:off x="4410227" y="2471143"/>
+              <a:ext cx="979864" cy="307777"/>
+            </a:xfrm>
+            <a:prstGeom prst="rect">
+              <a:avLst/>
+            </a:prstGeom>
+            <a:noFill/>
+          </p:spPr>
+          <p:txBody>
+            <a:bodyPr wrap="square" rtlCol="0">
+              <a:spAutoFit/>
+            </a:bodyPr>
+            <a:lstStyle/>
+            <a:p>
+              <a:pPr algn="ctr"/>
+              <a:r>
+                <a:rPr lang="en-US" sz="1400" dirty="0">
+                  <a:latin typeface="Myanmar Text" panose="020B0502040204020203" pitchFamily="34" charset="0"/>
+                  <a:cs typeface="Myanmar Text" panose="020B0502040204020203" pitchFamily="34" charset="0"/>
+                </a:rPr>
+                <a:t>IoT Hub</a:t>
+              </a:r>
+            </a:p>
+          </p:txBody>
+        </p:sp>
+      </p:grpSp>
+      <p:cxnSp>
+        <p:nvCxnSpPr>
+          <p:cNvPr id="11" name="Straight Arrow Connector 10">
+            <a:extLst>
+              <a:ext uri="{FF2B5EF4-FFF2-40B4-BE49-F238E27FC236}">
+                <a16:creationId xmlns:a16="http://schemas.microsoft.com/office/drawing/2014/main" id="{33C903C6-9190-4746-967F-109D955CC828}"/>
+              </a:ext>
+            </a:extLst>
+          </p:cNvPr>
+          <p:cNvCxnSpPr>
+            <a:cxnSpLocks/>
+            <a:stCxn id="8" idx="3"/>
+            <a:endCxn id="29" idx="1"/>
+          </p:cNvCxnSpPr>
+          <p:nvPr/>
+        </p:nvCxnSpPr>
+        <p:spPr>
+          <a:xfrm>
+            <a:off x="2487187" y="2726759"/>
+            <a:ext cx="481549" cy="12391"/>
+          </a:xfrm>
+          <a:prstGeom prst="straightConnector1">
+            <a:avLst/>
+          </a:prstGeom>
+          <a:ln w="38100">
+            <a:tailEnd type="triangle"/>
+          </a:ln>
+        </p:spPr>
+        <p:style>
+          <a:lnRef idx="1">
+            <a:schemeClr val="accent1"/>
+          </a:lnRef>
+          <a:fillRef idx="0">
+            <a:schemeClr val="accent1"/>
+          </a:fillRef>
+          <a:effectRef idx="0">
+            <a:schemeClr val="accent1"/>
+          </a:effectRef>
+          <a:fontRef idx="minor">
+            <a:schemeClr val="tx1"/>
+          </a:fontRef>
+        </p:style>
+      </p:cxnSp>
+      <p:sp>
+        <p:nvSpPr>
+          <p:cNvPr id="12" name="!!Rectangle: Rounded Corners 12">
+            <a:extLst>
+              <a:ext uri="{FF2B5EF4-FFF2-40B4-BE49-F238E27FC236}">
+                <a16:creationId xmlns:a16="http://schemas.microsoft.com/office/drawing/2014/main" id="{FB1AA4E5-47F1-4229-9CB1-716F058E96EC}"/>
+              </a:ext>
+            </a:extLst>
+          </p:cNvPr>
+          <p:cNvSpPr/>
+          <p:nvPr/>
+        </p:nvSpPr>
+        <p:spPr>
+          <a:xfrm>
+            <a:off x="5564066" y="1675256"/>
+            <a:ext cx="5335096" cy="4351472"/>
+          </a:xfrm>
+          <a:prstGeom prst="roundRect">
+            <a:avLst/>
+          </a:prstGeom>
+          <a:solidFill>
+            <a:schemeClr val="bg1"/>
+          </a:solidFill>
+          <a:ln w="28575">
+            <a:solidFill>
+              <a:schemeClr val="tx1"/>
+            </a:solidFill>
+          </a:ln>
+        </p:spPr>
+        <p:style>
+          <a:lnRef idx="2">
+            <a:schemeClr val="accent1">
+              <a:shade val="50000"/>
+            </a:schemeClr>
+          </a:lnRef>
+          <a:fillRef idx="1">
+            <a:schemeClr val="accent1"/>
+          </a:fillRef>
+          <a:effectRef idx="0">
+            <a:schemeClr val="accent1"/>
+          </a:effectRef>
+          <a:fontRef idx="minor">
+            <a:schemeClr val="lt1"/>
+          </a:fontRef>
+        </p:style>
+        <p:txBody>
+          <a:bodyPr rtlCol="0" anchor="ctr"/>
+          <a:lstStyle/>
+          <a:p>
+            <a:pPr algn="ctr"/>
+            <a:endParaRPr lang="en-US"/>
+          </a:p>
+        </p:txBody>
+      </p:sp>
+      <p:sp>
+        <p:nvSpPr>
+          <p:cNvPr id="13" name="Rectangle: Rounded Corners 12">
+            <a:extLst>
+              <a:ext uri="{FF2B5EF4-FFF2-40B4-BE49-F238E27FC236}">
+                <a16:creationId xmlns:a16="http://schemas.microsoft.com/office/drawing/2014/main" id="{BCDE3C4E-5903-4D9A-A1EA-6BAD71C2FB83}"/>
+              </a:ext>
+            </a:extLst>
+          </p:cNvPr>
+          <p:cNvSpPr/>
+          <p:nvPr/>
+        </p:nvSpPr>
+        <p:spPr>
+          <a:xfrm>
+            <a:off x="5774858" y="2053657"/>
+            <a:ext cx="873940" cy="3569704"/>
+          </a:xfrm>
+          <a:prstGeom prst="roundRect">
+            <a:avLst/>
+          </a:prstGeom>
+          <a:solidFill>
+            <a:schemeClr val="bg1">
+              <a:lumMod val="95000"/>
+            </a:schemeClr>
+          </a:solidFill>
+          <a:ln>
+            <a:prstDash val="sysDash"/>
+          </a:ln>
+        </p:spPr>
+        <p:style>
+          <a:lnRef idx="2">
+            <a:schemeClr val="accent1">
+              <a:shade val="50000"/>
+            </a:schemeClr>
+          </a:lnRef>
+          <a:fillRef idx="1">
+            <a:schemeClr val="accent1"/>
+          </a:fillRef>
+          <a:effectRef idx="0">
+            <a:schemeClr val="accent1"/>
+          </a:effectRef>
+          <a:fontRef idx="minor">
+            <a:schemeClr val="lt1"/>
+          </a:fontRef>
+        </p:style>
+        <p:txBody>
+          <a:bodyPr rtlCol="0" anchor="ctr"/>
+          <a:lstStyle/>
+          <a:p>
+            <a:pPr algn="ctr"/>
+            <a:endParaRPr lang="en-US"/>
+          </a:p>
+        </p:txBody>
+      </p:sp>
+      <p:grpSp>
+        <p:nvGrpSpPr>
+          <p:cNvPr id="14" name="Group 13">
+            <a:extLst>
+              <a:ext uri="{FF2B5EF4-FFF2-40B4-BE49-F238E27FC236}">
+                <a16:creationId xmlns:a16="http://schemas.microsoft.com/office/drawing/2014/main" id="{B786977E-144D-4BB4-93C4-170A9195CBC4}"/>
+              </a:ext>
+            </a:extLst>
+          </p:cNvPr>
+          <p:cNvGrpSpPr/>
+          <p:nvPr/>
+        </p:nvGrpSpPr>
+        <p:grpSpPr>
+          <a:xfrm>
+            <a:off x="5186126" y="2652064"/>
+            <a:ext cx="374469" cy="174171"/>
+            <a:chOff x="6435634" y="5416731"/>
+            <a:chExt cx="374469" cy="174171"/>
+          </a:xfrm>
+        </p:grpSpPr>
+        <p:cxnSp>
+          <p:nvCxnSpPr>
+            <p:cNvPr id="15" name="Straight Connector 14">
+              <a:extLst>
+                <a:ext uri="{FF2B5EF4-FFF2-40B4-BE49-F238E27FC236}">
+                  <a16:creationId xmlns:a16="http://schemas.microsoft.com/office/drawing/2014/main" id="{1C5DB3ED-D9CB-4492-8BEB-291EBCEAE370}"/>
+                </a:ext>
+              </a:extLst>
+            </p:cNvPr>
+            <p:cNvCxnSpPr/>
+            <p:nvPr/>
+          </p:nvCxnSpPr>
+          <p:spPr>
+            <a:xfrm>
+              <a:off x="6522720" y="5503817"/>
+              <a:ext cx="287383" cy="0"/>
+            </a:xfrm>
+            <a:prstGeom prst="line">
+              <a:avLst/>
+            </a:prstGeom>
+            <a:ln w="38100"/>
+          </p:spPr>
+          <p:style>
+            <a:lnRef idx="1">
+              <a:schemeClr val="dk1"/>
+            </a:lnRef>
+            <a:fillRef idx="0">
+              <a:schemeClr val="dk1"/>
+            </a:fillRef>
+            <a:effectRef idx="0">
+              <a:schemeClr val="dk1"/>
+            </a:effectRef>
+            <a:fontRef idx="minor">
+              <a:schemeClr val="tx1"/>
+            </a:fontRef>
+          </p:style>
+        </p:cxnSp>
+        <p:sp>
+          <p:nvSpPr>
+            <p:cNvPr id="16" name="Oval 15">
+              <a:extLst>
+                <a:ext uri="{FF2B5EF4-FFF2-40B4-BE49-F238E27FC236}">
+                  <a16:creationId xmlns:a16="http://schemas.microsoft.com/office/drawing/2014/main" id="{04AEAE7E-AFF2-4065-A4F8-5B6056C2B92D}"/>
+                </a:ext>
+              </a:extLst>
+            </p:cNvPr>
+            <p:cNvSpPr/>
+            <p:nvPr/>
+          </p:nvSpPr>
+          <p:spPr>
+            <a:xfrm>
+              <a:off x="6435634" y="5416731"/>
+              <a:ext cx="174171" cy="174171"/>
+            </a:xfrm>
+            <a:prstGeom prst="ellipse">
+              <a:avLst/>
+            </a:prstGeom>
+            <a:solidFill>
+              <a:schemeClr val="bg1"/>
+            </a:solidFill>
+            <a:ln w="38100">
+              <a:solidFill>
+                <a:schemeClr val="tx1"/>
+              </a:solidFill>
+            </a:ln>
+          </p:spPr>
+          <p:style>
+            <a:lnRef idx="2">
+              <a:schemeClr val="accent1">
+                <a:shade val="50000"/>
+              </a:schemeClr>
+            </a:lnRef>
+            <a:fillRef idx="1">
+              <a:schemeClr val="accent1"/>
+            </a:fillRef>
+            <a:effectRef idx="0">
+              <a:schemeClr val="accent1"/>
+            </a:effectRef>
+            <a:fontRef idx="minor">
+              <a:schemeClr val="lt1"/>
+            </a:fontRef>
+          </p:style>
+          <p:txBody>
+            <a:bodyPr rtlCol="0" anchor="ctr"/>
+            <a:lstStyle/>
+            <a:p>
+              <a:pPr algn="ctr"/>
+              <a:endParaRPr lang="en-US"/>
+            </a:p>
+          </p:txBody>
+        </p:sp>
+      </p:grpSp>
+      <p:grpSp>
+        <p:nvGrpSpPr>
+          <p:cNvPr id="17" name="Group 16">
+            <a:extLst>
+              <a:ext uri="{FF2B5EF4-FFF2-40B4-BE49-F238E27FC236}">
+                <a16:creationId xmlns:a16="http://schemas.microsoft.com/office/drawing/2014/main" id="{BD20B368-7F80-4DE7-AB98-483F979078CD}"/>
+              </a:ext>
+            </a:extLst>
+          </p:cNvPr>
+          <p:cNvGrpSpPr/>
+          <p:nvPr/>
+        </p:nvGrpSpPr>
+        <p:grpSpPr>
+          <a:xfrm>
+            <a:off x="5192797" y="4923667"/>
+            <a:ext cx="374469" cy="174171"/>
+            <a:chOff x="6435634" y="5416731"/>
+            <a:chExt cx="374469" cy="174171"/>
+          </a:xfrm>
+        </p:grpSpPr>
+        <p:cxnSp>
+          <p:nvCxnSpPr>
+            <p:cNvPr id="18" name="Straight Connector 17">
+              <a:extLst>
+                <a:ext uri="{FF2B5EF4-FFF2-40B4-BE49-F238E27FC236}">
+                  <a16:creationId xmlns:a16="http://schemas.microsoft.com/office/drawing/2014/main" id="{01225B15-1D27-4277-9BF9-E422842984A8}"/>
+                </a:ext>
+              </a:extLst>
+            </p:cNvPr>
+            <p:cNvCxnSpPr/>
+            <p:nvPr/>
+          </p:nvCxnSpPr>
+          <p:spPr>
+            <a:xfrm>
+              <a:off x="6522720" y="5503817"/>
+              <a:ext cx="287383" cy="0"/>
+            </a:xfrm>
+            <a:prstGeom prst="line">
+              <a:avLst/>
+            </a:prstGeom>
+            <a:ln w="38100"/>
+          </p:spPr>
+          <p:style>
+            <a:lnRef idx="1">
+              <a:schemeClr val="dk1"/>
+            </a:lnRef>
+            <a:fillRef idx="0">
+              <a:schemeClr val="dk1"/>
+            </a:fillRef>
+            <a:effectRef idx="0">
+              <a:schemeClr val="dk1"/>
+            </a:effectRef>
+            <a:fontRef idx="minor">
+              <a:schemeClr val="tx1"/>
+            </a:fontRef>
+          </p:style>
+        </p:cxnSp>
+        <p:sp>
+          <p:nvSpPr>
+            <p:cNvPr id="19" name="Oval 18">
+              <a:extLst>
+                <a:ext uri="{FF2B5EF4-FFF2-40B4-BE49-F238E27FC236}">
+                  <a16:creationId xmlns:a16="http://schemas.microsoft.com/office/drawing/2014/main" id="{3DB3A3C6-E81F-482D-A9BB-7258274A7E64}"/>
+                </a:ext>
+              </a:extLst>
+            </p:cNvPr>
+            <p:cNvSpPr/>
+            <p:nvPr/>
+          </p:nvSpPr>
+          <p:spPr>
+            <a:xfrm>
+              <a:off x="6435634" y="5416731"/>
+              <a:ext cx="174171" cy="174171"/>
+            </a:xfrm>
+            <a:prstGeom prst="ellipse">
+              <a:avLst/>
+            </a:prstGeom>
+            <a:solidFill>
+              <a:schemeClr val="bg1"/>
+            </a:solidFill>
+            <a:ln w="38100">
+              <a:solidFill>
+                <a:schemeClr val="tx1"/>
+              </a:solidFill>
+            </a:ln>
+          </p:spPr>
+          <p:style>
+            <a:lnRef idx="2">
+              <a:schemeClr val="accent1">
+                <a:shade val="50000"/>
+              </a:schemeClr>
+            </a:lnRef>
+            <a:fillRef idx="1">
+              <a:schemeClr val="accent1"/>
+            </a:fillRef>
+            <a:effectRef idx="0">
+              <a:schemeClr val="accent1"/>
+            </a:effectRef>
+            <a:fontRef idx="minor">
+              <a:schemeClr val="lt1"/>
+            </a:fontRef>
+          </p:style>
+          <p:txBody>
+            <a:bodyPr rtlCol="0" anchor="ctr"/>
+            <a:lstStyle/>
+            <a:p>
+              <a:pPr algn="ctr"/>
+              <a:endParaRPr lang="en-US"/>
+            </a:p>
+          </p:txBody>
+        </p:sp>
+      </p:grpSp>
+      <p:grpSp>
+        <p:nvGrpSpPr>
+          <p:cNvPr id="20" name="Group 19">
+            <a:extLst>
+              <a:ext uri="{FF2B5EF4-FFF2-40B4-BE49-F238E27FC236}">
+                <a16:creationId xmlns:a16="http://schemas.microsoft.com/office/drawing/2014/main" id="{03767D17-0B96-40EC-831A-E7946E6ED0A5}"/>
+              </a:ext>
+            </a:extLst>
+          </p:cNvPr>
+          <p:cNvGrpSpPr/>
+          <p:nvPr/>
+        </p:nvGrpSpPr>
+        <p:grpSpPr>
+          <a:xfrm>
+            <a:off x="3211510" y="4451409"/>
+            <a:ext cx="1263131" cy="1153044"/>
+            <a:chOff x="8165944" y="5105379"/>
+            <a:chExt cx="1263131" cy="1153044"/>
+          </a:xfrm>
+        </p:grpSpPr>
+        <p:sp>
+          <p:nvSpPr>
+            <p:cNvPr id="21" name="Rectangle: Rounded Corners 20">
+              <a:extLst>
+                <a:ext uri="{FF2B5EF4-FFF2-40B4-BE49-F238E27FC236}">
+                  <a16:creationId xmlns:a16="http://schemas.microsoft.com/office/drawing/2014/main" id="{BAE8EDC2-43F0-41B0-B5C4-1FDB6EC8A1EF}"/>
+                </a:ext>
+              </a:extLst>
+            </p:cNvPr>
+            <p:cNvSpPr/>
+            <p:nvPr/>
+          </p:nvSpPr>
+          <p:spPr>
+            <a:xfrm>
+              <a:off x="8165947" y="5105379"/>
+              <a:ext cx="1263128" cy="1146303"/>
+            </a:xfrm>
+            <a:prstGeom prst="roundRect">
+              <a:avLst/>
+            </a:prstGeom>
+            <a:solidFill>
+              <a:schemeClr val="bg1"/>
+            </a:solidFill>
+            <a:ln w="28575">
+              <a:solidFill>
+                <a:schemeClr val="tx1"/>
+              </a:solidFill>
+            </a:ln>
+          </p:spPr>
+          <p:style>
+            <a:lnRef idx="2">
+              <a:schemeClr val="accent1">
+                <a:shade val="50000"/>
+              </a:schemeClr>
+            </a:lnRef>
+            <a:fillRef idx="1">
+              <a:schemeClr val="accent1"/>
+            </a:fillRef>
+            <a:effectRef idx="0">
+              <a:schemeClr val="accent1"/>
+            </a:effectRef>
+            <a:fontRef idx="minor">
+              <a:schemeClr val="lt1"/>
+            </a:fontRef>
+          </p:style>
+          <p:txBody>
+            <a:bodyPr rtlCol="0" anchor="ctr"/>
+            <a:lstStyle/>
+            <a:p>
+              <a:pPr algn="ctr"/>
+              <a:endParaRPr lang="en-US"/>
+            </a:p>
+          </p:txBody>
+        </p:sp>
+        <p:sp>
+          <p:nvSpPr>
+            <p:cNvPr id="22" name="TextBox 21">
+              <a:extLst>
+                <a:ext uri="{FF2B5EF4-FFF2-40B4-BE49-F238E27FC236}">
+                  <a16:creationId xmlns:a16="http://schemas.microsoft.com/office/drawing/2014/main" id="{9D024B52-587E-4617-8C20-01B938CB6EE6}"/>
+                </a:ext>
+              </a:extLst>
+            </p:cNvPr>
+            <p:cNvSpPr txBox="1"/>
+            <p:nvPr/>
+          </p:nvSpPr>
+          <p:spPr>
+            <a:xfrm>
+              <a:off x="8165944" y="5735203"/>
+              <a:ext cx="1263131" cy="523220"/>
+            </a:xfrm>
+            <a:prstGeom prst="rect">
+              <a:avLst/>
+            </a:prstGeom>
+            <a:noFill/>
+          </p:spPr>
+          <p:txBody>
+            <a:bodyPr wrap="square" rtlCol="0">
+              <a:spAutoFit/>
+            </a:bodyPr>
+            <a:lstStyle/>
+            <a:p>
+              <a:pPr algn="ctr"/>
+              <a:r>
+                <a:rPr lang="en-US" sz="1400" dirty="0">
+                  <a:latin typeface="Myanmar Text" panose="020B0502040204020203" pitchFamily="34" charset="0"/>
+                  <a:cs typeface="Myanmar Text" panose="020B0502040204020203" pitchFamily="34" charset="0"/>
+                </a:rPr>
+                <a:t>Telemetry Dashboard</a:t>
+              </a:r>
+            </a:p>
+          </p:txBody>
+        </p:sp>
+        <p:pic>
+          <p:nvPicPr>
+            <p:cNvPr id="23" name="Graphic 22">
+              <a:extLst>
+                <a:ext uri="{FF2B5EF4-FFF2-40B4-BE49-F238E27FC236}">
+                  <a16:creationId xmlns:a16="http://schemas.microsoft.com/office/drawing/2014/main" id="{FA65A789-3D16-4D1E-82E9-EE55824F29C0}"/>
+                </a:ext>
+              </a:extLst>
+            </p:cNvPr>
+            <p:cNvPicPr>
+              <a:picLocks noChangeAspect="1"/>
+            </p:cNvPicPr>
+            <p:nvPr/>
+          </p:nvPicPr>
+          <p:blipFill>
+            <a:blip r:embed="rId4">
+              <a:extLst>
+                <a:ext uri="{28A0092B-C50C-407E-A947-70E740481C1C}">
+                  <a14:useLocalDpi xmlns:a14="http://schemas.microsoft.com/office/drawing/2010/main" val="0"/>
+                </a:ext>
+                <a:ext uri="{96DAC541-7B7A-43D3-8B79-37D633B846F1}">
+                  <asvg:svgBlip xmlns:asvg="http://schemas.microsoft.com/office/drawing/2016/SVG/main" r:embed="rId5"/>
+                </a:ext>
+              </a:extLst>
+            </a:blip>
+            <a:stretch>
+              <a:fillRect/>
+            </a:stretch>
+          </p:blipFill>
+          <p:spPr>
+            <a:xfrm>
+              <a:off x="8480572" y="5105379"/>
+              <a:ext cx="609600" cy="609600"/>
+            </a:xfrm>
+            <a:prstGeom prst="rect">
+              <a:avLst/>
+            </a:prstGeom>
+          </p:spPr>
+        </p:pic>
+      </p:grpSp>
+      <p:cxnSp>
+        <p:nvCxnSpPr>
+          <p:cNvPr id="24" name="Straight Arrow Connector 23">
+            <a:extLst>
+              <a:ext uri="{FF2B5EF4-FFF2-40B4-BE49-F238E27FC236}">
+                <a16:creationId xmlns:a16="http://schemas.microsoft.com/office/drawing/2014/main" id="{3C017C24-E2E0-44E4-A817-A4E39C82088D}"/>
+              </a:ext>
+            </a:extLst>
+          </p:cNvPr>
+          <p:cNvCxnSpPr>
+            <a:cxnSpLocks/>
+            <a:stCxn id="21" idx="3"/>
+            <a:endCxn id="19" idx="2"/>
+          </p:cNvCxnSpPr>
+          <p:nvPr/>
+        </p:nvCxnSpPr>
+        <p:spPr>
+          <a:xfrm flipV="1">
+            <a:off x="4474641" y="5010753"/>
+            <a:ext cx="718156" cy="13808"/>
+          </a:xfrm>
+          <a:prstGeom prst="straightConnector1">
+            <a:avLst/>
+          </a:prstGeom>
+          <a:ln w="38100">
+            <a:headEnd type="triangle" w="med" len="med"/>
+            <a:tailEnd type="triangle" w="med" len="med"/>
+          </a:ln>
+        </p:spPr>
+        <p:style>
+          <a:lnRef idx="1">
+            <a:schemeClr val="accent1"/>
+          </a:lnRef>
+          <a:fillRef idx="0">
+            <a:schemeClr val="accent1"/>
+          </a:fillRef>
+          <a:effectRef idx="0">
+            <a:schemeClr val="accent1"/>
+          </a:effectRef>
+          <a:fontRef idx="minor">
+            <a:schemeClr val="tx1"/>
+          </a:fontRef>
+        </p:style>
+      </p:cxnSp>
+      <p:cxnSp>
+        <p:nvCxnSpPr>
+          <p:cNvPr id="25" name="Straight Arrow Connector 24">
+            <a:extLst>
+              <a:ext uri="{FF2B5EF4-FFF2-40B4-BE49-F238E27FC236}">
+                <a16:creationId xmlns:a16="http://schemas.microsoft.com/office/drawing/2014/main" id="{049E85A1-963B-4EE3-B027-6E049811CEAB}"/>
+              </a:ext>
+            </a:extLst>
+          </p:cNvPr>
+          <p:cNvCxnSpPr>
+            <a:cxnSpLocks/>
+            <a:stCxn id="29" idx="3"/>
+            <a:endCxn id="16" idx="2"/>
+          </p:cNvCxnSpPr>
+          <p:nvPr/>
+        </p:nvCxnSpPr>
+        <p:spPr>
+          <a:xfrm>
+            <a:off x="4656804" y="2739150"/>
+            <a:ext cx="529322" cy="0"/>
+          </a:xfrm>
+          <a:prstGeom prst="straightConnector1">
+            <a:avLst/>
+          </a:prstGeom>
+          <a:ln w="38100">
+            <a:tailEnd type="triangle"/>
+          </a:ln>
+        </p:spPr>
+        <p:style>
+          <a:lnRef idx="1">
+            <a:schemeClr val="accent1"/>
+          </a:lnRef>
+          <a:fillRef idx="0">
+            <a:schemeClr val="accent1"/>
+          </a:fillRef>
+          <a:effectRef idx="0">
+            <a:schemeClr val="accent1"/>
+          </a:effectRef>
+          <a:fontRef idx="minor">
+            <a:schemeClr val="tx1"/>
+          </a:fontRef>
+        </p:style>
+      </p:cxnSp>
+      <p:grpSp>
+        <p:nvGrpSpPr>
+          <p:cNvPr id="26" name="Group 25">
+            <a:extLst>
+              <a:ext uri="{FF2B5EF4-FFF2-40B4-BE49-F238E27FC236}">
+                <a16:creationId xmlns:a16="http://schemas.microsoft.com/office/drawing/2014/main" id="{B58492AB-3E1A-4786-B8AD-0C683CAD8D29}"/>
+              </a:ext>
+            </a:extLst>
+          </p:cNvPr>
+          <p:cNvGrpSpPr/>
+          <p:nvPr/>
+        </p:nvGrpSpPr>
+        <p:grpSpPr>
+          <a:xfrm>
+            <a:off x="2968736" y="2074781"/>
+            <a:ext cx="1701411" cy="1354219"/>
+            <a:chOff x="2511536" y="2074781"/>
+            <a:chExt cx="1701411" cy="1354219"/>
+          </a:xfrm>
+        </p:grpSpPr>
+        <p:grpSp>
+          <p:nvGrpSpPr>
+            <p:cNvPr id="27" name="Group 26">
+              <a:extLst>
+                <a:ext uri="{FF2B5EF4-FFF2-40B4-BE49-F238E27FC236}">
+                  <a16:creationId xmlns:a16="http://schemas.microsoft.com/office/drawing/2014/main" id="{999012D3-AA56-4185-A0DF-59521A1D6CBD}"/>
+                </a:ext>
+              </a:extLst>
+            </p:cNvPr>
+            <p:cNvGrpSpPr/>
+            <p:nvPr/>
+          </p:nvGrpSpPr>
+          <p:grpSpPr>
+            <a:xfrm>
+              <a:off x="2511536" y="2074781"/>
+              <a:ext cx="1701411" cy="1354219"/>
+              <a:chOff x="6797994" y="2207418"/>
+              <a:chExt cx="1701411" cy="1354219"/>
+            </a:xfrm>
+          </p:grpSpPr>
+          <p:sp>
+            <p:nvSpPr>
+              <p:cNvPr id="29" name="Rectangle: Rounded Corners 28">
+                <a:extLst>
+                  <a:ext uri="{FF2B5EF4-FFF2-40B4-BE49-F238E27FC236}">
+                    <a16:creationId xmlns:a16="http://schemas.microsoft.com/office/drawing/2014/main" id="{45FE476B-0E6D-4B9E-B78B-FD7BD11B6FF2}"/>
+                  </a:ext>
+                </a:extLst>
+              </p:cNvPr>
+              <p:cNvSpPr/>
+              <p:nvPr/>
+            </p:nvSpPr>
+            <p:spPr>
+              <a:xfrm>
+                <a:off x="6797994" y="2207418"/>
+                <a:ext cx="1688068" cy="1328738"/>
+              </a:xfrm>
+              <a:prstGeom prst="roundRect">
+                <a:avLst/>
+              </a:prstGeom>
+              <a:solidFill>
+                <a:schemeClr val="bg1"/>
+              </a:solidFill>
+              <a:ln w="28575">
+                <a:solidFill>
+                  <a:schemeClr val="tx1"/>
+                </a:solidFill>
+              </a:ln>
+            </p:spPr>
+            <p:style>
+              <a:lnRef idx="2">
+                <a:schemeClr val="accent1">
+                  <a:shade val="50000"/>
+                </a:schemeClr>
+              </a:lnRef>
+              <a:fillRef idx="1">
+                <a:schemeClr val="accent1"/>
+              </a:fillRef>
+              <a:effectRef idx="0">
+                <a:schemeClr val="accent1"/>
+              </a:effectRef>
+              <a:fontRef idx="minor">
+                <a:schemeClr val="lt1"/>
+              </a:fontRef>
+            </p:style>
+            <p:txBody>
+              <a:bodyPr rtlCol="0" anchor="ctr"/>
+              <a:lstStyle/>
+              <a:p>
+                <a:pPr algn="ctr"/>
+                <a:endParaRPr lang="en-US"/>
+              </a:p>
+            </p:txBody>
+          </p:sp>
+          <p:sp>
+            <p:nvSpPr>
+              <p:cNvPr id="30" name="TextBox 29">
+                <a:extLst>
+                  <a:ext uri="{FF2B5EF4-FFF2-40B4-BE49-F238E27FC236}">
+                    <a16:creationId xmlns:a16="http://schemas.microsoft.com/office/drawing/2014/main" id="{E6978D08-CD09-4D65-AEA8-85DF3CDDF6F9}"/>
+                  </a:ext>
+                </a:extLst>
+              </p:cNvPr>
+              <p:cNvSpPr txBox="1"/>
+              <p:nvPr/>
+            </p:nvSpPr>
+            <p:spPr>
+              <a:xfrm>
+                <a:off x="6797994" y="3038417"/>
+                <a:ext cx="1701411" cy="523220"/>
+              </a:xfrm>
+              <a:prstGeom prst="rect">
+                <a:avLst/>
+              </a:prstGeom>
+              <a:noFill/>
+            </p:spPr>
+            <p:txBody>
+              <a:bodyPr wrap="square" rtlCol="0">
+                <a:spAutoFit/>
+              </a:bodyPr>
+              <a:lstStyle/>
+              <a:p>
+                <a:pPr algn="ctr"/>
+                <a:r>
+                  <a:rPr lang="en-US" sz="1400" dirty="0">
+                    <a:latin typeface="Myanmar Text" panose="020B0502040204020203" pitchFamily="34" charset="0"/>
+                    <a:cs typeface="Myanmar Text" panose="020B0502040204020203" pitchFamily="34" charset="0"/>
+                  </a:rPr>
+                  <a:t>Telemetry Dispatcher</a:t>
+                </a:r>
+              </a:p>
+            </p:txBody>
+          </p:sp>
+        </p:grpSp>
+        <p:pic>
+          <p:nvPicPr>
+            <p:cNvPr id="28" name="Graphic 27">
+              <a:extLst>
+                <a:ext uri="{FF2B5EF4-FFF2-40B4-BE49-F238E27FC236}">
+                  <a16:creationId xmlns:a16="http://schemas.microsoft.com/office/drawing/2014/main" id="{6C9677BE-2569-41CD-A5CD-DCF8DAB65A68}"/>
+                </a:ext>
+              </a:extLst>
+            </p:cNvPr>
+            <p:cNvPicPr>
+              <a:picLocks noChangeAspect="1"/>
+            </p:cNvPicPr>
+            <p:nvPr/>
+          </p:nvPicPr>
+          <p:blipFill>
+            <a:blip r:embed="rId6">
+              <a:extLst>
+                <a:ext uri="{28A0092B-C50C-407E-A947-70E740481C1C}">
+                  <a14:useLocalDpi xmlns:a14="http://schemas.microsoft.com/office/drawing/2010/main" val="0"/>
+                </a:ext>
+                <a:ext uri="{96DAC541-7B7A-43D3-8B79-37D633B846F1}">
+                  <asvg:svgBlip xmlns:asvg="http://schemas.microsoft.com/office/drawing/2016/SVG/main" r:embed="rId7"/>
+                </a:ext>
+              </a:extLst>
+            </a:blip>
+            <a:stretch>
+              <a:fillRect/>
+            </a:stretch>
+          </p:blipFill>
+          <p:spPr>
+            <a:xfrm>
+              <a:off x="3625767" y="2186675"/>
+              <a:ext cx="457200" cy="457200"/>
+            </a:xfrm>
+            <a:prstGeom prst="rect">
+              <a:avLst/>
+            </a:prstGeom>
+          </p:spPr>
+        </p:pic>
+      </p:grpSp>
+      <p:pic>
+        <p:nvPicPr>
+          <p:cNvPr id="31" name="Graphic 30">
+            <a:extLst>
+              <a:ext uri="{FF2B5EF4-FFF2-40B4-BE49-F238E27FC236}">
+                <a16:creationId xmlns:a16="http://schemas.microsoft.com/office/drawing/2014/main" id="{4B733E37-0A24-414E-AC05-FCB836FDE458}"/>
+              </a:ext>
+            </a:extLst>
+          </p:cNvPr>
+          <p:cNvPicPr>
+            <a:picLocks noChangeAspect="1"/>
+          </p:cNvPicPr>
+          <p:nvPr/>
+        </p:nvPicPr>
+        <p:blipFill>
+          <a:blip r:embed="rId8">
+            <a:extLst>
+              <a:ext uri="{28A0092B-C50C-407E-A947-70E740481C1C}">
+                <a14:useLocalDpi xmlns:a14="http://schemas.microsoft.com/office/drawing/2010/main" val="0"/>
+              </a:ext>
+              <a:ext uri="{96DAC541-7B7A-43D3-8B79-37D633B846F1}">
+                <asvg:svgBlip xmlns:asvg="http://schemas.microsoft.com/office/drawing/2016/SVG/main" r:embed="rId9"/>
+              </a:ext>
+            </a:extLst>
+          </a:blip>
+          <a:stretch>
+            <a:fillRect/>
+          </a:stretch>
+        </p:blipFill>
+        <p:spPr>
+          <a:xfrm>
+            <a:off x="6005285" y="2510549"/>
+            <a:ext cx="457200" cy="457200"/>
+          </a:xfrm>
+          <a:prstGeom prst="rect">
+            <a:avLst/>
+          </a:prstGeom>
+        </p:spPr>
+      </p:pic>
+      <p:pic>
+        <p:nvPicPr>
+          <p:cNvPr id="32" name="Graphic 31">
+            <a:extLst>
+              <a:ext uri="{FF2B5EF4-FFF2-40B4-BE49-F238E27FC236}">
+                <a16:creationId xmlns:a16="http://schemas.microsoft.com/office/drawing/2014/main" id="{6CB765A6-D704-44B7-965D-5B747422FB2E}"/>
+              </a:ext>
+            </a:extLst>
+          </p:cNvPr>
+          <p:cNvPicPr>
+            <a:picLocks noChangeAspect="1"/>
+          </p:cNvPicPr>
+          <p:nvPr/>
+        </p:nvPicPr>
+        <p:blipFill>
+          <a:blip r:embed="rId8">
+            <a:extLst>
+              <a:ext uri="{28A0092B-C50C-407E-A947-70E740481C1C}">
+                <a14:useLocalDpi xmlns:a14="http://schemas.microsoft.com/office/drawing/2010/main" val="0"/>
+              </a:ext>
+              <a:ext uri="{96DAC541-7B7A-43D3-8B79-37D633B846F1}">
+                <asvg:svgBlip xmlns:asvg="http://schemas.microsoft.com/office/drawing/2016/SVG/main" r:embed="rId9"/>
+              </a:ext>
+            </a:extLst>
+          </a:blip>
+          <a:stretch>
+            <a:fillRect/>
+          </a:stretch>
+        </p:blipFill>
+        <p:spPr>
+          <a:xfrm>
+            <a:off x="5957264" y="4390851"/>
+            <a:ext cx="457200" cy="457200"/>
+          </a:xfrm>
+          <a:prstGeom prst="rect">
+            <a:avLst/>
+          </a:prstGeom>
+        </p:spPr>
+      </p:pic>
+      <p:sp>
+        <p:nvSpPr>
+          <p:cNvPr id="33" name="Rectangle: Rounded Corners 32">
+            <a:extLst>
+              <a:ext uri="{FF2B5EF4-FFF2-40B4-BE49-F238E27FC236}">
+                <a16:creationId xmlns:a16="http://schemas.microsoft.com/office/drawing/2014/main" id="{C9316868-2E63-4B83-BA49-32208D398820}"/>
+              </a:ext>
+            </a:extLst>
+          </p:cNvPr>
+          <p:cNvSpPr/>
+          <p:nvPr/>
+        </p:nvSpPr>
+        <p:spPr>
+          <a:xfrm>
+            <a:off x="6800850" y="2034749"/>
+            <a:ext cx="2356009" cy="3569704"/>
+          </a:xfrm>
+          <a:prstGeom prst="roundRect">
+            <a:avLst/>
+          </a:prstGeom>
+          <a:solidFill>
+            <a:schemeClr val="bg1">
+              <a:lumMod val="95000"/>
+            </a:schemeClr>
+          </a:solidFill>
+          <a:ln>
+            <a:prstDash val="sysDash"/>
+          </a:ln>
+        </p:spPr>
+        <p:style>
+          <a:lnRef idx="2">
+            <a:schemeClr val="accent1">
+              <a:shade val="50000"/>
+            </a:schemeClr>
+          </a:lnRef>
+          <a:fillRef idx="1">
+            <a:schemeClr val="accent1"/>
+          </a:fillRef>
+          <a:effectRef idx="0">
+            <a:schemeClr val="accent1"/>
+          </a:effectRef>
+          <a:fontRef idx="minor">
+            <a:schemeClr val="lt1"/>
+          </a:fontRef>
+        </p:style>
+        <p:txBody>
+          <a:bodyPr rtlCol="0" anchor="ctr"/>
+          <a:lstStyle/>
+          <a:p>
+            <a:pPr algn="ctr"/>
+            <a:endParaRPr lang="en-US"/>
+          </a:p>
+        </p:txBody>
+      </p:sp>
+      <p:pic>
+        <p:nvPicPr>
+          <p:cNvPr id="34" name="Graphic 33">
+            <a:extLst>
+              <a:ext uri="{FF2B5EF4-FFF2-40B4-BE49-F238E27FC236}">
+                <a16:creationId xmlns:a16="http://schemas.microsoft.com/office/drawing/2014/main" id="{81415DDA-96AE-42D4-B758-EEE0ACFF5C62}"/>
+              </a:ext>
+            </a:extLst>
+          </p:cNvPr>
+          <p:cNvPicPr>
+            <a:picLocks noChangeAspect="1"/>
+          </p:cNvPicPr>
+          <p:nvPr/>
+        </p:nvPicPr>
+        <p:blipFill>
+          <a:blip r:embed="rId8">
+            <a:extLst>
+              <a:ext uri="{28A0092B-C50C-407E-A947-70E740481C1C}">
+                <a14:useLocalDpi xmlns:a14="http://schemas.microsoft.com/office/drawing/2010/main" val="0"/>
+              </a:ext>
+              <a:ext uri="{96DAC541-7B7A-43D3-8B79-37D633B846F1}">
+                <asvg:svgBlip xmlns:asvg="http://schemas.microsoft.com/office/drawing/2016/SVG/main" r:embed="rId9"/>
+              </a:ext>
+            </a:extLst>
+          </a:blip>
+          <a:stretch>
+            <a:fillRect/>
+          </a:stretch>
+        </p:blipFill>
+        <p:spPr>
+          <a:xfrm>
+            <a:off x="5974301" y="5061009"/>
+            <a:ext cx="457200" cy="457200"/>
+          </a:xfrm>
+          <a:prstGeom prst="rect">
+            <a:avLst/>
+          </a:prstGeom>
+        </p:spPr>
+      </p:pic>
+      <p:grpSp>
+        <p:nvGrpSpPr>
+          <p:cNvPr id="35" name="Group 34">
+            <a:extLst>
+              <a:ext uri="{FF2B5EF4-FFF2-40B4-BE49-F238E27FC236}">
+                <a16:creationId xmlns:a16="http://schemas.microsoft.com/office/drawing/2014/main" id="{C34C852E-C1A8-4B89-80F6-17343FFB8795}"/>
+              </a:ext>
+            </a:extLst>
+          </p:cNvPr>
+          <p:cNvGrpSpPr/>
+          <p:nvPr/>
+        </p:nvGrpSpPr>
+        <p:grpSpPr>
+          <a:xfrm>
+            <a:off x="7452334" y="2313119"/>
+            <a:ext cx="579807" cy="592661"/>
+            <a:chOff x="7452334" y="2313119"/>
+            <a:chExt cx="579807" cy="592661"/>
+          </a:xfrm>
+        </p:grpSpPr>
+        <p:pic>
+          <p:nvPicPr>
+            <p:cNvPr id="36" name="Graphic 35">
+              <a:extLst>
+                <a:ext uri="{FF2B5EF4-FFF2-40B4-BE49-F238E27FC236}">
+                  <a16:creationId xmlns:a16="http://schemas.microsoft.com/office/drawing/2014/main" id="{6CD5828E-2DE3-4A57-BE4C-31F5EFAA3028}"/>
+                </a:ext>
+              </a:extLst>
+            </p:cNvPr>
+            <p:cNvPicPr>
+              <a:picLocks noChangeAspect="1"/>
+            </p:cNvPicPr>
+            <p:nvPr/>
+          </p:nvPicPr>
+          <p:blipFill>
+            <a:blip r:embed="rId10">
+              <a:extLst>
+                <a:ext uri="{28A0092B-C50C-407E-A947-70E740481C1C}">
+                  <a14:useLocalDpi xmlns:a14="http://schemas.microsoft.com/office/drawing/2010/main" val="0"/>
+                </a:ext>
+                <a:ext uri="{96DAC541-7B7A-43D3-8B79-37D633B846F1}">
+                  <asvg:svgBlip xmlns:asvg="http://schemas.microsoft.com/office/drawing/2016/SVG/main" r:embed="rId11"/>
+                </a:ext>
+              </a:extLst>
+            </a:blip>
+            <a:stretch>
+              <a:fillRect/>
+            </a:stretch>
+          </p:blipFill>
+          <p:spPr>
+            <a:xfrm>
+              <a:off x="7574941" y="2448580"/>
+              <a:ext cx="457200" cy="457200"/>
+            </a:xfrm>
+            <a:prstGeom prst="rect">
+              <a:avLst/>
+            </a:prstGeom>
+          </p:spPr>
+        </p:pic>
+        <p:pic>
+          <p:nvPicPr>
+            <p:cNvPr id="37" name="Graphic 36">
+              <a:extLst>
+                <a:ext uri="{FF2B5EF4-FFF2-40B4-BE49-F238E27FC236}">
+                  <a16:creationId xmlns:a16="http://schemas.microsoft.com/office/drawing/2014/main" id="{231A2513-D307-4941-8946-C334C12EFCAB}"/>
+                </a:ext>
+              </a:extLst>
+            </p:cNvPr>
+            <p:cNvPicPr>
+              <a:picLocks noChangeAspect="1"/>
+            </p:cNvPicPr>
+            <p:nvPr/>
+          </p:nvPicPr>
+          <p:blipFill>
+            <a:blip r:embed="rId8">
+              <a:extLst>
+                <a:ext uri="{28A0092B-C50C-407E-A947-70E740481C1C}">
+                  <a14:useLocalDpi xmlns:a14="http://schemas.microsoft.com/office/drawing/2010/main" val="0"/>
+                </a:ext>
+                <a:ext uri="{96DAC541-7B7A-43D3-8B79-37D633B846F1}">
+                  <asvg:svgBlip xmlns:asvg="http://schemas.microsoft.com/office/drawing/2016/SVG/main" r:embed="rId9"/>
+                </a:ext>
+              </a:extLst>
+            </a:blip>
+            <a:stretch>
+              <a:fillRect/>
+            </a:stretch>
+          </p:blipFill>
+          <p:spPr>
+            <a:xfrm>
+              <a:off x="7452334" y="2313119"/>
+              <a:ext cx="457200" cy="457200"/>
+            </a:xfrm>
+            <a:prstGeom prst="rect">
+              <a:avLst/>
+            </a:prstGeom>
+          </p:spPr>
+        </p:pic>
+      </p:grpSp>
+      <p:grpSp>
+        <p:nvGrpSpPr>
+          <p:cNvPr id="38" name="Group 37">
+            <a:extLst>
+              <a:ext uri="{FF2B5EF4-FFF2-40B4-BE49-F238E27FC236}">
+                <a16:creationId xmlns:a16="http://schemas.microsoft.com/office/drawing/2014/main" id="{A9B3C7B9-C16B-42FB-9D2B-0BF256A33DE2}"/>
+              </a:ext>
+            </a:extLst>
+          </p:cNvPr>
+          <p:cNvGrpSpPr/>
+          <p:nvPr/>
+        </p:nvGrpSpPr>
+        <p:grpSpPr>
+          <a:xfrm>
+            <a:off x="7033234" y="2909131"/>
+            <a:ext cx="579807" cy="592661"/>
+            <a:chOff x="7452334" y="2313119"/>
+            <a:chExt cx="579807" cy="592661"/>
+          </a:xfrm>
+        </p:grpSpPr>
+        <p:pic>
+          <p:nvPicPr>
+            <p:cNvPr id="39" name="Graphic 38">
+              <a:extLst>
+                <a:ext uri="{FF2B5EF4-FFF2-40B4-BE49-F238E27FC236}">
+                  <a16:creationId xmlns:a16="http://schemas.microsoft.com/office/drawing/2014/main" id="{8773C6D2-395F-4970-AB60-7F2CB7538922}"/>
+                </a:ext>
+              </a:extLst>
+            </p:cNvPr>
+            <p:cNvPicPr>
+              <a:picLocks noChangeAspect="1"/>
+            </p:cNvPicPr>
+            <p:nvPr/>
+          </p:nvPicPr>
+          <p:blipFill>
+            <a:blip r:embed="rId10">
+              <a:extLst>
+                <a:ext uri="{28A0092B-C50C-407E-A947-70E740481C1C}">
+                  <a14:useLocalDpi xmlns:a14="http://schemas.microsoft.com/office/drawing/2010/main" val="0"/>
+                </a:ext>
+                <a:ext uri="{96DAC541-7B7A-43D3-8B79-37D633B846F1}">
+                  <asvg:svgBlip xmlns:asvg="http://schemas.microsoft.com/office/drawing/2016/SVG/main" r:embed="rId11"/>
+                </a:ext>
+              </a:extLst>
+            </a:blip>
+            <a:stretch>
+              <a:fillRect/>
+            </a:stretch>
+          </p:blipFill>
+          <p:spPr>
+            <a:xfrm>
+              <a:off x="7574941" y="2448580"/>
+              <a:ext cx="457200" cy="457200"/>
+            </a:xfrm>
+            <a:prstGeom prst="rect">
+              <a:avLst/>
+            </a:prstGeom>
+          </p:spPr>
+        </p:pic>
+        <p:pic>
+          <p:nvPicPr>
+            <p:cNvPr id="40" name="Graphic 39">
+              <a:extLst>
+                <a:ext uri="{FF2B5EF4-FFF2-40B4-BE49-F238E27FC236}">
+                  <a16:creationId xmlns:a16="http://schemas.microsoft.com/office/drawing/2014/main" id="{50C55B14-224E-440D-8F46-392F8591819D}"/>
+                </a:ext>
+              </a:extLst>
+            </p:cNvPr>
+            <p:cNvPicPr>
+              <a:picLocks noChangeAspect="1"/>
+            </p:cNvPicPr>
+            <p:nvPr/>
+          </p:nvPicPr>
+          <p:blipFill>
+            <a:blip r:embed="rId8">
+              <a:extLst>
+                <a:ext uri="{28A0092B-C50C-407E-A947-70E740481C1C}">
+                  <a14:useLocalDpi xmlns:a14="http://schemas.microsoft.com/office/drawing/2010/main" val="0"/>
+                </a:ext>
+                <a:ext uri="{96DAC541-7B7A-43D3-8B79-37D633B846F1}">
+                  <asvg:svgBlip xmlns:asvg="http://schemas.microsoft.com/office/drawing/2016/SVG/main" r:embed="rId9"/>
+                </a:ext>
+              </a:extLst>
+            </a:blip>
+            <a:stretch>
+              <a:fillRect/>
+            </a:stretch>
+          </p:blipFill>
+          <p:spPr>
+            <a:xfrm>
+              <a:off x="7452334" y="2313119"/>
+              <a:ext cx="457200" cy="457200"/>
+            </a:xfrm>
+            <a:prstGeom prst="rect">
+              <a:avLst/>
+            </a:prstGeom>
+          </p:spPr>
+        </p:pic>
+      </p:grpSp>
+      <p:grpSp>
+        <p:nvGrpSpPr>
+          <p:cNvPr id="41" name="Group 40">
+            <a:extLst>
+              <a:ext uri="{FF2B5EF4-FFF2-40B4-BE49-F238E27FC236}">
+                <a16:creationId xmlns:a16="http://schemas.microsoft.com/office/drawing/2014/main" id="{F973F9E3-AD28-4377-A56B-101BC920E873}"/>
+              </a:ext>
+            </a:extLst>
+          </p:cNvPr>
+          <p:cNvGrpSpPr/>
+          <p:nvPr/>
+        </p:nvGrpSpPr>
+        <p:grpSpPr>
+          <a:xfrm>
+            <a:off x="8124280" y="3088269"/>
+            <a:ext cx="579807" cy="592661"/>
+            <a:chOff x="7452334" y="2313119"/>
+            <a:chExt cx="579807" cy="592661"/>
+          </a:xfrm>
+        </p:grpSpPr>
+        <p:pic>
+          <p:nvPicPr>
+            <p:cNvPr id="42" name="Graphic 41">
+              <a:extLst>
+                <a:ext uri="{FF2B5EF4-FFF2-40B4-BE49-F238E27FC236}">
+                  <a16:creationId xmlns:a16="http://schemas.microsoft.com/office/drawing/2014/main" id="{41552EAA-A81B-440B-A737-37CA1795DD18}"/>
+                </a:ext>
+              </a:extLst>
+            </p:cNvPr>
+            <p:cNvPicPr>
+              <a:picLocks noChangeAspect="1"/>
+            </p:cNvPicPr>
+            <p:nvPr/>
+          </p:nvPicPr>
+          <p:blipFill>
+            <a:blip r:embed="rId10">
+              <a:extLst>
+                <a:ext uri="{28A0092B-C50C-407E-A947-70E740481C1C}">
+                  <a14:useLocalDpi xmlns:a14="http://schemas.microsoft.com/office/drawing/2010/main" val="0"/>
+                </a:ext>
+                <a:ext uri="{96DAC541-7B7A-43D3-8B79-37D633B846F1}">
+                  <asvg:svgBlip xmlns:asvg="http://schemas.microsoft.com/office/drawing/2016/SVG/main" r:embed="rId11"/>
+                </a:ext>
+              </a:extLst>
+            </a:blip>
+            <a:stretch>
+              <a:fillRect/>
+            </a:stretch>
+          </p:blipFill>
+          <p:spPr>
+            <a:xfrm>
+              <a:off x="7574941" y="2448580"/>
+              <a:ext cx="457200" cy="457200"/>
+            </a:xfrm>
+            <a:prstGeom prst="rect">
+              <a:avLst/>
+            </a:prstGeom>
+          </p:spPr>
+        </p:pic>
+        <p:pic>
+          <p:nvPicPr>
+            <p:cNvPr id="43" name="Graphic 42">
+              <a:extLst>
+                <a:ext uri="{FF2B5EF4-FFF2-40B4-BE49-F238E27FC236}">
+                  <a16:creationId xmlns:a16="http://schemas.microsoft.com/office/drawing/2014/main" id="{7C3EAFEF-89D0-499C-9609-221CCCC26ECF}"/>
+                </a:ext>
+              </a:extLst>
+            </p:cNvPr>
+            <p:cNvPicPr>
+              <a:picLocks noChangeAspect="1"/>
+            </p:cNvPicPr>
+            <p:nvPr/>
+          </p:nvPicPr>
+          <p:blipFill>
+            <a:blip r:embed="rId8">
+              <a:extLst>
+                <a:ext uri="{28A0092B-C50C-407E-A947-70E740481C1C}">
+                  <a14:useLocalDpi xmlns:a14="http://schemas.microsoft.com/office/drawing/2010/main" val="0"/>
+                </a:ext>
+                <a:ext uri="{96DAC541-7B7A-43D3-8B79-37D633B846F1}">
+                  <asvg:svgBlip xmlns:asvg="http://schemas.microsoft.com/office/drawing/2016/SVG/main" r:embed="rId9"/>
+                </a:ext>
+              </a:extLst>
+            </a:blip>
+            <a:stretch>
+              <a:fillRect/>
+            </a:stretch>
+          </p:blipFill>
+          <p:spPr>
+            <a:xfrm>
+              <a:off x="7452334" y="2313119"/>
+              <a:ext cx="457200" cy="457200"/>
+            </a:xfrm>
+            <a:prstGeom prst="rect">
+              <a:avLst/>
+            </a:prstGeom>
+          </p:spPr>
+        </p:pic>
+      </p:grpSp>
+      <p:grpSp>
+        <p:nvGrpSpPr>
+          <p:cNvPr id="44" name="Group 43">
+            <a:extLst>
+              <a:ext uri="{FF2B5EF4-FFF2-40B4-BE49-F238E27FC236}">
+                <a16:creationId xmlns:a16="http://schemas.microsoft.com/office/drawing/2014/main" id="{3CB733DF-F37B-4ADB-B87A-D81E66DD7716}"/>
+              </a:ext>
+            </a:extLst>
+          </p:cNvPr>
+          <p:cNvGrpSpPr/>
+          <p:nvPr/>
+        </p:nvGrpSpPr>
+        <p:grpSpPr>
+          <a:xfrm>
+            <a:off x="7669105" y="3410340"/>
+            <a:ext cx="579807" cy="592661"/>
+            <a:chOff x="7452334" y="2313119"/>
+            <a:chExt cx="579807" cy="592661"/>
+          </a:xfrm>
+        </p:grpSpPr>
+        <p:pic>
+          <p:nvPicPr>
+            <p:cNvPr id="45" name="Graphic 44">
+              <a:extLst>
+                <a:ext uri="{FF2B5EF4-FFF2-40B4-BE49-F238E27FC236}">
+                  <a16:creationId xmlns:a16="http://schemas.microsoft.com/office/drawing/2014/main" id="{9185222D-D1FF-4912-9F00-AC8AC7A04C2C}"/>
+                </a:ext>
+              </a:extLst>
+            </p:cNvPr>
+            <p:cNvPicPr>
+              <a:picLocks noChangeAspect="1"/>
+            </p:cNvPicPr>
+            <p:nvPr/>
+          </p:nvPicPr>
+          <p:blipFill>
+            <a:blip r:embed="rId10">
+              <a:extLst>
+                <a:ext uri="{28A0092B-C50C-407E-A947-70E740481C1C}">
+                  <a14:useLocalDpi xmlns:a14="http://schemas.microsoft.com/office/drawing/2010/main" val="0"/>
+                </a:ext>
+                <a:ext uri="{96DAC541-7B7A-43D3-8B79-37D633B846F1}">
+                  <asvg:svgBlip xmlns:asvg="http://schemas.microsoft.com/office/drawing/2016/SVG/main" r:embed="rId11"/>
+                </a:ext>
+              </a:extLst>
+            </a:blip>
+            <a:stretch>
+              <a:fillRect/>
+            </a:stretch>
+          </p:blipFill>
+          <p:spPr>
+            <a:xfrm>
+              <a:off x="7574941" y="2448580"/>
+              <a:ext cx="457200" cy="457200"/>
+            </a:xfrm>
+            <a:prstGeom prst="rect">
+              <a:avLst/>
+            </a:prstGeom>
+          </p:spPr>
+        </p:pic>
+        <p:pic>
+          <p:nvPicPr>
+            <p:cNvPr id="46" name="Graphic 45">
+              <a:extLst>
+                <a:ext uri="{FF2B5EF4-FFF2-40B4-BE49-F238E27FC236}">
+                  <a16:creationId xmlns:a16="http://schemas.microsoft.com/office/drawing/2014/main" id="{D4D1DE10-4DE2-4EB5-BB3B-13EDC10CA0F5}"/>
+                </a:ext>
+              </a:extLst>
+            </p:cNvPr>
+            <p:cNvPicPr>
+              <a:picLocks noChangeAspect="1"/>
+            </p:cNvPicPr>
+            <p:nvPr/>
+          </p:nvPicPr>
+          <p:blipFill>
+            <a:blip r:embed="rId8">
+              <a:extLst>
+                <a:ext uri="{28A0092B-C50C-407E-A947-70E740481C1C}">
+                  <a14:useLocalDpi xmlns:a14="http://schemas.microsoft.com/office/drawing/2010/main" val="0"/>
+                </a:ext>
+                <a:ext uri="{96DAC541-7B7A-43D3-8B79-37D633B846F1}">
+                  <asvg:svgBlip xmlns:asvg="http://schemas.microsoft.com/office/drawing/2016/SVG/main" r:embed="rId9"/>
+                </a:ext>
+              </a:extLst>
+            </a:blip>
+            <a:stretch>
+              <a:fillRect/>
+            </a:stretch>
+          </p:blipFill>
+          <p:spPr>
+            <a:xfrm>
+              <a:off x="7452334" y="2313119"/>
+              <a:ext cx="457200" cy="457200"/>
+            </a:xfrm>
+            <a:prstGeom prst="rect">
+              <a:avLst/>
+            </a:prstGeom>
+          </p:spPr>
+        </p:pic>
+      </p:grpSp>
+      <p:grpSp>
+        <p:nvGrpSpPr>
+          <p:cNvPr id="47" name="Group 46">
+            <a:extLst>
+              <a:ext uri="{FF2B5EF4-FFF2-40B4-BE49-F238E27FC236}">
+                <a16:creationId xmlns:a16="http://schemas.microsoft.com/office/drawing/2014/main" id="{CA5F77C9-C652-44EF-B76F-02A037363DF4}"/>
+              </a:ext>
+            </a:extLst>
+          </p:cNvPr>
+          <p:cNvGrpSpPr/>
+          <p:nvPr/>
+        </p:nvGrpSpPr>
+        <p:grpSpPr>
+          <a:xfrm>
+            <a:off x="7031124" y="3918467"/>
+            <a:ext cx="579807" cy="592661"/>
+            <a:chOff x="7452334" y="2313119"/>
+            <a:chExt cx="579807" cy="592661"/>
+          </a:xfrm>
+        </p:grpSpPr>
+        <p:pic>
+          <p:nvPicPr>
+            <p:cNvPr id="48" name="Graphic 47">
+              <a:extLst>
+                <a:ext uri="{FF2B5EF4-FFF2-40B4-BE49-F238E27FC236}">
+                  <a16:creationId xmlns:a16="http://schemas.microsoft.com/office/drawing/2014/main" id="{D7C0450A-27D7-4EB4-A4E9-F2D878542BE8}"/>
+                </a:ext>
+              </a:extLst>
+            </p:cNvPr>
+            <p:cNvPicPr>
+              <a:picLocks noChangeAspect="1"/>
+            </p:cNvPicPr>
+            <p:nvPr/>
+          </p:nvPicPr>
+          <p:blipFill>
+            <a:blip r:embed="rId10">
+              <a:extLst>
+                <a:ext uri="{28A0092B-C50C-407E-A947-70E740481C1C}">
+                  <a14:useLocalDpi xmlns:a14="http://schemas.microsoft.com/office/drawing/2010/main" val="0"/>
+                </a:ext>
+                <a:ext uri="{96DAC541-7B7A-43D3-8B79-37D633B846F1}">
+                  <asvg:svgBlip xmlns:asvg="http://schemas.microsoft.com/office/drawing/2016/SVG/main" r:embed="rId11"/>
+                </a:ext>
+              </a:extLst>
+            </a:blip>
+            <a:stretch>
+              <a:fillRect/>
+            </a:stretch>
+          </p:blipFill>
+          <p:spPr>
+            <a:xfrm>
+              <a:off x="7574941" y="2448580"/>
+              <a:ext cx="457200" cy="457200"/>
+            </a:xfrm>
+            <a:prstGeom prst="rect">
+              <a:avLst/>
+            </a:prstGeom>
+          </p:spPr>
+        </p:pic>
+        <p:pic>
+          <p:nvPicPr>
+            <p:cNvPr id="49" name="Graphic 48">
+              <a:extLst>
+                <a:ext uri="{FF2B5EF4-FFF2-40B4-BE49-F238E27FC236}">
+                  <a16:creationId xmlns:a16="http://schemas.microsoft.com/office/drawing/2014/main" id="{F212DA89-D421-4A1E-86EC-4C885F5FD43A}"/>
+                </a:ext>
+              </a:extLst>
+            </p:cNvPr>
+            <p:cNvPicPr>
+              <a:picLocks noChangeAspect="1"/>
+            </p:cNvPicPr>
+            <p:nvPr/>
+          </p:nvPicPr>
+          <p:blipFill>
+            <a:blip r:embed="rId8">
+              <a:extLst>
+                <a:ext uri="{28A0092B-C50C-407E-A947-70E740481C1C}">
+                  <a14:useLocalDpi xmlns:a14="http://schemas.microsoft.com/office/drawing/2010/main" val="0"/>
+                </a:ext>
+                <a:ext uri="{96DAC541-7B7A-43D3-8B79-37D633B846F1}">
+                  <asvg:svgBlip xmlns:asvg="http://schemas.microsoft.com/office/drawing/2016/SVG/main" r:embed="rId9"/>
+                </a:ext>
+              </a:extLst>
+            </a:blip>
+            <a:stretch>
+              <a:fillRect/>
+            </a:stretch>
+          </p:blipFill>
+          <p:spPr>
+            <a:xfrm>
+              <a:off x="7452334" y="2313119"/>
+              <a:ext cx="457200" cy="457200"/>
+            </a:xfrm>
+            <a:prstGeom prst="rect">
+              <a:avLst/>
+            </a:prstGeom>
+          </p:spPr>
+        </p:pic>
+      </p:grpSp>
+      <p:grpSp>
+        <p:nvGrpSpPr>
+          <p:cNvPr id="50" name="Group 49">
+            <a:extLst>
+              <a:ext uri="{FF2B5EF4-FFF2-40B4-BE49-F238E27FC236}">
+                <a16:creationId xmlns:a16="http://schemas.microsoft.com/office/drawing/2014/main" id="{BD478A65-C43A-49BE-8553-63FEEE870901}"/>
+              </a:ext>
+            </a:extLst>
+          </p:cNvPr>
+          <p:cNvGrpSpPr/>
+          <p:nvPr/>
+        </p:nvGrpSpPr>
+        <p:grpSpPr>
+          <a:xfrm>
+            <a:off x="8047040" y="4026790"/>
+            <a:ext cx="579807" cy="592661"/>
+            <a:chOff x="7452334" y="2313119"/>
+            <a:chExt cx="579807" cy="592661"/>
+          </a:xfrm>
+        </p:grpSpPr>
+        <p:pic>
+          <p:nvPicPr>
+            <p:cNvPr id="51" name="Graphic 50">
+              <a:extLst>
+                <a:ext uri="{FF2B5EF4-FFF2-40B4-BE49-F238E27FC236}">
+                  <a16:creationId xmlns:a16="http://schemas.microsoft.com/office/drawing/2014/main" id="{00312DEA-A5EB-48A3-94B8-A01479AF606B}"/>
+                </a:ext>
+              </a:extLst>
+            </p:cNvPr>
+            <p:cNvPicPr>
+              <a:picLocks noChangeAspect="1"/>
+            </p:cNvPicPr>
+            <p:nvPr/>
+          </p:nvPicPr>
+          <p:blipFill>
+            <a:blip r:embed="rId10">
+              <a:extLst>
+                <a:ext uri="{28A0092B-C50C-407E-A947-70E740481C1C}">
+                  <a14:useLocalDpi xmlns:a14="http://schemas.microsoft.com/office/drawing/2010/main" val="0"/>
+                </a:ext>
+                <a:ext uri="{96DAC541-7B7A-43D3-8B79-37D633B846F1}">
+                  <asvg:svgBlip xmlns:asvg="http://schemas.microsoft.com/office/drawing/2016/SVG/main" r:embed="rId11"/>
+                </a:ext>
+              </a:extLst>
+            </a:blip>
+            <a:stretch>
+              <a:fillRect/>
+            </a:stretch>
+          </p:blipFill>
+          <p:spPr>
+            <a:xfrm>
+              <a:off x="7574941" y="2448580"/>
+              <a:ext cx="457200" cy="457200"/>
+            </a:xfrm>
+            <a:prstGeom prst="rect">
+              <a:avLst/>
+            </a:prstGeom>
+          </p:spPr>
+        </p:pic>
+        <p:pic>
+          <p:nvPicPr>
+            <p:cNvPr id="52" name="Graphic 51">
+              <a:extLst>
+                <a:ext uri="{FF2B5EF4-FFF2-40B4-BE49-F238E27FC236}">
+                  <a16:creationId xmlns:a16="http://schemas.microsoft.com/office/drawing/2014/main" id="{CA275D24-3F65-44D7-A8E0-A7B90C057169}"/>
+                </a:ext>
+              </a:extLst>
+            </p:cNvPr>
+            <p:cNvPicPr>
+              <a:picLocks noChangeAspect="1"/>
+            </p:cNvPicPr>
+            <p:nvPr/>
+          </p:nvPicPr>
+          <p:blipFill>
+            <a:blip r:embed="rId8">
+              <a:extLst>
+                <a:ext uri="{28A0092B-C50C-407E-A947-70E740481C1C}">
+                  <a14:useLocalDpi xmlns:a14="http://schemas.microsoft.com/office/drawing/2010/main" val="0"/>
+                </a:ext>
+                <a:ext uri="{96DAC541-7B7A-43D3-8B79-37D633B846F1}">
+                  <asvg:svgBlip xmlns:asvg="http://schemas.microsoft.com/office/drawing/2016/SVG/main" r:embed="rId9"/>
+                </a:ext>
+              </a:extLst>
+            </a:blip>
+            <a:stretch>
+              <a:fillRect/>
+            </a:stretch>
+          </p:blipFill>
+          <p:spPr>
+            <a:xfrm>
+              <a:off x="7452334" y="2313119"/>
+              <a:ext cx="457200" cy="457200"/>
+            </a:xfrm>
+            <a:prstGeom prst="rect">
+              <a:avLst/>
+            </a:prstGeom>
+          </p:spPr>
+        </p:pic>
+      </p:grpSp>
+      <p:grpSp>
+        <p:nvGrpSpPr>
+          <p:cNvPr id="53" name="Group 52">
+            <a:extLst>
+              <a:ext uri="{FF2B5EF4-FFF2-40B4-BE49-F238E27FC236}">
+                <a16:creationId xmlns:a16="http://schemas.microsoft.com/office/drawing/2014/main" id="{D3865811-9791-4AD6-A8C4-F17322E3041D}"/>
+              </a:ext>
+            </a:extLst>
+          </p:cNvPr>
+          <p:cNvGrpSpPr/>
+          <p:nvPr/>
+        </p:nvGrpSpPr>
+        <p:grpSpPr>
+          <a:xfrm>
+            <a:off x="7607801" y="4627336"/>
+            <a:ext cx="579807" cy="592661"/>
+            <a:chOff x="7452334" y="2313119"/>
+            <a:chExt cx="579807" cy="592661"/>
+          </a:xfrm>
+        </p:grpSpPr>
+        <p:pic>
+          <p:nvPicPr>
+            <p:cNvPr id="54" name="Graphic 53">
+              <a:extLst>
+                <a:ext uri="{FF2B5EF4-FFF2-40B4-BE49-F238E27FC236}">
+                  <a16:creationId xmlns:a16="http://schemas.microsoft.com/office/drawing/2014/main" id="{23749762-6292-40F5-8E4F-BF2581549913}"/>
+                </a:ext>
+              </a:extLst>
+            </p:cNvPr>
+            <p:cNvPicPr>
+              <a:picLocks noChangeAspect="1"/>
+            </p:cNvPicPr>
+            <p:nvPr/>
+          </p:nvPicPr>
+          <p:blipFill>
+            <a:blip r:embed="rId10">
+              <a:extLst>
+                <a:ext uri="{28A0092B-C50C-407E-A947-70E740481C1C}">
+                  <a14:useLocalDpi xmlns:a14="http://schemas.microsoft.com/office/drawing/2010/main" val="0"/>
+                </a:ext>
+                <a:ext uri="{96DAC541-7B7A-43D3-8B79-37D633B846F1}">
+                  <asvg:svgBlip xmlns:asvg="http://schemas.microsoft.com/office/drawing/2016/SVG/main" r:embed="rId11"/>
+                </a:ext>
+              </a:extLst>
+            </a:blip>
+            <a:stretch>
+              <a:fillRect/>
+            </a:stretch>
+          </p:blipFill>
+          <p:spPr>
+            <a:xfrm>
+              <a:off x="7574941" y="2448580"/>
+              <a:ext cx="457200" cy="457200"/>
+            </a:xfrm>
+            <a:prstGeom prst="rect">
+              <a:avLst/>
+            </a:prstGeom>
+          </p:spPr>
+        </p:pic>
+        <p:pic>
+          <p:nvPicPr>
+            <p:cNvPr id="55" name="Graphic 54">
+              <a:extLst>
+                <a:ext uri="{FF2B5EF4-FFF2-40B4-BE49-F238E27FC236}">
+                  <a16:creationId xmlns:a16="http://schemas.microsoft.com/office/drawing/2014/main" id="{88FD9211-FDAE-4FA5-B5F4-B68296B0CC93}"/>
+                </a:ext>
+              </a:extLst>
+            </p:cNvPr>
+            <p:cNvPicPr>
+              <a:picLocks noChangeAspect="1"/>
+            </p:cNvPicPr>
+            <p:nvPr/>
+          </p:nvPicPr>
+          <p:blipFill>
+            <a:blip r:embed="rId8">
+              <a:extLst>
+                <a:ext uri="{28A0092B-C50C-407E-A947-70E740481C1C}">
+                  <a14:useLocalDpi xmlns:a14="http://schemas.microsoft.com/office/drawing/2010/main" val="0"/>
+                </a:ext>
+                <a:ext uri="{96DAC541-7B7A-43D3-8B79-37D633B846F1}">
+                  <asvg:svgBlip xmlns:asvg="http://schemas.microsoft.com/office/drawing/2016/SVG/main" r:embed="rId9"/>
+                </a:ext>
+              </a:extLst>
+            </a:blip>
+            <a:stretch>
+              <a:fillRect/>
+            </a:stretch>
+          </p:blipFill>
+          <p:spPr>
+            <a:xfrm>
+              <a:off x="7452334" y="2313119"/>
+              <a:ext cx="457200" cy="457200"/>
+            </a:xfrm>
+            <a:prstGeom prst="rect">
+              <a:avLst/>
+            </a:prstGeom>
+          </p:spPr>
+        </p:pic>
+      </p:grpSp>
+      <p:grpSp>
+        <p:nvGrpSpPr>
+          <p:cNvPr id="56" name="Group 55">
+            <a:extLst>
+              <a:ext uri="{FF2B5EF4-FFF2-40B4-BE49-F238E27FC236}">
+                <a16:creationId xmlns:a16="http://schemas.microsoft.com/office/drawing/2014/main" id="{501917AB-E5B2-4BEE-9C1E-B9548BF88AC9}"/>
+              </a:ext>
+            </a:extLst>
+          </p:cNvPr>
+          <p:cNvGrpSpPr/>
+          <p:nvPr/>
+        </p:nvGrpSpPr>
+        <p:grpSpPr>
+          <a:xfrm>
+            <a:off x="8139788" y="2075913"/>
+            <a:ext cx="579807" cy="592661"/>
+            <a:chOff x="7452334" y="2313119"/>
+            <a:chExt cx="579807" cy="592661"/>
+          </a:xfrm>
+        </p:grpSpPr>
+        <p:pic>
+          <p:nvPicPr>
+            <p:cNvPr id="57" name="Graphic 56">
+              <a:extLst>
+                <a:ext uri="{FF2B5EF4-FFF2-40B4-BE49-F238E27FC236}">
+                  <a16:creationId xmlns:a16="http://schemas.microsoft.com/office/drawing/2014/main" id="{0A5649B4-A4F0-47FD-901F-D82B5951DF7B}"/>
+                </a:ext>
+              </a:extLst>
+            </p:cNvPr>
+            <p:cNvPicPr>
+              <a:picLocks noChangeAspect="1"/>
+            </p:cNvPicPr>
+            <p:nvPr/>
+          </p:nvPicPr>
+          <p:blipFill>
+            <a:blip r:embed="rId10">
+              <a:extLst>
+                <a:ext uri="{28A0092B-C50C-407E-A947-70E740481C1C}">
+                  <a14:useLocalDpi xmlns:a14="http://schemas.microsoft.com/office/drawing/2010/main" val="0"/>
+                </a:ext>
+                <a:ext uri="{96DAC541-7B7A-43D3-8B79-37D633B846F1}">
+                  <asvg:svgBlip xmlns:asvg="http://schemas.microsoft.com/office/drawing/2016/SVG/main" r:embed="rId11"/>
+                </a:ext>
+              </a:extLst>
+            </a:blip>
+            <a:stretch>
+              <a:fillRect/>
+            </a:stretch>
+          </p:blipFill>
+          <p:spPr>
+            <a:xfrm>
+              <a:off x="7574941" y="2448580"/>
+              <a:ext cx="457200" cy="457200"/>
+            </a:xfrm>
+            <a:prstGeom prst="rect">
+              <a:avLst/>
+            </a:prstGeom>
+          </p:spPr>
+        </p:pic>
+        <p:pic>
+          <p:nvPicPr>
+            <p:cNvPr id="58" name="Graphic 57">
+              <a:extLst>
+                <a:ext uri="{FF2B5EF4-FFF2-40B4-BE49-F238E27FC236}">
+                  <a16:creationId xmlns:a16="http://schemas.microsoft.com/office/drawing/2014/main" id="{EE0B1CDA-07EF-4D22-98FA-47779C727AF1}"/>
+                </a:ext>
+              </a:extLst>
+            </p:cNvPr>
+            <p:cNvPicPr>
+              <a:picLocks noChangeAspect="1"/>
+            </p:cNvPicPr>
+            <p:nvPr/>
+          </p:nvPicPr>
+          <p:blipFill>
+            <a:blip r:embed="rId8">
+              <a:extLst>
+                <a:ext uri="{28A0092B-C50C-407E-A947-70E740481C1C}">
+                  <a14:useLocalDpi xmlns:a14="http://schemas.microsoft.com/office/drawing/2010/main" val="0"/>
+                </a:ext>
+                <a:ext uri="{96DAC541-7B7A-43D3-8B79-37D633B846F1}">
+                  <asvg:svgBlip xmlns:asvg="http://schemas.microsoft.com/office/drawing/2016/SVG/main" r:embed="rId9"/>
+                </a:ext>
+              </a:extLst>
+            </a:blip>
+            <a:stretch>
+              <a:fillRect/>
+            </a:stretch>
+          </p:blipFill>
+          <p:spPr>
+            <a:xfrm>
+              <a:off x="7452334" y="2313119"/>
+              <a:ext cx="457200" cy="457200"/>
+            </a:xfrm>
+            <a:prstGeom prst="rect">
+              <a:avLst/>
+            </a:prstGeom>
+          </p:spPr>
+        </p:pic>
+      </p:grpSp>
+      <p:grpSp>
+        <p:nvGrpSpPr>
+          <p:cNvPr id="59" name="Group 58">
+            <a:extLst>
+              <a:ext uri="{FF2B5EF4-FFF2-40B4-BE49-F238E27FC236}">
+                <a16:creationId xmlns:a16="http://schemas.microsoft.com/office/drawing/2014/main" id="{2D672B8F-7843-4E30-853D-0125E73F87CC}"/>
+              </a:ext>
+            </a:extLst>
+          </p:cNvPr>
+          <p:cNvGrpSpPr/>
+          <p:nvPr/>
+        </p:nvGrpSpPr>
+        <p:grpSpPr>
+          <a:xfrm>
+            <a:off x="8543913" y="4536078"/>
+            <a:ext cx="579807" cy="592661"/>
+            <a:chOff x="7452334" y="2313119"/>
+            <a:chExt cx="579807" cy="592661"/>
+          </a:xfrm>
+        </p:grpSpPr>
+        <p:pic>
+          <p:nvPicPr>
+            <p:cNvPr id="60" name="Graphic 59">
+              <a:extLst>
+                <a:ext uri="{FF2B5EF4-FFF2-40B4-BE49-F238E27FC236}">
+                  <a16:creationId xmlns:a16="http://schemas.microsoft.com/office/drawing/2014/main" id="{E5BD46C8-5D34-42C6-9392-528E5827D289}"/>
+                </a:ext>
+              </a:extLst>
+            </p:cNvPr>
+            <p:cNvPicPr>
+              <a:picLocks noChangeAspect="1"/>
+            </p:cNvPicPr>
+            <p:nvPr/>
+          </p:nvPicPr>
+          <p:blipFill>
+            <a:blip r:embed="rId10">
+              <a:extLst>
+                <a:ext uri="{28A0092B-C50C-407E-A947-70E740481C1C}">
+                  <a14:useLocalDpi xmlns:a14="http://schemas.microsoft.com/office/drawing/2010/main" val="0"/>
+                </a:ext>
+                <a:ext uri="{96DAC541-7B7A-43D3-8B79-37D633B846F1}">
+                  <asvg:svgBlip xmlns:asvg="http://schemas.microsoft.com/office/drawing/2016/SVG/main" r:embed="rId11"/>
+                </a:ext>
+              </a:extLst>
+            </a:blip>
+            <a:stretch>
+              <a:fillRect/>
+            </a:stretch>
+          </p:blipFill>
+          <p:spPr>
+            <a:xfrm>
+              <a:off x="7574941" y="2448580"/>
+              <a:ext cx="457200" cy="457200"/>
+            </a:xfrm>
+            <a:prstGeom prst="rect">
+              <a:avLst/>
+            </a:prstGeom>
+          </p:spPr>
+        </p:pic>
+        <p:pic>
+          <p:nvPicPr>
+            <p:cNvPr id="61" name="Graphic 60">
+              <a:extLst>
+                <a:ext uri="{FF2B5EF4-FFF2-40B4-BE49-F238E27FC236}">
+                  <a16:creationId xmlns:a16="http://schemas.microsoft.com/office/drawing/2014/main" id="{1B99EFF9-E797-4FDF-8D32-46EF46949EE2}"/>
+                </a:ext>
+              </a:extLst>
+            </p:cNvPr>
+            <p:cNvPicPr>
+              <a:picLocks noChangeAspect="1"/>
+            </p:cNvPicPr>
+            <p:nvPr/>
+          </p:nvPicPr>
+          <p:blipFill>
+            <a:blip r:embed="rId8">
+              <a:extLst>
+                <a:ext uri="{28A0092B-C50C-407E-A947-70E740481C1C}">
+                  <a14:useLocalDpi xmlns:a14="http://schemas.microsoft.com/office/drawing/2010/main" val="0"/>
+                </a:ext>
+                <a:ext uri="{96DAC541-7B7A-43D3-8B79-37D633B846F1}">
+                  <asvg:svgBlip xmlns:asvg="http://schemas.microsoft.com/office/drawing/2016/SVG/main" r:embed="rId9"/>
+                </a:ext>
+              </a:extLst>
+            </a:blip>
+            <a:stretch>
+              <a:fillRect/>
+            </a:stretch>
+          </p:blipFill>
+          <p:spPr>
+            <a:xfrm>
+              <a:off x="7452334" y="2313119"/>
+              <a:ext cx="457200" cy="457200"/>
+            </a:xfrm>
+            <a:prstGeom prst="rect">
+              <a:avLst/>
+            </a:prstGeom>
+          </p:spPr>
+        </p:pic>
+      </p:grpSp>
+      <p:sp>
+        <p:nvSpPr>
+          <p:cNvPr id="62" name="Rectangle: Rounded Corners 61">
+            <a:extLst>
+              <a:ext uri="{FF2B5EF4-FFF2-40B4-BE49-F238E27FC236}">
+                <a16:creationId xmlns:a16="http://schemas.microsoft.com/office/drawing/2014/main" id="{E2B585F9-D91E-45B5-B638-B1D6C6FEB053}"/>
+              </a:ext>
+            </a:extLst>
+          </p:cNvPr>
+          <p:cNvSpPr/>
+          <p:nvPr/>
+        </p:nvSpPr>
+        <p:spPr>
+          <a:xfrm>
+            <a:off x="9297010" y="2031005"/>
+            <a:ext cx="1447165" cy="3569704"/>
+          </a:xfrm>
+          <a:prstGeom prst="roundRect">
+            <a:avLst/>
+          </a:prstGeom>
+          <a:solidFill>
+            <a:schemeClr val="bg1">
+              <a:lumMod val="95000"/>
+            </a:schemeClr>
+          </a:solidFill>
+          <a:ln>
+            <a:prstDash val="sysDash"/>
+          </a:ln>
+        </p:spPr>
+        <p:style>
+          <a:lnRef idx="2">
+            <a:schemeClr val="accent1">
+              <a:shade val="50000"/>
+            </a:schemeClr>
+          </a:lnRef>
+          <a:fillRef idx="1">
+            <a:schemeClr val="accent1"/>
+          </a:fillRef>
+          <a:effectRef idx="0">
+            <a:schemeClr val="accent1"/>
+          </a:effectRef>
+          <a:fontRef idx="minor">
+            <a:schemeClr val="lt1"/>
+          </a:fontRef>
+        </p:style>
+        <p:txBody>
+          <a:bodyPr rtlCol="0" anchor="ctr"/>
+          <a:lstStyle/>
+          <a:p>
+            <a:pPr algn="ctr"/>
+            <a:endParaRPr lang="en-US"/>
+          </a:p>
+        </p:txBody>
+      </p:sp>
+      <p:grpSp>
+        <p:nvGrpSpPr>
+          <p:cNvPr id="63" name="Group 62">
+            <a:extLst>
+              <a:ext uri="{FF2B5EF4-FFF2-40B4-BE49-F238E27FC236}">
+                <a16:creationId xmlns:a16="http://schemas.microsoft.com/office/drawing/2014/main" id="{34D9D70C-A387-454D-B4D6-94CCD621D2B4}"/>
+              </a:ext>
+            </a:extLst>
+          </p:cNvPr>
+          <p:cNvGrpSpPr/>
+          <p:nvPr/>
+        </p:nvGrpSpPr>
+        <p:grpSpPr>
+          <a:xfrm>
+            <a:off x="9491691" y="3597428"/>
+            <a:ext cx="501005" cy="564754"/>
+            <a:chOff x="9564505" y="3545469"/>
+            <a:chExt cx="501005" cy="564754"/>
+          </a:xfrm>
+        </p:grpSpPr>
+        <p:pic>
+          <p:nvPicPr>
+            <p:cNvPr id="64" name="Graphic 63">
+              <a:extLst>
+                <a:ext uri="{FF2B5EF4-FFF2-40B4-BE49-F238E27FC236}">
+                  <a16:creationId xmlns:a16="http://schemas.microsoft.com/office/drawing/2014/main" id="{C31EDA71-C16B-470C-A130-3BABD13ED611}"/>
+                </a:ext>
+              </a:extLst>
+            </p:cNvPr>
+            <p:cNvPicPr>
+              <a:picLocks noChangeAspect="1"/>
+            </p:cNvPicPr>
+            <p:nvPr/>
+          </p:nvPicPr>
+          <p:blipFill>
+            <a:blip r:embed="rId12">
+              <a:extLst>
+                <a:ext uri="{28A0092B-C50C-407E-A947-70E740481C1C}">
+                  <a14:useLocalDpi xmlns:a14="http://schemas.microsoft.com/office/drawing/2010/main" val="0"/>
+                </a:ext>
+                <a:ext uri="{96DAC541-7B7A-43D3-8B79-37D633B846F1}">
+                  <asvg:svgBlip xmlns:asvg="http://schemas.microsoft.com/office/drawing/2016/SVG/main" r:embed="rId13"/>
+                </a:ext>
+              </a:extLst>
+            </a:blip>
+            <a:stretch>
+              <a:fillRect/>
+            </a:stretch>
+          </p:blipFill>
+          <p:spPr>
+            <a:xfrm>
+              <a:off x="9699750" y="3744463"/>
+              <a:ext cx="365760" cy="365760"/>
+            </a:xfrm>
+            <a:prstGeom prst="rect">
+              <a:avLst/>
+            </a:prstGeom>
+          </p:spPr>
+        </p:pic>
+        <p:pic>
+          <p:nvPicPr>
+            <p:cNvPr id="65" name="Graphic 64">
+              <a:extLst>
+                <a:ext uri="{FF2B5EF4-FFF2-40B4-BE49-F238E27FC236}">
+                  <a16:creationId xmlns:a16="http://schemas.microsoft.com/office/drawing/2014/main" id="{FB2BC3A4-67BA-47AB-9447-AEDED93F14D3}"/>
+                </a:ext>
+              </a:extLst>
+            </p:cNvPr>
+            <p:cNvPicPr>
+              <a:picLocks noChangeAspect="1"/>
+            </p:cNvPicPr>
+            <p:nvPr/>
+          </p:nvPicPr>
+          <p:blipFill>
+            <a:blip r:embed="rId8">
+              <a:extLst>
+                <a:ext uri="{28A0092B-C50C-407E-A947-70E740481C1C}">
+                  <a14:useLocalDpi xmlns:a14="http://schemas.microsoft.com/office/drawing/2010/main" val="0"/>
+                </a:ext>
+                <a:ext uri="{96DAC541-7B7A-43D3-8B79-37D633B846F1}">
+                  <asvg:svgBlip xmlns:asvg="http://schemas.microsoft.com/office/drawing/2016/SVG/main" r:embed="rId9"/>
+                </a:ext>
+              </a:extLst>
+            </a:blip>
+            <a:stretch>
+              <a:fillRect/>
+            </a:stretch>
+          </p:blipFill>
+          <p:spPr>
+            <a:xfrm>
+              <a:off x="9564505" y="3545469"/>
+              <a:ext cx="457200" cy="457200"/>
+            </a:xfrm>
+            <a:prstGeom prst="rect">
+              <a:avLst/>
+            </a:prstGeom>
+          </p:spPr>
+        </p:pic>
+      </p:grpSp>
+      <p:pic>
+        <p:nvPicPr>
+          <p:cNvPr id="66" name="Graphic 65">
+            <a:extLst>
+              <a:ext uri="{FF2B5EF4-FFF2-40B4-BE49-F238E27FC236}">
+                <a16:creationId xmlns:a16="http://schemas.microsoft.com/office/drawing/2014/main" id="{66BDCB43-E64C-488E-B7EA-7F49446B256D}"/>
+              </a:ext>
+            </a:extLst>
+          </p:cNvPr>
+          <p:cNvPicPr>
+            <a:picLocks noChangeAspect="1"/>
+          </p:cNvPicPr>
+          <p:nvPr/>
+        </p:nvPicPr>
+        <p:blipFill>
+          <a:blip r:embed="rId8">
+            <a:extLst>
+              <a:ext uri="{28A0092B-C50C-407E-A947-70E740481C1C}">
+                <a14:useLocalDpi xmlns:a14="http://schemas.microsoft.com/office/drawing/2010/main" val="0"/>
+              </a:ext>
+              <a:ext uri="{96DAC541-7B7A-43D3-8B79-37D633B846F1}">
+                <asvg:svgBlip xmlns:asvg="http://schemas.microsoft.com/office/drawing/2016/SVG/main" r:embed="rId9"/>
+              </a:ext>
+            </a:extLst>
+          </a:blip>
+          <a:stretch>
+            <a:fillRect/>
+          </a:stretch>
+        </p:blipFill>
+        <p:spPr>
+          <a:xfrm>
+            <a:off x="10216588" y="3137731"/>
+            <a:ext cx="457200" cy="457200"/>
+          </a:xfrm>
+          <a:prstGeom prst="rect">
+            <a:avLst/>
+          </a:prstGeom>
+        </p:spPr>
+      </p:pic>
+      <p:pic>
+        <p:nvPicPr>
+          <p:cNvPr id="67" name="Graphic 66">
+            <a:extLst>
+              <a:ext uri="{FF2B5EF4-FFF2-40B4-BE49-F238E27FC236}">
+                <a16:creationId xmlns:a16="http://schemas.microsoft.com/office/drawing/2014/main" id="{BEDCFCA7-98DD-4B92-B831-AF528E4C40B7}"/>
+              </a:ext>
+            </a:extLst>
+          </p:cNvPr>
+          <p:cNvPicPr>
+            <a:picLocks noChangeAspect="1"/>
+          </p:cNvPicPr>
+          <p:nvPr/>
+        </p:nvPicPr>
+        <p:blipFill>
+          <a:blip r:embed="rId8">
+            <a:extLst>
+              <a:ext uri="{28A0092B-C50C-407E-A947-70E740481C1C}">
+                <a14:useLocalDpi xmlns:a14="http://schemas.microsoft.com/office/drawing/2010/main" val="0"/>
+              </a:ext>
+              <a:ext uri="{96DAC541-7B7A-43D3-8B79-37D633B846F1}">
+                <asvg:svgBlip xmlns:asvg="http://schemas.microsoft.com/office/drawing/2016/SVG/main" r:embed="rId9"/>
+              </a:ext>
+            </a:extLst>
+          </a:blip>
+          <a:stretch>
+            <a:fillRect/>
+          </a:stretch>
+        </p:blipFill>
+        <p:spPr>
+          <a:xfrm>
+            <a:off x="10206750" y="3622391"/>
+            <a:ext cx="457200" cy="457200"/>
+          </a:xfrm>
+          <a:prstGeom prst="rect">
+            <a:avLst/>
+          </a:prstGeom>
+        </p:spPr>
+      </p:pic>
+      <p:pic>
+        <p:nvPicPr>
+          <p:cNvPr id="68" name="Graphic 67">
+            <a:extLst>
+              <a:ext uri="{FF2B5EF4-FFF2-40B4-BE49-F238E27FC236}">
+                <a16:creationId xmlns:a16="http://schemas.microsoft.com/office/drawing/2014/main" id="{23D0DDDF-F46A-4D85-9F5E-BE2F1C9B7C62}"/>
+              </a:ext>
+            </a:extLst>
+          </p:cNvPr>
+          <p:cNvPicPr>
+            <a:picLocks noChangeAspect="1"/>
+          </p:cNvPicPr>
+          <p:nvPr/>
+        </p:nvPicPr>
+        <p:blipFill>
+          <a:blip r:embed="rId8">
+            <a:extLst>
+              <a:ext uri="{28A0092B-C50C-407E-A947-70E740481C1C}">
+                <a14:useLocalDpi xmlns:a14="http://schemas.microsoft.com/office/drawing/2010/main" val="0"/>
+              </a:ext>
+              <a:ext uri="{96DAC541-7B7A-43D3-8B79-37D633B846F1}">
+                <asvg:svgBlip xmlns:asvg="http://schemas.microsoft.com/office/drawing/2016/SVG/main" r:embed="rId9"/>
+              </a:ext>
+            </a:extLst>
+          </a:blip>
+          <a:stretch>
+            <a:fillRect/>
+          </a:stretch>
+        </p:blipFill>
+        <p:spPr>
+          <a:xfrm>
+            <a:off x="10193407" y="4133329"/>
+            <a:ext cx="457200" cy="457200"/>
+          </a:xfrm>
+          <a:prstGeom prst="rect">
+            <a:avLst/>
+          </a:prstGeom>
+        </p:spPr>
+      </p:pic>
+      <p:cxnSp>
+        <p:nvCxnSpPr>
+          <p:cNvPr id="69" name="Straight Arrow Connector 68">
+            <a:extLst>
+              <a:ext uri="{FF2B5EF4-FFF2-40B4-BE49-F238E27FC236}">
+                <a16:creationId xmlns:a16="http://schemas.microsoft.com/office/drawing/2014/main" id="{66EC39E2-432F-4D0D-9A44-39F8AEB840EC}"/>
+              </a:ext>
+            </a:extLst>
+          </p:cNvPr>
+          <p:cNvCxnSpPr>
+            <a:cxnSpLocks/>
+          </p:cNvCxnSpPr>
+          <p:nvPr/>
+        </p:nvCxnSpPr>
+        <p:spPr>
+          <a:xfrm>
+            <a:off x="5573932" y="2739149"/>
+            <a:ext cx="431353" cy="0"/>
+          </a:xfrm>
+          <a:prstGeom prst="straightConnector1">
+            <a:avLst/>
+          </a:prstGeom>
+          <a:ln w="38100">
+            <a:solidFill>
+              <a:srgbClr val="313131"/>
+            </a:solidFill>
+            <a:tailEnd type="triangle"/>
+          </a:ln>
+        </p:spPr>
+        <p:style>
+          <a:lnRef idx="1">
+            <a:schemeClr val="accent1"/>
+          </a:lnRef>
+          <a:fillRef idx="0">
+            <a:schemeClr val="accent1"/>
+          </a:fillRef>
+          <a:effectRef idx="0">
+            <a:schemeClr val="accent1"/>
+          </a:effectRef>
+          <a:fontRef idx="minor">
+            <a:schemeClr val="tx1"/>
+          </a:fontRef>
+        </p:style>
+      </p:cxnSp>
+      <p:cxnSp>
+        <p:nvCxnSpPr>
+          <p:cNvPr id="70" name="Straight Arrow Connector 69">
+            <a:extLst>
+              <a:ext uri="{FF2B5EF4-FFF2-40B4-BE49-F238E27FC236}">
+                <a16:creationId xmlns:a16="http://schemas.microsoft.com/office/drawing/2014/main" id="{6B5825DB-2B9B-41CD-958C-787CE58163E7}"/>
+              </a:ext>
+            </a:extLst>
+          </p:cNvPr>
+          <p:cNvCxnSpPr>
+            <a:cxnSpLocks/>
+          </p:cNvCxnSpPr>
+          <p:nvPr/>
+        </p:nvCxnSpPr>
+        <p:spPr>
+          <a:xfrm>
+            <a:off x="6462485" y="2739149"/>
+            <a:ext cx="338365" cy="0"/>
+          </a:xfrm>
+          <a:prstGeom prst="straightConnector1">
+            <a:avLst/>
+          </a:prstGeom>
+          <a:ln w="38100">
+            <a:solidFill>
+              <a:srgbClr val="313131"/>
+            </a:solidFill>
+            <a:tailEnd type="triangle"/>
+          </a:ln>
+        </p:spPr>
+        <p:style>
+          <a:lnRef idx="1">
+            <a:schemeClr val="accent1"/>
+          </a:lnRef>
+          <a:fillRef idx="0">
+            <a:schemeClr val="accent1"/>
+          </a:fillRef>
+          <a:effectRef idx="0">
+            <a:schemeClr val="accent1"/>
+          </a:effectRef>
+          <a:fontRef idx="minor">
+            <a:schemeClr val="tx1"/>
+          </a:fontRef>
+        </p:style>
+      </p:cxnSp>
+      <p:cxnSp>
+        <p:nvCxnSpPr>
+          <p:cNvPr id="71" name="Straight Arrow Connector 70">
+            <a:extLst>
+              <a:ext uri="{FF2B5EF4-FFF2-40B4-BE49-F238E27FC236}">
+                <a16:creationId xmlns:a16="http://schemas.microsoft.com/office/drawing/2014/main" id="{37D4EA43-EBAD-4A07-9368-9A68278DBC88}"/>
+              </a:ext>
+            </a:extLst>
+          </p:cNvPr>
+          <p:cNvCxnSpPr>
+            <a:cxnSpLocks/>
+            <a:endCxn id="34" idx="1"/>
+          </p:cNvCxnSpPr>
+          <p:nvPr/>
+        </p:nvCxnSpPr>
+        <p:spPr>
+          <a:xfrm>
+            <a:off x="5553606" y="5010753"/>
+            <a:ext cx="420695" cy="278856"/>
+          </a:xfrm>
+          <a:prstGeom prst="straightConnector1">
+            <a:avLst/>
+          </a:prstGeom>
+          <a:ln w="38100">
+            <a:solidFill>
+              <a:srgbClr val="313131"/>
+            </a:solidFill>
+            <a:headEnd type="triangle" w="med" len="med"/>
+            <a:tailEnd type="triangle" w="med" len="med"/>
+          </a:ln>
+        </p:spPr>
+        <p:style>
+          <a:lnRef idx="1">
+            <a:schemeClr val="accent1"/>
+          </a:lnRef>
+          <a:fillRef idx="0">
+            <a:schemeClr val="accent1"/>
+          </a:fillRef>
+          <a:effectRef idx="0">
+            <a:schemeClr val="accent1"/>
+          </a:effectRef>
+          <a:fontRef idx="minor">
+            <a:schemeClr val="tx1"/>
+          </a:fontRef>
+        </p:style>
+      </p:cxnSp>
+      <p:cxnSp>
+        <p:nvCxnSpPr>
+          <p:cNvPr id="72" name="Straight Arrow Connector 71">
+            <a:extLst>
+              <a:ext uri="{FF2B5EF4-FFF2-40B4-BE49-F238E27FC236}">
+                <a16:creationId xmlns:a16="http://schemas.microsoft.com/office/drawing/2014/main" id="{47FFA491-86A7-4FF0-85F6-C7BBF214D1C9}"/>
+              </a:ext>
+            </a:extLst>
+          </p:cNvPr>
+          <p:cNvCxnSpPr>
+            <a:cxnSpLocks/>
+          </p:cNvCxnSpPr>
+          <p:nvPr/>
+        </p:nvCxnSpPr>
+        <p:spPr>
+          <a:xfrm flipV="1">
+            <a:off x="5567266" y="4627022"/>
+            <a:ext cx="386386" cy="382064"/>
+          </a:xfrm>
+          <a:prstGeom prst="straightConnector1">
+            <a:avLst/>
+          </a:prstGeom>
+          <a:ln w="38100">
+            <a:solidFill>
+              <a:srgbClr val="313131"/>
+            </a:solidFill>
+            <a:headEnd type="triangle" w="med" len="med"/>
+            <a:tailEnd type="triangle" w="med" len="med"/>
+          </a:ln>
+        </p:spPr>
+        <p:style>
+          <a:lnRef idx="1">
+            <a:schemeClr val="accent1"/>
+          </a:lnRef>
+          <a:fillRef idx="0">
+            <a:schemeClr val="accent1"/>
+          </a:fillRef>
+          <a:effectRef idx="0">
+            <a:schemeClr val="accent1"/>
+          </a:effectRef>
+          <a:fontRef idx="minor">
+            <a:schemeClr val="tx1"/>
+          </a:fontRef>
+        </p:style>
+      </p:cxnSp>
+      <p:cxnSp>
+        <p:nvCxnSpPr>
+          <p:cNvPr id="73" name="Straight Arrow Connector 72">
+            <a:extLst>
+              <a:ext uri="{FF2B5EF4-FFF2-40B4-BE49-F238E27FC236}">
+                <a16:creationId xmlns:a16="http://schemas.microsoft.com/office/drawing/2014/main" id="{FD05052A-2DCC-4112-850E-9869C1BEF8E4}"/>
+              </a:ext>
+            </a:extLst>
+          </p:cNvPr>
+          <p:cNvCxnSpPr>
+            <a:cxnSpLocks/>
+            <a:endCxn id="32" idx="3"/>
+          </p:cNvCxnSpPr>
+          <p:nvPr/>
+        </p:nvCxnSpPr>
+        <p:spPr>
+          <a:xfrm flipH="1" flipV="1">
+            <a:off x="6414464" y="4619451"/>
+            <a:ext cx="417400" cy="7571"/>
+          </a:xfrm>
+          <a:prstGeom prst="straightConnector1">
+            <a:avLst/>
+          </a:prstGeom>
+          <a:ln w="38100">
+            <a:solidFill>
+              <a:srgbClr val="313131"/>
+            </a:solidFill>
+            <a:headEnd type="triangle" w="med" len="med"/>
+            <a:tailEnd type="triangle" w="med" len="med"/>
+          </a:ln>
+        </p:spPr>
+        <p:style>
+          <a:lnRef idx="1">
+            <a:schemeClr val="accent1"/>
+          </a:lnRef>
+          <a:fillRef idx="0">
+            <a:schemeClr val="accent1"/>
+          </a:fillRef>
+          <a:effectRef idx="0">
+            <a:schemeClr val="accent1"/>
+          </a:effectRef>
+          <a:fontRef idx="minor">
+            <a:schemeClr val="tx1"/>
+          </a:fontRef>
+        </p:style>
+      </p:cxnSp>
+      <p:cxnSp>
+        <p:nvCxnSpPr>
+          <p:cNvPr id="74" name="Straight Arrow Connector 73">
+            <a:extLst>
+              <a:ext uri="{FF2B5EF4-FFF2-40B4-BE49-F238E27FC236}">
+                <a16:creationId xmlns:a16="http://schemas.microsoft.com/office/drawing/2014/main" id="{7ADA6670-65F0-44E7-B045-F05A408693AC}"/>
+              </a:ext>
+            </a:extLst>
+          </p:cNvPr>
+          <p:cNvCxnSpPr>
+            <a:cxnSpLocks/>
+            <a:endCxn id="34" idx="3"/>
+          </p:cNvCxnSpPr>
+          <p:nvPr/>
+        </p:nvCxnSpPr>
+        <p:spPr>
+          <a:xfrm flipH="1">
+            <a:off x="6431501" y="5289609"/>
+            <a:ext cx="400363" cy="0"/>
+          </a:xfrm>
+          <a:prstGeom prst="straightConnector1">
+            <a:avLst/>
+          </a:prstGeom>
+          <a:ln w="38100">
+            <a:solidFill>
+              <a:srgbClr val="313131"/>
+            </a:solidFill>
+            <a:headEnd type="triangle" w="med" len="med"/>
+            <a:tailEnd type="triangle" w="med" len="med"/>
+          </a:ln>
+        </p:spPr>
+        <p:style>
+          <a:lnRef idx="1">
+            <a:schemeClr val="accent1"/>
+          </a:lnRef>
+          <a:fillRef idx="0">
+            <a:schemeClr val="accent1"/>
+          </a:fillRef>
+          <a:effectRef idx="0">
+            <a:schemeClr val="accent1"/>
+          </a:effectRef>
+          <a:fontRef idx="minor">
+            <a:schemeClr val="tx1"/>
+          </a:fontRef>
+        </p:style>
+      </p:cxnSp>
+      <p:cxnSp>
+        <p:nvCxnSpPr>
+          <p:cNvPr id="75" name="Straight Arrow Connector 74">
+            <a:extLst>
+              <a:ext uri="{FF2B5EF4-FFF2-40B4-BE49-F238E27FC236}">
+                <a16:creationId xmlns:a16="http://schemas.microsoft.com/office/drawing/2014/main" id="{F988F63F-60D1-4785-B8E6-5C042A4CD697}"/>
+              </a:ext>
+            </a:extLst>
+          </p:cNvPr>
+          <p:cNvCxnSpPr>
+            <a:cxnSpLocks/>
+            <a:stCxn id="33" idx="3"/>
+            <a:endCxn id="65" idx="1"/>
+          </p:cNvCxnSpPr>
+          <p:nvPr/>
+        </p:nvCxnSpPr>
+        <p:spPr>
+          <a:xfrm>
+            <a:off x="9156859" y="3819601"/>
+            <a:ext cx="334832" cy="6427"/>
+          </a:xfrm>
+          <a:prstGeom prst="straightConnector1">
+            <a:avLst/>
+          </a:prstGeom>
+          <a:ln w="38100">
+            <a:solidFill>
+              <a:srgbClr val="313131"/>
+            </a:solidFill>
+            <a:tailEnd type="triangle"/>
+          </a:ln>
+        </p:spPr>
+        <p:style>
+          <a:lnRef idx="1">
+            <a:schemeClr val="accent1"/>
+          </a:lnRef>
+          <a:fillRef idx="0">
+            <a:schemeClr val="accent1"/>
+          </a:fillRef>
+          <a:effectRef idx="0">
+            <a:schemeClr val="accent1"/>
+          </a:effectRef>
+          <a:fontRef idx="minor">
+            <a:schemeClr val="tx1"/>
+          </a:fontRef>
+        </p:style>
+      </p:cxnSp>
+      <p:cxnSp>
+        <p:nvCxnSpPr>
+          <p:cNvPr id="76" name="Straight Arrow Connector 75">
+            <a:extLst>
+              <a:ext uri="{FF2B5EF4-FFF2-40B4-BE49-F238E27FC236}">
+                <a16:creationId xmlns:a16="http://schemas.microsoft.com/office/drawing/2014/main" id="{687CFC42-9D9F-48D2-BD67-5737DC78C418}"/>
+              </a:ext>
+            </a:extLst>
+          </p:cNvPr>
+          <p:cNvCxnSpPr>
+            <a:cxnSpLocks/>
+            <a:endCxn id="66" idx="1"/>
+          </p:cNvCxnSpPr>
+          <p:nvPr/>
+        </p:nvCxnSpPr>
+        <p:spPr>
+          <a:xfrm flipV="1">
+            <a:off x="9969223" y="3366331"/>
+            <a:ext cx="247365" cy="430092"/>
+          </a:xfrm>
+          <a:prstGeom prst="straightConnector1">
+            <a:avLst/>
+          </a:prstGeom>
+          <a:ln w="38100">
+            <a:solidFill>
+              <a:srgbClr val="313131"/>
+            </a:solidFill>
+            <a:tailEnd type="triangle"/>
+          </a:ln>
+        </p:spPr>
+        <p:style>
+          <a:lnRef idx="1">
+            <a:schemeClr val="accent1"/>
+          </a:lnRef>
+          <a:fillRef idx="0">
+            <a:schemeClr val="accent1"/>
+          </a:fillRef>
+          <a:effectRef idx="0">
+            <a:schemeClr val="accent1"/>
+          </a:effectRef>
+          <a:fontRef idx="minor">
+            <a:schemeClr val="tx1"/>
+          </a:fontRef>
+        </p:style>
+      </p:cxnSp>
+      <p:cxnSp>
+        <p:nvCxnSpPr>
+          <p:cNvPr id="77" name="Straight Arrow Connector 76">
+            <a:extLst>
+              <a:ext uri="{FF2B5EF4-FFF2-40B4-BE49-F238E27FC236}">
+                <a16:creationId xmlns:a16="http://schemas.microsoft.com/office/drawing/2014/main" id="{D5C1D4E0-3A02-4BB1-8C2D-32A4BB56573A}"/>
+              </a:ext>
+            </a:extLst>
+          </p:cNvPr>
+          <p:cNvCxnSpPr>
+            <a:cxnSpLocks/>
+            <a:stCxn id="65" idx="3"/>
+            <a:endCxn id="67" idx="1"/>
+          </p:cNvCxnSpPr>
+          <p:nvPr/>
+        </p:nvCxnSpPr>
+        <p:spPr>
+          <a:xfrm>
+            <a:off x="9948891" y="3826028"/>
+            <a:ext cx="257859" cy="24963"/>
+          </a:xfrm>
+          <a:prstGeom prst="straightConnector1">
+            <a:avLst/>
+          </a:prstGeom>
+          <a:ln w="38100">
+            <a:solidFill>
+              <a:srgbClr val="313131"/>
+            </a:solidFill>
+            <a:tailEnd type="triangle"/>
+          </a:ln>
+        </p:spPr>
+        <p:style>
+          <a:lnRef idx="1">
+            <a:schemeClr val="accent1"/>
+          </a:lnRef>
+          <a:fillRef idx="0">
+            <a:schemeClr val="accent1"/>
+          </a:fillRef>
+          <a:effectRef idx="0">
+            <a:schemeClr val="accent1"/>
+          </a:effectRef>
+          <a:fontRef idx="minor">
+            <a:schemeClr val="tx1"/>
+          </a:fontRef>
+        </p:style>
+      </p:cxnSp>
+      <p:cxnSp>
+        <p:nvCxnSpPr>
+          <p:cNvPr id="78" name="Straight Arrow Connector 77">
+            <a:extLst>
+              <a:ext uri="{FF2B5EF4-FFF2-40B4-BE49-F238E27FC236}">
+                <a16:creationId xmlns:a16="http://schemas.microsoft.com/office/drawing/2014/main" id="{D1201BC6-68B5-4908-8021-B3BB1FED01B3}"/>
+              </a:ext>
+            </a:extLst>
+          </p:cNvPr>
+          <p:cNvCxnSpPr>
+            <a:cxnSpLocks/>
+            <a:stCxn id="65" idx="3"/>
+            <a:endCxn id="68" idx="1"/>
+          </p:cNvCxnSpPr>
+          <p:nvPr/>
+        </p:nvCxnSpPr>
+        <p:spPr>
+          <a:xfrm>
+            <a:off x="9948891" y="3826028"/>
+            <a:ext cx="244516" cy="535901"/>
+          </a:xfrm>
+          <a:prstGeom prst="straightConnector1">
+            <a:avLst/>
+          </a:prstGeom>
+          <a:ln w="38100">
+            <a:solidFill>
+              <a:srgbClr val="313131"/>
+            </a:solidFill>
+            <a:tailEnd type="triangle"/>
+          </a:ln>
+        </p:spPr>
+        <p:style>
+          <a:lnRef idx="1">
+            <a:schemeClr val="accent1"/>
+          </a:lnRef>
+          <a:fillRef idx="0">
+            <a:schemeClr val="accent1"/>
+          </a:fillRef>
+          <a:effectRef idx="0">
+            <a:schemeClr val="accent1"/>
+          </a:effectRef>
+          <a:fontRef idx="minor">
+            <a:schemeClr val="tx1"/>
+          </a:fontRef>
+        </p:style>
+      </p:cxnSp>
+      <p:cxnSp>
+        <p:nvCxnSpPr>
+          <p:cNvPr id="79" name="Straight Arrow Connector 78">
+            <a:extLst>
+              <a:ext uri="{FF2B5EF4-FFF2-40B4-BE49-F238E27FC236}">
+                <a16:creationId xmlns:a16="http://schemas.microsoft.com/office/drawing/2014/main" id="{412FA589-6072-4C13-8AF5-451AA9C159EE}"/>
+              </a:ext>
+            </a:extLst>
+          </p:cNvPr>
+          <p:cNvCxnSpPr>
+            <a:cxnSpLocks/>
+            <a:stCxn id="66" idx="3"/>
+            <a:endCxn id="82" idx="1"/>
+          </p:cNvCxnSpPr>
+          <p:nvPr/>
+        </p:nvCxnSpPr>
+        <p:spPr>
+          <a:xfrm>
+            <a:off x="10673788" y="3366331"/>
+            <a:ext cx="682574" cy="6337"/>
+          </a:xfrm>
+          <a:prstGeom prst="straightConnector1">
+            <a:avLst/>
+          </a:prstGeom>
+          <a:ln w="38100">
+            <a:solidFill>
+              <a:srgbClr val="313131"/>
+            </a:solidFill>
+            <a:tailEnd type="triangle"/>
+          </a:ln>
+        </p:spPr>
+        <p:style>
+          <a:lnRef idx="1">
+            <a:schemeClr val="accent1"/>
+          </a:lnRef>
+          <a:fillRef idx="0">
+            <a:schemeClr val="accent1"/>
+          </a:fillRef>
+          <a:effectRef idx="0">
+            <a:schemeClr val="accent1"/>
+          </a:effectRef>
+          <a:fontRef idx="minor">
+            <a:schemeClr val="tx1"/>
+          </a:fontRef>
+        </p:style>
+      </p:cxnSp>
+      <p:cxnSp>
+        <p:nvCxnSpPr>
+          <p:cNvPr id="80" name="Straight Arrow Connector 79">
+            <a:extLst>
+              <a:ext uri="{FF2B5EF4-FFF2-40B4-BE49-F238E27FC236}">
+                <a16:creationId xmlns:a16="http://schemas.microsoft.com/office/drawing/2014/main" id="{CE855FFB-764A-444F-AD75-E52E5633684A}"/>
+              </a:ext>
+            </a:extLst>
+          </p:cNvPr>
+          <p:cNvCxnSpPr>
+            <a:cxnSpLocks/>
+            <a:stCxn id="67" idx="3"/>
+            <a:endCxn id="83" idx="1"/>
+          </p:cNvCxnSpPr>
+          <p:nvPr/>
+        </p:nvCxnSpPr>
+        <p:spPr>
+          <a:xfrm>
+            <a:off x="10663950" y="3850991"/>
+            <a:ext cx="692412" cy="16549"/>
+          </a:xfrm>
+          <a:prstGeom prst="straightConnector1">
+            <a:avLst/>
+          </a:prstGeom>
+          <a:ln w="38100">
+            <a:solidFill>
+              <a:srgbClr val="313131"/>
+            </a:solidFill>
+            <a:tailEnd type="triangle"/>
+          </a:ln>
+        </p:spPr>
+        <p:style>
+          <a:lnRef idx="1">
+            <a:schemeClr val="accent1"/>
+          </a:lnRef>
+          <a:fillRef idx="0">
+            <a:schemeClr val="accent1"/>
+          </a:fillRef>
+          <a:effectRef idx="0">
+            <a:schemeClr val="accent1"/>
+          </a:effectRef>
+          <a:fontRef idx="minor">
+            <a:schemeClr val="tx1"/>
+          </a:fontRef>
+        </p:style>
+      </p:cxnSp>
+      <p:cxnSp>
+        <p:nvCxnSpPr>
+          <p:cNvPr id="81" name="Straight Arrow Connector 80">
+            <a:extLst>
+              <a:ext uri="{FF2B5EF4-FFF2-40B4-BE49-F238E27FC236}">
+                <a16:creationId xmlns:a16="http://schemas.microsoft.com/office/drawing/2014/main" id="{3B52BE66-21CB-4457-8968-2C948FA73619}"/>
+              </a:ext>
+            </a:extLst>
+          </p:cNvPr>
+          <p:cNvCxnSpPr>
+            <a:cxnSpLocks/>
+            <a:endCxn id="84" idx="1"/>
+          </p:cNvCxnSpPr>
+          <p:nvPr/>
+        </p:nvCxnSpPr>
+        <p:spPr>
+          <a:xfrm>
+            <a:off x="10650607" y="4361929"/>
+            <a:ext cx="717204" cy="0"/>
+          </a:xfrm>
+          <a:prstGeom prst="straightConnector1">
+            <a:avLst/>
+          </a:prstGeom>
+          <a:ln w="38100">
+            <a:solidFill>
+              <a:srgbClr val="313131"/>
+            </a:solidFill>
+            <a:tailEnd type="triangle"/>
+          </a:ln>
+        </p:spPr>
+        <p:style>
+          <a:lnRef idx="1">
+            <a:schemeClr val="accent1"/>
+          </a:lnRef>
+          <a:fillRef idx="0">
+            <a:schemeClr val="accent1"/>
+          </a:fillRef>
+          <a:effectRef idx="0">
+            <a:schemeClr val="accent1"/>
+          </a:effectRef>
+          <a:fontRef idx="minor">
+            <a:schemeClr val="tx1"/>
+          </a:fontRef>
+        </p:style>
+      </p:cxnSp>
+      <p:pic>
+        <p:nvPicPr>
+          <p:cNvPr id="82" name="Graphic 81">
+            <a:extLst>
+              <a:ext uri="{FF2B5EF4-FFF2-40B4-BE49-F238E27FC236}">
+                <a16:creationId xmlns:a16="http://schemas.microsoft.com/office/drawing/2014/main" id="{4B33DE60-3DFD-44CB-B6BC-C63FAF4172B6}"/>
+              </a:ext>
+            </a:extLst>
+          </p:cNvPr>
+          <p:cNvPicPr>
+            <a:picLocks noChangeAspect="1"/>
+          </p:cNvPicPr>
+          <p:nvPr/>
+        </p:nvPicPr>
+        <p:blipFill>
+          <a:blip r:embed="rId14">
+            <a:extLst>
+              <a:ext uri="{28A0092B-C50C-407E-A947-70E740481C1C}">
+                <a14:useLocalDpi xmlns:a14="http://schemas.microsoft.com/office/drawing/2010/main" val="0"/>
+              </a:ext>
+              <a:ext uri="{96DAC541-7B7A-43D3-8B79-37D633B846F1}">
+                <asvg:svgBlip xmlns:asvg="http://schemas.microsoft.com/office/drawing/2016/SVG/main" r:embed="rId15"/>
+              </a:ext>
+            </a:extLst>
+          </a:blip>
+          <a:stretch>
+            <a:fillRect/>
+          </a:stretch>
+        </p:blipFill>
+        <p:spPr>
+          <a:xfrm>
+            <a:off x="11356362" y="3144068"/>
+            <a:ext cx="457200" cy="457200"/>
+          </a:xfrm>
+          <a:prstGeom prst="rect">
+            <a:avLst/>
+          </a:prstGeom>
+        </p:spPr>
+      </p:pic>
+      <p:pic>
+        <p:nvPicPr>
+          <p:cNvPr id="83" name="Graphic 82">
+            <a:extLst>
+              <a:ext uri="{FF2B5EF4-FFF2-40B4-BE49-F238E27FC236}">
+                <a16:creationId xmlns:a16="http://schemas.microsoft.com/office/drawing/2014/main" id="{EB472CB2-1CC7-4593-9BA4-0491E712B791}"/>
+              </a:ext>
+            </a:extLst>
+          </p:cNvPr>
+          <p:cNvPicPr>
+            <a:picLocks noChangeAspect="1"/>
+          </p:cNvPicPr>
+          <p:nvPr/>
+        </p:nvPicPr>
+        <p:blipFill>
+          <a:blip r:embed="rId14">
+            <a:extLst>
+              <a:ext uri="{28A0092B-C50C-407E-A947-70E740481C1C}">
+                <a14:useLocalDpi xmlns:a14="http://schemas.microsoft.com/office/drawing/2010/main" val="0"/>
+              </a:ext>
+              <a:ext uri="{96DAC541-7B7A-43D3-8B79-37D633B846F1}">
+                <asvg:svgBlip xmlns:asvg="http://schemas.microsoft.com/office/drawing/2016/SVG/main" r:embed="rId15"/>
+              </a:ext>
+            </a:extLst>
+          </a:blip>
+          <a:stretch>
+            <a:fillRect/>
+          </a:stretch>
+        </p:blipFill>
+        <p:spPr>
+          <a:xfrm>
+            <a:off x="11356362" y="3638940"/>
+            <a:ext cx="457200" cy="457200"/>
+          </a:xfrm>
+          <a:prstGeom prst="rect">
+            <a:avLst/>
+          </a:prstGeom>
+        </p:spPr>
+      </p:pic>
+      <p:pic>
+        <p:nvPicPr>
+          <p:cNvPr id="84" name="Graphic 83">
+            <a:extLst>
+              <a:ext uri="{FF2B5EF4-FFF2-40B4-BE49-F238E27FC236}">
+                <a16:creationId xmlns:a16="http://schemas.microsoft.com/office/drawing/2014/main" id="{EC8A8CA8-2A0F-4764-A591-5BD1B1CBD4E3}"/>
+              </a:ext>
+            </a:extLst>
+          </p:cNvPr>
+          <p:cNvPicPr>
+            <a:picLocks noChangeAspect="1"/>
+          </p:cNvPicPr>
+          <p:nvPr/>
+        </p:nvPicPr>
+        <p:blipFill>
+          <a:blip r:embed="rId14">
+            <a:extLst>
+              <a:ext uri="{28A0092B-C50C-407E-A947-70E740481C1C}">
+                <a14:useLocalDpi xmlns:a14="http://schemas.microsoft.com/office/drawing/2010/main" val="0"/>
+              </a:ext>
+              <a:ext uri="{96DAC541-7B7A-43D3-8B79-37D633B846F1}">
+                <asvg:svgBlip xmlns:asvg="http://schemas.microsoft.com/office/drawing/2016/SVG/main" r:embed="rId15"/>
+              </a:ext>
+            </a:extLst>
+          </a:blip>
+          <a:stretch>
+            <a:fillRect/>
+          </a:stretch>
+        </p:blipFill>
+        <p:spPr>
+          <a:xfrm>
+            <a:off x="11367811" y="4133329"/>
+            <a:ext cx="457200" cy="457200"/>
+          </a:xfrm>
+          <a:prstGeom prst="rect">
+            <a:avLst/>
+          </a:prstGeom>
+        </p:spPr>
+      </p:pic>
+      <p:grpSp>
+        <p:nvGrpSpPr>
+          <p:cNvPr id="87" name="Group 86">
+            <a:extLst>
+              <a:ext uri="{FF2B5EF4-FFF2-40B4-BE49-F238E27FC236}">
+                <a16:creationId xmlns:a16="http://schemas.microsoft.com/office/drawing/2014/main" id="{5187C12F-EB40-427A-90D0-7C4B2946D553}"/>
+              </a:ext>
+            </a:extLst>
+          </p:cNvPr>
+          <p:cNvGrpSpPr/>
+          <p:nvPr/>
+        </p:nvGrpSpPr>
+        <p:grpSpPr>
+          <a:xfrm>
+            <a:off x="7546841" y="305845"/>
+            <a:ext cx="1388616" cy="992610"/>
+            <a:chOff x="6511290" y="4602956"/>
+            <a:chExt cx="1388616" cy="992610"/>
+          </a:xfrm>
+        </p:grpSpPr>
+        <p:sp>
+          <p:nvSpPr>
+            <p:cNvPr id="88" name="Rectangle: Rounded Corners 87">
+              <a:extLst>
+                <a:ext uri="{FF2B5EF4-FFF2-40B4-BE49-F238E27FC236}">
+                  <a16:creationId xmlns:a16="http://schemas.microsoft.com/office/drawing/2014/main" id="{A40394F4-5A0D-4F69-83B0-7D5902127315}"/>
+                </a:ext>
+              </a:extLst>
+            </p:cNvPr>
+            <p:cNvSpPr/>
+            <p:nvPr/>
+          </p:nvSpPr>
+          <p:spPr>
+            <a:xfrm>
+              <a:off x="6511290" y="4602956"/>
+              <a:ext cx="1371600" cy="992610"/>
+            </a:xfrm>
+            <a:prstGeom prst="roundRect">
+              <a:avLst/>
+            </a:prstGeom>
+            <a:solidFill>
+              <a:schemeClr val="bg1"/>
+            </a:solidFill>
+            <a:ln w="28575">
+              <a:solidFill>
+                <a:schemeClr val="tx1"/>
+              </a:solidFill>
+            </a:ln>
+          </p:spPr>
+          <p:style>
+            <a:lnRef idx="2">
+              <a:schemeClr val="accent1">
+                <a:shade val="50000"/>
+              </a:schemeClr>
+            </a:lnRef>
+            <a:fillRef idx="1">
+              <a:schemeClr val="accent1"/>
+            </a:fillRef>
+            <a:effectRef idx="0">
+              <a:schemeClr val="accent1"/>
+            </a:effectRef>
+            <a:fontRef idx="minor">
+              <a:schemeClr val="lt1"/>
+            </a:fontRef>
+          </p:style>
+          <p:txBody>
+            <a:bodyPr rtlCol="0" anchor="ctr"/>
+            <a:lstStyle/>
+            <a:p>
+              <a:pPr algn="ctr"/>
+              <a:endParaRPr lang="en-US"/>
+            </a:p>
+          </p:txBody>
+        </p:sp>
+        <p:pic>
+          <p:nvPicPr>
+            <p:cNvPr id="89" name="Graphic 88">
+              <a:extLst>
+                <a:ext uri="{FF2B5EF4-FFF2-40B4-BE49-F238E27FC236}">
+                  <a16:creationId xmlns:a16="http://schemas.microsoft.com/office/drawing/2014/main" id="{7D7BA435-9176-4E64-A2BD-6F0221865BBD}"/>
+                </a:ext>
+              </a:extLst>
+            </p:cNvPr>
+            <p:cNvPicPr>
+              <a:picLocks noChangeAspect="1"/>
+            </p:cNvPicPr>
+            <p:nvPr/>
+          </p:nvPicPr>
+          <p:blipFill>
+            <a:blip r:embed="rId16">
+              <a:extLst>
+                <a:ext uri="{28A0092B-C50C-407E-A947-70E740481C1C}">
+                  <a14:useLocalDpi xmlns:a14="http://schemas.microsoft.com/office/drawing/2010/main" val="0"/>
+                </a:ext>
+                <a:ext uri="{96DAC541-7B7A-43D3-8B79-37D633B846F1}">
+                  <asvg:svgBlip xmlns:asvg="http://schemas.microsoft.com/office/drawing/2016/SVG/main" r:embed="rId17"/>
+                </a:ext>
+              </a:extLst>
+            </a:blip>
+            <a:stretch>
+              <a:fillRect/>
+            </a:stretch>
+          </p:blipFill>
+          <p:spPr>
+            <a:xfrm>
+              <a:off x="7362552" y="4643318"/>
+              <a:ext cx="457200" cy="457200"/>
+            </a:xfrm>
+            <a:prstGeom prst="rect">
+              <a:avLst/>
+            </a:prstGeom>
+          </p:spPr>
+        </p:pic>
+        <p:sp>
+          <p:nvSpPr>
+            <p:cNvPr id="90" name="TextBox 89">
+              <a:extLst>
+                <a:ext uri="{FF2B5EF4-FFF2-40B4-BE49-F238E27FC236}">
+                  <a16:creationId xmlns:a16="http://schemas.microsoft.com/office/drawing/2014/main" id="{0C1C7AF6-534B-4690-AC61-142445EA7700}"/>
+                </a:ext>
+              </a:extLst>
+            </p:cNvPr>
+            <p:cNvSpPr txBox="1"/>
+            <p:nvPr/>
+          </p:nvSpPr>
+          <p:spPr>
+            <a:xfrm>
+              <a:off x="6524593" y="5184486"/>
+              <a:ext cx="1375313" cy="307777"/>
+            </a:xfrm>
+            <a:prstGeom prst="rect">
+              <a:avLst/>
+            </a:prstGeom>
+            <a:noFill/>
+          </p:spPr>
+          <p:txBody>
+            <a:bodyPr wrap="none" rtlCol="0">
+              <a:spAutoFit/>
+            </a:bodyPr>
+            <a:lstStyle/>
+            <a:p>
+              <a:pPr algn="ctr"/>
+              <a:r>
+                <a:rPr lang="en-US" sz="1400" dirty="0"/>
+                <a:t>Storage Account</a:t>
+              </a:r>
+            </a:p>
+          </p:txBody>
+        </p:sp>
+      </p:grpSp>
+      <p:cxnSp>
+        <p:nvCxnSpPr>
+          <p:cNvPr id="91" name="Straight Arrow Connector 90">
+            <a:extLst>
+              <a:ext uri="{FF2B5EF4-FFF2-40B4-BE49-F238E27FC236}">
+                <a16:creationId xmlns:a16="http://schemas.microsoft.com/office/drawing/2014/main" id="{57E00BA9-2BF3-43CA-B149-4494F76660C8}"/>
+              </a:ext>
+            </a:extLst>
+          </p:cNvPr>
+          <p:cNvCxnSpPr>
+            <a:cxnSpLocks/>
+            <a:stCxn id="12" idx="0"/>
+            <a:endCxn id="88" idx="2"/>
+          </p:cNvCxnSpPr>
+          <p:nvPr/>
+        </p:nvCxnSpPr>
+        <p:spPr>
+          <a:xfrm flipV="1">
+            <a:off x="8231614" y="1298455"/>
+            <a:ext cx="1027" cy="376801"/>
+          </a:xfrm>
+          <a:prstGeom prst="straightConnector1">
+            <a:avLst/>
+          </a:prstGeom>
+          <a:ln w="38100">
+            <a:headEnd type="triangle" w="med" len="med"/>
+            <a:tailEnd type="triangle" w="med" len="med"/>
+          </a:ln>
+        </p:spPr>
+        <p:style>
+          <a:lnRef idx="1">
+            <a:schemeClr val="accent1"/>
+          </a:lnRef>
+          <a:fillRef idx="0">
+            <a:schemeClr val="accent1"/>
+          </a:fillRef>
+          <a:effectRef idx="0">
+            <a:schemeClr val="accent1"/>
+          </a:effectRef>
+          <a:fontRef idx="minor">
+            <a:schemeClr val="tx1"/>
+          </a:fontRef>
+        </p:style>
+      </p:cxnSp>
+      <p:sp>
+        <p:nvSpPr>
+          <p:cNvPr id="103" name="Rectangle: Rounded Corners 102">
+            <a:extLst>
+              <a:ext uri="{FF2B5EF4-FFF2-40B4-BE49-F238E27FC236}">
+                <a16:creationId xmlns:a16="http://schemas.microsoft.com/office/drawing/2014/main" id="{B2E6A3AA-92BD-4CD2-B8BC-9B2660ECD880}"/>
+              </a:ext>
+            </a:extLst>
+          </p:cNvPr>
+          <p:cNvSpPr/>
+          <p:nvPr/>
+        </p:nvSpPr>
+        <p:spPr>
+          <a:xfrm>
+            <a:off x="-1183702" y="2598719"/>
+            <a:ext cx="1701410" cy="1552235"/>
+          </a:xfrm>
+          <a:prstGeom prst="roundRect">
+            <a:avLst/>
+          </a:prstGeom>
+          <a:solidFill>
+            <a:schemeClr val="bg1"/>
+          </a:solidFill>
+          <a:ln w="28575">
+            <a:solidFill>
+              <a:schemeClr val="tx1"/>
+            </a:solidFill>
+          </a:ln>
+        </p:spPr>
+        <p:style>
+          <a:lnRef idx="2">
+            <a:schemeClr val="accent1">
+              <a:shade val="50000"/>
+            </a:schemeClr>
+          </a:lnRef>
+          <a:fillRef idx="1">
+            <a:schemeClr val="accent1"/>
+          </a:fillRef>
+          <a:effectRef idx="0">
+            <a:schemeClr val="accent1"/>
+          </a:effectRef>
+          <a:fontRef idx="minor">
+            <a:schemeClr val="lt1"/>
+          </a:fontRef>
+        </p:style>
+        <p:txBody>
+          <a:bodyPr rtlCol="0" anchor="ctr"/>
+          <a:lstStyle/>
+          <a:p>
+            <a:pPr algn="ctr"/>
+            <a:endParaRPr lang="en-US"/>
+          </a:p>
+        </p:txBody>
+      </p:sp>
+      <p:grpSp>
+        <p:nvGrpSpPr>
+          <p:cNvPr id="104" name="Group 103">
+            <a:extLst>
+              <a:ext uri="{FF2B5EF4-FFF2-40B4-BE49-F238E27FC236}">
+                <a16:creationId xmlns:a16="http://schemas.microsoft.com/office/drawing/2014/main" id="{FADC1665-2A24-4D26-B0D5-F21BDA61E89A}"/>
+              </a:ext>
+            </a:extLst>
+          </p:cNvPr>
+          <p:cNvGrpSpPr/>
+          <p:nvPr/>
+        </p:nvGrpSpPr>
+        <p:grpSpPr>
+          <a:xfrm>
+            <a:off x="-675770" y="1668943"/>
+            <a:ext cx="762000" cy="762000"/>
+            <a:chOff x="1190625" y="1381125"/>
+            <a:chExt cx="762000" cy="762000"/>
+          </a:xfrm>
+        </p:grpSpPr>
+        <p:pic>
+          <p:nvPicPr>
+            <p:cNvPr id="105" name="Graphic 104">
+              <a:extLst>
+                <a:ext uri="{FF2B5EF4-FFF2-40B4-BE49-F238E27FC236}">
+                  <a16:creationId xmlns:a16="http://schemas.microsoft.com/office/drawing/2014/main" id="{EF262860-00DA-4C9E-871C-521A4EDDC703}"/>
+                </a:ext>
+              </a:extLst>
+            </p:cNvPr>
+            <p:cNvPicPr>
+              <a:picLocks noChangeAspect="1"/>
+            </p:cNvPicPr>
+            <p:nvPr/>
+          </p:nvPicPr>
+          <p:blipFill>
+            <a:blip r:embed="rId18">
+              <a:extLst>
+                <a:ext uri="{28A0092B-C50C-407E-A947-70E740481C1C}">
+                  <a14:useLocalDpi xmlns:a14="http://schemas.microsoft.com/office/drawing/2010/main" val="0"/>
+                </a:ext>
+                <a:ext uri="{96DAC541-7B7A-43D3-8B79-37D633B846F1}">
+                  <asvg:svgBlip xmlns:asvg="http://schemas.microsoft.com/office/drawing/2016/SVG/main" r:embed="rId19"/>
+                </a:ext>
+              </a:extLst>
+            </a:blip>
+            <a:stretch>
+              <a:fillRect/>
+            </a:stretch>
+          </p:blipFill>
+          <p:spPr>
+            <a:xfrm>
+              <a:off x="1190625" y="1381125"/>
+              <a:ext cx="457200" cy="457200"/>
+            </a:xfrm>
+            <a:prstGeom prst="rect">
+              <a:avLst/>
+            </a:prstGeom>
+          </p:spPr>
+        </p:pic>
+        <p:pic>
+          <p:nvPicPr>
+            <p:cNvPr id="106" name="Graphic 105">
+              <a:extLst>
+                <a:ext uri="{FF2B5EF4-FFF2-40B4-BE49-F238E27FC236}">
+                  <a16:creationId xmlns:a16="http://schemas.microsoft.com/office/drawing/2014/main" id="{BA3CF573-5DE8-4956-8006-BCFE6577D87A}"/>
+                </a:ext>
+              </a:extLst>
+            </p:cNvPr>
+            <p:cNvPicPr>
+              <a:picLocks noChangeAspect="1"/>
+            </p:cNvPicPr>
+            <p:nvPr/>
+          </p:nvPicPr>
+          <p:blipFill>
+            <a:blip r:embed="rId18">
+              <a:extLst>
+                <a:ext uri="{28A0092B-C50C-407E-A947-70E740481C1C}">
+                  <a14:useLocalDpi xmlns:a14="http://schemas.microsoft.com/office/drawing/2010/main" val="0"/>
+                </a:ext>
+                <a:ext uri="{96DAC541-7B7A-43D3-8B79-37D633B846F1}">
+                  <asvg:svgBlip xmlns:asvg="http://schemas.microsoft.com/office/drawing/2016/SVG/main" r:embed="rId19"/>
+                </a:ext>
+              </a:extLst>
+            </a:blip>
+            <a:stretch>
+              <a:fillRect/>
+            </a:stretch>
+          </p:blipFill>
+          <p:spPr>
+            <a:xfrm>
+              <a:off x="1343025" y="1533525"/>
+              <a:ext cx="457200" cy="457200"/>
+            </a:xfrm>
+            <a:prstGeom prst="rect">
+              <a:avLst/>
+            </a:prstGeom>
+          </p:spPr>
+        </p:pic>
+        <p:pic>
+          <p:nvPicPr>
+            <p:cNvPr id="107" name="Graphic 106">
+              <a:extLst>
+                <a:ext uri="{FF2B5EF4-FFF2-40B4-BE49-F238E27FC236}">
+                  <a16:creationId xmlns:a16="http://schemas.microsoft.com/office/drawing/2014/main" id="{CACABAAB-2431-4F02-8732-21A68ECD0FD3}"/>
+                </a:ext>
+              </a:extLst>
+            </p:cNvPr>
+            <p:cNvPicPr>
+              <a:picLocks noChangeAspect="1"/>
+            </p:cNvPicPr>
+            <p:nvPr/>
+          </p:nvPicPr>
+          <p:blipFill>
+            <a:blip r:embed="rId18">
+              <a:extLst>
+                <a:ext uri="{28A0092B-C50C-407E-A947-70E740481C1C}">
+                  <a14:useLocalDpi xmlns:a14="http://schemas.microsoft.com/office/drawing/2010/main" val="0"/>
+                </a:ext>
+                <a:ext uri="{96DAC541-7B7A-43D3-8B79-37D633B846F1}">
+                  <asvg:svgBlip xmlns:asvg="http://schemas.microsoft.com/office/drawing/2016/SVG/main" r:embed="rId19"/>
+                </a:ext>
+              </a:extLst>
+            </a:blip>
+            <a:stretch>
+              <a:fillRect/>
+            </a:stretch>
+          </p:blipFill>
+          <p:spPr>
+            <a:xfrm>
+              <a:off x="1495425" y="1685925"/>
+              <a:ext cx="457200" cy="457200"/>
+            </a:xfrm>
+            <a:prstGeom prst="rect">
+              <a:avLst/>
+            </a:prstGeom>
+          </p:spPr>
+        </p:pic>
+      </p:grpSp>
+      <p:pic>
+        <p:nvPicPr>
+          <p:cNvPr id="108" name="Graphic 107">
+            <a:extLst>
+              <a:ext uri="{FF2B5EF4-FFF2-40B4-BE49-F238E27FC236}">
+                <a16:creationId xmlns:a16="http://schemas.microsoft.com/office/drawing/2014/main" id="{90E891A6-43C2-4CAF-99BF-4D8FAAF1F009}"/>
+              </a:ext>
+            </a:extLst>
+          </p:cNvPr>
+          <p:cNvPicPr>
+            <a:picLocks noChangeAspect="1"/>
+          </p:cNvPicPr>
+          <p:nvPr/>
+        </p:nvPicPr>
+        <p:blipFill>
+          <a:blip r:embed="rId20">
+            <a:extLst>
+              <a:ext uri="{28A0092B-C50C-407E-A947-70E740481C1C}">
+                <a14:useLocalDpi xmlns:a14="http://schemas.microsoft.com/office/drawing/2010/main" val="0"/>
+              </a:ext>
+              <a:ext uri="{96DAC541-7B7A-43D3-8B79-37D633B846F1}">
+                <asvg:svgBlip xmlns:asvg="http://schemas.microsoft.com/office/drawing/2016/SVG/main" r:embed="rId21"/>
+              </a:ext>
+            </a:extLst>
+          </a:blip>
+          <a:stretch>
+            <a:fillRect/>
+          </a:stretch>
+        </p:blipFill>
+        <p:spPr>
+          <a:xfrm>
+            <a:off x="-535277" y="2702405"/>
+            <a:ext cx="457200" cy="457200"/>
+          </a:xfrm>
+          <a:prstGeom prst="rect">
+            <a:avLst/>
+          </a:prstGeom>
+        </p:spPr>
+      </p:pic>
+      <p:pic>
+        <p:nvPicPr>
+          <p:cNvPr id="109" name="Graphic 108">
+            <a:extLst>
+              <a:ext uri="{FF2B5EF4-FFF2-40B4-BE49-F238E27FC236}">
+                <a16:creationId xmlns:a16="http://schemas.microsoft.com/office/drawing/2014/main" id="{158A3BE3-5207-4CB4-8FC8-F6A6D732D9AB}"/>
+              </a:ext>
+            </a:extLst>
+          </p:cNvPr>
+          <p:cNvPicPr>
+            <a:picLocks noChangeAspect="1"/>
+          </p:cNvPicPr>
+          <p:nvPr/>
+        </p:nvPicPr>
+        <p:blipFill>
+          <a:blip r:embed="rId6">
+            <a:extLst>
+              <a:ext uri="{28A0092B-C50C-407E-A947-70E740481C1C}">
+                <a14:useLocalDpi xmlns:a14="http://schemas.microsoft.com/office/drawing/2010/main" val="0"/>
+              </a:ext>
+              <a:ext uri="{96DAC541-7B7A-43D3-8B79-37D633B846F1}">
+                <asvg:svgBlip xmlns:asvg="http://schemas.microsoft.com/office/drawing/2016/SVG/main" r:embed="rId7"/>
+              </a:ext>
+            </a:extLst>
+          </a:blip>
+          <a:stretch>
+            <a:fillRect/>
+          </a:stretch>
+        </p:blipFill>
+        <p:spPr>
+          <a:xfrm>
+            <a:off x="-498538" y="3302617"/>
+            <a:ext cx="365760" cy="365760"/>
+          </a:xfrm>
+          <a:prstGeom prst="rect">
+            <a:avLst/>
+          </a:prstGeom>
+        </p:spPr>
+      </p:pic>
+      <p:sp>
+        <p:nvSpPr>
+          <p:cNvPr id="110" name="TextBox 109">
+            <a:extLst>
+              <a:ext uri="{FF2B5EF4-FFF2-40B4-BE49-F238E27FC236}">
+                <a16:creationId xmlns:a16="http://schemas.microsoft.com/office/drawing/2014/main" id="{A9EADC47-C1D4-4A75-9392-D980515E2A8A}"/>
+              </a:ext>
+            </a:extLst>
+          </p:cNvPr>
+          <p:cNvSpPr txBox="1"/>
+          <p:nvPr/>
+        </p:nvSpPr>
+        <p:spPr>
+          <a:xfrm>
+            <a:off x="-1183702" y="3760795"/>
+            <a:ext cx="1701411" cy="307777"/>
+          </a:xfrm>
+          <a:prstGeom prst="rect">
+            <a:avLst/>
+          </a:prstGeom>
+          <a:noFill/>
+        </p:spPr>
+        <p:txBody>
+          <a:bodyPr wrap="square" rtlCol="0">
+            <a:spAutoFit/>
+          </a:bodyPr>
+          <a:lstStyle/>
+          <a:p>
+            <a:pPr algn="ctr"/>
+            <a:r>
+              <a:rPr lang="en-US" sz="1400" dirty="0"/>
+              <a:t>Telemetry Simulator</a:t>
+            </a:r>
+          </a:p>
+        </p:txBody>
+      </p:sp>
+      <p:cxnSp>
+        <p:nvCxnSpPr>
+          <p:cNvPr id="111" name="Straight Arrow Connector 110">
+            <a:extLst>
+              <a:ext uri="{FF2B5EF4-FFF2-40B4-BE49-F238E27FC236}">
+                <a16:creationId xmlns:a16="http://schemas.microsoft.com/office/drawing/2014/main" id="{AF7EDE7B-7A90-40A1-9930-F5F36122CC17}"/>
+              </a:ext>
+            </a:extLst>
+          </p:cNvPr>
+          <p:cNvCxnSpPr>
+            <a:cxnSpLocks/>
+            <a:stCxn id="107" idx="3"/>
+            <a:endCxn id="8" idx="1"/>
+          </p:cNvCxnSpPr>
+          <p:nvPr/>
+        </p:nvCxnSpPr>
+        <p:spPr>
+          <a:xfrm>
+            <a:off x="86230" y="2202343"/>
+            <a:ext cx="1331688" cy="524416"/>
+          </a:xfrm>
+          <a:prstGeom prst="straightConnector1">
+            <a:avLst/>
+          </a:prstGeom>
+          <a:ln w="38100">
+            <a:tailEnd type="triangle"/>
+          </a:ln>
+        </p:spPr>
+        <p:style>
+          <a:lnRef idx="1">
+            <a:schemeClr val="accent1"/>
+          </a:lnRef>
+          <a:fillRef idx="0">
+            <a:schemeClr val="accent1"/>
+          </a:fillRef>
+          <a:effectRef idx="0">
+            <a:schemeClr val="accent1"/>
+          </a:effectRef>
+          <a:fontRef idx="minor">
+            <a:schemeClr val="tx1"/>
+          </a:fontRef>
+        </p:style>
+      </p:cxnSp>
+      <p:cxnSp>
+        <p:nvCxnSpPr>
+          <p:cNvPr id="112" name="Straight Arrow Connector 111">
+            <a:extLst>
+              <a:ext uri="{FF2B5EF4-FFF2-40B4-BE49-F238E27FC236}">
+                <a16:creationId xmlns:a16="http://schemas.microsoft.com/office/drawing/2014/main" id="{743F40C4-0E1D-4611-993D-93C018C9FF14}"/>
+              </a:ext>
+            </a:extLst>
+          </p:cNvPr>
+          <p:cNvCxnSpPr>
+            <a:cxnSpLocks/>
+            <a:stCxn id="103" idx="3"/>
+            <a:endCxn id="8" idx="1"/>
+          </p:cNvCxnSpPr>
+          <p:nvPr/>
+        </p:nvCxnSpPr>
+        <p:spPr>
+          <a:xfrm flipV="1">
+            <a:off x="517708" y="2726759"/>
+            <a:ext cx="900210" cy="648078"/>
+          </a:xfrm>
+          <a:prstGeom prst="straightConnector1">
+            <a:avLst/>
+          </a:prstGeom>
+          <a:ln w="38100">
+            <a:tailEnd type="triangle"/>
+          </a:ln>
+        </p:spPr>
+        <p:style>
+          <a:lnRef idx="1">
+            <a:schemeClr val="accent1"/>
+          </a:lnRef>
+          <a:fillRef idx="0">
+            <a:schemeClr val="accent1"/>
+          </a:fillRef>
+          <a:effectRef idx="0">
+            <a:schemeClr val="accent1"/>
+          </a:effectRef>
+          <a:fontRef idx="minor">
+            <a:schemeClr val="tx1"/>
+          </a:fontRef>
+        </p:style>
+      </p:cxnSp>
+      <p:sp>
+        <p:nvSpPr>
+          <p:cNvPr id="117" name="TextBox 116">
+            <a:extLst>
+              <a:ext uri="{FF2B5EF4-FFF2-40B4-BE49-F238E27FC236}">
+                <a16:creationId xmlns:a16="http://schemas.microsoft.com/office/drawing/2014/main" id="{915B305B-5891-4AA4-B66B-965074E6368B}"/>
+              </a:ext>
+            </a:extLst>
+          </p:cNvPr>
+          <p:cNvSpPr txBox="1"/>
+          <p:nvPr/>
+        </p:nvSpPr>
+        <p:spPr>
+          <a:xfrm>
+            <a:off x="6748635" y="5705404"/>
+            <a:ext cx="2782305" cy="307777"/>
+          </a:xfrm>
+          <a:prstGeom prst="rect">
+            <a:avLst/>
+          </a:prstGeom>
+          <a:noFill/>
+        </p:spPr>
+        <p:txBody>
+          <a:bodyPr wrap="square" rtlCol="0">
+            <a:spAutoFit/>
+          </a:bodyPr>
+          <a:lstStyle/>
+          <a:p>
+            <a:pPr algn="ctr"/>
+            <a:r>
+              <a:rPr lang="en-US" sz="1400" dirty="0">
+                <a:latin typeface="Myanmar Text" panose="020B0502040204020203" pitchFamily="34" charset="0"/>
+                <a:cs typeface="Myanmar Text" panose="020B0502040204020203" pitchFamily="34" charset="0"/>
+              </a:rPr>
+              <a:t>Telemetry Entities</a:t>
+            </a:r>
+          </a:p>
+        </p:txBody>
+      </p:sp>
+    </p:spTree>
+    <p:extLst>
+      <p:ext uri="{BB962C8B-B14F-4D97-AF65-F5344CB8AC3E}">
+        <p14:creationId xmlns:p14="http://schemas.microsoft.com/office/powerpoint/2010/main" val="2010173214"/>
+      </p:ext>
+    </p:extLst>
+  </p:cSld>
+  <p:clrMapOvr>
+    <a:masterClrMapping/>
+  </p:clrMapOvr>
+</p:sld>
+</file>
+
+<file path=ppt/slides/slide4.xml><?xml version="1.0" encoding="utf-8"?>
+<p:sld xmlns:a="http://schemas.openxmlformats.org/drawingml/2006/main" xmlns:r="http://schemas.openxmlformats.org/officeDocument/2006/relationships" xmlns:p="http://schemas.openxmlformats.org/presentationml/2006/main">
+  <p:cSld>
+    <p:spTree>
+      <p:nvGrpSpPr>
+        <p:cNvPr id="1" name=""/>
+        <p:cNvGrpSpPr/>
+        <p:nvPr/>
+      </p:nvGrpSpPr>
+      <p:grpSpPr>
+        <a:xfrm>
+          <a:off x="0" y="0"/>
+          <a:ext cx="0" cy="0"/>
+          <a:chOff x="0" y="0"/>
+          <a:chExt cx="0" cy="0"/>
+        </a:xfrm>
+      </p:grpSpPr>
+      <p:sp>
+        <p:nvSpPr>
+          <p:cNvPr id="4" name="!!Rectangle: Rounded Corners 12">
+            <a:extLst>
+              <a:ext uri="{FF2B5EF4-FFF2-40B4-BE49-F238E27FC236}">
+                <a16:creationId xmlns:a16="http://schemas.microsoft.com/office/drawing/2014/main" id="{E498C237-CE87-4399-AA5C-06C376114A85}"/>
+              </a:ext>
+            </a:extLst>
+          </p:cNvPr>
+          <p:cNvSpPr/>
+          <p:nvPr/>
+        </p:nvSpPr>
+        <p:spPr>
+          <a:xfrm>
+            <a:off x="2550885" y="674496"/>
+            <a:ext cx="5399315" cy="4351472"/>
+          </a:xfrm>
+          <a:prstGeom prst="roundRect">
+            <a:avLst/>
+          </a:prstGeom>
+          <a:solidFill>
+            <a:schemeClr val="bg1"/>
+          </a:solidFill>
+          <a:ln w="28575">
+            <a:solidFill>
+              <a:schemeClr val="tx1"/>
+            </a:solidFill>
+          </a:ln>
+        </p:spPr>
+        <p:style>
+          <a:lnRef idx="2">
+            <a:schemeClr val="accent1">
+              <a:shade val="50000"/>
+            </a:schemeClr>
+          </a:lnRef>
+          <a:fillRef idx="1">
+            <a:schemeClr val="accent1"/>
+          </a:fillRef>
+          <a:effectRef idx="0">
+            <a:schemeClr val="accent1"/>
+          </a:effectRef>
+          <a:fontRef idx="minor">
+            <a:schemeClr val="lt1"/>
+          </a:fontRef>
+        </p:style>
+        <p:txBody>
+          <a:bodyPr rtlCol="0" anchor="ctr"/>
+          <a:lstStyle/>
+          <a:p>
+            <a:pPr algn="ctr"/>
+            <a:endParaRPr lang="en-US"/>
+          </a:p>
+        </p:txBody>
+      </p:sp>
+      <p:sp>
+        <p:nvSpPr>
+          <p:cNvPr id="5" name="Rectangle: Rounded Corners 4">
+            <a:extLst>
+              <a:ext uri="{FF2B5EF4-FFF2-40B4-BE49-F238E27FC236}">
+                <a16:creationId xmlns:a16="http://schemas.microsoft.com/office/drawing/2014/main" id="{C16BD4AC-0848-4623-9D90-292BBAD4FEF7}"/>
+              </a:ext>
+            </a:extLst>
+          </p:cNvPr>
+          <p:cNvSpPr/>
+          <p:nvPr/>
+        </p:nvSpPr>
+        <p:spPr>
+          <a:xfrm>
+            <a:off x="2761677" y="1052897"/>
+            <a:ext cx="873940" cy="3569704"/>
+          </a:xfrm>
+          <a:prstGeom prst="roundRect">
+            <a:avLst/>
+          </a:prstGeom>
+          <a:solidFill>
+            <a:schemeClr val="bg1">
+              <a:lumMod val="95000"/>
+            </a:schemeClr>
+          </a:solidFill>
+          <a:ln>
+            <a:prstDash val="sysDash"/>
+          </a:ln>
+        </p:spPr>
+        <p:style>
+          <a:lnRef idx="2">
+            <a:schemeClr val="accent1">
+              <a:shade val="50000"/>
+            </a:schemeClr>
+          </a:lnRef>
+          <a:fillRef idx="1">
+            <a:schemeClr val="accent1"/>
+          </a:fillRef>
+          <a:effectRef idx="0">
+            <a:schemeClr val="accent1"/>
+          </a:effectRef>
+          <a:fontRef idx="minor">
+            <a:schemeClr val="lt1"/>
+          </a:fontRef>
+        </p:style>
+        <p:txBody>
+          <a:bodyPr rtlCol="0" anchor="ctr"/>
+          <a:lstStyle/>
+          <a:p>
+            <a:pPr algn="ctr"/>
+            <a:endParaRPr lang="en-US"/>
+          </a:p>
+        </p:txBody>
+      </p:sp>
+      <p:grpSp>
+        <p:nvGrpSpPr>
+          <p:cNvPr id="6" name="Group 5">
+            <a:extLst>
+              <a:ext uri="{FF2B5EF4-FFF2-40B4-BE49-F238E27FC236}">
+                <a16:creationId xmlns:a16="http://schemas.microsoft.com/office/drawing/2014/main" id="{5574E24F-6AAB-4842-BB65-4358C5F75A16}"/>
+              </a:ext>
+            </a:extLst>
+          </p:cNvPr>
+          <p:cNvGrpSpPr/>
+          <p:nvPr/>
+        </p:nvGrpSpPr>
+        <p:grpSpPr>
+          <a:xfrm>
+            <a:off x="2172945" y="1651304"/>
+            <a:ext cx="374469" cy="174171"/>
+            <a:chOff x="6435634" y="5416731"/>
+            <a:chExt cx="374469" cy="174171"/>
+          </a:xfrm>
+        </p:grpSpPr>
+        <p:cxnSp>
+          <p:nvCxnSpPr>
+            <p:cNvPr id="7" name="Straight Connector 6">
+              <a:extLst>
+                <a:ext uri="{FF2B5EF4-FFF2-40B4-BE49-F238E27FC236}">
+                  <a16:creationId xmlns:a16="http://schemas.microsoft.com/office/drawing/2014/main" id="{AAD7B79E-4AC9-47DF-9017-045B5A242B1C}"/>
+                </a:ext>
+              </a:extLst>
+            </p:cNvPr>
+            <p:cNvCxnSpPr/>
+            <p:nvPr/>
+          </p:nvCxnSpPr>
+          <p:spPr>
+            <a:xfrm>
+              <a:off x="6522720" y="5503817"/>
+              <a:ext cx="287383" cy="0"/>
+            </a:xfrm>
+            <a:prstGeom prst="line">
+              <a:avLst/>
+            </a:prstGeom>
+            <a:ln w="38100"/>
+          </p:spPr>
+          <p:style>
+            <a:lnRef idx="1">
+              <a:schemeClr val="dk1"/>
+            </a:lnRef>
+            <a:fillRef idx="0">
+              <a:schemeClr val="dk1"/>
+            </a:fillRef>
+            <a:effectRef idx="0">
+              <a:schemeClr val="dk1"/>
+            </a:effectRef>
+            <a:fontRef idx="minor">
+              <a:schemeClr val="tx1"/>
+            </a:fontRef>
+          </p:style>
+        </p:cxnSp>
+        <p:sp>
+          <p:nvSpPr>
+            <p:cNvPr id="8" name="Oval 7">
+              <a:extLst>
+                <a:ext uri="{FF2B5EF4-FFF2-40B4-BE49-F238E27FC236}">
+                  <a16:creationId xmlns:a16="http://schemas.microsoft.com/office/drawing/2014/main" id="{6372A870-79AB-45B2-9143-1DA3CDE3B47D}"/>
+                </a:ext>
+              </a:extLst>
+            </p:cNvPr>
+            <p:cNvSpPr/>
+            <p:nvPr/>
+          </p:nvSpPr>
+          <p:spPr>
+            <a:xfrm>
+              <a:off x="6435634" y="5416731"/>
+              <a:ext cx="174171" cy="174171"/>
+            </a:xfrm>
+            <a:prstGeom prst="ellipse">
+              <a:avLst/>
+            </a:prstGeom>
+            <a:solidFill>
+              <a:schemeClr val="bg1"/>
+            </a:solidFill>
+            <a:ln w="38100">
+              <a:solidFill>
+                <a:schemeClr val="tx1"/>
+              </a:solidFill>
+            </a:ln>
+          </p:spPr>
+          <p:style>
+            <a:lnRef idx="2">
+              <a:schemeClr val="accent1">
+                <a:shade val="50000"/>
+              </a:schemeClr>
+            </a:lnRef>
+            <a:fillRef idx="1">
+              <a:schemeClr val="accent1"/>
+            </a:fillRef>
+            <a:effectRef idx="0">
+              <a:schemeClr val="accent1"/>
+            </a:effectRef>
+            <a:fontRef idx="minor">
+              <a:schemeClr val="lt1"/>
+            </a:fontRef>
+          </p:style>
+          <p:txBody>
+            <a:bodyPr rtlCol="0" anchor="ctr"/>
+            <a:lstStyle/>
+            <a:p>
+              <a:pPr algn="ctr"/>
+              <a:endParaRPr lang="en-US"/>
+            </a:p>
+          </p:txBody>
+        </p:sp>
+      </p:grpSp>
+      <p:grpSp>
+        <p:nvGrpSpPr>
+          <p:cNvPr id="9" name="Group 8">
+            <a:extLst>
+              <a:ext uri="{FF2B5EF4-FFF2-40B4-BE49-F238E27FC236}">
+                <a16:creationId xmlns:a16="http://schemas.microsoft.com/office/drawing/2014/main" id="{AB500CD1-83CD-4BF4-AE0F-495A6E82C9F9}"/>
+              </a:ext>
+            </a:extLst>
+          </p:cNvPr>
+          <p:cNvGrpSpPr/>
+          <p:nvPr/>
+        </p:nvGrpSpPr>
+        <p:grpSpPr>
+          <a:xfrm>
+            <a:off x="2179616" y="3922907"/>
+            <a:ext cx="374469" cy="174171"/>
+            <a:chOff x="6435634" y="5416731"/>
+            <a:chExt cx="374469" cy="174171"/>
+          </a:xfrm>
+        </p:grpSpPr>
+        <p:cxnSp>
+          <p:nvCxnSpPr>
+            <p:cNvPr id="10" name="Straight Connector 9">
+              <a:extLst>
+                <a:ext uri="{FF2B5EF4-FFF2-40B4-BE49-F238E27FC236}">
+                  <a16:creationId xmlns:a16="http://schemas.microsoft.com/office/drawing/2014/main" id="{1DD1A548-FB79-4F39-8BC6-186CC83C1DB8}"/>
+                </a:ext>
+              </a:extLst>
+            </p:cNvPr>
+            <p:cNvCxnSpPr/>
+            <p:nvPr/>
+          </p:nvCxnSpPr>
+          <p:spPr>
+            <a:xfrm>
+              <a:off x="6522720" y="5503817"/>
+              <a:ext cx="287383" cy="0"/>
+            </a:xfrm>
+            <a:prstGeom prst="line">
+              <a:avLst/>
+            </a:prstGeom>
+            <a:ln w="38100"/>
+          </p:spPr>
+          <p:style>
+            <a:lnRef idx="1">
+              <a:schemeClr val="dk1"/>
+            </a:lnRef>
+            <a:fillRef idx="0">
+              <a:schemeClr val="dk1"/>
+            </a:fillRef>
+            <a:effectRef idx="0">
+              <a:schemeClr val="dk1"/>
+            </a:effectRef>
+            <a:fontRef idx="minor">
+              <a:schemeClr val="tx1"/>
+            </a:fontRef>
+          </p:style>
+        </p:cxnSp>
+        <p:sp>
+          <p:nvSpPr>
+            <p:cNvPr id="11" name="Oval 10">
+              <a:extLst>
+                <a:ext uri="{FF2B5EF4-FFF2-40B4-BE49-F238E27FC236}">
+                  <a16:creationId xmlns:a16="http://schemas.microsoft.com/office/drawing/2014/main" id="{99545FF4-B633-4A51-86EE-7EF54AEA31D7}"/>
+                </a:ext>
+              </a:extLst>
+            </p:cNvPr>
+            <p:cNvSpPr/>
+            <p:nvPr/>
+          </p:nvSpPr>
+          <p:spPr>
+            <a:xfrm>
+              <a:off x="6435634" y="5416731"/>
+              <a:ext cx="174171" cy="174171"/>
+            </a:xfrm>
+            <a:prstGeom prst="ellipse">
+              <a:avLst/>
+            </a:prstGeom>
+            <a:solidFill>
+              <a:schemeClr val="bg1"/>
+            </a:solidFill>
+            <a:ln w="38100">
+              <a:solidFill>
+                <a:schemeClr val="tx1"/>
+              </a:solidFill>
+            </a:ln>
+          </p:spPr>
+          <p:style>
+            <a:lnRef idx="2">
+              <a:schemeClr val="accent1">
+                <a:shade val="50000"/>
+              </a:schemeClr>
+            </a:lnRef>
+            <a:fillRef idx="1">
+              <a:schemeClr val="accent1"/>
+            </a:fillRef>
+            <a:effectRef idx="0">
+              <a:schemeClr val="accent1"/>
+            </a:effectRef>
+            <a:fontRef idx="minor">
+              <a:schemeClr val="lt1"/>
+            </a:fontRef>
+          </p:style>
+          <p:txBody>
+            <a:bodyPr rtlCol="0" anchor="ctr"/>
+            <a:lstStyle/>
+            <a:p>
+              <a:pPr algn="ctr"/>
+              <a:endParaRPr lang="en-US"/>
+            </a:p>
+          </p:txBody>
+        </p:sp>
+      </p:grpSp>
+      <p:pic>
+        <p:nvPicPr>
+          <p:cNvPr id="12" name="Graphic 11">
+            <a:extLst>
+              <a:ext uri="{FF2B5EF4-FFF2-40B4-BE49-F238E27FC236}">
+                <a16:creationId xmlns:a16="http://schemas.microsoft.com/office/drawing/2014/main" id="{2FBE7DE2-EB75-408B-B370-B55A19DF9CF4}"/>
+              </a:ext>
+            </a:extLst>
+          </p:cNvPr>
+          <p:cNvPicPr>
+            <a:picLocks noChangeAspect="1"/>
+          </p:cNvPicPr>
+          <p:nvPr/>
+        </p:nvPicPr>
+        <p:blipFill>
+          <a:blip r:embed="rId2">
+            <a:extLst>
+              <a:ext uri="{28A0092B-C50C-407E-A947-70E740481C1C}">
+                <a14:useLocalDpi xmlns:a14="http://schemas.microsoft.com/office/drawing/2010/main" val="0"/>
+              </a:ext>
+              <a:ext uri="{96DAC541-7B7A-43D3-8B79-37D633B846F1}">
+                <asvg:svgBlip xmlns:asvg="http://schemas.microsoft.com/office/drawing/2016/SVG/main" r:embed="rId3"/>
+              </a:ext>
+            </a:extLst>
+          </a:blip>
+          <a:stretch>
+            <a:fillRect/>
+          </a:stretch>
+        </p:blipFill>
+        <p:spPr>
+          <a:xfrm>
+            <a:off x="2992104" y="1509789"/>
+            <a:ext cx="457200" cy="457200"/>
+          </a:xfrm>
+          <a:prstGeom prst="rect">
+            <a:avLst/>
+          </a:prstGeom>
+        </p:spPr>
+      </p:pic>
+      <p:pic>
+        <p:nvPicPr>
+          <p:cNvPr id="13" name="Graphic 12">
+            <a:extLst>
+              <a:ext uri="{FF2B5EF4-FFF2-40B4-BE49-F238E27FC236}">
+                <a16:creationId xmlns:a16="http://schemas.microsoft.com/office/drawing/2014/main" id="{F46D48C4-E8A6-4831-9ABB-FD95DB509AA4}"/>
+              </a:ext>
+            </a:extLst>
+          </p:cNvPr>
+          <p:cNvPicPr>
+            <a:picLocks noChangeAspect="1"/>
+          </p:cNvPicPr>
+          <p:nvPr/>
+        </p:nvPicPr>
+        <p:blipFill>
+          <a:blip r:embed="rId2">
+            <a:extLst>
+              <a:ext uri="{28A0092B-C50C-407E-A947-70E740481C1C}">
+                <a14:useLocalDpi xmlns:a14="http://schemas.microsoft.com/office/drawing/2010/main" val="0"/>
+              </a:ext>
+              <a:ext uri="{96DAC541-7B7A-43D3-8B79-37D633B846F1}">
+                <asvg:svgBlip xmlns:asvg="http://schemas.microsoft.com/office/drawing/2016/SVG/main" r:embed="rId3"/>
+              </a:ext>
+            </a:extLst>
+          </a:blip>
+          <a:stretch>
+            <a:fillRect/>
+          </a:stretch>
+        </p:blipFill>
+        <p:spPr>
+          <a:xfrm>
+            <a:off x="2944083" y="3390091"/>
+            <a:ext cx="457200" cy="457200"/>
+          </a:xfrm>
+          <a:prstGeom prst="rect">
+            <a:avLst/>
+          </a:prstGeom>
+        </p:spPr>
+      </p:pic>
+      <p:sp>
+        <p:nvSpPr>
+          <p:cNvPr id="14" name="Rectangle: Rounded Corners 13">
+            <a:extLst>
+              <a:ext uri="{FF2B5EF4-FFF2-40B4-BE49-F238E27FC236}">
+                <a16:creationId xmlns:a16="http://schemas.microsoft.com/office/drawing/2014/main" id="{534E8B48-EF6E-48B6-BE73-7ABC177C5FF5}"/>
+              </a:ext>
+            </a:extLst>
+          </p:cNvPr>
+          <p:cNvSpPr/>
+          <p:nvPr/>
+        </p:nvSpPr>
+        <p:spPr>
+          <a:xfrm>
+            <a:off x="3787670" y="1033989"/>
+            <a:ext cx="2225921" cy="3569704"/>
+          </a:xfrm>
+          <a:prstGeom prst="roundRect">
+            <a:avLst/>
+          </a:prstGeom>
+          <a:solidFill>
+            <a:schemeClr val="bg1">
+              <a:lumMod val="95000"/>
+            </a:schemeClr>
+          </a:solidFill>
+          <a:ln>
+            <a:prstDash val="sysDash"/>
+          </a:ln>
+        </p:spPr>
+        <p:style>
+          <a:lnRef idx="2">
+            <a:schemeClr val="accent1">
+              <a:shade val="50000"/>
+            </a:schemeClr>
+          </a:lnRef>
+          <a:fillRef idx="1">
+            <a:schemeClr val="accent1"/>
+          </a:fillRef>
+          <a:effectRef idx="0">
+            <a:schemeClr val="accent1"/>
+          </a:effectRef>
+          <a:fontRef idx="minor">
+            <a:schemeClr val="lt1"/>
+          </a:fontRef>
+        </p:style>
+        <p:txBody>
+          <a:bodyPr rtlCol="0" anchor="ctr"/>
+          <a:lstStyle/>
+          <a:p>
+            <a:pPr algn="ctr"/>
+            <a:endParaRPr lang="en-US"/>
+          </a:p>
+        </p:txBody>
+      </p:sp>
+      <p:pic>
+        <p:nvPicPr>
+          <p:cNvPr id="15" name="Graphic 14">
+            <a:extLst>
+              <a:ext uri="{FF2B5EF4-FFF2-40B4-BE49-F238E27FC236}">
+                <a16:creationId xmlns:a16="http://schemas.microsoft.com/office/drawing/2014/main" id="{86ED1875-2D62-4CC8-A74D-9C96CEBA0FFB}"/>
+              </a:ext>
+            </a:extLst>
+          </p:cNvPr>
+          <p:cNvPicPr>
+            <a:picLocks noChangeAspect="1"/>
+          </p:cNvPicPr>
+          <p:nvPr/>
+        </p:nvPicPr>
+        <p:blipFill>
+          <a:blip r:embed="rId2">
+            <a:extLst>
+              <a:ext uri="{28A0092B-C50C-407E-A947-70E740481C1C}">
+                <a14:useLocalDpi xmlns:a14="http://schemas.microsoft.com/office/drawing/2010/main" val="0"/>
+              </a:ext>
+              <a:ext uri="{96DAC541-7B7A-43D3-8B79-37D633B846F1}">
+                <asvg:svgBlip xmlns:asvg="http://schemas.microsoft.com/office/drawing/2016/SVG/main" r:embed="rId3"/>
+              </a:ext>
+            </a:extLst>
+          </a:blip>
+          <a:stretch>
+            <a:fillRect/>
+          </a:stretch>
+        </p:blipFill>
+        <p:spPr>
+          <a:xfrm>
+            <a:off x="2961120" y="4060249"/>
+            <a:ext cx="457200" cy="457200"/>
+          </a:xfrm>
+          <a:prstGeom prst="rect">
+            <a:avLst/>
+          </a:prstGeom>
+        </p:spPr>
+      </p:pic>
+      <p:grpSp>
+        <p:nvGrpSpPr>
+          <p:cNvPr id="16" name="Group 15">
+            <a:extLst>
+              <a:ext uri="{FF2B5EF4-FFF2-40B4-BE49-F238E27FC236}">
+                <a16:creationId xmlns:a16="http://schemas.microsoft.com/office/drawing/2014/main" id="{666FECB0-25F8-46B7-8326-8A8C6C9E247D}"/>
+              </a:ext>
+            </a:extLst>
+          </p:cNvPr>
+          <p:cNvGrpSpPr/>
+          <p:nvPr/>
+        </p:nvGrpSpPr>
+        <p:grpSpPr>
+          <a:xfrm>
+            <a:off x="4585511" y="1367182"/>
+            <a:ext cx="579807" cy="592661"/>
+            <a:chOff x="7452334" y="2313119"/>
+            <a:chExt cx="579807" cy="592661"/>
+          </a:xfrm>
+        </p:grpSpPr>
+        <p:pic>
+          <p:nvPicPr>
+            <p:cNvPr id="17" name="Graphic 16">
+              <a:extLst>
+                <a:ext uri="{FF2B5EF4-FFF2-40B4-BE49-F238E27FC236}">
+                  <a16:creationId xmlns:a16="http://schemas.microsoft.com/office/drawing/2014/main" id="{ECC253AF-8C5D-404A-BA4B-4FA034861F13}"/>
+                </a:ext>
+              </a:extLst>
+            </p:cNvPr>
+            <p:cNvPicPr>
+              <a:picLocks noChangeAspect="1"/>
+            </p:cNvPicPr>
+            <p:nvPr/>
+          </p:nvPicPr>
+          <p:blipFill>
+            <a:blip r:embed="rId4">
+              <a:extLst>
+                <a:ext uri="{28A0092B-C50C-407E-A947-70E740481C1C}">
+                  <a14:useLocalDpi xmlns:a14="http://schemas.microsoft.com/office/drawing/2010/main" val="0"/>
+                </a:ext>
+                <a:ext uri="{96DAC541-7B7A-43D3-8B79-37D633B846F1}">
+                  <asvg:svgBlip xmlns:asvg="http://schemas.microsoft.com/office/drawing/2016/SVG/main" r:embed="rId5"/>
+                </a:ext>
+              </a:extLst>
+            </a:blip>
+            <a:stretch>
+              <a:fillRect/>
+            </a:stretch>
+          </p:blipFill>
+          <p:spPr>
+            <a:xfrm>
+              <a:off x="7574941" y="2448580"/>
+              <a:ext cx="457200" cy="457200"/>
+            </a:xfrm>
+            <a:prstGeom prst="rect">
+              <a:avLst/>
+            </a:prstGeom>
+          </p:spPr>
+        </p:pic>
+        <p:pic>
+          <p:nvPicPr>
+            <p:cNvPr id="18" name="Graphic 17">
+              <a:extLst>
+                <a:ext uri="{FF2B5EF4-FFF2-40B4-BE49-F238E27FC236}">
+                  <a16:creationId xmlns:a16="http://schemas.microsoft.com/office/drawing/2014/main" id="{C8F0E145-2C6A-4B95-911A-10A1274FC360}"/>
+                </a:ext>
+              </a:extLst>
+            </p:cNvPr>
+            <p:cNvPicPr>
+              <a:picLocks noChangeAspect="1"/>
+            </p:cNvPicPr>
+            <p:nvPr/>
+          </p:nvPicPr>
+          <p:blipFill>
+            <a:blip r:embed="rId2">
+              <a:extLst>
+                <a:ext uri="{28A0092B-C50C-407E-A947-70E740481C1C}">
+                  <a14:useLocalDpi xmlns:a14="http://schemas.microsoft.com/office/drawing/2010/main" val="0"/>
+                </a:ext>
+                <a:ext uri="{96DAC541-7B7A-43D3-8B79-37D633B846F1}">
+                  <asvg:svgBlip xmlns:asvg="http://schemas.microsoft.com/office/drawing/2016/SVG/main" r:embed="rId3"/>
+                </a:ext>
+              </a:extLst>
+            </a:blip>
+            <a:stretch>
+              <a:fillRect/>
+            </a:stretch>
+          </p:blipFill>
+          <p:spPr>
+            <a:xfrm>
+              <a:off x="7452334" y="2313119"/>
+              <a:ext cx="457200" cy="457200"/>
+            </a:xfrm>
+            <a:prstGeom prst="rect">
+              <a:avLst/>
+            </a:prstGeom>
+          </p:spPr>
+        </p:pic>
+      </p:grpSp>
+      <p:grpSp>
+        <p:nvGrpSpPr>
+          <p:cNvPr id="19" name="Group 18">
+            <a:extLst>
+              <a:ext uri="{FF2B5EF4-FFF2-40B4-BE49-F238E27FC236}">
+                <a16:creationId xmlns:a16="http://schemas.microsoft.com/office/drawing/2014/main" id="{076DCA88-D6D0-44F1-AB49-0659189993D5}"/>
+              </a:ext>
+            </a:extLst>
+          </p:cNvPr>
+          <p:cNvGrpSpPr/>
+          <p:nvPr/>
+        </p:nvGrpSpPr>
+        <p:grpSpPr>
+          <a:xfrm>
+            <a:off x="4136893" y="1908371"/>
+            <a:ext cx="579807" cy="592661"/>
+            <a:chOff x="7452334" y="2313119"/>
+            <a:chExt cx="579807" cy="592661"/>
+          </a:xfrm>
+        </p:grpSpPr>
+        <p:pic>
+          <p:nvPicPr>
+            <p:cNvPr id="20" name="Graphic 19">
+              <a:extLst>
+                <a:ext uri="{FF2B5EF4-FFF2-40B4-BE49-F238E27FC236}">
+                  <a16:creationId xmlns:a16="http://schemas.microsoft.com/office/drawing/2014/main" id="{717861E4-9353-4EC0-95FF-585D79EC3F5C}"/>
+                </a:ext>
+              </a:extLst>
+            </p:cNvPr>
+            <p:cNvPicPr>
+              <a:picLocks noChangeAspect="1"/>
+            </p:cNvPicPr>
+            <p:nvPr/>
+          </p:nvPicPr>
+          <p:blipFill>
+            <a:blip r:embed="rId4">
+              <a:extLst>
+                <a:ext uri="{28A0092B-C50C-407E-A947-70E740481C1C}">
+                  <a14:useLocalDpi xmlns:a14="http://schemas.microsoft.com/office/drawing/2010/main" val="0"/>
+                </a:ext>
+                <a:ext uri="{96DAC541-7B7A-43D3-8B79-37D633B846F1}">
+                  <asvg:svgBlip xmlns:asvg="http://schemas.microsoft.com/office/drawing/2016/SVG/main" r:embed="rId5"/>
+                </a:ext>
+              </a:extLst>
+            </a:blip>
+            <a:stretch>
+              <a:fillRect/>
+            </a:stretch>
+          </p:blipFill>
+          <p:spPr>
+            <a:xfrm>
+              <a:off x="7574941" y="2448580"/>
+              <a:ext cx="457200" cy="457200"/>
+            </a:xfrm>
+            <a:prstGeom prst="rect">
+              <a:avLst/>
+            </a:prstGeom>
+          </p:spPr>
+        </p:pic>
+        <p:pic>
+          <p:nvPicPr>
+            <p:cNvPr id="21" name="Graphic 20">
+              <a:extLst>
+                <a:ext uri="{FF2B5EF4-FFF2-40B4-BE49-F238E27FC236}">
+                  <a16:creationId xmlns:a16="http://schemas.microsoft.com/office/drawing/2014/main" id="{FD3E2801-4034-4122-AFD6-9F17C3839AB0}"/>
+                </a:ext>
+              </a:extLst>
+            </p:cNvPr>
+            <p:cNvPicPr>
+              <a:picLocks noChangeAspect="1"/>
+            </p:cNvPicPr>
+            <p:nvPr/>
+          </p:nvPicPr>
+          <p:blipFill>
+            <a:blip r:embed="rId2">
+              <a:extLst>
+                <a:ext uri="{28A0092B-C50C-407E-A947-70E740481C1C}">
+                  <a14:useLocalDpi xmlns:a14="http://schemas.microsoft.com/office/drawing/2010/main" val="0"/>
+                </a:ext>
+                <a:ext uri="{96DAC541-7B7A-43D3-8B79-37D633B846F1}">
+                  <asvg:svgBlip xmlns:asvg="http://schemas.microsoft.com/office/drawing/2016/SVG/main" r:embed="rId3"/>
+                </a:ext>
+              </a:extLst>
+            </a:blip>
+            <a:stretch>
+              <a:fillRect/>
+            </a:stretch>
+          </p:blipFill>
+          <p:spPr>
+            <a:xfrm>
+              <a:off x="7452334" y="2313119"/>
+              <a:ext cx="457200" cy="457200"/>
+            </a:xfrm>
+            <a:prstGeom prst="rect">
+              <a:avLst/>
+            </a:prstGeom>
+          </p:spPr>
+        </p:pic>
+      </p:grpSp>
+      <p:grpSp>
+        <p:nvGrpSpPr>
+          <p:cNvPr id="22" name="Group 21">
+            <a:extLst>
+              <a:ext uri="{FF2B5EF4-FFF2-40B4-BE49-F238E27FC236}">
+                <a16:creationId xmlns:a16="http://schemas.microsoft.com/office/drawing/2014/main" id="{0F9D57B5-B625-44AE-9678-918EAC175BD2}"/>
+              </a:ext>
+            </a:extLst>
+          </p:cNvPr>
+          <p:cNvGrpSpPr/>
+          <p:nvPr/>
+        </p:nvGrpSpPr>
+        <p:grpSpPr>
+          <a:xfrm>
+            <a:off x="5184218" y="1854057"/>
+            <a:ext cx="579807" cy="592661"/>
+            <a:chOff x="7452334" y="2313119"/>
+            <a:chExt cx="579807" cy="592661"/>
+          </a:xfrm>
+        </p:grpSpPr>
+        <p:pic>
+          <p:nvPicPr>
+            <p:cNvPr id="23" name="Graphic 22">
+              <a:extLst>
+                <a:ext uri="{FF2B5EF4-FFF2-40B4-BE49-F238E27FC236}">
+                  <a16:creationId xmlns:a16="http://schemas.microsoft.com/office/drawing/2014/main" id="{4860E3B8-D8B4-4EFA-8118-6B40D60B8F57}"/>
+                </a:ext>
+              </a:extLst>
+            </p:cNvPr>
+            <p:cNvPicPr>
+              <a:picLocks noChangeAspect="1"/>
+            </p:cNvPicPr>
+            <p:nvPr/>
+          </p:nvPicPr>
+          <p:blipFill>
+            <a:blip r:embed="rId4">
+              <a:extLst>
+                <a:ext uri="{28A0092B-C50C-407E-A947-70E740481C1C}">
+                  <a14:useLocalDpi xmlns:a14="http://schemas.microsoft.com/office/drawing/2010/main" val="0"/>
+                </a:ext>
+                <a:ext uri="{96DAC541-7B7A-43D3-8B79-37D633B846F1}">
+                  <asvg:svgBlip xmlns:asvg="http://schemas.microsoft.com/office/drawing/2016/SVG/main" r:embed="rId5"/>
+                </a:ext>
+              </a:extLst>
+            </a:blip>
+            <a:stretch>
+              <a:fillRect/>
+            </a:stretch>
+          </p:blipFill>
+          <p:spPr>
+            <a:xfrm>
+              <a:off x="7574941" y="2448580"/>
+              <a:ext cx="457200" cy="457200"/>
+            </a:xfrm>
+            <a:prstGeom prst="rect">
+              <a:avLst/>
+            </a:prstGeom>
+          </p:spPr>
+        </p:pic>
+        <p:pic>
+          <p:nvPicPr>
+            <p:cNvPr id="24" name="Graphic 23">
+              <a:extLst>
+                <a:ext uri="{FF2B5EF4-FFF2-40B4-BE49-F238E27FC236}">
+                  <a16:creationId xmlns:a16="http://schemas.microsoft.com/office/drawing/2014/main" id="{6BC7E0E0-9F02-47FB-A6F4-D5C34EBFDEEB}"/>
+                </a:ext>
+              </a:extLst>
+            </p:cNvPr>
+            <p:cNvPicPr>
+              <a:picLocks noChangeAspect="1"/>
+            </p:cNvPicPr>
+            <p:nvPr/>
+          </p:nvPicPr>
+          <p:blipFill>
+            <a:blip r:embed="rId2">
+              <a:extLst>
+                <a:ext uri="{28A0092B-C50C-407E-A947-70E740481C1C}">
+                  <a14:useLocalDpi xmlns:a14="http://schemas.microsoft.com/office/drawing/2010/main" val="0"/>
+                </a:ext>
+                <a:ext uri="{96DAC541-7B7A-43D3-8B79-37D633B846F1}">
+                  <asvg:svgBlip xmlns:asvg="http://schemas.microsoft.com/office/drawing/2016/SVG/main" r:embed="rId3"/>
+                </a:ext>
+              </a:extLst>
+            </a:blip>
+            <a:stretch>
+              <a:fillRect/>
+            </a:stretch>
+          </p:blipFill>
+          <p:spPr>
+            <a:xfrm>
+              <a:off x="7452334" y="2313119"/>
+              <a:ext cx="457200" cy="457200"/>
+            </a:xfrm>
+            <a:prstGeom prst="rect">
+              <a:avLst/>
+            </a:prstGeom>
+          </p:spPr>
+        </p:pic>
+      </p:grpSp>
+      <p:grpSp>
+        <p:nvGrpSpPr>
+          <p:cNvPr id="25" name="Group 24">
+            <a:extLst>
+              <a:ext uri="{FF2B5EF4-FFF2-40B4-BE49-F238E27FC236}">
+                <a16:creationId xmlns:a16="http://schemas.microsoft.com/office/drawing/2014/main" id="{732B4D4B-30EF-40EF-A2E1-DB281FF17FBC}"/>
+              </a:ext>
+            </a:extLst>
+          </p:cNvPr>
+          <p:cNvGrpSpPr/>
+          <p:nvPr/>
+        </p:nvGrpSpPr>
+        <p:grpSpPr>
+          <a:xfrm>
+            <a:off x="4806802" y="2393586"/>
+            <a:ext cx="579807" cy="592661"/>
+            <a:chOff x="7452334" y="2313119"/>
+            <a:chExt cx="579807" cy="592661"/>
+          </a:xfrm>
+        </p:grpSpPr>
+        <p:pic>
+          <p:nvPicPr>
+            <p:cNvPr id="26" name="Graphic 25">
+              <a:extLst>
+                <a:ext uri="{FF2B5EF4-FFF2-40B4-BE49-F238E27FC236}">
+                  <a16:creationId xmlns:a16="http://schemas.microsoft.com/office/drawing/2014/main" id="{008DD2B9-0554-47F8-A274-E88F29FF9E26}"/>
+                </a:ext>
+              </a:extLst>
+            </p:cNvPr>
+            <p:cNvPicPr>
+              <a:picLocks noChangeAspect="1"/>
+            </p:cNvPicPr>
+            <p:nvPr/>
+          </p:nvPicPr>
+          <p:blipFill>
+            <a:blip r:embed="rId4">
+              <a:extLst>
+                <a:ext uri="{28A0092B-C50C-407E-A947-70E740481C1C}">
+                  <a14:useLocalDpi xmlns:a14="http://schemas.microsoft.com/office/drawing/2010/main" val="0"/>
+                </a:ext>
+                <a:ext uri="{96DAC541-7B7A-43D3-8B79-37D633B846F1}">
+                  <asvg:svgBlip xmlns:asvg="http://schemas.microsoft.com/office/drawing/2016/SVG/main" r:embed="rId5"/>
+                </a:ext>
+              </a:extLst>
+            </a:blip>
+            <a:stretch>
+              <a:fillRect/>
+            </a:stretch>
+          </p:blipFill>
+          <p:spPr>
+            <a:xfrm>
+              <a:off x="7574941" y="2448580"/>
+              <a:ext cx="457200" cy="457200"/>
+            </a:xfrm>
+            <a:prstGeom prst="rect">
+              <a:avLst/>
+            </a:prstGeom>
+          </p:spPr>
+        </p:pic>
+        <p:pic>
+          <p:nvPicPr>
+            <p:cNvPr id="27" name="Graphic 26">
+              <a:extLst>
+                <a:ext uri="{FF2B5EF4-FFF2-40B4-BE49-F238E27FC236}">
+                  <a16:creationId xmlns:a16="http://schemas.microsoft.com/office/drawing/2014/main" id="{AC7161CE-83B2-466D-AA81-7A0B968F41E5}"/>
+                </a:ext>
+              </a:extLst>
+            </p:cNvPr>
+            <p:cNvPicPr>
+              <a:picLocks noChangeAspect="1"/>
+            </p:cNvPicPr>
+            <p:nvPr/>
+          </p:nvPicPr>
+          <p:blipFill>
+            <a:blip r:embed="rId2">
+              <a:extLst>
+                <a:ext uri="{28A0092B-C50C-407E-A947-70E740481C1C}">
+                  <a14:useLocalDpi xmlns:a14="http://schemas.microsoft.com/office/drawing/2010/main" val="0"/>
+                </a:ext>
+                <a:ext uri="{96DAC541-7B7A-43D3-8B79-37D633B846F1}">
+                  <asvg:svgBlip xmlns:asvg="http://schemas.microsoft.com/office/drawing/2016/SVG/main" r:embed="rId3"/>
+                </a:ext>
+              </a:extLst>
+            </a:blip>
+            <a:stretch>
+              <a:fillRect/>
+            </a:stretch>
+          </p:blipFill>
+          <p:spPr>
+            <a:xfrm>
+              <a:off x="7452334" y="2313119"/>
+              <a:ext cx="457200" cy="457200"/>
+            </a:xfrm>
+            <a:prstGeom prst="rect">
+              <a:avLst/>
+            </a:prstGeom>
+          </p:spPr>
+        </p:pic>
+      </p:grpSp>
+      <p:grpSp>
+        <p:nvGrpSpPr>
+          <p:cNvPr id="28" name="Group 27">
+            <a:extLst>
+              <a:ext uri="{FF2B5EF4-FFF2-40B4-BE49-F238E27FC236}">
+                <a16:creationId xmlns:a16="http://schemas.microsoft.com/office/drawing/2014/main" id="{39288EB5-C80E-4FFC-8A67-6160DAFB1D27}"/>
+              </a:ext>
+            </a:extLst>
+          </p:cNvPr>
+          <p:cNvGrpSpPr/>
+          <p:nvPr/>
+        </p:nvGrpSpPr>
+        <p:grpSpPr>
+          <a:xfrm>
+            <a:off x="4134783" y="2917707"/>
+            <a:ext cx="579807" cy="592661"/>
+            <a:chOff x="7452334" y="2313119"/>
+            <a:chExt cx="579807" cy="592661"/>
+          </a:xfrm>
+        </p:grpSpPr>
+        <p:pic>
+          <p:nvPicPr>
+            <p:cNvPr id="29" name="Graphic 28">
+              <a:extLst>
+                <a:ext uri="{FF2B5EF4-FFF2-40B4-BE49-F238E27FC236}">
+                  <a16:creationId xmlns:a16="http://schemas.microsoft.com/office/drawing/2014/main" id="{38534E9E-73C0-40D5-B9A9-DB10CF5E2990}"/>
+                </a:ext>
+              </a:extLst>
+            </p:cNvPr>
+            <p:cNvPicPr>
+              <a:picLocks noChangeAspect="1"/>
+            </p:cNvPicPr>
+            <p:nvPr/>
+          </p:nvPicPr>
+          <p:blipFill>
+            <a:blip r:embed="rId4">
+              <a:extLst>
+                <a:ext uri="{28A0092B-C50C-407E-A947-70E740481C1C}">
+                  <a14:useLocalDpi xmlns:a14="http://schemas.microsoft.com/office/drawing/2010/main" val="0"/>
+                </a:ext>
+                <a:ext uri="{96DAC541-7B7A-43D3-8B79-37D633B846F1}">
+                  <asvg:svgBlip xmlns:asvg="http://schemas.microsoft.com/office/drawing/2016/SVG/main" r:embed="rId5"/>
+                </a:ext>
+              </a:extLst>
+            </a:blip>
+            <a:stretch>
+              <a:fillRect/>
+            </a:stretch>
+          </p:blipFill>
+          <p:spPr>
+            <a:xfrm>
+              <a:off x="7574941" y="2448580"/>
+              <a:ext cx="457200" cy="457200"/>
+            </a:xfrm>
+            <a:prstGeom prst="rect">
+              <a:avLst/>
+            </a:prstGeom>
+          </p:spPr>
+        </p:pic>
+        <p:pic>
+          <p:nvPicPr>
+            <p:cNvPr id="30" name="Graphic 29">
+              <a:extLst>
+                <a:ext uri="{FF2B5EF4-FFF2-40B4-BE49-F238E27FC236}">
+                  <a16:creationId xmlns:a16="http://schemas.microsoft.com/office/drawing/2014/main" id="{B3E46AAC-2538-4F53-876F-032258C1F4A2}"/>
+                </a:ext>
+              </a:extLst>
+            </p:cNvPr>
+            <p:cNvPicPr>
+              <a:picLocks noChangeAspect="1"/>
+            </p:cNvPicPr>
+            <p:nvPr/>
+          </p:nvPicPr>
+          <p:blipFill>
+            <a:blip r:embed="rId2">
+              <a:extLst>
+                <a:ext uri="{28A0092B-C50C-407E-A947-70E740481C1C}">
+                  <a14:useLocalDpi xmlns:a14="http://schemas.microsoft.com/office/drawing/2010/main" val="0"/>
+                </a:ext>
+                <a:ext uri="{96DAC541-7B7A-43D3-8B79-37D633B846F1}">
+                  <asvg:svgBlip xmlns:asvg="http://schemas.microsoft.com/office/drawing/2016/SVG/main" r:embed="rId3"/>
+                </a:ext>
+              </a:extLst>
+            </a:blip>
+            <a:stretch>
+              <a:fillRect/>
+            </a:stretch>
+          </p:blipFill>
+          <p:spPr>
+            <a:xfrm>
+              <a:off x="7452334" y="2313119"/>
+              <a:ext cx="457200" cy="457200"/>
+            </a:xfrm>
+            <a:prstGeom prst="rect">
+              <a:avLst/>
+            </a:prstGeom>
+          </p:spPr>
+        </p:pic>
+      </p:grpSp>
+      <p:grpSp>
+        <p:nvGrpSpPr>
+          <p:cNvPr id="31" name="Group 30">
+            <a:extLst>
+              <a:ext uri="{FF2B5EF4-FFF2-40B4-BE49-F238E27FC236}">
+                <a16:creationId xmlns:a16="http://schemas.microsoft.com/office/drawing/2014/main" id="{D8253D3C-B16E-4036-ADDF-3AE729E34D6F}"/>
+              </a:ext>
+            </a:extLst>
+          </p:cNvPr>
+          <p:cNvGrpSpPr/>
+          <p:nvPr/>
+        </p:nvGrpSpPr>
+        <p:grpSpPr>
+          <a:xfrm>
+            <a:off x="4951274" y="3093218"/>
+            <a:ext cx="579807" cy="592661"/>
+            <a:chOff x="7452334" y="2313119"/>
+            <a:chExt cx="579807" cy="592661"/>
+          </a:xfrm>
+        </p:grpSpPr>
+        <p:pic>
+          <p:nvPicPr>
+            <p:cNvPr id="32" name="Graphic 31">
+              <a:extLst>
+                <a:ext uri="{FF2B5EF4-FFF2-40B4-BE49-F238E27FC236}">
+                  <a16:creationId xmlns:a16="http://schemas.microsoft.com/office/drawing/2014/main" id="{E8718505-F7EA-4CC7-B237-C016C9FB782F}"/>
+                </a:ext>
+              </a:extLst>
+            </p:cNvPr>
+            <p:cNvPicPr>
+              <a:picLocks noChangeAspect="1"/>
+            </p:cNvPicPr>
+            <p:nvPr/>
+          </p:nvPicPr>
+          <p:blipFill>
+            <a:blip r:embed="rId4">
+              <a:extLst>
+                <a:ext uri="{28A0092B-C50C-407E-A947-70E740481C1C}">
+                  <a14:useLocalDpi xmlns:a14="http://schemas.microsoft.com/office/drawing/2010/main" val="0"/>
+                </a:ext>
+                <a:ext uri="{96DAC541-7B7A-43D3-8B79-37D633B846F1}">
+                  <asvg:svgBlip xmlns:asvg="http://schemas.microsoft.com/office/drawing/2016/SVG/main" r:embed="rId5"/>
+                </a:ext>
+              </a:extLst>
+            </a:blip>
+            <a:stretch>
+              <a:fillRect/>
+            </a:stretch>
+          </p:blipFill>
+          <p:spPr>
+            <a:xfrm>
+              <a:off x="7574941" y="2448580"/>
+              <a:ext cx="457200" cy="457200"/>
+            </a:xfrm>
+            <a:prstGeom prst="rect">
+              <a:avLst/>
+            </a:prstGeom>
+          </p:spPr>
+        </p:pic>
+        <p:pic>
+          <p:nvPicPr>
+            <p:cNvPr id="33" name="Graphic 32">
+              <a:extLst>
+                <a:ext uri="{FF2B5EF4-FFF2-40B4-BE49-F238E27FC236}">
+                  <a16:creationId xmlns:a16="http://schemas.microsoft.com/office/drawing/2014/main" id="{D0E929D5-AA9F-4F9E-9A67-175A5502BE4E}"/>
+                </a:ext>
+              </a:extLst>
+            </p:cNvPr>
+            <p:cNvPicPr>
+              <a:picLocks noChangeAspect="1"/>
+            </p:cNvPicPr>
+            <p:nvPr/>
+          </p:nvPicPr>
+          <p:blipFill>
+            <a:blip r:embed="rId2">
+              <a:extLst>
+                <a:ext uri="{28A0092B-C50C-407E-A947-70E740481C1C}">
+                  <a14:useLocalDpi xmlns:a14="http://schemas.microsoft.com/office/drawing/2010/main" val="0"/>
+                </a:ext>
+                <a:ext uri="{96DAC541-7B7A-43D3-8B79-37D633B846F1}">
+                  <asvg:svgBlip xmlns:asvg="http://schemas.microsoft.com/office/drawing/2016/SVG/main" r:embed="rId3"/>
+                </a:ext>
+              </a:extLst>
+            </a:blip>
+            <a:stretch>
+              <a:fillRect/>
+            </a:stretch>
+          </p:blipFill>
+          <p:spPr>
+            <a:xfrm>
+              <a:off x="7452334" y="2313119"/>
+              <a:ext cx="457200" cy="457200"/>
+            </a:xfrm>
+            <a:prstGeom prst="rect">
+              <a:avLst/>
+            </a:prstGeom>
+          </p:spPr>
+        </p:pic>
+      </p:grpSp>
+      <p:grpSp>
+        <p:nvGrpSpPr>
+          <p:cNvPr id="34" name="Group 33">
+            <a:extLst>
+              <a:ext uri="{FF2B5EF4-FFF2-40B4-BE49-F238E27FC236}">
+                <a16:creationId xmlns:a16="http://schemas.microsoft.com/office/drawing/2014/main" id="{886D0AA2-90D5-4729-85B5-BF6301E46CFA}"/>
+              </a:ext>
+            </a:extLst>
+          </p:cNvPr>
+          <p:cNvGrpSpPr/>
+          <p:nvPr/>
+        </p:nvGrpSpPr>
+        <p:grpSpPr>
+          <a:xfrm>
+            <a:off x="4594620" y="3626576"/>
+            <a:ext cx="579807" cy="592661"/>
+            <a:chOff x="7452334" y="2313119"/>
+            <a:chExt cx="579807" cy="592661"/>
+          </a:xfrm>
+        </p:grpSpPr>
+        <p:pic>
+          <p:nvPicPr>
+            <p:cNvPr id="35" name="Graphic 34">
+              <a:extLst>
+                <a:ext uri="{FF2B5EF4-FFF2-40B4-BE49-F238E27FC236}">
+                  <a16:creationId xmlns:a16="http://schemas.microsoft.com/office/drawing/2014/main" id="{E7E36285-87A4-4A53-9691-13166745788A}"/>
+                </a:ext>
+              </a:extLst>
+            </p:cNvPr>
+            <p:cNvPicPr>
+              <a:picLocks noChangeAspect="1"/>
+            </p:cNvPicPr>
+            <p:nvPr/>
+          </p:nvPicPr>
+          <p:blipFill>
+            <a:blip r:embed="rId4">
+              <a:extLst>
+                <a:ext uri="{28A0092B-C50C-407E-A947-70E740481C1C}">
+                  <a14:useLocalDpi xmlns:a14="http://schemas.microsoft.com/office/drawing/2010/main" val="0"/>
+                </a:ext>
+                <a:ext uri="{96DAC541-7B7A-43D3-8B79-37D633B846F1}">
+                  <asvg:svgBlip xmlns:asvg="http://schemas.microsoft.com/office/drawing/2016/SVG/main" r:embed="rId5"/>
+                </a:ext>
+              </a:extLst>
+            </a:blip>
+            <a:stretch>
+              <a:fillRect/>
+            </a:stretch>
+          </p:blipFill>
+          <p:spPr>
+            <a:xfrm>
+              <a:off x="7574941" y="2448580"/>
+              <a:ext cx="457200" cy="457200"/>
+            </a:xfrm>
+            <a:prstGeom prst="rect">
+              <a:avLst/>
+            </a:prstGeom>
+          </p:spPr>
+        </p:pic>
+        <p:pic>
+          <p:nvPicPr>
+            <p:cNvPr id="36" name="Graphic 35">
+              <a:extLst>
+                <a:ext uri="{FF2B5EF4-FFF2-40B4-BE49-F238E27FC236}">
+                  <a16:creationId xmlns:a16="http://schemas.microsoft.com/office/drawing/2014/main" id="{BB50ABD8-D738-4C67-B528-9BF8B9D48886}"/>
+                </a:ext>
+              </a:extLst>
+            </p:cNvPr>
+            <p:cNvPicPr>
+              <a:picLocks noChangeAspect="1"/>
+            </p:cNvPicPr>
+            <p:nvPr/>
+          </p:nvPicPr>
+          <p:blipFill>
+            <a:blip r:embed="rId2">
+              <a:extLst>
+                <a:ext uri="{28A0092B-C50C-407E-A947-70E740481C1C}">
+                  <a14:useLocalDpi xmlns:a14="http://schemas.microsoft.com/office/drawing/2010/main" val="0"/>
+                </a:ext>
+                <a:ext uri="{96DAC541-7B7A-43D3-8B79-37D633B846F1}">
+                  <asvg:svgBlip xmlns:asvg="http://schemas.microsoft.com/office/drawing/2016/SVG/main" r:embed="rId3"/>
+                </a:ext>
+              </a:extLst>
+            </a:blip>
+            <a:stretch>
+              <a:fillRect/>
+            </a:stretch>
+          </p:blipFill>
+          <p:spPr>
+            <a:xfrm>
+              <a:off x="7452334" y="2313119"/>
+              <a:ext cx="457200" cy="457200"/>
+            </a:xfrm>
+            <a:prstGeom prst="rect">
+              <a:avLst/>
+            </a:prstGeom>
+          </p:spPr>
+        </p:pic>
+      </p:grpSp>
+      <p:grpSp>
+        <p:nvGrpSpPr>
+          <p:cNvPr id="37" name="Group 36">
+            <a:extLst>
+              <a:ext uri="{FF2B5EF4-FFF2-40B4-BE49-F238E27FC236}">
+                <a16:creationId xmlns:a16="http://schemas.microsoft.com/office/drawing/2014/main" id="{CD9A5519-155C-4B73-B3BB-F8E553E441CB}"/>
+              </a:ext>
+            </a:extLst>
+          </p:cNvPr>
+          <p:cNvGrpSpPr/>
+          <p:nvPr/>
+        </p:nvGrpSpPr>
+        <p:grpSpPr>
+          <a:xfrm>
+            <a:off x="5240828" y="1115399"/>
+            <a:ext cx="579807" cy="592661"/>
+            <a:chOff x="7452334" y="2313119"/>
+            <a:chExt cx="579807" cy="592661"/>
+          </a:xfrm>
+        </p:grpSpPr>
+        <p:pic>
+          <p:nvPicPr>
+            <p:cNvPr id="38" name="Graphic 37">
+              <a:extLst>
+                <a:ext uri="{FF2B5EF4-FFF2-40B4-BE49-F238E27FC236}">
+                  <a16:creationId xmlns:a16="http://schemas.microsoft.com/office/drawing/2014/main" id="{930414F6-A198-4CAD-A385-87E6D1CD925D}"/>
+                </a:ext>
+              </a:extLst>
+            </p:cNvPr>
+            <p:cNvPicPr>
+              <a:picLocks noChangeAspect="1"/>
+            </p:cNvPicPr>
+            <p:nvPr/>
+          </p:nvPicPr>
+          <p:blipFill>
+            <a:blip r:embed="rId4">
+              <a:extLst>
+                <a:ext uri="{28A0092B-C50C-407E-A947-70E740481C1C}">
+                  <a14:useLocalDpi xmlns:a14="http://schemas.microsoft.com/office/drawing/2010/main" val="0"/>
+                </a:ext>
+                <a:ext uri="{96DAC541-7B7A-43D3-8B79-37D633B846F1}">
+                  <asvg:svgBlip xmlns:asvg="http://schemas.microsoft.com/office/drawing/2016/SVG/main" r:embed="rId5"/>
+                </a:ext>
+              </a:extLst>
+            </a:blip>
+            <a:stretch>
+              <a:fillRect/>
+            </a:stretch>
+          </p:blipFill>
+          <p:spPr>
+            <a:xfrm>
+              <a:off x="7574941" y="2448580"/>
+              <a:ext cx="457200" cy="457200"/>
+            </a:xfrm>
+            <a:prstGeom prst="rect">
+              <a:avLst/>
+            </a:prstGeom>
+          </p:spPr>
+        </p:pic>
+        <p:pic>
+          <p:nvPicPr>
+            <p:cNvPr id="39" name="Graphic 38">
+              <a:extLst>
+                <a:ext uri="{FF2B5EF4-FFF2-40B4-BE49-F238E27FC236}">
+                  <a16:creationId xmlns:a16="http://schemas.microsoft.com/office/drawing/2014/main" id="{F9469DEF-82EF-4590-B5DE-4AC7EAE01DCA}"/>
+                </a:ext>
+              </a:extLst>
+            </p:cNvPr>
+            <p:cNvPicPr>
+              <a:picLocks noChangeAspect="1"/>
+            </p:cNvPicPr>
+            <p:nvPr/>
+          </p:nvPicPr>
+          <p:blipFill>
+            <a:blip r:embed="rId2">
+              <a:extLst>
+                <a:ext uri="{28A0092B-C50C-407E-A947-70E740481C1C}">
+                  <a14:useLocalDpi xmlns:a14="http://schemas.microsoft.com/office/drawing/2010/main" val="0"/>
+                </a:ext>
+                <a:ext uri="{96DAC541-7B7A-43D3-8B79-37D633B846F1}">
+                  <asvg:svgBlip xmlns:asvg="http://schemas.microsoft.com/office/drawing/2016/SVG/main" r:embed="rId3"/>
+                </a:ext>
+              </a:extLst>
+            </a:blip>
+            <a:stretch>
+              <a:fillRect/>
+            </a:stretch>
+          </p:blipFill>
+          <p:spPr>
+            <a:xfrm>
+              <a:off x="7452334" y="2313119"/>
+              <a:ext cx="457200" cy="457200"/>
+            </a:xfrm>
+            <a:prstGeom prst="rect">
+              <a:avLst/>
+            </a:prstGeom>
+          </p:spPr>
+        </p:pic>
+      </p:grpSp>
+      <p:grpSp>
+        <p:nvGrpSpPr>
+          <p:cNvPr id="40" name="Group 39">
+            <a:extLst>
+              <a:ext uri="{FF2B5EF4-FFF2-40B4-BE49-F238E27FC236}">
+                <a16:creationId xmlns:a16="http://schemas.microsoft.com/office/drawing/2014/main" id="{EC195097-7FE0-40C5-80E9-95EC6CF3A8F2}"/>
+              </a:ext>
+            </a:extLst>
+          </p:cNvPr>
+          <p:cNvGrpSpPr/>
+          <p:nvPr/>
+        </p:nvGrpSpPr>
+        <p:grpSpPr>
+          <a:xfrm>
+            <a:off x="5363435" y="3658995"/>
+            <a:ext cx="579807" cy="592661"/>
+            <a:chOff x="7452334" y="2313119"/>
+            <a:chExt cx="579807" cy="592661"/>
+          </a:xfrm>
+        </p:grpSpPr>
+        <p:pic>
+          <p:nvPicPr>
+            <p:cNvPr id="41" name="Graphic 40">
+              <a:extLst>
+                <a:ext uri="{FF2B5EF4-FFF2-40B4-BE49-F238E27FC236}">
+                  <a16:creationId xmlns:a16="http://schemas.microsoft.com/office/drawing/2014/main" id="{6760F4A7-34EE-4290-845F-9A1C9DC6907F}"/>
+                </a:ext>
+              </a:extLst>
+            </p:cNvPr>
+            <p:cNvPicPr>
+              <a:picLocks noChangeAspect="1"/>
+            </p:cNvPicPr>
+            <p:nvPr/>
+          </p:nvPicPr>
+          <p:blipFill>
+            <a:blip r:embed="rId4">
+              <a:extLst>
+                <a:ext uri="{28A0092B-C50C-407E-A947-70E740481C1C}">
+                  <a14:useLocalDpi xmlns:a14="http://schemas.microsoft.com/office/drawing/2010/main" val="0"/>
+                </a:ext>
+                <a:ext uri="{96DAC541-7B7A-43D3-8B79-37D633B846F1}">
+                  <asvg:svgBlip xmlns:asvg="http://schemas.microsoft.com/office/drawing/2016/SVG/main" r:embed="rId5"/>
+                </a:ext>
+              </a:extLst>
+            </a:blip>
+            <a:stretch>
+              <a:fillRect/>
+            </a:stretch>
+          </p:blipFill>
+          <p:spPr>
+            <a:xfrm>
+              <a:off x="7574941" y="2448580"/>
+              <a:ext cx="457200" cy="457200"/>
+            </a:xfrm>
+            <a:prstGeom prst="rect">
+              <a:avLst/>
+            </a:prstGeom>
+          </p:spPr>
+        </p:pic>
+        <p:pic>
+          <p:nvPicPr>
+            <p:cNvPr id="42" name="Graphic 41">
+              <a:extLst>
+                <a:ext uri="{FF2B5EF4-FFF2-40B4-BE49-F238E27FC236}">
+                  <a16:creationId xmlns:a16="http://schemas.microsoft.com/office/drawing/2014/main" id="{9368FCA8-DABE-456C-82EA-583CF427E24C}"/>
+                </a:ext>
+              </a:extLst>
+            </p:cNvPr>
+            <p:cNvPicPr>
+              <a:picLocks noChangeAspect="1"/>
+            </p:cNvPicPr>
+            <p:nvPr/>
+          </p:nvPicPr>
+          <p:blipFill>
+            <a:blip r:embed="rId2">
+              <a:extLst>
+                <a:ext uri="{28A0092B-C50C-407E-A947-70E740481C1C}">
+                  <a14:useLocalDpi xmlns:a14="http://schemas.microsoft.com/office/drawing/2010/main" val="0"/>
+                </a:ext>
+                <a:ext uri="{96DAC541-7B7A-43D3-8B79-37D633B846F1}">
+                  <asvg:svgBlip xmlns:asvg="http://schemas.microsoft.com/office/drawing/2016/SVG/main" r:embed="rId3"/>
+                </a:ext>
+              </a:extLst>
+            </a:blip>
+            <a:stretch>
+              <a:fillRect/>
+            </a:stretch>
+          </p:blipFill>
+          <p:spPr>
+            <a:xfrm>
+              <a:off x="7452334" y="2313119"/>
+              <a:ext cx="457200" cy="457200"/>
+            </a:xfrm>
+            <a:prstGeom prst="rect">
+              <a:avLst/>
+            </a:prstGeom>
+          </p:spPr>
+        </p:pic>
+      </p:grpSp>
+      <p:sp>
+        <p:nvSpPr>
+          <p:cNvPr id="43" name="Rectangle: Rounded Corners 42">
+            <a:extLst>
+              <a:ext uri="{FF2B5EF4-FFF2-40B4-BE49-F238E27FC236}">
+                <a16:creationId xmlns:a16="http://schemas.microsoft.com/office/drawing/2014/main" id="{4329E597-F496-46F8-851F-C07E1CF333C7}"/>
+              </a:ext>
+            </a:extLst>
+          </p:cNvPr>
+          <p:cNvSpPr/>
+          <p:nvPr/>
+        </p:nvSpPr>
+        <p:spPr>
+          <a:xfrm>
+            <a:off x="6232797" y="1030245"/>
+            <a:ext cx="1498197" cy="3569704"/>
+          </a:xfrm>
+          <a:prstGeom prst="roundRect">
+            <a:avLst/>
+          </a:prstGeom>
+          <a:solidFill>
+            <a:schemeClr val="bg1">
+              <a:lumMod val="95000"/>
+            </a:schemeClr>
+          </a:solidFill>
+          <a:ln>
+            <a:prstDash val="sysDash"/>
+          </a:ln>
+        </p:spPr>
+        <p:style>
+          <a:lnRef idx="2">
+            <a:schemeClr val="accent1">
+              <a:shade val="50000"/>
+            </a:schemeClr>
+          </a:lnRef>
+          <a:fillRef idx="1">
+            <a:schemeClr val="accent1"/>
+          </a:fillRef>
+          <a:effectRef idx="0">
+            <a:schemeClr val="accent1"/>
+          </a:effectRef>
+          <a:fontRef idx="minor">
+            <a:schemeClr val="lt1"/>
+          </a:fontRef>
+        </p:style>
+        <p:txBody>
+          <a:bodyPr rtlCol="0" anchor="ctr"/>
+          <a:lstStyle/>
+          <a:p>
+            <a:pPr algn="ctr"/>
+            <a:endParaRPr lang="en-US"/>
+          </a:p>
+        </p:txBody>
+      </p:sp>
+      <p:grpSp>
+        <p:nvGrpSpPr>
+          <p:cNvPr id="44" name="Group 43">
+            <a:extLst>
+              <a:ext uri="{FF2B5EF4-FFF2-40B4-BE49-F238E27FC236}">
+                <a16:creationId xmlns:a16="http://schemas.microsoft.com/office/drawing/2014/main" id="{A6EE3971-F6B7-4CEF-BADA-8EED6EC3B4ED}"/>
+              </a:ext>
+            </a:extLst>
+          </p:cNvPr>
+          <p:cNvGrpSpPr/>
+          <p:nvPr/>
+        </p:nvGrpSpPr>
+        <p:grpSpPr>
+          <a:xfrm>
+            <a:off x="6478510" y="2596668"/>
+            <a:ext cx="501005" cy="564754"/>
+            <a:chOff x="9564505" y="3545469"/>
+            <a:chExt cx="501005" cy="564754"/>
+          </a:xfrm>
+        </p:grpSpPr>
+        <p:pic>
+          <p:nvPicPr>
+            <p:cNvPr id="45" name="Graphic 44">
+              <a:extLst>
+                <a:ext uri="{FF2B5EF4-FFF2-40B4-BE49-F238E27FC236}">
+                  <a16:creationId xmlns:a16="http://schemas.microsoft.com/office/drawing/2014/main" id="{E591C81D-AC92-4AE2-B86D-19B84B41258B}"/>
+                </a:ext>
+              </a:extLst>
+            </p:cNvPr>
+            <p:cNvPicPr>
+              <a:picLocks noChangeAspect="1"/>
+            </p:cNvPicPr>
+            <p:nvPr/>
+          </p:nvPicPr>
+          <p:blipFill>
+            <a:blip r:embed="rId6">
+              <a:extLst>
+                <a:ext uri="{28A0092B-C50C-407E-A947-70E740481C1C}">
+                  <a14:useLocalDpi xmlns:a14="http://schemas.microsoft.com/office/drawing/2010/main" val="0"/>
+                </a:ext>
+                <a:ext uri="{96DAC541-7B7A-43D3-8B79-37D633B846F1}">
+                  <asvg:svgBlip xmlns:asvg="http://schemas.microsoft.com/office/drawing/2016/SVG/main" r:embed="rId7"/>
+                </a:ext>
+              </a:extLst>
+            </a:blip>
+            <a:stretch>
+              <a:fillRect/>
+            </a:stretch>
+          </p:blipFill>
+          <p:spPr>
+            <a:xfrm>
+              <a:off x="9699750" y="3744463"/>
+              <a:ext cx="365760" cy="365760"/>
+            </a:xfrm>
+            <a:prstGeom prst="rect">
+              <a:avLst/>
+            </a:prstGeom>
+          </p:spPr>
+        </p:pic>
+        <p:pic>
+          <p:nvPicPr>
+            <p:cNvPr id="46" name="Graphic 45">
+              <a:extLst>
+                <a:ext uri="{FF2B5EF4-FFF2-40B4-BE49-F238E27FC236}">
+                  <a16:creationId xmlns:a16="http://schemas.microsoft.com/office/drawing/2014/main" id="{6928C89B-D2A6-4D6D-89AD-C892781E685B}"/>
+                </a:ext>
+              </a:extLst>
+            </p:cNvPr>
+            <p:cNvPicPr>
+              <a:picLocks noChangeAspect="1"/>
+            </p:cNvPicPr>
+            <p:nvPr/>
+          </p:nvPicPr>
+          <p:blipFill>
+            <a:blip r:embed="rId2">
+              <a:extLst>
+                <a:ext uri="{28A0092B-C50C-407E-A947-70E740481C1C}">
+                  <a14:useLocalDpi xmlns:a14="http://schemas.microsoft.com/office/drawing/2010/main" val="0"/>
+                </a:ext>
+                <a:ext uri="{96DAC541-7B7A-43D3-8B79-37D633B846F1}">
+                  <asvg:svgBlip xmlns:asvg="http://schemas.microsoft.com/office/drawing/2016/SVG/main" r:embed="rId3"/>
+                </a:ext>
+              </a:extLst>
+            </a:blip>
+            <a:stretch>
+              <a:fillRect/>
+            </a:stretch>
+          </p:blipFill>
+          <p:spPr>
+            <a:xfrm>
+              <a:off x="9564505" y="3545469"/>
+              <a:ext cx="457200" cy="457200"/>
+            </a:xfrm>
+            <a:prstGeom prst="rect">
+              <a:avLst/>
+            </a:prstGeom>
+          </p:spPr>
+        </p:pic>
+      </p:grpSp>
+      <p:pic>
+        <p:nvPicPr>
+          <p:cNvPr id="47" name="Graphic 46">
+            <a:extLst>
+              <a:ext uri="{FF2B5EF4-FFF2-40B4-BE49-F238E27FC236}">
+                <a16:creationId xmlns:a16="http://schemas.microsoft.com/office/drawing/2014/main" id="{8E83E7BE-148E-4F9D-9E6E-773B9825AC23}"/>
+              </a:ext>
+            </a:extLst>
+          </p:cNvPr>
+          <p:cNvPicPr>
+            <a:picLocks noChangeAspect="1"/>
+          </p:cNvPicPr>
+          <p:nvPr/>
+        </p:nvPicPr>
+        <p:blipFill>
+          <a:blip r:embed="rId2">
+            <a:extLst>
+              <a:ext uri="{28A0092B-C50C-407E-A947-70E740481C1C}">
+                <a14:useLocalDpi xmlns:a14="http://schemas.microsoft.com/office/drawing/2010/main" val="0"/>
+              </a:ext>
+              <a:ext uri="{96DAC541-7B7A-43D3-8B79-37D633B846F1}">
+                <asvg:svgBlip xmlns:asvg="http://schemas.microsoft.com/office/drawing/2016/SVG/main" r:embed="rId3"/>
+              </a:ext>
+            </a:extLst>
+          </a:blip>
+          <a:stretch>
+            <a:fillRect/>
+          </a:stretch>
+        </p:blipFill>
+        <p:spPr>
+          <a:xfrm>
+            <a:off x="7203407" y="2136971"/>
+            <a:ext cx="457200" cy="457200"/>
+          </a:xfrm>
+          <a:prstGeom prst="rect">
+            <a:avLst/>
+          </a:prstGeom>
+        </p:spPr>
+      </p:pic>
+      <p:pic>
+        <p:nvPicPr>
+          <p:cNvPr id="48" name="Graphic 47">
+            <a:extLst>
+              <a:ext uri="{FF2B5EF4-FFF2-40B4-BE49-F238E27FC236}">
+                <a16:creationId xmlns:a16="http://schemas.microsoft.com/office/drawing/2014/main" id="{89567FF8-B98E-4D7A-920A-C95D4C60D414}"/>
+              </a:ext>
+            </a:extLst>
+          </p:cNvPr>
+          <p:cNvPicPr>
+            <a:picLocks noChangeAspect="1"/>
+          </p:cNvPicPr>
+          <p:nvPr/>
+        </p:nvPicPr>
+        <p:blipFill>
+          <a:blip r:embed="rId2">
+            <a:extLst>
+              <a:ext uri="{28A0092B-C50C-407E-A947-70E740481C1C}">
+                <a14:useLocalDpi xmlns:a14="http://schemas.microsoft.com/office/drawing/2010/main" val="0"/>
+              </a:ext>
+              <a:ext uri="{96DAC541-7B7A-43D3-8B79-37D633B846F1}">
+                <asvg:svgBlip xmlns:asvg="http://schemas.microsoft.com/office/drawing/2016/SVG/main" r:embed="rId3"/>
+              </a:ext>
+            </a:extLst>
+          </a:blip>
+          <a:stretch>
+            <a:fillRect/>
+          </a:stretch>
+        </p:blipFill>
+        <p:spPr>
+          <a:xfrm>
+            <a:off x="7193569" y="2621631"/>
+            <a:ext cx="457200" cy="457200"/>
+          </a:xfrm>
+          <a:prstGeom prst="rect">
+            <a:avLst/>
+          </a:prstGeom>
+        </p:spPr>
+      </p:pic>
+      <p:pic>
+        <p:nvPicPr>
+          <p:cNvPr id="49" name="Graphic 48">
+            <a:extLst>
+              <a:ext uri="{FF2B5EF4-FFF2-40B4-BE49-F238E27FC236}">
+                <a16:creationId xmlns:a16="http://schemas.microsoft.com/office/drawing/2014/main" id="{C85671E7-3161-4A8D-B4E9-37570059B075}"/>
+              </a:ext>
+            </a:extLst>
+          </p:cNvPr>
+          <p:cNvPicPr>
+            <a:picLocks noChangeAspect="1"/>
+          </p:cNvPicPr>
+          <p:nvPr/>
+        </p:nvPicPr>
+        <p:blipFill>
+          <a:blip r:embed="rId2">
+            <a:extLst>
+              <a:ext uri="{28A0092B-C50C-407E-A947-70E740481C1C}">
+                <a14:useLocalDpi xmlns:a14="http://schemas.microsoft.com/office/drawing/2010/main" val="0"/>
+              </a:ext>
+              <a:ext uri="{96DAC541-7B7A-43D3-8B79-37D633B846F1}">
+                <asvg:svgBlip xmlns:asvg="http://schemas.microsoft.com/office/drawing/2016/SVG/main" r:embed="rId3"/>
+              </a:ext>
+            </a:extLst>
+          </a:blip>
+          <a:stretch>
+            <a:fillRect/>
+          </a:stretch>
+        </p:blipFill>
+        <p:spPr>
+          <a:xfrm>
+            <a:off x="7180226" y="3132569"/>
+            <a:ext cx="457200" cy="457200"/>
+          </a:xfrm>
+          <a:prstGeom prst="rect">
+            <a:avLst/>
+          </a:prstGeom>
+        </p:spPr>
+      </p:pic>
+      <p:cxnSp>
+        <p:nvCxnSpPr>
+          <p:cNvPr id="50" name="Straight Arrow Connector 49">
+            <a:extLst>
+              <a:ext uri="{FF2B5EF4-FFF2-40B4-BE49-F238E27FC236}">
+                <a16:creationId xmlns:a16="http://schemas.microsoft.com/office/drawing/2014/main" id="{ECD560C7-EE6B-432B-A766-E5740067F711}"/>
+              </a:ext>
+            </a:extLst>
+          </p:cNvPr>
+          <p:cNvCxnSpPr>
+            <a:cxnSpLocks/>
+          </p:cNvCxnSpPr>
+          <p:nvPr/>
+        </p:nvCxnSpPr>
+        <p:spPr>
+          <a:xfrm>
+            <a:off x="2560751" y="1738389"/>
+            <a:ext cx="431353" cy="0"/>
+          </a:xfrm>
+          <a:prstGeom prst="straightConnector1">
+            <a:avLst/>
+          </a:prstGeom>
+          <a:ln w="38100">
+            <a:solidFill>
+              <a:srgbClr val="313131"/>
+            </a:solidFill>
+            <a:tailEnd type="triangle"/>
+          </a:ln>
+        </p:spPr>
+        <p:style>
+          <a:lnRef idx="1">
+            <a:schemeClr val="accent1"/>
+          </a:lnRef>
+          <a:fillRef idx="0">
+            <a:schemeClr val="accent1"/>
+          </a:fillRef>
+          <a:effectRef idx="0">
+            <a:schemeClr val="accent1"/>
+          </a:effectRef>
+          <a:fontRef idx="minor">
+            <a:schemeClr val="tx1"/>
+          </a:fontRef>
+        </p:style>
+      </p:cxnSp>
+      <p:cxnSp>
+        <p:nvCxnSpPr>
+          <p:cNvPr id="51" name="Straight Arrow Connector 50">
+            <a:extLst>
+              <a:ext uri="{FF2B5EF4-FFF2-40B4-BE49-F238E27FC236}">
+                <a16:creationId xmlns:a16="http://schemas.microsoft.com/office/drawing/2014/main" id="{0CDCD9B7-0F36-46F6-9B1F-8E098348EF66}"/>
+              </a:ext>
+            </a:extLst>
+          </p:cNvPr>
+          <p:cNvCxnSpPr>
+            <a:cxnSpLocks/>
+          </p:cNvCxnSpPr>
+          <p:nvPr/>
+        </p:nvCxnSpPr>
+        <p:spPr>
+          <a:xfrm>
+            <a:off x="3449304" y="1738389"/>
+            <a:ext cx="338365" cy="0"/>
+          </a:xfrm>
+          <a:prstGeom prst="straightConnector1">
+            <a:avLst/>
+          </a:prstGeom>
+          <a:ln w="38100">
+            <a:solidFill>
+              <a:srgbClr val="313131"/>
+            </a:solidFill>
+            <a:tailEnd type="triangle"/>
+          </a:ln>
+        </p:spPr>
+        <p:style>
+          <a:lnRef idx="1">
+            <a:schemeClr val="accent1"/>
+          </a:lnRef>
+          <a:fillRef idx="0">
+            <a:schemeClr val="accent1"/>
+          </a:fillRef>
+          <a:effectRef idx="0">
+            <a:schemeClr val="accent1"/>
+          </a:effectRef>
+          <a:fontRef idx="minor">
+            <a:schemeClr val="tx1"/>
+          </a:fontRef>
+        </p:style>
+      </p:cxnSp>
+      <p:cxnSp>
+        <p:nvCxnSpPr>
+          <p:cNvPr id="52" name="Straight Arrow Connector 51">
+            <a:extLst>
+              <a:ext uri="{FF2B5EF4-FFF2-40B4-BE49-F238E27FC236}">
+                <a16:creationId xmlns:a16="http://schemas.microsoft.com/office/drawing/2014/main" id="{D6260A6C-AA03-4D91-B237-C2419CEBC37C}"/>
+              </a:ext>
+            </a:extLst>
+          </p:cNvPr>
+          <p:cNvCxnSpPr>
+            <a:cxnSpLocks/>
+            <a:endCxn id="15" idx="1"/>
+          </p:cNvCxnSpPr>
+          <p:nvPr/>
+        </p:nvCxnSpPr>
+        <p:spPr>
+          <a:xfrm>
+            <a:off x="2540425" y="4009993"/>
+            <a:ext cx="420695" cy="278856"/>
+          </a:xfrm>
+          <a:prstGeom prst="straightConnector1">
+            <a:avLst/>
+          </a:prstGeom>
+          <a:ln w="38100">
+            <a:solidFill>
+              <a:srgbClr val="313131"/>
+            </a:solidFill>
+            <a:headEnd type="triangle" w="med" len="med"/>
+            <a:tailEnd type="triangle" w="med" len="med"/>
+          </a:ln>
+        </p:spPr>
+        <p:style>
+          <a:lnRef idx="1">
+            <a:schemeClr val="accent1"/>
+          </a:lnRef>
+          <a:fillRef idx="0">
+            <a:schemeClr val="accent1"/>
+          </a:fillRef>
+          <a:effectRef idx="0">
+            <a:schemeClr val="accent1"/>
+          </a:effectRef>
+          <a:fontRef idx="minor">
+            <a:schemeClr val="tx1"/>
+          </a:fontRef>
+        </p:style>
+      </p:cxnSp>
+      <p:cxnSp>
+        <p:nvCxnSpPr>
+          <p:cNvPr id="53" name="Straight Arrow Connector 52">
+            <a:extLst>
+              <a:ext uri="{FF2B5EF4-FFF2-40B4-BE49-F238E27FC236}">
+                <a16:creationId xmlns:a16="http://schemas.microsoft.com/office/drawing/2014/main" id="{5012F10D-80FD-4EA9-A1AC-B8823F7CEFB7}"/>
+              </a:ext>
+            </a:extLst>
+          </p:cNvPr>
+          <p:cNvCxnSpPr>
+            <a:cxnSpLocks/>
+          </p:cNvCxnSpPr>
+          <p:nvPr/>
+        </p:nvCxnSpPr>
+        <p:spPr>
+          <a:xfrm flipV="1">
+            <a:off x="2554085" y="3626262"/>
+            <a:ext cx="386386" cy="382064"/>
+          </a:xfrm>
+          <a:prstGeom prst="straightConnector1">
+            <a:avLst/>
+          </a:prstGeom>
+          <a:ln w="38100">
+            <a:solidFill>
+              <a:srgbClr val="313131"/>
+            </a:solidFill>
+            <a:headEnd type="triangle" w="med" len="med"/>
+            <a:tailEnd type="triangle" w="med" len="med"/>
+          </a:ln>
+        </p:spPr>
+        <p:style>
+          <a:lnRef idx="1">
+            <a:schemeClr val="accent1"/>
+          </a:lnRef>
+          <a:fillRef idx="0">
+            <a:schemeClr val="accent1"/>
+          </a:fillRef>
+          <a:effectRef idx="0">
+            <a:schemeClr val="accent1"/>
+          </a:effectRef>
+          <a:fontRef idx="minor">
+            <a:schemeClr val="tx1"/>
+          </a:fontRef>
+        </p:style>
+      </p:cxnSp>
+      <p:cxnSp>
+        <p:nvCxnSpPr>
+          <p:cNvPr id="54" name="Straight Arrow Connector 53">
+            <a:extLst>
+              <a:ext uri="{FF2B5EF4-FFF2-40B4-BE49-F238E27FC236}">
+                <a16:creationId xmlns:a16="http://schemas.microsoft.com/office/drawing/2014/main" id="{71193A86-64D3-4BC0-A038-A97EBC104B47}"/>
+              </a:ext>
+            </a:extLst>
+          </p:cNvPr>
+          <p:cNvCxnSpPr>
+            <a:cxnSpLocks/>
+            <a:endCxn id="13" idx="3"/>
+          </p:cNvCxnSpPr>
+          <p:nvPr/>
+        </p:nvCxnSpPr>
+        <p:spPr>
+          <a:xfrm flipH="1" flipV="1">
+            <a:off x="3401283" y="3618691"/>
+            <a:ext cx="417400" cy="7571"/>
+          </a:xfrm>
+          <a:prstGeom prst="straightConnector1">
+            <a:avLst/>
+          </a:prstGeom>
+          <a:ln w="38100">
+            <a:solidFill>
+              <a:srgbClr val="313131"/>
+            </a:solidFill>
+            <a:headEnd type="triangle" w="med" len="med"/>
+            <a:tailEnd type="triangle" w="med" len="med"/>
+          </a:ln>
+        </p:spPr>
+        <p:style>
+          <a:lnRef idx="1">
+            <a:schemeClr val="accent1"/>
+          </a:lnRef>
+          <a:fillRef idx="0">
+            <a:schemeClr val="accent1"/>
+          </a:fillRef>
+          <a:effectRef idx="0">
+            <a:schemeClr val="accent1"/>
+          </a:effectRef>
+          <a:fontRef idx="minor">
+            <a:schemeClr val="tx1"/>
+          </a:fontRef>
+        </p:style>
+      </p:cxnSp>
+      <p:cxnSp>
+        <p:nvCxnSpPr>
+          <p:cNvPr id="55" name="Straight Arrow Connector 54">
+            <a:extLst>
+              <a:ext uri="{FF2B5EF4-FFF2-40B4-BE49-F238E27FC236}">
+                <a16:creationId xmlns:a16="http://schemas.microsoft.com/office/drawing/2014/main" id="{CD22EA40-386E-48C4-AF20-254C92CCDCE0}"/>
+              </a:ext>
+            </a:extLst>
+          </p:cNvPr>
+          <p:cNvCxnSpPr>
+            <a:cxnSpLocks/>
+            <a:endCxn id="15" idx="3"/>
+          </p:cNvCxnSpPr>
+          <p:nvPr/>
+        </p:nvCxnSpPr>
+        <p:spPr>
+          <a:xfrm flipH="1">
+            <a:off x="3418320" y="4288849"/>
+            <a:ext cx="400363" cy="0"/>
+          </a:xfrm>
+          <a:prstGeom prst="straightConnector1">
+            <a:avLst/>
+          </a:prstGeom>
+          <a:ln w="38100">
+            <a:solidFill>
+              <a:srgbClr val="313131"/>
+            </a:solidFill>
+            <a:headEnd type="triangle" w="med" len="med"/>
+            <a:tailEnd type="triangle" w="med" len="med"/>
+          </a:ln>
+        </p:spPr>
+        <p:style>
+          <a:lnRef idx="1">
+            <a:schemeClr val="accent1"/>
+          </a:lnRef>
+          <a:fillRef idx="0">
+            <a:schemeClr val="accent1"/>
+          </a:fillRef>
+          <a:effectRef idx="0">
+            <a:schemeClr val="accent1"/>
+          </a:effectRef>
+          <a:fontRef idx="minor">
+            <a:schemeClr val="tx1"/>
+          </a:fontRef>
+        </p:style>
+      </p:cxnSp>
+      <p:cxnSp>
+        <p:nvCxnSpPr>
+          <p:cNvPr id="56" name="Straight Arrow Connector 55">
+            <a:extLst>
+              <a:ext uri="{FF2B5EF4-FFF2-40B4-BE49-F238E27FC236}">
+                <a16:creationId xmlns:a16="http://schemas.microsoft.com/office/drawing/2014/main" id="{1E083166-DB8B-4FF9-BB6C-B4367DF0A885}"/>
+              </a:ext>
+            </a:extLst>
+          </p:cNvPr>
+          <p:cNvCxnSpPr>
+            <a:cxnSpLocks/>
+            <a:stCxn id="14" idx="3"/>
+            <a:endCxn id="43" idx="1"/>
+          </p:cNvCxnSpPr>
+          <p:nvPr/>
+        </p:nvCxnSpPr>
+        <p:spPr>
+          <a:xfrm flipV="1">
+            <a:off x="6013591" y="2815097"/>
+            <a:ext cx="219206" cy="3744"/>
+          </a:xfrm>
+          <a:prstGeom prst="straightConnector1">
+            <a:avLst/>
+          </a:prstGeom>
+          <a:ln w="38100">
+            <a:solidFill>
+              <a:srgbClr val="313131"/>
+            </a:solidFill>
+            <a:tailEnd type="triangle"/>
+          </a:ln>
+        </p:spPr>
+        <p:style>
+          <a:lnRef idx="1">
+            <a:schemeClr val="accent1"/>
+          </a:lnRef>
+          <a:fillRef idx="0">
+            <a:schemeClr val="accent1"/>
+          </a:fillRef>
+          <a:effectRef idx="0">
+            <a:schemeClr val="accent1"/>
+          </a:effectRef>
+          <a:fontRef idx="minor">
+            <a:schemeClr val="tx1"/>
+          </a:fontRef>
+        </p:style>
+      </p:cxnSp>
+      <p:cxnSp>
+        <p:nvCxnSpPr>
+          <p:cNvPr id="57" name="Straight Arrow Connector 56">
+            <a:extLst>
+              <a:ext uri="{FF2B5EF4-FFF2-40B4-BE49-F238E27FC236}">
+                <a16:creationId xmlns:a16="http://schemas.microsoft.com/office/drawing/2014/main" id="{57DE61C4-D75D-4E51-A211-2CE955E1208A}"/>
+              </a:ext>
+            </a:extLst>
+          </p:cNvPr>
+          <p:cNvCxnSpPr>
+            <a:cxnSpLocks/>
+            <a:endCxn id="47" idx="1"/>
+          </p:cNvCxnSpPr>
+          <p:nvPr/>
+        </p:nvCxnSpPr>
+        <p:spPr>
+          <a:xfrm flipV="1">
+            <a:off x="6956042" y="2365571"/>
+            <a:ext cx="247365" cy="430092"/>
+          </a:xfrm>
+          <a:prstGeom prst="straightConnector1">
+            <a:avLst/>
+          </a:prstGeom>
+          <a:ln w="38100">
+            <a:solidFill>
+              <a:srgbClr val="313131"/>
+            </a:solidFill>
+            <a:tailEnd type="triangle"/>
+          </a:ln>
+        </p:spPr>
+        <p:style>
+          <a:lnRef idx="1">
+            <a:schemeClr val="accent1"/>
+          </a:lnRef>
+          <a:fillRef idx="0">
+            <a:schemeClr val="accent1"/>
+          </a:fillRef>
+          <a:effectRef idx="0">
+            <a:schemeClr val="accent1"/>
+          </a:effectRef>
+          <a:fontRef idx="minor">
+            <a:schemeClr val="tx1"/>
+          </a:fontRef>
+        </p:style>
+      </p:cxnSp>
+      <p:cxnSp>
+        <p:nvCxnSpPr>
+          <p:cNvPr id="58" name="Straight Arrow Connector 57">
+            <a:extLst>
+              <a:ext uri="{FF2B5EF4-FFF2-40B4-BE49-F238E27FC236}">
+                <a16:creationId xmlns:a16="http://schemas.microsoft.com/office/drawing/2014/main" id="{EB6B1F84-6BDF-441E-A3AA-3C45823E01FA}"/>
+              </a:ext>
+            </a:extLst>
+          </p:cNvPr>
+          <p:cNvCxnSpPr>
+            <a:cxnSpLocks/>
+            <a:stCxn id="46" idx="3"/>
+            <a:endCxn id="48" idx="1"/>
+          </p:cNvCxnSpPr>
+          <p:nvPr/>
+        </p:nvCxnSpPr>
+        <p:spPr>
+          <a:xfrm>
+            <a:off x="6935710" y="2825268"/>
+            <a:ext cx="257859" cy="24963"/>
+          </a:xfrm>
+          <a:prstGeom prst="straightConnector1">
+            <a:avLst/>
+          </a:prstGeom>
+          <a:ln w="38100">
+            <a:solidFill>
+              <a:srgbClr val="313131"/>
+            </a:solidFill>
+            <a:tailEnd type="triangle"/>
+          </a:ln>
+        </p:spPr>
+        <p:style>
+          <a:lnRef idx="1">
+            <a:schemeClr val="accent1"/>
+          </a:lnRef>
+          <a:fillRef idx="0">
+            <a:schemeClr val="accent1"/>
+          </a:fillRef>
+          <a:effectRef idx="0">
+            <a:schemeClr val="accent1"/>
+          </a:effectRef>
+          <a:fontRef idx="minor">
+            <a:schemeClr val="tx1"/>
+          </a:fontRef>
+        </p:style>
+      </p:cxnSp>
+      <p:cxnSp>
+        <p:nvCxnSpPr>
+          <p:cNvPr id="59" name="Straight Arrow Connector 58">
+            <a:extLst>
+              <a:ext uri="{FF2B5EF4-FFF2-40B4-BE49-F238E27FC236}">
+                <a16:creationId xmlns:a16="http://schemas.microsoft.com/office/drawing/2014/main" id="{5BE0913E-A70E-41C0-B7CE-0D3B2D0D589E}"/>
+              </a:ext>
+            </a:extLst>
+          </p:cNvPr>
+          <p:cNvCxnSpPr>
+            <a:cxnSpLocks/>
+            <a:stCxn id="46" idx="3"/>
+            <a:endCxn id="49" idx="1"/>
+          </p:cNvCxnSpPr>
+          <p:nvPr/>
+        </p:nvCxnSpPr>
+        <p:spPr>
+          <a:xfrm>
+            <a:off x="6935710" y="2825268"/>
+            <a:ext cx="244516" cy="535901"/>
+          </a:xfrm>
+          <a:prstGeom prst="straightConnector1">
+            <a:avLst/>
+          </a:prstGeom>
+          <a:ln w="38100">
+            <a:solidFill>
+              <a:srgbClr val="313131"/>
+            </a:solidFill>
+            <a:tailEnd type="triangle"/>
+          </a:ln>
+        </p:spPr>
+        <p:style>
+          <a:lnRef idx="1">
+            <a:schemeClr val="accent1"/>
+          </a:lnRef>
+          <a:fillRef idx="0">
+            <a:schemeClr val="accent1"/>
+          </a:fillRef>
+          <a:effectRef idx="0">
+            <a:schemeClr val="accent1"/>
+          </a:effectRef>
+          <a:fontRef idx="minor">
+            <a:schemeClr val="tx1"/>
+          </a:fontRef>
+        </p:style>
+      </p:cxnSp>
+      <p:cxnSp>
+        <p:nvCxnSpPr>
+          <p:cNvPr id="60" name="Straight Arrow Connector 59">
+            <a:extLst>
+              <a:ext uri="{FF2B5EF4-FFF2-40B4-BE49-F238E27FC236}">
+                <a16:creationId xmlns:a16="http://schemas.microsoft.com/office/drawing/2014/main" id="{1DBDB74C-28BB-4777-8F63-E9E79F04FB21}"/>
+              </a:ext>
+            </a:extLst>
+          </p:cNvPr>
+          <p:cNvCxnSpPr>
+            <a:cxnSpLocks/>
+            <a:stCxn id="47" idx="3"/>
+            <a:endCxn id="63" idx="1"/>
+          </p:cNvCxnSpPr>
+          <p:nvPr/>
+        </p:nvCxnSpPr>
+        <p:spPr>
+          <a:xfrm>
+            <a:off x="7660607" y="2365571"/>
+            <a:ext cx="682574" cy="6337"/>
+          </a:xfrm>
+          <a:prstGeom prst="straightConnector1">
+            <a:avLst/>
+          </a:prstGeom>
+          <a:ln w="38100">
+            <a:solidFill>
+              <a:srgbClr val="313131"/>
+            </a:solidFill>
+            <a:tailEnd type="triangle"/>
+          </a:ln>
+        </p:spPr>
+        <p:style>
+          <a:lnRef idx="1">
+            <a:schemeClr val="accent1"/>
+          </a:lnRef>
+          <a:fillRef idx="0">
+            <a:schemeClr val="accent1"/>
+          </a:fillRef>
+          <a:effectRef idx="0">
+            <a:schemeClr val="accent1"/>
+          </a:effectRef>
+          <a:fontRef idx="minor">
+            <a:schemeClr val="tx1"/>
+          </a:fontRef>
+        </p:style>
+      </p:cxnSp>
+      <p:cxnSp>
+        <p:nvCxnSpPr>
+          <p:cNvPr id="61" name="Straight Arrow Connector 60">
+            <a:extLst>
+              <a:ext uri="{FF2B5EF4-FFF2-40B4-BE49-F238E27FC236}">
+                <a16:creationId xmlns:a16="http://schemas.microsoft.com/office/drawing/2014/main" id="{CEE90197-375D-4063-BD85-C06D8DF2A03D}"/>
+              </a:ext>
+            </a:extLst>
+          </p:cNvPr>
+          <p:cNvCxnSpPr>
+            <a:cxnSpLocks/>
+            <a:stCxn id="48" idx="3"/>
+            <a:endCxn id="64" idx="1"/>
+          </p:cNvCxnSpPr>
+          <p:nvPr/>
+        </p:nvCxnSpPr>
+        <p:spPr>
+          <a:xfrm>
+            <a:off x="7650769" y="2850231"/>
+            <a:ext cx="692412" cy="16549"/>
+          </a:xfrm>
+          <a:prstGeom prst="straightConnector1">
+            <a:avLst/>
+          </a:prstGeom>
+          <a:ln w="38100">
+            <a:solidFill>
+              <a:srgbClr val="313131"/>
+            </a:solidFill>
+            <a:tailEnd type="triangle"/>
+          </a:ln>
+        </p:spPr>
+        <p:style>
+          <a:lnRef idx="1">
+            <a:schemeClr val="accent1"/>
+          </a:lnRef>
+          <a:fillRef idx="0">
+            <a:schemeClr val="accent1"/>
+          </a:fillRef>
+          <a:effectRef idx="0">
+            <a:schemeClr val="accent1"/>
+          </a:effectRef>
+          <a:fontRef idx="minor">
+            <a:schemeClr val="tx1"/>
+          </a:fontRef>
+        </p:style>
+      </p:cxnSp>
+      <p:cxnSp>
+        <p:nvCxnSpPr>
+          <p:cNvPr id="62" name="Straight Arrow Connector 61">
+            <a:extLst>
+              <a:ext uri="{FF2B5EF4-FFF2-40B4-BE49-F238E27FC236}">
+                <a16:creationId xmlns:a16="http://schemas.microsoft.com/office/drawing/2014/main" id="{9A6CFD28-2B87-4F92-8FA3-6A5989F29E8F}"/>
+              </a:ext>
+            </a:extLst>
+          </p:cNvPr>
+          <p:cNvCxnSpPr>
+            <a:cxnSpLocks/>
+            <a:endCxn id="65" idx="1"/>
+          </p:cNvCxnSpPr>
+          <p:nvPr/>
+        </p:nvCxnSpPr>
+        <p:spPr>
+          <a:xfrm>
+            <a:off x="7637426" y="3361169"/>
+            <a:ext cx="717204" cy="0"/>
+          </a:xfrm>
+          <a:prstGeom prst="straightConnector1">
+            <a:avLst/>
+          </a:prstGeom>
+          <a:ln w="38100">
+            <a:solidFill>
+              <a:srgbClr val="313131"/>
+            </a:solidFill>
+            <a:tailEnd type="triangle"/>
+          </a:ln>
+        </p:spPr>
+        <p:style>
+          <a:lnRef idx="1">
+            <a:schemeClr val="accent1"/>
+          </a:lnRef>
+          <a:fillRef idx="0">
+            <a:schemeClr val="accent1"/>
+          </a:fillRef>
+          <a:effectRef idx="0">
+            <a:schemeClr val="accent1"/>
+          </a:effectRef>
+          <a:fontRef idx="minor">
+            <a:schemeClr val="tx1"/>
+          </a:fontRef>
+        </p:style>
+      </p:cxnSp>
+      <p:pic>
+        <p:nvPicPr>
+          <p:cNvPr id="63" name="Graphic 62">
+            <a:extLst>
+              <a:ext uri="{FF2B5EF4-FFF2-40B4-BE49-F238E27FC236}">
+                <a16:creationId xmlns:a16="http://schemas.microsoft.com/office/drawing/2014/main" id="{9D5381E2-101A-4086-960C-EA22413E8409}"/>
+              </a:ext>
+            </a:extLst>
+          </p:cNvPr>
+          <p:cNvPicPr>
+            <a:picLocks noChangeAspect="1"/>
+          </p:cNvPicPr>
+          <p:nvPr/>
+        </p:nvPicPr>
+        <p:blipFill>
+          <a:blip r:embed="rId8">
+            <a:extLst>
+              <a:ext uri="{28A0092B-C50C-407E-A947-70E740481C1C}">
+                <a14:useLocalDpi xmlns:a14="http://schemas.microsoft.com/office/drawing/2010/main" val="0"/>
+              </a:ext>
+              <a:ext uri="{96DAC541-7B7A-43D3-8B79-37D633B846F1}">
+                <asvg:svgBlip xmlns:asvg="http://schemas.microsoft.com/office/drawing/2016/SVG/main" r:embed="rId9"/>
+              </a:ext>
+            </a:extLst>
+          </a:blip>
+          <a:stretch>
+            <a:fillRect/>
+          </a:stretch>
+        </p:blipFill>
+        <p:spPr>
+          <a:xfrm>
+            <a:off x="8343181" y="2143308"/>
+            <a:ext cx="457200" cy="457200"/>
+          </a:xfrm>
+          <a:prstGeom prst="rect">
+            <a:avLst/>
+          </a:prstGeom>
+        </p:spPr>
+      </p:pic>
+      <p:pic>
+        <p:nvPicPr>
+          <p:cNvPr id="64" name="Graphic 63">
+            <a:extLst>
+              <a:ext uri="{FF2B5EF4-FFF2-40B4-BE49-F238E27FC236}">
+                <a16:creationId xmlns:a16="http://schemas.microsoft.com/office/drawing/2014/main" id="{441FA8DB-D9E4-435C-8577-3598DD761443}"/>
+              </a:ext>
+            </a:extLst>
+          </p:cNvPr>
+          <p:cNvPicPr>
+            <a:picLocks noChangeAspect="1"/>
+          </p:cNvPicPr>
+          <p:nvPr/>
+        </p:nvPicPr>
+        <p:blipFill>
+          <a:blip r:embed="rId8">
+            <a:extLst>
+              <a:ext uri="{28A0092B-C50C-407E-A947-70E740481C1C}">
+                <a14:useLocalDpi xmlns:a14="http://schemas.microsoft.com/office/drawing/2010/main" val="0"/>
+              </a:ext>
+              <a:ext uri="{96DAC541-7B7A-43D3-8B79-37D633B846F1}">
+                <asvg:svgBlip xmlns:asvg="http://schemas.microsoft.com/office/drawing/2016/SVG/main" r:embed="rId9"/>
+              </a:ext>
+            </a:extLst>
+          </a:blip>
+          <a:stretch>
+            <a:fillRect/>
+          </a:stretch>
+        </p:blipFill>
+        <p:spPr>
+          <a:xfrm>
+            <a:off x="8343181" y="2638180"/>
+            <a:ext cx="457200" cy="457200"/>
+          </a:xfrm>
+          <a:prstGeom prst="rect">
+            <a:avLst/>
+          </a:prstGeom>
+        </p:spPr>
+      </p:pic>
+      <p:pic>
+        <p:nvPicPr>
+          <p:cNvPr id="65" name="Graphic 64">
+            <a:extLst>
+              <a:ext uri="{FF2B5EF4-FFF2-40B4-BE49-F238E27FC236}">
+                <a16:creationId xmlns:a16="http://schemas.microsoft.com/office/drawing/2014/main" id="{2BB95FB4-FD26-4CB1-85CD-BF452339B329}"/>
+              </a:ext>
+            </a:extLst>
+          </p:cNvPr>
+          <p:cNvPicPr>
+            <a:picLocks noChangeAspect="1"/>
+          </p:cNvPicPr>
+          <p:nvPr/>
+        </p:nvPicPr>
+        <p:blipFill>
+          <a:blip r:embed="rId8">
+            <a:extLst>
+              <a:ext uri="{28A0092B-C50C-407E-A947-70E740481C1C}">
+                <a14:useLocalDpi xmlns:a14="http://schemas.microsoft.com/office/drawing/2010/main" val="0"/>
+              </a:ext>
+              <a:ext uri="{96DAC541-7B7A-43D3-8B79-37D633B846F1}">
+                <asvg:svgBlip xmlns:asvg="http://schemas.microsoft.com/office/drawing/2016/SVG/main" r:embed="rId9"/>
+              </a:ext>
+            </a:extLst>
+          </a:blip>
+          <a:stretch>
+            <a:fillRect/>
+          </a:stretch>
+        </p:blipFill>
+        <p:spPr>
+          <a:xfrm>
+            <a:off x="8354630" y="3132569"/>
+            <a:ext cx="457200" cy="457200"/>
+          </a:xfrm>
+          <a:prstGeom prst="rect">
+            <a:avLst/>
+          </a:prstGeom>
+        </p:spPr>
+      </p:pic>
+      <p:sp>
+        <p:nvSpPr>
+          <p:cNvPr id="66" name="TextBox 65">
+            <a:extLst>
+              <a:ext uri="{FF2B5EF4-FFF2-40B4-BE49-F238E27FC236}">
+                <a16:creationId xmlns:a16="http://schemas.microsoft.com/office/drawing/2014/main" id="{357CEE91-39F1-4D93-A5A7-48BBB242B74C}"/>
+              </a:ext>
+            </a:extLst>
+          </p:cNvPr>
+          <p:cNvSpPr txBox="1"/>
+          <p:nvPr/>
+        </p:nvSpPr>
+        <p:spPr>
+          <a:xfrm rot="16200000">
+            <a:off x="1297105" y="2661208"/>
+            <a:ext cx="3441190" cy="307777"/>
+          </a:xfrm>
+          <a:prstGeom prst="rect">
+            <a:avLst/>
+          </a:prstGeom>
+          <a:noFill/>
+        </p:spPr>
+        <p:txBody>
+          <a:bodyPr wrap="square" rtlCol="0">
+            <a:spAutoFit/>
+          </a:bodyPr>
+          <a:lstStyle/>
+          <a:p>
+            <a:pPr algn="ctr"/>
+            <a:r>
+              <a:rPr lang="en-US" sz="1400" b="1" dirty="0">
+                <a:latin typeface="Myanmar Text" panose="020B0502040204020203" pitchFamily="34" charset="0"/>
+                <a:cs typeface="Myanmar Text" panose="020B0502040204020203" pitchFamily="34" charset="0"/>
+              </a:rPr>
+              <a:t>Front-End Layer</a:t>
+            </a:r>
+          </a:p>
+        </p:txBody>
+      </p:sp>
+      <p:sp>
+        <p:nvSpPr>
+          <p:cNvPr id="67" name="TextBox 66">
+            <a:extLst>
+              <a:ext uri="{FF2B5EF4-FFF2-40B4-BE49-F238E27FC236}">
+                <a16:creationId xmlns:a16="http://schemas.microsoft.com/office/drawing/2014/main" id="{69F67C49-9014-45E6-BDEE-3DEF4E48708F}"/>
+              </a:ext>
+            </a:extLst>
+          </p:cNvPr>
+          <p:cNvSpPr txBox="1"/>
+          <p:nvPr/>
+        </p:nvSpPr>
+        <p:spPr>
+          <a:xfrm rot="16200000">
+            <a:off x="2353376" y="2704617"/>
+            <a:ext cx="3441190" cy="307777"/>
+          </a:xfrm>
+          <a:prstGeom prst="rect">
+            <a:avLst/>
+          </a:prstGeom>
+          <a:noFill/>
+        </p:spPr>
+        <p:txBody>
+          <a:bodyPr wrap="square" rtlCol="0">
+            <a:spAutoFit/>
+          </a:bodyPr>
+          <a:lstStyle/>
+          <a:p>
+            <a:pPr algn="ctr"/>
+            <a:r>
+              <a:rPr lang="en-US" sz="1400" b="1" dirty="0">
+                <a:latin typeface="Myanmar Text" panose="020B0502040204020203" pitchFamily="34" charset="0"/>
+                <a:cs typeface="Myanmar Text" panose="020B0502040204020203" pitchFamily="34" charset="0"/>
+              </a:rPr>
+              <a:t>Stateful Data Layer</a:t>
+            </a:r>
+          </a:p>
+        </p:txBody>
+      </p:sp>
+      <p:sp>
+        <p:nvSpPr>
+          <p:cNvPr id="68" name="TextBox 67">
+            <a:extLst>
+              <a:ext uri="{FF2B5EF4-FFF2-40B4-BE49-F238E27FC236}">
+                <a16:creationId xmlns:a16="http://schemas.microsoft.com/office/drawing/2014/main" id="{88DB555B-1934-431E-87F2-72EB3D294D9C}"/>
+              </a:ext>
+            </a:extLst>
+          </p:cNvPr>
+          <p:cNvSpPr txBox="1"/>
+          <p:nvPr/>
+        </p:nvSpPr>
+        <p:spPr>
+          <a:xfrm rot="16200000">
+            <a:off x="4735896" y="2560782"/>
+            <a:ext cx="3441190" cy="307777"/>
+          </a:xfrm>
+          <a:prstGeom prst="rect">
+            <a:avLst/>
+          </a:prstGeom>
+          <a:noFill/>
+        </p:spPr>
+        <p:txBody>
+          <a:bodyPr wrap="square" rtlCol="0">
+            <a:spAutoFit/>
+          </a:bodyPr>
+          <a:lstStyle/>
+          <a:p>
+            <a:pPr algn="ctr"/>
+            <a:r>
+              <a:rPr lang="en-US" sz="1400" b="1" dirty="0">
+                <a:latin typeface="Myanmar Text" panose="020B0502040204020203" pitchFamily="34" charset="0"/>
+                <a:cs typeface="Myanmar Text" panose="020B0502040204020203" pitchFamily="34" charset="0"/>
+              </a:rPr>
+              <a:t>Integration Layer</a:t>
+            </a:r>
+          </a:p>
+        </p:txBody>
+      </p:sp>
+      <p:sp>
+        <p:nvSpPr>
+          <p:cNvPr id="70" name="TextBox 69">
+            <a:extLst>
+              <a:ext uri="{FF2B5EF4-FFF2-40B4-BE49-F238E27FC236}">
+                <a16:creationId xmlns:a16="http://schemas.microsoft.com/office/drawing/2014/main" id="{374128C6-24ED-4910-9A6A-AA7084A87C24}"/>
+              </a:ext>
+            </a:extLst>
+          </p:cNvPr>
+          <p:cNvSpPr txBox="1"/>
+          <p:nvPr/>
+        </p:nvSpPr>
+        <p:spPr>
+          <a:xfrm>
+            <a:off x="3574520" y="4731178"/>
+            <a:ext cx="2782305" cy="307777"/>
+          </a:xfrm>
+          <a:prstGeom prst="rect">
+            <a:avLst/>
+          </a:prstGeom>
+          <a:noFill/>
+        </p:spPr>
+        <p:txBody>
+          <a:bodyPr wrap="square" rtlCol="0">
+            <a:spAutoFit/>
+          </a:bodyPr>
+          <a:lstStyle/>
+          <a:p>
+            <a:pPr algn="ctr"/>
+            <a:r>
+              <a:rPr lang="en-US" sz="1400" dirty="0">
+                <a:latin typeface="Myanmar Text" panose="020B0502040204020203" pitchFamily="34" charset="0"/>
+                <a:cs typeface="Myanmar Text" panose="020B0502040204020203" pitchFamily="34" charset="0"/>
+              </a:rPr>
+              <a:t>Telemetry Entities</a:t>
+            </a:r>
+          </a:p>
+        </p:txBody>
+      </p:sp>
+    </p:spTree>
+    <p:extLst>
+      <p:ext uri="{BB962C8B-B14F-4D97-AF65-F5344CB8AC3E}">
+        <p14:creationId xmlns:p14="http://schemas.microsoft.com/office/powerpoint/2010/main" val="557915393"/>
+      </p:ext>
+    </p:extLst>
+  </p:cSld>
+  <p:clrMapOvr>
+    <a:masterClrMapping/>
+  </p:clrMapOvr>
+  <p:timing>
+    <p:tnLst>
+      <p:par>
+        <p:cTn id="1" dur="indefinite" restart="never" nodeType="tmRoot">
+          <p:childTnLst>
+            <p:seq concurrent="1" nextAc="seek">
+              <p:cTn id="2" dur="indefinite" nodeType="mainSeq">
+                <p:childTnLst>
+                  <p:par>
+                    <p:cTn id="3" fill="hold">
+                      <p:stCondLst>
+                        <p:cond delay="indefinite"/>
+                      </p:stCondLst>
+                      <p:childTnLst>
+                        <p:par>
+                          <p:cTn id="4" fill="hold">
+                            <p:stCondLst>
+                              <p:cond delay="0"/>
+                            </p:stCondLst>
+                            <p:childTnLst>
+                              <p:par>
+                                <p:cTn id="5" presetID="10" presetClass="entr" presetSubtype="0" fill="hold" grpId="0" nodeType="clickEffect">
+                                  <p:stCondLst>
+                                    <p:cond delay="0"/>
+                                  </p:stCondLst>
+                                  <p:childTnLst>
+                                    <p:set>
+                                      <p:cBhvr>
+                                        <p:cTn id="6" dur="1" fill="hold">
+                                          <p:stCondLst>
+                                            <p:cond delay="0"/>
+                                          </p:stCondLst>
+                                        </p:cTn>
+                                        <p:tgtEl>
+                                          <p:spTgt spid="66"/>
+                                        </p:tgtEl>
+                                        <p:attrNameLst>
+                                          <p:attrName>style.visibility</p:attrName>
+                                        </p:attrNameLst>
+                                      </p:cBhvr>
+                                      <p:to>
+                                        <p:strVal val="visible"/>
+                                      </p:to>
+                                    </p:set>
+                                    <p:animEffect transition="in" filter="fade">
+                                      <p:cBhvr>
+                                        <p:cTn id="7" dur="500"/>
+                                        <p:tgtEl>
+                                          <p:spTgt spid="66"/>
+                                        </p:tgtEl>
+                                      </p:cBhvr>
+                                    </p:animEffect>
+                                  </p:childTnLst>
+                                </p:cTn>
+                              </p:par>
+                            </p:childTnLst>
+                          </p:cTn>
+                        </p:par>
+                      </p:childTnLst>
+                    </p:cTn>
+                  </p:par>
+                  <p:par>
+                    <p:cTn id="8" fill="hold">
+                      <p:stCondLst>
+                        <p:cond delay="indefinite"/>
+                      </p:stCondLst>
+                      <p:childTnLst>
+                        <p:par>
+                          <p:cTn id="9" fill="hold">
+                            <p:stCondLst>
+                              <p:cond delay="0"/>
+                            </p:stCondLst>
+                            <p:childTnLst>
+                              <p:par>
+                                <p:cTn id="10" presetID="10" presetClass="entr" presetSubtype="0" fill="hold" grpId="0" nodeType="clickEffect">
+                                  <p:stCondLst>
+                                    <p:cond delay="0"/>
+                                  </p:stCondLst>
+                                  <p:childTnLst>
+                                    <p:set>
+                                      <p:cBhvr>
+                                        <p:cTn id="11" dur="1" fill="hold">
+                                          <p:stCondLst>
+                                            <p:cond delay="0"/>
+                                          </p:stCondLst>
+                                        </p:cTn>
+                                        <p:tgtEl>
+                                          <p:spTgt spid="67"/>
+                                        </p:tgtEl>
+                                        <p:attrNameLst>
+                                          <p:attrName>style.visibility</p:attrName>
+                                        </p:attrNameLst>
+                                      </p:cBhvr>
+                                      <p:to>
+                                        <p:strVal val="visible"/>
+                                      </p:to>
+                                    </p:set>
+                                    <p:animEffect transition="in" filter="fade">
+                                      <p:cBhvr>
+                                        <p:cTn id="12" dur="500"/>
+                                        <p:tgtEl>
+                                          <p:spTgt spid="67"/>
+                                        </p:tgtEl>
+                                      </p:cBhvr>
+                                    </p:animEffect>
+                                  </p:childTnLst>
+                                </p:cTn>
+                              </p:par>
+                            </p:childTnLst>
+                          </p:cTn>
+                        </p:par>
+                      </p:childTnLst>
+                    </p:cTn>
+                  </p:par>
+                  <p:par>
+                    <p:cTn id="13" fill="hold">
+                      <p:stCondLst>
+                        <p:cond delay="indefinite"/>
+                      </p:stCondLst>
+                      <p:childTnLst>
+                        <p:par>
+                          <p:cTn id="14" fill="hold">
+                            <p:stCondLst>
+                              <p:cond delay="0"/>
+                            </p:stCondLst>
+                            <p:childTnLst>
+                              <p:par>
+                                <p:cTn id="15" presetID="10" presetClass="entr" presetSubtype="0" fill="hold" grpId="0" nodeType="clickEffect">
+                                  <p:stCondLst>
+                                    <p:cond delay="0"/>
+                                  </p:stCondLst>
+                                  <p:childTnLst>
+                                    <p:set>
+                                      <p:cBhvr>
+                                        <p:cTn id="16" dur="1" fill="hold">
+                                          <p:stCondLst>
+                                            <p:cond delay="0"/>
+                                          </p:stCondLst>
+                                        </p:cTn>
+                                        <p:tgtEl>
+                                          <p:spTgt spid="68"/>
+                                        </p:tgtEl>
+                                        <p:attrNameLst>
+                                          <p:attrName>style.visibility</p:attrName>
+                                        </p:attrNameLst>
+                                      </p:cBhvr>
+                                      <p:to>
+                                        <p:strVal val="visible"/>
+                                      </p:to>
+                                    </p:set>
+                                    <p:animEffect transition="in" filter="fade">
+                                      <p:cBhvr>
+                                        <p:cTn id="17" dur="500"/>
+                                        <p:tgtEl>
+                                          <p:spTgt spid="68"/>
+                                        </p:tgtEl>
+                                      </p:cBhvr>
+                                    </p:animEffect>
+                                  </p:childTnLst>
+                                </p:cTn>
+                              </p:par>
+                            </p:childTnLst>
+                          </p:cTn>
+                        </p:par>
+                      </p:childTnLst>
+                    </p:cTn>
+                  </p:par>
+                </p:childTnLst>
+              </p:cTn>
+              <p:prevCondLst>
+                <p:cond evt="onPrev" delay="0">
+                  <p:tgtEl>
+                    <p:sldTgt/>
+                  </p:tgtEl>
+                </p:cond>
+              </p:prevCondLst>
+              <p:nextCondLst>
+                <p:cond evt="onNext" delay="0">
+                  <p:tgtEl>
+                    <p:sldTgt/>
+                  </p:tgtEl>
+                </p:cond>
+              </p:nextCondLst>
+            </p:seq>
+          </p:childTnLst>
+        </p:cTn>
+      </p:par>
+    </p:tnLst>
+    <p:bldLst>
+      <p:bldP spid="66" grpId="0"/>
+      <p:bldP spid="67" grpId="0"/>
+      <p:bldP spid="68" grpId="0"/>
+    </p:bldLst>
+  </p:timing>
+</p:sld>
+</file>
+
 <file path=ppt/theme/theme1.xml><?xml version="1.0" encoding="utf-8"?>
 <a:theme xmlns:a="http://schemas.openxmlformats.org/drawingml/2006/main" name="Office Theme">
   <a:themeElements>

--- a/Documents/Diagrams.pptx
+++ b/Documents/Diagrams.pptx
@@ -262,7 +262,7 @@
           <a:p>
             <a:fld id="{33C3F64C-C526-40FB-AED9-C37B4F96ABD4}" type="datetimeFigureOut">
               <a:rPr lang="en-US" smtClean="0"/>
-              <a:t>14-Feb-21</a:t>
+              <a:t>18-Apr-22</a:t>
             </a:fld>
             <a:endParaRPr lang="en-US"/>
           </a:p>
@@ -460,7 +460,7 @@
           <a:p>
             <a:fld id="{33C3F64C-C526-40FB-AED9-C37B4F96ABD4}" type="datetimeFigureOut">
               <a:rPr lang="en-US" smtClean="0"/>
-              <a:t>14-Feb-21</a:t>
+              <a:t>18-Apr-22</a:t>
             </a:fld>
             <a:endParaRPr lang="en-US"/>
           </a:p>
@@ -668,7 +668,7 @@
           <a:p>
             <a:fld id="{33C3F64C-C526-40FB-AED9-C37B4F96ABD4}" type="datetimeFigureOut">
               <a:rPr lang="en-US" smtClean="0"/>
-              <a:t>14-Feb-21</a:t>
+              <a:t>18-Apr-22</a:t>
             </a:fld>
             <a:endParaRPr lang="en-US"/>
           </a:p>
@@ -866,7 +866,7 @@
           <a:p>
             <a:fld id="{33C3F64C-C526-40FB-AED9-C37B4F96ABD4}" type="datetimeFigureOut">
               <a:rPr lang="en-US" smtClean="0"/>
-              <a:t>14-Feb-21</a:t>
+              <a:t>18-Apr-22</a:t>
             </a:fld>
             <a:endParaRPr lang="en-US"/>
           </a:p>
@@ -1141,7 +1141,7 @@
           <a:p>
             <a:fld id="{33C3F64C-C526-40FB-AED9-C37B4F96ABD4}" type="datetimeFigureOut">
               <a:rPr lang="en-US" smtClean="0"/>
-              <a:t>14-Feb-21</a:t>
+              <a:t>18-Apr-22</a:t>
             </a:fld>
             <a:endParaRPr lang="en-US"/>
           </a:p>
@@ -1406,7 +1406,7 @@
           <a:p>
             <a:fld id="{33C3F64C-C526-40FB-AED9-C37B4F96ABD4}" type="datetimeFigureOut">
               <a:rPr lang="en-US" smtClean="0"/>
-              <a:t>14-Feb-21</a:t>
+              <a:t>18-Apr-22</a:t>
             </a:fld>
             <a:endParaRPr lang="en-US"/>
           </a:p>
@@ -1818,7 +1818,7 @@
           <a:p>
             <a:fld id="{33C3F64C-C526-40FB-AED9-C37B4F96ABD4}" type="datetimeFigureOut">
               <a:rPr lang="en-US" smtClean="0"/>
-              <a:t>14-Feb-21</a:t>
+              <a:t>18-Apr-22</a:t>
             </a:fld>
             <a:endParaRPr lang="en-US"/>
           </a:p>
@@ -1959,7 +1959,7 @@
           <a:p>
             <a:fld id="{33C3F64C-C526-40FB-AED9-C37B4F96ABD4}" type="datetimeFigureOut">
               <a:rPr lang="en-US" smtClean="0"/>
-              <a:t>14-Feb-21</a:t>
+              <a:t>18-Apr-22</a:t>
             </a:fld>
             <a:endParaRPr lang="en-US"/>
           </a:p>
@@ -2072,7 +2072,7 @@
           <a:p>
             <a:fld id="{33C3F64C-C526-40FB-AED9-C37B4F96ABD4}" type="datetimeFigureOut">
               <a:rPr lang="en-US" smtClean="0"/>
-              <a:t>14-Feb-21</a:t>
+              <a:t>18-Apr-22</a:t>
             </a:fld>
             <a:endParaRPr lang="en-US"/>
           </a:p>
@@ -2383,7 +2383,7 @@
           <a:p>
             <a:fld id="{33C3F64C-C526-40FB-AED9-C37B4F96ABD4}" type="datetimeFigureOut">
               <a:rPr lang="en-US" smtClean="0"/>
-              <a:t>14-Feb-21</a:t>
+              <a:t>18-Apr-22</a:t>
             </a:fld>
             <a:endParaRPr lang="en-US"/>
           </a:p>
@@ -2671,7 +2671,7 @@
           <a:p>
             <a:fld id="{33C3F64C-C526-40FB-AED9-C37B4F96ABD4}" type="datetimeFigureOut">
               <a:rPr lang="en-US" smtClean="0"/>
-              <a:t>14-Feb-21</a:t>
+              <a:t>18-Apr-22</a:t>
             </a:fld>
             <a:endParaRPr lang="en-US"/>
           </a:p>
@@ -2912,7 +2912,7 @@
           <a:p>
             <a:fld id="{33C3F64C-C526-40FB-AED9-C37B4F96ABD4}" type="datetimeFigureOut">
               <a:rPr lang="en-US" smtClean="0"/>
-              <a:t>14-Feb-21</a:t>
+              <a:t>18-Apr-22</a:t>
             </a:fld>
             <a:endParaRPr lang="en-US"/>
           </a:p>
@@ -3807,7 +3807,7 @@
         </p:nvGrpSpPr>
         <p:grpSpPr>
           <a:xfrm>
-            <a:off x="9034288" y="2345815"/>
+            <a:off x="6737757" y="2361212"/>
             <a:ext cx="1931195" cy="1775732"/>
             <a:chOff x="9578112" y="2087404"/>
             <a:chExt cx="1931195" cy="1775732"/>
@@ -3904,137 +3904,26 @@
           </p:txBody>
         </p:sp>
       </p:grpSp>
-      <p:grpSp>
-        <p:nvGrpSpPr>
-          <p:cNvPr id="56" name="Group 55">
-            <a:extLst>
-              <a:ext uri="{FF2B5EF4-FFF2-40B4-BE49-F238E27FC236}">
-                <a16:creationId xmlns:a16="http://schemas.microsoft.com/office/drawing/2014/main" id="{8BCBDCD7-2B9C-42A2-925D-3CDE43BA3D96}"/>
-              </a:ext>
-            </a:extLst>
-          </p:cNvPr>
-          <p:cNvGrpSpPr/>
-          <p:nvPr/>
-        </p:nvGrpSpPr>
-        <p:grpSpPr>
-          <a:xfrm>
-            <a:off x="6060214" y="2569469"/>
-            <a:ext cx="1701411" cy="1354219"/>
-            <a:chOff x="6797994" y="2207418"/>
-            <a:chExt cx="1701411" cy="1354219"/>
-          </a:xfrm>
-        </p:grpSpPr>
-        <p:sp>
-          <p:nvSpPr>
-            <p:cNvPr id="48" name="Rectangle: Rounded Corners 47">
-              <a:extLst>
-                <a:ext uri="{FF2B5EF4-FFF2-40B4-BE49-F238E27FC236}">
-                  <a16:creationId xmlns:a16="http://schemas.microsoft.com/office/drawing/2014/main" id="{80E676D0-D463-46FF-AEB0-98E55F36713B}"/>
-                </a:ext>
-              </a:extLst>
-            </p:cNvPr>
-            <p:cNvSpPr/>
-            <p:nvPr/>
-          </p:nvSpPr>
-          <p:spPr>
-            <a:xfrm>
-              <a:off x="6797994" y="2207418"/>
-              <a:ext cx="1688068" cy="1328738"/>
-            </a:xfrm>
-            <a:prstGeom prst="roundRect">
-              <a:avLst/>
-            </a:prstGeom>
-            <a:solidFill>
-              <a:schemeClr val="bg1"/>
-            </a:solidFill>
-            <a:ln w="28575">
-              <a:solidFill>
-                <a:schemeClr val="tx1"/>
-              </a:solidFill>
-            </a:ln>
-          </p:spPr>
-          <p:style>
-            <a:lnRef idx="2">
-              <a:schemeClr val="accent1">
-                <a:shade val="50000"/>
-              </a:schemeClr>
-            </a:lnRef>
-            <a:fillRef idx="1">
-              <a:schemeClr val="accent1"/>
-            </a:fillRef>
-            <a:effectRef idx="0">
-              <a:schemeClr val="accent1"/>
-            </a:effectRef>
-            <a:fontRef idx="minor">
-              <a:schemeClr val="lt1"/>
-            </a:fontRef>
-          </p:style>
-          <p:txBody>
-            <a:bodyPr rtlCol="0" anchor="ctr"/>
-            <a:lstStyle/>
-            <a:p>
-              <a:pPr algn="ctr"/>
-              <a:endParaRPr lang="en-US"/>
-            </a:p>
-          </p:txBody>
-        </p:sp>
-        <p:sp>
-          <p:nvSpPr>
-            <p:cNvPr id="52" name="TextBox 51">
-              <a:extLst>
-                <a:ext uri="{FF2B5EF4-FFF2-40B4-BE49-F238E27FC236}">
-                  <a16:creationId xmlns:a16="http://schemas.microsoft.com/office/drawing/2014/main" id="{A6FE7A35-A89D-4D19-B7CD-BACBEE3F6618}"/>
-                </a:ext>
-              </a:extLst>
-            </p:cNvPr>
-            <p:cNvSpPr txBox="1"/>
-            <p:nvPr/>
-          </p:nvSpPr>
-          <p:spPr>
-            <a:xfrm>
-              <a:off x="6797994" y="3038417"/>
-              <a:ext cx="1701411" cy="523220"/>
-            </a:xfrm>
-            <a:prstGeom prst="rect">
-              <a:avLst/>
-            </a:prstGeom>
-            <a:noFill/>
-          </p:spPr>
-          <p:txBody>
-            <a:bodyPr wrap="square" rtlCol="0">
-              <a:spAutoFit/>
-            </a:bodyPr>
-            <a:lstStyle/>
-            <a:p>
-              <a:pPr algn="ctr"/>
-              <a:r>
-                <a:rPr lang="en-US" sz="1400" dirty="0"/>
-                <a:t>Telemetry Dispatcher</a:t>
-              </a:r>
-            </a:p>
-          </p:txBody>
-        </p:sp>
-      </p:grpSp>
       <p:cxnSp>
         <p:nvCxnSpPr>
-          <p:cNvPr id="60" name="Straight Arrow Connector 59">
-            <a:extLst>
-              <a:ext uri="{FF2B5EF4-FFF2-40B4-BE49-F238E27FC236}">
-                <a16:creationId xmlns:a16="http://schemas.microsoft.com/office/drawing/2014/main" id="{656E4092-4231-4C71-A80E-633AE171F22E}"/>
+          <p:cNvPr id="64" name="Straight Arrow Connector 63">
+            <a:extLst>
+              <a:ext uri="{FF2B5EF4-FFF2-40B4-BE49-F238E27FC236}">
+                <a16:creationId xmlns:a16="http://schemas.microsoft.com/office/drawing/2014/main" id="{72E52F94-84D5-4C02-B49C-395E1C43E4BB}"/>
               </a:ext>
             </a:extLst>
           </p:cNvPr>
           <p:cNvCxnSpPr>
             <a:cxnSpLocks/>
             <a:stCxn id="20" idx="3"/>
-            <a:endCxn id="48" idx="1"/>
+            <a:endCxn id="78" idx="2"/>
           </p:cNvCxnSpPr>
           <p:nvPr/>
         </p:nvCxnSpPr>
         <p:spPr>
-          <a:xfrm flipV="1">
-            <a:off x="5400267" y="3233838"/>
-            <a:ext cx="659947" cy="16772"/>
+          <a:xfrm>
+            <a:off x="5400267" y="3250610"/>
+            <a:ext cx="951971" cy="1699"/>
           </a:xfrm>
           <a:prstGeom prst="straightConnector1">
             <a:avLst/>
@@ -4058,49 +3947,6 @@
           </a:fontRef>
         </p:style>
       </p:cxnSp>
-      <p:cxnSp>
-        <p:nvCxnSpPr>
-          <p:cNvPr id="64" name="Straight Arrow Connector 63">
-            <a:extLst>
-              <a:ext uri="{FF2B5EF4-FFF2-40B4-BE49-F238E27FC236}">
-                <a16:creationId xmlns:a16="http://schemas.microsoft.com/office/drawing/2014/main" id="{72E52F94-84D5-4C02-B49C-395E1C43E4BB}"/>
-              </a:ext>
-            </a:extLst>
-          </p:cNvPr>
-          <p:cNvCxnSpPr>
-            <a:cxnSpLocks/>
-            <a:stCxn id="48" idx="3"/>
-            <a:endCxn id="78" idx="2"/>
-          </p:cNvCxnSpPr>
-          <p:nvPr/>
-        </p:nvCxnSpPr>
-        <p:spPr>
-          <a:xfrm>
-            <a:off x="7748282" y="3233838"/>
-            <a:ext cx="900487" cy="3074"/>
-          </a:xfrm>
-          <a:prstGeom prst="straightConnector1">
-            <a:avLst/>
-          </a:prstGeom>
-          <a:ln w="38100">
-            <a:tailEnd type="triangle"/>
-          </a:ln>
-        </p:spPr>
-        <p:style>
-          <a:lnRef idx="1">
-            <a:schemeClr val="accent1"/>
-          </a:lnRef>
-          <a:fillRef idx="0">
-            <a:schemeClr val="accent1"/>
-          </a:fillRef>
-          <a:effectRef idx="0">
-            <a:schemeClr val="accent1"/>
-          </a:effectRef>
-          <a:fontRef idx="minor">
-            <a:schemeClr val="tx1"/>
-          </a:fontRef>
-        </p:style>
-      </p:cxnSp>
       <p:grpSp>
         <p:nvGrpSpPr>
           <p:cNvPr id="80" name="Group 79">
@@ -4115,7 +3961,7 @@
         </p:nvGrpSpPr>
         <p:grpSpPr>
           <a:xfrm>
-            <a:off x="8648769" y="3149826"/>
+            <a:off x="6352238" y="3165223"/>
             <a:ext cx="374469" cy="174171"/>
             <a:chOff x="6435634" y="5416731"/>
             <a:chExt cx="374469" cy="174171"/>
@@ -4227,7 +4073,7 @@
         </p:nvGrpSpPr>
         <p:grpSpPr>
           <a:xfrm rot="16200000">
-            <a:off x="9750296" y="4221696"/>
+            <a:off x="7453765" y="4237093"/>
             <a:ext cx="374469" cy="174171"/>
             <a:chOff x="6435634" y="5416731"/>
             <a:chExt cx="374469" cy="174171"/>
@@ -4339,7 +4185,7 @@
         </p:nvGrpSpPr>
         <p:grpSpPr>
           <a:xfrm>
-            <a:off x="9305966" y="5212949"/>
+            <a:off x="7009435" y="5213106"/>
             <a:ext cx="1263131" cy="1153044"/>
             <a:chOff x="8165944" y="5105379"/>
             <a:chExt cx="1263131" cy="1153044"/>
@@ -4493,8 +4339,8 @@
         </p:nvCxnSpPr>
         <p:spPr>
           <a:xfrm flipV="1">
-            <a:off x="9925394" y="4496016"/>
-            <a:ext cx="12137" cy="716933"/>
+            <a:off x="7628863" y="4511413"/>
+            <a:ext cx="12137" cy="701693"/>
           </a:xfrm>
           <a:prstGeom prst="straightConnector1">
             <a:avLst/>
@@ -4521,10 +4367,10 @@
       </p:cxnSp>
       <p:sp>
         <p:nvSpPr>
-          <p:cNvPr id="3" name="Rectangle 2">
-            <a:extLst>
-              <a:ext uri="{FF2B5EF4-FFF2-40B4-BE49-F238E27FC236}">
-                <a16:creationId xmlns:a16="http://schemas.microsoft.com/office/drawing/2014/main" id="{616D1DA5-88FE-491D-AA2A-BD900CA561E2}"/>
+          <p:cNvPr id="4" name="Rectangle 3">
+            <a:extLst>
+              <a:ext uri="{FF2B5EF4-FFF2-40B4-BE49-F238E27FC236}">
+                <a16:creationId xmlns:a16="http://schemas.microsoft.com/office/drawing/2014/main" id="{4B8B11A9-F613-48AC-A539-FD90B2AFCB7A}"/>
               </a:ext>
             </a:extLst>
           </p:cNvPr>
@@ -4533,55 +4379,7 @@
         </p:nvSpPr>
         <p:spPr>
           <a:xfrm>
-            <a:off x="6462274" y="2444001"/>
-            <a:ext cx="825431" cy="1107996"/>
-          </a:xfrm>
-          <a:prstGeom prst="rect">
-            <a:avLst/>
-          </a:prstGeom>
-          <a:noFill/>
-        </p:spPr>
-        <p:txBody>
-          <a:bodyPr wrap="square" lIns="91440" tIns="45720" rIns="91440" bIns="45720">
-            <a:spAutoFit/>
-          </a:bodyPr>
-          <a:lstStyle/>
-          <a:p>
-            <a:pPr algn="ctr"/>
-            <a:r>
-              <a:rPr lang="en-US" sz="7200" b="0" cap="none" spc="0" dirty="0">
-                <a:ln w="0"/>
-                <a:solidFill>
-                  <a:schemeClr val="tx1"/>
-                </a:solidFill>
-                <a:effectLst>
-                  <a:outerShdw blurRad="38100" dist="19050" dir="2700000" algn="tl" rotWithShape="0">
-                    <a:schemeClr val="dk1">
-                      <a:alpha val="40000"/>
-                    </a:schemeClr>
-                  </a:outerShdw>
-                </a:effectLst>
-              </a:rPr>
-              <a:t>?</a:t>
-            </a:r>
-          </a:p>
-        </p:txBody>
-      </p:sp>
-      <p:sp>
-        <p:nvSpPr>
-          <p:cNvPr id="4" name="Rectangle 3">
-            <a:extLst>
-              <a:ext uri="{FF2B5EF4-FFF2-40B4-BE49-F238E27FC236}">
-                <a16:creationId xmlns:a16="http://schemas.microsoft.com/office/drawing/2014/main" id="{4B8B11A9-F613-48AC-A539-FD90B2AFCB7A}"/>
-              </a:ext>
-            </a:extLst>
-          </p:cNvPr>
-          <p:cNvSpPr/>
-          <p:nvPr/>
-        </p:nvSpPr>
-        <p:spPr>
-          <a:xfrm>
-            <a:off x="9587168" y="2647578"/>
+            <a:off x="7290637" y="2662975"/>
             <a:ext cx="825431" cy="1107996"/>
           </a:xfrm>
           <a:prstGeom prst="rect">
@@ -5276,7 +5074,7 @@
         </p:nvGrpSpPr>
         <p:grpSpPr>
           <a:xfrm>
-            <a:off x="9029084" y="2489293"/>
+            <a:off x="6695412" y="2345972"/>
             <a:ext cx="1931195" cy="1775732"/>
             <a:chOff x="9578112" y="2087404"/>
             <a:chExt cx="1931195" cy="1775732"/>
@@ -5414,10 +5212,10 @@
       </p:grpSp>
       <p:grpSp>
         <p:nvGrpSpPr>
-          <p:cNvPr id="71" name="Group 70">
-            <a:extLst>
-              <a:ext uri="{FF2B5EF4-FFF2-40B4-BE49-F238E27FC236}">
-                <a16:creationId xmlns:a16="http://schemas.microsoft.com/office/drawing/2014/main" id="{E4F427AE-D83E-440E-B0C6-9EB685BD0B8E}"/>
+          <p:cNvPr id="58" name="Group 57">
+            <a:extLst>
+              <a:ext uri="{FF2B5EF4-FFF2-40B4-BE49-F238E27FC236}">
+                <a16:creationId xmlns:a16="http://schemas.microsoft.com/office/drawing/2014/main" id="{B379671F-4A7E-4A72-B4D5-714F3E345969}"/>
               </a:ext>
             </a:extLst>
           </p:cNvPr>
@@ -5426,235 +5224,7 @@
         </p:nvGrpSpPr>
         <p:grpSpPr>
           <a:xfrm>
-            <a:off x="6365014" y="2874269"/>
-            <a:ext cx="1688068" cy="1328738"/>
-            <a:chOff x="6797994" y="2207418"/>
-            <a:chExt cx="1688068" cy="1328738"/>
-          </a:xfrm>
-        </p:grpSpPr>
-        <p:sp>
-          <p:nvSpPr>
-            <p:cNvPr id="72" name="Rectangle: Rounded Corners 71">
-              <a:extLst>
-                <a:ext uri="{FF2B5EF4-FFF2-40B4-BE49-F238E27FC236}">
-                  <a16:creationId xmlns:a16="http://schemas.microsoft.com/office/drawing/2014/main" id="{A9661796-4F75-4734-AF77-C05D87C67A8A}"/>
-                </a:ext>
-              </a:extLst>
-            </p:cNvPr>
-            <p:cNvSpPr/>
-            <p:nvPr/>
-          </p:nvSpPr>
-          <p:spPr>
-            <a:xfrm>
-              <a:off x="6797994" y="2207418"/>
-              <a:ext cx="1688068" cy="1328738"/>
-            </a:xfrm>
-            <a:prstGeom prst="roundRect">
-              <a:avLst/>
-            </a:prstGeom>
-            <a:solidFill>
-              <a:schemeClr val="bg1"/>
-            </a:solidFill>
-            <a:ln w="28575">
-              <a:solidFill>
-                <a:schemeClr val="tx1"/>
-              </a:solidFill>
-            </a:ln>
-          </p:spPr>
-          <p:style>
-            <a:lnRef idx="2">
-              <a:schemeClr val="accent1">
-                <a:shade val="50000"/>
-              </a:schemeClr>
-            </a:lnRef>
-            <a:fillRef idx="1">
-              <a:schemeClr val="accent1"/>
-            </a:fillRef>
-            <a:effectRef idx="0">
-              <a:schemeClr val="accent1"/>
-            </a:effectRef>
-            <a:fontRef idx="minor">
-              <a:schemeClr val="lt1"/>
-            </a:fontRef>
-          </p:style>
-          <p:txBody>
-            <a:bodyPr rtlCol="0" anchor="ctr"/>
-            <a:lstStyle/>
-            <a:p>
-              <a:pPr algn="ctr"/>
-              <a:endParaRPr lang="en-US"/>
-            </a:p>
-          </p:txBody>
-        </p:sp>
-        <p:pic>
-          <p:nvPicPr>
-            <p:cNvPr id="73" name="Graphic 72">
-              <a:extLst>
-                <a:ext uri="{FF2B5EF4-FFF2-40B4-BE49-F238E27FC236}">
-                  <a16:creationId xmlns:a16="http://schemas.microsoft.com/office/drawing/2014/main" id="{5DD8E8AF-BEE4-4DF2-96DB-F60FFDBC5485}"/>
-                </a:ext>
-              </a:extLst>
-            </p:cNvPr>
-            <p:cNvPicPr>
-              <a:picLocks noChangeAspect="1"/>
-            </p:cNvPicPr>
-            <p:nvPr/>
-          </p:nvPicPr>
-          <p:blipFill>
-            <a:blip r:embed="rId6">
-              <a:extLst>
-                <a:ext uri="{28A0092B-C50C-407E-A947-70E740481C1C}">
-                  <a14:useLocalDpi xmlns:a14="http://schemas.microsoft.com/office/drawing/2010/main" val="0"/>
-                </a:ext>
-                <a:ext uri="{96DAC541-7B7A-43D3-8B79-37D633B846F1}">
-                  <asvg:svgBlip xmlns:asvg="http://schemas.microsoft.com/office/drawing/2016/SVG/main" r:embed="rId7"/>
-                </a:ext>
-              </a:extLst>
-            </a:blip>
-            <a:stretch>
-              <a:fillRect/>
-            </a:stretch>
-          </p:blipFill>
-          <p:spPr>
-            <a:xfrm>
-              <a:off x="7787352" y="2307838"/>
-              <a:ext cx="457200" cy="457200"/>
-            </a:xfrm>
-            <a:prstGeom prst="rect">
-              <a:avLst/>
-            </a:prstGeom>
-          </p:spPr>
-        </p:pic>
-      </p:grpSp>
-      <p:grpSp>
-        <p:nvGrpSpPr>
-          <p:cNvPr id="67" name="Group 66">
-            <a:extLst>
-              <a:ext uri="{FF2B5EF4-FFF2-40B4-BE49-F238E27FC236}">
-                <a16:creationId xmlns:a16="http://schemas.microsoft.com/office/drawing/2014/main" id="{1C8C8FAA-FD0F-4389-9A5A-CF21DC8B3BE0}"/>
-              </a:ext>
-            </a:extLst>
-          </p:cNvPr>
-          <p:cNvGrpSpPr/>
-          <p:nvPr/>
-        </p:nvGrpSpPr>
-        <p:grpSpPr>
-          <a:xfrm>
-            <a:off x="6212614" y="2721869"/>
-            <a:ext cx="1688068" cy="1328738"/>
-            <a:chOff x="6797994" y="2207418"/>
-            <a:chExt cx="1688068" cy="1328738"/>
-          </a:xfrm>
-        </p:grpSpPr>
-        <p:sp>
-          <p:nvSpPr>
-            <p:cNvPr id="68" name="Rectangle: Rounded Corners 67">
-              <a:extLst>
-                <a:ext uri="{FF2B5EF4-FFF2-40B4-BE49-F238E27FC236}">
-                  <a16:creationId xmlns:a16="http://schemas.microsoft.com/office/drawing/2014/main" id="{8F1608E5-F747-47E3-849E-64F4D3012E4E}"/>
-                </a:ext>
-              </a:extLst>
-            </p:cNvPr>
-            <p:cNvSpPr/>
-            <p:nvPr/>
-          </p:nvSpPr>
-          <p:spPr>
-            <a:xfrm>
-              <a:off x="6797994" y="2207418"/>
-              <a:ext cx="1688068" cy="1328738"/>
-            </a:xfrm>
-            <a:prstGeom prst="roundRect">
-              <a:avLst/>
-            </a:prstGeom>
-            <a:solidFill>
-              <a:schemeClr val="bg1"/>
-            </a:solidFill>
-            <a:ln w="28575">
-              <a:solidFill>
-                <a:schemeClr val="tx1"/>
-              </a:solidFill>
-            </a:ln>
-          </p:spPr>
-          <p:style>
-            <a:lnRef idx="2">
-              <a:schemeClr val="accent1">
-                <a:shade val="50000"/>
-              </a:schemeClr>
-            </a:lnRef>
-            <a:fillRef idx="1">
-              <a:schemeClr val="accent1"/>
-            </a:fillRef>
-            <a:effectRef idx="0">
-              <a:schemeClr val="accent1"/>
-            </a:effectRef>
-            <a:fontRef idx="minor">
-              <a:schemeClr val="lt1"/>
-            </a:fontRef>
-          </p:style>
-          <p:txBody>
-            <a:bodyPr rtlCol="0" anchor="ctr"/>
-            <a:lstStyle/>
-            <a:p>
-              <a:pPr algn="ctr"/>
-              <a:endParaRPr lang="en-US"/>
-            </a:p>
-          </p:txBody>
-        </p:sp>
-        <p:pic>
-          <p:nvPicPr>
-            <p:cNvPr id="69" name="Graphic 68">
-              <a:extLst>
-                <a:ext uri="{FF2B5EF4-FFF2-40B4-BE49-F238E27FC236}">
-                  <a16:creationId xmlns:a16="http://schemas.microsoft.com/office/drawing/2014/main" id="{3AA30F3B-A1F9-4D71-B46C-6564B09B92ED}"/>
-                </a:ext>
-              </a:extLst>
-            </p:cNvPr>
-            <p:cNvPicPr>
-              <a:picLocks noChangeAspect="1"/>
-            </p:cNvPicPr>
-            <p:nvPr/>
-          </p:nvPicPr>
-          <p:blipFill>
-            <a:blip r:embed="rId6">
-              <a:extLst>
-                <a:ext uri="{28A0092B-C50C-407E-A947-70E740481C1C}">
-                  <a14:useLocalDpi xmlns:a14="http://schemas.microsoft.com/office/drawing/2010/main" val="0"/>
-                </a:ext>
-                <a:ext uri="{96DAC541-7B7A-43D3-8B79-37D633B846F1}">
-                  <asvg:svgBlip xmlns:asvg="http://schemas.microsoft.com/office/drawing/2016/SVG/main" r:embed="rId7"/>
-                </a:ext>
-              </a:extLst>
-            </a:blip>
-            <a:stretch>
-              <a:fillRect/>
-            </a:stretch>
-          </p:blipFill>
-          <p:spPr>
-            <a:xfrm>
-              <a:off x="7787352" y="2307838"/>
-              <a:ext cx="457200" cy="457200"/>
-            </a:xfrm>
-            <a:prstGeom prst="rect">
-              <a:avLst/>
-            </a:prstGeom>
-          </p:spPr>
-        </p:pic>
-      </p:grpSp>
-      <p:grpSp>
-        <p:nvGrpSpPr>
-          <p:cNvPr id="58" name="Group 57">
-            <a:extLst>
-              <a:ext uri="{FF2B5EF4-FFF2-40B4-BE49-F238E27FC236}">
-                <a16:creationId xmlns:a16="http://schemas.microsoft.com/office/drawing/2014/main" id="{B379671F-4A7E-4A72-B4D5-714F3E345969}"/>
-              </a:ext>
-            </a:extLst>
-          </p:cNvPr>
-          <p:cNvGrpSpPr/>
-          <p:nvPr/>
-        </p:nvGrpSpPr>
-        <p:grpSpPr>
-          <a:xfrm>
-            <a:off x="7750244" y="430964"/>
+            <a:off x="7000296" y="366272"/>
             <a:ext cx="1381299" cy="1328738"/>
             <a:chOff x="6511290" y="4602956"/>
             <a:chExt cx="1381299" cy="1328738"/>
@@ -5790,156 +5360,6 @@
           </p:txBody>
         </p:sp>
       </p:grpSp>
-      <p:grpSp>
-        <p:nvGrpSpPr>
-          <p:cNvPr id="56" name="Group 55">
-            <a:extLst>
-              <a:ext uri="{FF2B5EF4-FFF2-40B4-BE49-F238E27FC236}">
-                <a16:creationId xmlns:a16="http://schemas.microsoft.com/office/drawing/2014/main" id="{8BCBDCD7-2B9C-42A2-925D-3CDE43BA3D96}"/>
-              </a:ext>
-            </a:extLst>
-          </p:cNvPr>
-          <p:cNvGrpSpPr/>
-          <p:nvPr/>
-        </p:nvGrpSpPr>
-        <p:grpSpPr>
-          <a:xfrm>
-            <a:off x="6060214" y="2569469"/>
-            <a:ext cx="1701411" cy="1354219"/>
-            <a:chOff x="6797994" y="2207418"/>
-            <a:chExt cx="1701411" cy="1354219"/>
-          </a:xfrm>
-        </p:grpSpPr>
-        <p:sp>
-          <p:nvSpPr>
-            <p:cNvPr id="48" name="Rectangle: Rounded Corners 47">
-              <a:extLst>
-                <a:ext uri="{FF2B5EF4-FFF2-40B4-BE49-F238E27FC236}">
-                  <a16:creationId xmlns:a16="http://schemas.microsoft.com/office/drawing/2014/main" id="{80E676D0-D463-46FF-AEB0-98E55F36713B}"/>
-                </a:ext>
-              </a:extLst>
-            </p:cNvPr>
-            <p:cNvSpPr/>
-            <p:nvPr/>
-          </p:nvSpPr>
-          <p:spPr>
-            <a:xfrm>
-              <a:off x="6797994" y="2207418"/>
-              <a:ext cx="1688068" cy="1328738"/>
-            </a:xfrm>
-            <a:prstGeom prst="roundRect">
-              <a:avLst/>
-            </a:prstGeom>
-            <a:solidFill>
-              <a:schemeClr val="bg1"/>
-            </a:solidFill>
-            <a:ln w="28575">
-              <a:solidFill>
-                <a:schemeClr val="tx1"/>
-              </a:solidFill>
-            </a:ln>
-          </p:spPr>
-          <p:style>
-            <a:lnRef idx="2">
-              <a:schemeClr val="accent1">
-                <a:shade val="50000"/>
-              </a:schemeClr>
-            </a:lnRef>
-            <a:fillRef idx="1">
-              <a:schemeClr val="accent1"/>
-            </a:fillRef>
-            <a:effectRef idx="0">
-              <a:schemeClr val="accent1"/>
-            </a:effectRef>
-            <a:fontRef idx="minor">
-              <a:schemeClr val="lt1"/>
-            </a:fontRef>
-          </p:style>
-          <p:txBody>
-            <a:bodyPr rtlCol="0" anchor="ctr"/>
-            <a:lstStyle/>
-            <a:p>
-              <a:pPr algn="ctr"/>
-              <a:endParaRPr lang="en-US"/>
-            </a:p>
-          </p:txBody>
-        </p:sp>
-        <p:pic>
-          <p:nvPicPr>
-            <p:cNvPr id="50" name="Graphic 49">
-              <a:extLst>
-                <a:ext uri="{FF2B5EF4-FFF2-40B4-BE49-F238E27FC236}">
-                  <a16:creationId xmlns:a16="http://schemas.microsoft.com/office/drawing/2014/main" id="{1C2C00E6-8854-4DE8-8A4F-EC178D359BDF}"/>
-                </a:ext>
-              </a:extLst>
-            </p:cNvPr>
-            <p:cNvPicPr>
-              <a:picLocks noChangeAspect="1"/>
-            </p:cNvPicPr>
-            <p:nvPr/>
-          </p:nvPicPr>
-          <p:blipFill>
-            <a:blip r:embed="rId6">
-              <a:extLst>
-                <a:ext uri="{28A0092B-C50C-407E-A947-70E740481C1C}">
-                  <a14:useLocalDpi xmlns:a14="http://schemas.microsoft.com/office/drawing/2010/main" val="0"/>
-                </a:ext>
-                <a:ext uri="{96DAC541-7B7A-43D3-8B79-37D633B846F1}">
-                  <asvg:svgBlip xmlns:asvg="http://schemas.microsoft.com/office/drawing/2016/SVG/main" r:embed="rId7"/>
-                </a:ext>
-              </a:extLst>
-            </a:blip>
-            <a:stretch>
-              <a:fillRect/>
-            </a:stretch>
-          </p:blipFill>
-          <p:spPr>
-            <a:xfrm>
-              <a:off x="7787352" y="2307838"/>
-              <a:ext cx="457200" cy="457200"/>
-            </a:xfrm>
-            <a:prstGeom prst="rect">
-              <a:avLst/>
-            </a:prstGeom>
-          </p:spPr>
-        </p:pic>
-        <p:sp>
-          <p:nvSpPr>
-            <p:cNvPr id="52" name="TextBox 51">
-              <a:extLst>
-                <a:ext uri="{FF2B5EF4-FFF2-40B4-BE49-F238E27FC236}">
-                  <a16:creationId xmlns:a16="http://schemas.microsoft.com/office/drawing/2014/main" id="{A6FE7A35-A89D-4D19-B7CD-BACBEE3F6618}"/>
-                </a:ext>
-              </a:extLst>
-            </p:cNvPr>
-            <p:cNvSpPr txBox="1"/>
-            <p:nvPr/>
-          </p:nvSpPr>
-          <p:spPr>
-            <a:xfrm>
-              <a:off x="6797994" y="3038417"/>
-              <a:ext cx="1701411" cy="523220"/>
-            </a:xfrm>
-            <a:prstGeom prst="rect">
-              <a:avLst/>
-            </a:prstGeom>
-            <a:noFill/>
-          </p:spPr>
-          <p:txBody>
-            <a:bodyPr wrap="square" rtlCol="0">
-              <a:spAutoFit/>
-            </a:bodyPr>
-            <a:lstStyle/>
-            <a:p>
-              <a:pPr algn="ctr"/>
-              <a:r>
-                <a:rPr lang="en-US" sz="1400" dirty="0"/>
-                <a:t>Telemetry Dispatcher</a:t>
-              </a:r>
-            </a:p>
-          </p:txBody>
-        </p:sp>
-      </p:grpSp>
       <p:cxnSp>
         <p:nvCxnSpPr>
           <p:cNvPr id="60" name="Straight Arrow Connector 59">
@@ -5952,14 +5372,14 @@
           <p:cNvCxnSpPr>
             <a:cxnSpLocks/>
             <a:stCxn id="20" idx="3"/>
-            <a:endCxn id="48" idx="1"/>
+            <a:endCxn id="78" idx="2"/>
           </p:cNvCxnSpPr>
           <p:nvPr/>
         </p:nvCxnSpPr>
         <p:spPr>
           <a:xfrm flipV="1">
-            <a:off x="5400267" y="3233838"/>
-            <a:ext cx="659947" cy="16772"/>
+            <a:off x="5400267" y="3248438"/>
+            <a:ext cx="928777" cy="2172"/>
           </a:xfrm>
           <a:prstGeom prst="straightConnector1">
             <a:avLst/>
@@ -5983,49 +5403,6 @@
           </a:fontRef>
         </p:style>
       </p:cxnSp>
-      <p:cxnSp>
-        <p:nvCxnSpPr>
-          <p:cNvPr id="64" name="Straight Arrow Connector 63">
-            <a:extLst>
-              <a:ext uri="{FF2B5EF4-FFF2-40B4-BE49-F238E27FC236}">
-                <a16:creationId xmlns:a16="http://schemas.microsoft.com/office/drawing/2014/main" id="{72E52F94-84D5-4C02-B49C-395E1C43E4BB}"/>
-              </a:ext>
-            </a:extLst>
-          </p:cNvPr>
-          <p:cNvCxnSpPr>
-            <a:cxnSpLocks/>
-            <a:stCxn id="68" idx="3"/>
-            <a:endCxn id="78" idx="2"/>
-          </p:cNvCxnSpPr>
-          <p:nvPr/>
-        </p:nvCxnSpPr>
-        <p:spPr>
-          <a:xfrm>
-            <a:off x="7900682" y="3386238"/>
-            <a:ext cx="762034" cy="5521"/>
-          </a:xfrm>
-          <a:prstGeom prst="straightConnector1">
-            <a:avLst/>
-          </a:prstGeom>
-          <a:ln w="38100">
-            <a:tailEnd type="triangle"/>
-          </a:ln>
-        </p:spPr>
-        <p:style>
-          <a:lnRef idx="1">
-            <a:schemeClr val="accent1"/>
-          </a:lnRef>
-          <a:fillRef idx="0">
-            <a:schemeClr val="accent1"/>
-          </a:fillRef>
-          <a:effectRef idx="0">
-            <a:schemeClr val="accent1"/>
-          </a:effectRef>
-          <a:fontRef idx="minor">
-            <a:schemeClr val="tx1"/>
-          </a:fontRef>
-        </p:style>
-      </p:cxnSp>
       <p:grpSp>
         <p:nvGrpSpPr>
           <p:cNvPr id="80" name="Group 79">
@@ -6040,7 +5417,7 @@
         </p:nvGrpSpPr>
         <p:grpSpPr>
           <a:xfrm>
-            <a:off x="8662716" y="3304673"/>
+            <a:off x="6329044" y="3161352"/>
             <a:ext cx="374469" cy="174171"/>
             <a:chOff x="6435634" y="5416731"/>
             <a:chExt cx="374469" cy="174171"/>
@@ -6152,7 +5529,7 @@
         </p:nvGrpSpPr>
         <p:grpSpPr>
           <a:xfrm rot="16200000">
-            <a:off x="9750298" y="4375802"/>
+            <a:off x="7416626" y="4232481"/>
             <a:ext cx="374469" cy="174171"/>
             <a:chOff x="6435634" y="5416731"/>
             <a:chExt cx="374469" cy="174171"/>
@@ -6264,7 +5641,7 @@
         </p:nvGrpSpPr>
         <p:grpSpPr>
           <a:xfrm>
-            <a:off x="9305966" y="5212949"/>
+            <a:off x="6972294" y="5069628"/>
             <a:ext cx="1263131" cy="1153044"/>
             <a:chOff x="8165944" y="5105379"/>
             <a:chExt cx="1263131" cy="1153044"/>
@@ -6418,7 +5795,7 @@
         </p:nvCxnSpPr>
         <p:spPr>
           <a:xfrm flipV="1">
-            <a:off x="9925394" y="4650122"/>
+            <a:off x="7591722" y="4506801"/>
             <a:ext cx="12139" cy="562827"/>
           </a:xfrm>
           <a:prstGeom prst="straightConnector1">
@@ -6456,14 +5833,14 @@
           <p:cNvCxnSpPr>
             <a:cxnSpLocks/>
             <a:stCxn id="22" idx="0"/>
-            <a:endCxn id="24" idx="3"/>
+            <a:endCxn id="24" idx="2"/>
           </p:cNvCxnSpPr>
           <p:nvPr/>
         </p:nvCxnSpPr>
         <p:spPr>
-          <a:xfrm flipH="1" flipV="1">
-            <a:off x="9121844" y="1095333"/>
-            <a:ext cx="872839" cy="1393960"/>
+          <a:xfrm flipV="1">
+            <a:off x="7661011" y="1695010"/>
+            <a:ext cx="25085" cy="650962"/>
           </a:xfrm>
           <a:prstGeom prst="straightConnector1">
             <a:avLst/>
@@ -6502,7 +5879,7 @@
         </p:nvSpPr>
         <p:spPr>
           <a:xfrm>
-            <a:off x="9349890" y="2669889"/>
+            <a:off x="7016218" y="2526568"/>
             <a:ext cx="228600" cy="182880"/>
           </a:xfrm>
           <a:prstGeom prst="hexagon">
@@ -6548,7 +5925,7 @@
         </p:nvSpPr>
         <p:spPr>
           <a:xfrm>
-            <a:off x="9502290" y="2950206"/>
+            <a:off x="7168618" y="2806885"/>
             <a:ext cx="228600" cy="182880"/>
           </a:xfrm>
           <a:prstGeom prst="hexagon">
@@ -6594,7 +5971,7 @@
         </p:nvSpPr>
         <p:spPr>
           <a:xfrm>
-            <a:off x="10294820" y="3309028"/>
+            <a:off x="7961148" y="3165707"/>
             <a:ext cx="228600" cy="182880"/>
           </a:xfrm>
           <a:prstGeom prst="hexagon">
@@ -6640,7 +6017,7 @@
         </p:nvSpPr>
         <p:spPr>
           <a:xfrm>
-            <a:off x="9948133" y="3116058"/>
+            <a:off x="7614461" y="2972737"/>
             <a:ext cx="228600" cy="182880"/>
           </a:xfrm>
           <a:prstGeom prst="hexagon">
@@ -6686,7 +6063,7 @@
         </p:nvSpPr>
         <p:spPr>
           <a:xfrm>
-            <a:off x="10036671" y="2768572"/>
+            <a:off x="7702999" y="2625251"/>
             <a:ext cx="228600" cy="182880"/>
           </a:xfrm>
           <a:prstGeom prst="hexagon">
@@ -6732,7 +6109,7 @@
         </p:nvSpPr>
         <p:spPr>
           <a:xfrm>
-            <a:off x="9925394" y="3519069"/>
+            <a:off x="7591722" y="3375748"/>
             <a:ext cx="228600" cy="182880"/>
           </a:xfrm>
           <a:prstGeom prst="hexagon">
@@ -6778,7 +6155,7 @@
         </p:nvSpPr>
         <p:spPr>
           <a:xfrm>
-            <a:off x="9546294" y="3519069"/>
+            <a:off x="7212622" y="3375748"/>
             <a:ext cx="228600" cy="182880"/>
           </a:xfrm>
           <a:prstGeom prst="hexagon">
@@ -6824,7 +6201,7 @@
         </p:nvSpPr>
         <p:spPr>
           <a:xfrm>
-            <a:off x="10454797" y="3673145"/>
+            <a:off x="8121125" y="3529824"/>
             <a:ext cx="228600" cy="182880"/>
           </a:xfrm>
           <a:prstGeom prst="hexagon">
@@ -6870,7 +6247,7 @@
         </p:nvSpPr>
         <p:spPr>
           <a:xfrm>
-            <a:off x="9197017" y="3367323"/>
+            <a:off x="6863345" y="3224002"/>
             <a:ext cx="228600" cy="182880"/>
           </a:xfrm>
           <a:prstGeom prst="hexagon">
@@ -6916,7 +6293,7 @@
         </p:nvSpPr>
         <p:spPr>
           <a:xfrm>
-            <a:off x="10409120" y="3067047"/>
+            <a:off x="8075448" y="2923726"/>
             <a:ext cx="228600" cy="182880"/>
           </a:xfrm>
           <a:prstGeom prst="hexagon">
@@ -6962,7 +6339,7 @@
         </p:nvSpPr>
         <p:spPr>
           <a:xfrm>
-            <a:off x="9722888" y="2658066"/>
+            <a:off x="7389216" y="2514745"/>
             <a:ext cx="228600" cy="182880"/>
           </a:xfrm>
           <a:prstGeom prst="hexagon">
@@ -7008,7 +6385,7 @@
         </p:nvSpPr>
         <p:spPr>
           <a:xfrm>
-            <a:off x="9572575" y="3249786"/>
+            <a:off x="7238903" y="3106465"/>
             <a:ext cx="228600" cy="182880"/>
           </a:xfrm>
           <a:prstGeom prst="hexagon">
@@ -7070,114 +6447,6 @@
           <a:chExt cx="0" cy="0"/>
         </a:xfrm>
       </p:grpSpPr>
-      <p:sp>
-        <p:nvSpPr>
-          <p:cNvPr id="4" name="Rectangle: Rounded Corners 3">
-            <a:extLst>
-              <a:ext uri="{FF2B5EF4-FFF2-40B4-BE49-F238E27FC236}">
-                <a16:creationId xmlns:a16="http://schemas.microsoft.com/office/drawing/2014/main" id="{DE4DF5EC-C0A1-4B48-A63D-E5C886E77762}"/>
-              </a:ext>
-            </a:extLst>
-          </p:cNvPr>
-          <p:cNvSpPr/>
-          <p:nvPr/>
-        </p:nvSpPr>
-        <p:spPr>
-          <a:xfrm>
-            <a:off x="3100286" y="2244831"/>
-            <a:ext cx="1688068" cy="1328738"/>
-          </a:xfrm>
-          <a:prstGeom prst="roundRect">
-            <a:avLst/>
-          </a:prstGeom>
-          <a:solidFill>
-            <a:schemeClr val="bg1"/>
-          </a:solidFill>
-          <a:ln w="28575">
-            <a:solidFill>
-              <a:schemeClr val="tx1"/>
-            </a:solidFill>
-          </a:ln>
-        </p:spPr>
-        <p:style>
-          <a:lnRef idx="2">
-            <a:schemeClr val="accent1">
-              <a:shade val="50000"/>
-            </a:schemeClr>
-          </a:lnRef>
-          <a:fillRef idx="1">
-            <a:schemeClr val="accent1"/>
-          </a:fillRef>
-          <a:effectRef idx="0">
-            <a:schemeClr val="accent1"/>
-          </a:effectRef>
-          <a:fontRef idx="minor">
-            <a:schemeClr val="lt1"/>
-          </a:fontRef>
-        </p:style>
-        <p:txBody>
-          <a:bodyPr rtlCol="0" anchor="ctr"/>
-          <a:lstStyle/>
-          <a:p>
-            <a:pPr algn="ctr"/>
-            <a:endParaRPr lang="en-US"/>
-          </a:p>
-        </p:txBody>
-      </p:sp>
-      <p:sp>
-        <p:nvSpPr>
-          <p:cNvPr id="5" name="Rectangle: Rounded Corners 4">
-            <a:extLst>
-              <a:ext uri="{FF2B5EF4-FFF2-40B4-BE49-F238E27FC236}">
-                <a16:creationId xmlns:a16="http://schemas.microsoft.com/office/drawing/2014/main" id="{DAC8CCEC-B807-4967-AADE-27905CCE9EDF}"/>
-              </a:ext>
-            </a:extLst>
-          </p:cNvPr>
-          <p:cNvSpPr/>
-          <p:nvPr/>
-        </p:nvSpPr>
-        <p:spPr>
-          <a:xfrm>
-            <a:off x="3034511" y="2159806"/>
-            <a:ext cx="1688068" cy="1328738"/>
-          </a:xfrm>
-          <a:prstGeom prst="roundRect">
-            <a:avLst/>
-          </a:prstGeom>
-          <a:solidFill>
-            <a:schemeClr val="bg1"/>
-          </a:solidFill>
-          <a:ln w="28575">
-            <a:solidFill>
-              <a:schemeClr val="tx1"/>
-            </a:solidFill>
-          </a:ln>
-        </p:spPr>
-        <p:style>
-          <a:lnRef idx="2">
-            <a:schemeClr val="accent1">
-              <a:shade val="50000"/>
-            </a:schemeClr>
-          </a:lnRef>
-          <a:fillRef idx="1">
-            <a:schemeClr val="accent1"/>
-          </a:fillRef>
-          <a:effectRef idx="0">
-            <a:schemeClr val="accent1"/>
-          </a:effectRef>
-          <a:fontRef idx="minor">
-            <a:schemeClr val="lt1"/>
-          </a:fontRef>
-        </p:style>
-        <p:txBody>
-          <a:bodyPr rtlCol="0" anchor="ctr"/>
-          <a:lstStyle/>
-          <a:p>
-            <a:pPr algn="ctr"/>
-            <a:endParaRPr lang="en-US"/>
-          </a:p>
-        </p:txBody>
-      </p:sp>
       <p:grpSp>
         <p:nvGrpSpPr>
           <p:cNvPr id="7" name="Group 6">
@@ -7192,7 +6461,7 @@
         </p:nvGrpSpPr>
         <p:grpSpPr>
           <a:xfrm>
-            <a:off x="1417918" y="2242447"/>
+            <a:off x="3079078" y="2242447"/>
             <a:ext cx="1069269" cy="1028702"/>
             <a:chOff x="4357123" y="1750218"/>
             <a:chExt cx="1069269" cy="1028702"/>
@@ -7343,14 +6612,14 @@
           <p:cNvCxnSpPr>
             <a:cxnSpLocks/>
             <a:stCxn id="8" idx="3"/>
-            <a:endCxn id="29" idx="1"/>
+            <a:endCxn id="16" idx="2"/>
           </p:cNvCxnSpPr>
           <p:nvPr/>
         </p:nvCxnSpPr>
         <p:spPr>
           <a:xfrm>
-            <a:off x="2487187" y="2726759"/>
-            <a:ext cx="481549" cy="12391"/>
+            <a:off x="4148347" y="2726759"/>
+            <a:ext cx="1037779" cy="12391"/>
           </a:xfrm>
           <a:prstGeom prst="straightConnector1">
             <a:avLst/>
@@ -7903,223 +7172,6 @@
           </a:fontRef>
         </p:style>
       </p:cxnSp>
-      <p:cxnSp>
-        <p:nvCxnSpPr>
-          <p:cNvPr id="25" name="Straight Arrow Connector 24">
-            <a:extLst>
-              <a:ext uri="{FF2B5EF4-FFF2-40B4-BE49-F238E27FC236}">
-                <a16:creationId xmlns:a16="http://schemas.microsoft.com/office/drawing/2014/main" id="{049E85A1-963B-4EE3-B027-6E049811CEAB}"/>
-              </a:ext>
-            </a:extLst>
-          </p:cNvPr>
-          <p:cNvCxnSpPr>
-            <a:cxnSpLocks/>
-            <a:stCxn id="29" idx="3"/>
-            <a:endCxn id="16" idx="2"/>
-          </p:cNvCxnSpPr>
-          <p:nvPr/>
-        </p:nvCxnSpPr>
-        <p:spPr>
-          <a:xfrm>
-            <a:off x="4656804" y="2739150"/>
-            <a:ext cx="529322" cy="0"/>
-          </a:xfrm>
-          <a:prstGeom prst="straightConnector1">
-            <a:avLst/>
-          </a:prstGeom>
-          <a:ln w="38100">
-            <a:tailEnd type="triangle"/>
-          </a:ln>
-        </p:spPr>
-        <p:style>
-          <a:lnRef idx="1">
-            <a:schemeClr val="accent1"/>
-          </a:lnRef>
-          <a:fillRef idx="0">
-            <a:schemeClr val="accent1"/>
-          </a:fillRef>
-          <a:effectRef idx="0">
-            <a:schemeClr val="accent1"/>
-          </a:effectRef>
-          <a:fontRef idx="minor">
-            <a:schemeClr val="tx1"/>
-          </a:fontRef>
-        </p:style>
-      </p:cxnSp>
-      <p:grpSp>
-        <p:nvGrpSpPr>
-          <p:cNvPr id="26" name="Group 25">
-            <a:extLst>
-              <a:ext uri="{FF2B5EF4-FFF2-40B4-BE49-F238E27FC236}">
-                <a16:creationId xmlns:a16="http://schemas.microsoft.com/office/drawing/2014/main" id="{B58492AB-3E1A-4786-B8AD-0C683CAD8D29}"/>
-              </a:ext>
-            </a:extLst>
-          </p:cNvPr>
-          <p:cNvGrpSpPr/>
-          <p:nvPr/>
-        </p:nvGrpSpPr>
-        <p:grpSpPr>
-          <a:xfrm>
-            <a:off x="2968736" y="2074781"/>
-            <a:ext cx="1701411" cy="1354219"/>
-            <a:chOff x="2511536" y="2074781"/>
-            <a:chExt cx="1701411" cy="1354219"/>
-          </a:xfrm>
-        </p:grpSpPr>
-        <p:grpSp>
-          <p:nvGrpSpPr>
-            <p:cNvPr id="27" name="Group 26">
-              <a:extLst>
-                <a:ext uri="{FF2B5EF4-FFF2-40B4-BE49-F238E27FC236}">
-                  <a16:creationId xmlns:a16="http://schemas.microsoft.com/office/drawing/2014/main" id="{999012D3-AA56-4185-A0DF-59521A1D6CBD}"/>
-                </a:ext>
-              </a:extLst>
-            </p:cNvPr>
-            <p:cNvGrpSpPr/>
-            <p:nvPr/>
-          </p:nvGrpSpPr>
-          <p:grpSpPr>
-            <a:xfrm>
-              <a:off x="2511536" y="2074781"/>
-              <a:ext cx="1701411" cy="1354219"/>
-              <a:chOff x="6797994" y="2207418"/>
-              <a:chExt cx="1701411" cy="1354219"/>
-            </a:xfrm>
-          </p:grpSpPr>
-          <p:sp>
-            <p:nvSpPr>
-              <p:cNvPr id="29" name="Rectangle: Rounded Corners 28">
-                <a:extLst>
-                  <a:ext uri="{FF2B5EF4-FFF2-40B4-BE49-F238E27FC236}">
-                    <a16:creationId xmlns:a16="http://schemas.microsoft.com/office/drawing/2014/main" id="{45FE476B-0E6D-4B9E-B78B-FD7BD11B6FF2}"/>
-                  </a:ext>
-                </a:extLst>
-              </p:cNvPr>
-              <p:cNvSpPr/>
-              <p:nvPr/>
-            </p:nvSpPr>
-            <p:spPr>
-              <a:xfrm>
-                <a:off x="6797994" y="2207418"/>
-                <a:ext cx="1688068" cy="1328738"/>
-              </a:xfrm>
-              <a:prstGeom prst="roundRect">
-                <a:avLst/>
-              </a:prstGeom>
-              <a:solidFill>
-                <a:schemeClr val="bg1"/>
-              </a:solidFill>
-              <a:ln w="28575">
-                <a:solidFill>
-                  <a:schemeClr val="tx1"/>
-                </a:solidFill>
-              </a:ln>
-            </p:spPr>
-            <p:style>
-              <a:lnRef idx="2">
-                <a:schemeClr val="accent1">
-                  <a:shade val="50000"/>
-                </a:schemeClr>
-              </a:lnRef>
-              <a:fillRef idx="1">
-                <a:schemeClr val="accent1"/>
-              </a:fillRef>
-              <a:effectRef idx="0">
-                <a:schemeClr val="accent1"/>
-              </a:effectRef>
-              <a:fontRef idx="minor">
-                <a:schemeClr val="lt1"/>
-              </a:fontRef>
-            </p:style>
-            <p:txBody>
-              <a:bodyPr rtlCol="0" anchor="ctr"/>
-              <a:lstStyle/>
-              <a:p>
-                <a:pPr algn="ctr"/>
-                <a:endParaRPr lang="en-US"/>
-              </a:p>
-            </p:txBody>
-          </p:sp>
-          <p:sp>
-            <p:nvSpPr>
-              <p:cNvPr id="30" name="TextBox 29">
-                <a:extLst>
-                  <a:ext uri="{FF2B5EF4-FFF2-40B4-BE49-F238E27FC236}">
-                    <a16:creationId xmlns:a16="http://schemas.microsoft.com/office/drawing/2014/main" id="{E6978D08-CD09-4D65-AEA8-85DF3CDDF6F9}"/>
-                  </a:ext>
-                </a:extLst>
-              </p:cNvPr>
-              <p:cNvSpPr txBox="1"/>
-              <p:nvPr/>
-            </p:nvSpPr>
-            <p:spPr>
-              <a:xfrm>
-                <a:off x="6797994" y="3038417"/>
-                <a:ext cx="1701411" cy="523220"/>
-              </a:xfrm>
-              <a:prstGeom prst="rect">
-                <a:avLst/>
-              </a:prstGeom>
-              <a:noFill/>
-            </p:spPr>
-            <p:txBody>
-              <a:bodyPr wrap="square" rtlCol="0">
-                <a:spAutoFit/>
-              </a:bodyPr>
-              <a:lstStyle/>
-              <a:p>
-                <a:pPr algn="ctr"/>
-                <a:r>
-                  <a:rPr lang="en-US" sz="1400" dirty="0">
-                    <a:latin typeface="Myanmar Text" panose="020B0502040204020203" pitchFamily="34" charset="0"/>
-                    <a:cs typeface="Myanmar Text" panose="020B0502040204020203" pitchFamily="34" charset="0"/>
-                  </a:rPr>
-                  <a:t>Telemetry Dispatcher</a:t>
-                </a:r>
-              </a:p>
-            </p:txBody>
-          </p:sp>
-        </p:grpSp>
-        <p:pic>
-          <p:nvPicPr>
-            <p:cNvPr id="28" name="Graphic 27">
-              <a:extLst>
-                <a:ext uri="{FF2B5EF4-FFF2-40B4-BE49-F238E27FC236}">
-                  <a16:creationId xmlns:a16="http://schemas.microsoft.com/office/drawing/2014/main" id="{6C9677BE-2569-41CD-A5CD-DCF8DAB65A68}"/>
-                </a:ext>
-              </a:extLst>
-            </p:cNvPr>
-            <p:cNvPicPr>
-              <a:picLocks noChangeAspect="1"/>
-            </p:cNvPicPr>
-            <p:nvPr/>
-          </p:nvPicPr>
-          <p:blipFill>
-            <a:blip r:embed="rId6">
-              <a:extLst>
-                <a:ext uri="{28A0092B-C50C-407E-A947-70E740481C1C}">
-                  <a14:useLocalDpi xmlns:a14="http://schemas.microsoft.com/office/drawing/2010/main" val="0"/>
-                </a:ext>
-                <a:ext uri="{96DAC541-7B7A-43D3-8B79-37D633B846F1}">
-                  <asvg:svgBlip xmlns:asvg="http://schemas.microsoft.com/office/drawing/2016/SVG/main" r:embed="rId7"/>
-                </a:ext>
-              </a:extLst>
-            </a:blip>
-            <a:stretch>
-              <a:fillRect/>
-            </a:stretch>
-          </p:blipFill>
-          <p:spPr>
-            <a:xfrm>
-              <a:off x="3625767" y="2186675"/>
-              <a:ext cx="457200" cy="457200"/>
-            </a:xfrm>
-            <a:prstGeom prst="rect">
-              <a:avLst/>
-            </a:prstGeom>
-          </p:spPr>
-        </p:pic>
-      </p:grpSp>
       <p:pic>
         <p:nvPicPr>
           <p:cNvPr id="31" name="Graphic 30">
@@ -8135,13 +7187,13 @@
           <p:nvPr/>
         </p:nvPicPr>
         <p:blipFill>
-          <a:blip r:embed="rId8">
+          <a:blip r:embed="rId6">
             <a:extLst>
               <a:ext uri="{28A0092B-C50C-407E-A947-70E740481C1C}">
                 <a14:useLocalDpi xmlns:a14="http://schemas.microsoft.com/office/drawing/2010/main" val="0"/>
               </a:ext>
               <a:ext uri="{96DAC541-7B7A-43D3-8B79-37D633B846F1}">
-                <asvg:svgBlip xmlns:asvg="http://schemas.microsoft.com/office/drawing/2016/SVG/main" r:embed="rId9"/>
+                <asvg:svgBlip xmlns:asvg="http://schemas.microsoft.com/office/drawing/2016/SVG/main" r:embed="rId7"/>
               </a:ext>
             </a:extLst>
           </a:blip>
@@ -8174,13 +7226,13 @@
           <p:nvPr/>
         </p:nvPicPr>
         <p:blipFill>
-          <a:blip r:embed="rId8">
+          <a:blip r:embed="rId6">
             <a:extLst>
               <a:ext uri="{28A0092B-C50C-407E-A947-70E740481C1C}">
                 <a14:useLocalDpi xmlns:a14="http://schemas.microsoft.com/office/drawing/2010/main" val="0"/>
               </a:ext>
               <a:ext uri="{96DAC541-7B7A-43D3-8B79-37D633B846F1}">
-                <asvg:svgBlip xmlns:asvg="http://schemas.microsoft.com/office/drawing/2016/SVG/main" r:embed="rId9"/>
+                <asvg:svgBlip xmlns:asvg="http://schemas.microsoft.com/office/drawing/2016/SVG/main" r:embed="rId7"/>
               </a:ext>
             </a:extLst>
           </a:blip>
@@ -8267,13 +7319,13 @@
           <p:nvPr/>
         </p:nvPicPr>
         <p:blipFill>
-          <a:blip r:embed="rId8">
+          <a:blip r:embed="rId6">
             <a:extLst>
               <a:ext uri="{28A0092B-C50C-407E-A947-70E740481C1C}">
                 <a14:useLocalDpi xmlns:a14="http://schemas.microsoft.com/office/drawing/2010/main" val="0"/>
               </a:ext>
               <a:ext uri="{96DAC541-7B7A-43D3-8B79-37D633B846F1}">
-                <asvg:svgBlip xmlns:asvg="http://schemas.microsoft.com/office/drawing/2016/SVG/main" r:embed="rId9"/>
+                <asvg:svgBlip xmlns:asvg="http://schemas.microsoft.com/office/drawing/2016/SVG/main" r:embed="rId7"/>
               </a:ext>
             </a:extLst>
           </a:blip>
@@ -8326,13 +7378,13 @@
             <p:nvPr/>
           </p:nvPicPr>
           <p:blipFill>
-            <a:blip r:embed="rId10">
+            <a:blip r:embed="rId8">
               <a:extLst>
                 <a:ext uri="{28A0092B-C50C-407E-A947-70E740481C1C}">
                   <a14:useLocalDpi xmlns:a14="http://schemas.microsoft.com/office/drawing/2010/main" val="0"/>
                 </a:ext>
                 <a:ext uri="{96DAC541-7B7A-43D3-8B79-37D633B846F1}">
-                  <asvg:svgBlip xmlns:asvg="http://schemas.microsoft.com/office/drawing/2016/SVG/main" r:embed="rId11"/>
+                  <asvg:svgBlip xmlns:asvg="http://schemas.microsoft.com/office/drawing/2016/SVG/main" r:embed="rId9"/>
                 </a:ext>
               </a:extLst>
             </a:blip>
@@ -8365,13 +7417,13 @@
             <p:nvPr/>
           </p:nvPicPr>
           <p:blipFill>
-            <a:blip r:embed="rId8">
+            <a:blip r:embed="rId6">
               <a:extLst>
                 <a:ext uri="{28A0092B-C50C-407E-A947-70E740481C1C}">
                   <a14:useLocalDpi xmlns:a14="http://schemas.microsoft.com/office/drawing/2010/main" val="0"/>
                 </a:ext>
                 <a:ext uri="{96DAC541-7B7A-43D3-8B79-37D633B846F1}">
-                  <asvg:svgBlip xmlns:asvg="http://schemas.microsoft.com/office/drawing/2016/SVG/main" r:embed="rId9"/>
+                  <asvg:svgBlip xmlns:asvg="http://schemas.microsoft.com/office/drawing/2016/SVG/main" r:embed="rId7"/>
                 </a:ext>
               </a:extLst>
             </a:blip>
@@ -8425,13 +7477,13 @@
             <p:nvPr/>
           </p:nvPicPr>
           <p:blipFill>
-            <a:blip r:embed="rId10">
+            <a:blip r:embed="rId8">
               <a:extLst>
                 <a:ext uri="{28A0092B-C50C-407E-A947-70E740481C1C}">
                   <a14:useLocalDpi xmlns:a14="http://schemas.microsoft.com/office/drawing/2010/main" val="0"/>
                 </a:ext>
                 <a:ext uri="{96DAC541-7B7A-43D3-8B79-37D633B846F1}">
-                  <asvg:svgBlip xmlns:asvg="http://schemas.microsoft.com/office/drawing/2016/SVG/main" r:embed="rId11"/>
+                  <asvg:svgBlip xmlns:asvg="http://schemas.microsoft.com/office/drawing/2016/SVG/main" r:embed="rId9"/>
                 </a:ext>
               </a:extLst>
             </a:blip>
@@ -8464,13 +7516,13 @@
             <p:nvPr/>
           </p:nvPicPr>
           <p:blipFill>
-            <a:blip r:embed="rId8">
+            <a:blip r:embed="rId6">
               <a:extLst>
                 <a:ext uri="{28A0092B-C50C-407E-A947-70E740481C1C}">
                   <a14:useLocalDpi xmlns:a14="http://schemas.microsoft.com/office/drawing/2010/main" val="0"/>
                 </a:ext>
                 <a:ext uri="{96DAC541-7B7A-43D3-8B79-37D633B846F1}">
-                  <asvg:svgBlip xmlns:asvg="http://schemas.microsoft.com/office/drawing/2016/SVG/main" r:embed="rId9"/>
+                  <asvg:svgBlip xmlns:asvg="http://schemas.microsoft.com/office/drawing/2016/SVG/main" r:embed="rId7"/>
                 </a:ext>
               </a:extLst>
             </a:blip>
@@ -8524,13 +7576,13 @@
             <p:nvPr/>
           </p:nvPicPr>
           <p:blipFill>
-            <a:blip r:embed="rId10">
+            <a:blip r:embed="rId8">
               <a:extLst>
                 <a:ext uri="{28A0092B-C50C-407E-A947-70E740481C1C}">
                   <a14:useLocalDpi xmlns:a14="http://schemas.microsoft.com/office/drawing/2010/main" val="0"/>
                 </a:ext>
                 <a:ext uri="{96DAC541-7B7A-43D3-8B79-37D633B846F1}">
-                  <asvg:svgBlip xmlns:asvg="http://schemas.microsoft.com/office/drawing/2016/SVG/main" r:embed="rId11"/>
+                  <asvg:svgBlip xmlns:asvg="http://schemas.microsoft.com/office/drawing/2016/SVG/main" r:embed="rId9"/>
                 </a:ext>
               </a:extLst>
             </a:blip>
@@ -8563,13 +7615,13 @@
             <p:nvPr/>
           </p:nvPicPr>
           <p:blipFill>
-            <a:blip r:embed="rId8">
+            <a:blip r:embed="rId6">
               <a:extLst>
                 <a:ext uri="{28A0092B-C50C-407E-A947-70E740481C1C}">
                   <a14:useLocalDpi xmlns:a14="http://schemas.microsoft.com/office/drawing/2010/main" val="0"/>
                 </a:ext>
                 <a:ext uri="{96DAC541-7B7A-43D3-8B79-37D633B846F1}">
-                  <asvg:svgBlip xmlns:asvg="http://schemas.microsoft.com/office/drawing/2016/SVG/main" r:embed="rId9"/>
+                  <asvg:svgBlip xmlns:asvg="http://schemas.microsoft.com/office/drawing/2016/SVG/main" r:embed="rId7"/>
                 </a:ext>
               </a:extLst>
             </a:blip>
@@ -8623,13 +7675,13 @@
             <p:nvPr/>
           </p:nvPicPr>
           <p:blipFill>
-            <a:blip r:embed="rId10">
+            <a:blip r:embed="rId8">
               <a:extLst>
                 <a:ext uri="{28A0092B-C50C-407E-A947-70E740481C1C}">
                   <a14:useLocalDpi xmlns:a14="http://schemas.microsoft.com/office/drawing/2010/main" val="0"/>
                 </a:ext>
                 <a:ext uri="{96DAC541-7B7A-43D3-8B79-37D633B846F1}">
-                  <asvg:svgBlip xmlns:asvg="http://schemas.microsoft.com/office/drawing/2016/SVG/main" r:embed="rId11"/>
+                  <asvg:svgBlip xmlns:asvg="http://schemas.microsoft.com/office/drawing/2016/SVG/main" r:embed="rId9"/>
                 </a:ext>
               </a:extLst>
             </a:blip>
@@ -8662,13 +7714,13 @@
             <p:nvPr/>
           </p:nvPicPr>
           <p:blipFill>
-            <a:blip r:embed="rId8">
+            <a:blip r:embed="rId6">
               <a:extLst>
                 <a:ext uri="{28A0092B-C50C-407E-A947-70E740481C1C}">
                   <a14:useLocalDpi xmlns:a14="http://schemas.microsoft.com/office/drawing/2010/main" val="0"/>
                 </a:ext>
                 <a:ext uri="{96DAC541-7B7A-43D3-8B79-37D633B846F1}">
-                  <asvg:svgBlip xmlns:asvg="http://schemas.microsoft.com/office/drawing/2016/SVG/main" r:embed="rId9"/>
+                  <asvg:svgBlip xmlns:asvg="http://schemas.microsoft.com/office/drawing/2016/SVG/main" r:embed="rId7"/>
                 </a:ext>
               </a:extLst>
             </a:blip>
@@ -8722,13 +7774,13 @@
             <p:nvPr/>
           </p:nvPicPr>
           <p:blipFill>
-            <a:blip r:embed="rId10">
+            <a:blip r:embed="rId8">
               <a:extLst>
                 <a:ext uri="{28A0092B-C50C-407E-A947-70E740481C1C}">
                   <a14:useLocalDpi xmlns:a14="http://schemas.microsoft.com/office/drawing/2010/main" val="0"/>
                 </a:ext>
                 <a:ext uri="{96DAC541-7B7A-43D3-8B79-37D633B846F1}">
-                  <asvg:svgBlip xmlns:asvg="http://schemas.microsoft.com/office/drawing/2016/SVG/main" r:embed="rId11"/>
+                  <asvg:svgBlip xmlns:asvg="http://schemas.microsoft.com/office/drawing/2016/SVG/main" r:embed="rId9"/>
                 </a:ext>
               </a:extLst>
             </a:blip>
@@ -8761,13 +7813,13 @@
             <p:nvPr/>
           </p:nvPicPr>
           <p:blipFill>
-            <a:blip r:embed="rId8">
+            <a:blip r:embed="rId6">
               <a:extLst>
                 <a:ext uri="{28A0092B-C50C-407E-A947-70E740481C1C}">
                   <a14:useLocalDpi xmlns:a14="http://schemas.microsoft.com/office/drawing/2010/main" val="0"/>
                 </a:ext>
                 <a:ext uri="{96DAC541-7B7A-43D3-8B79-37D633B846F1}">
-                  <asvg:svgBlip xmlns:asvg="http://schemas.microsoft.com/office/drawing/2016/SVG/main" r:embed="rId9"/>
+                  <asvg:svgBlip xmlns:asvg="http://schemas.microsoft.com/office/drawing/2016/SVG/main" r:embed="rId7"/>
                 </a:ext>
               </a:extLst>
             </a:blip>
@@ -8821,13 +7873,13 @@
             <p:nvPr/>
           </p:nvPicPr>
           <p:blipFill>
-            <a:blip r:embed="rId10">
+            <a:blip r:embed="rId8">
               <a:extLst>
                 <a:ext uri="{28A0092B-C50C-407E-A947-70E740481C1C}">
                   <a14:useLocalDpi xmlns:a14="http://schemas.microsoft.com/office/drawing/2010/main" val="0"/>
                 </a:ext>
                 <a:ext uri="{96DAC541-7B7A-43D3-8B79-37D633B846F1}">
-                  <asvg:svgBlip xmlns:asvg="http://schemas.microsoft.com/office/drawing/2016/SVG/main" r:embed="rId11"/>
+                  <asvg:svgBlip xmlns:asvg="http://schemas.microsoft.com/office/drawing/2016/SVG/main" r:embed="rId9"/>
                 </a:ext>
               </a:extLst>
             </a:blip>
@@ -8860,13 +7912,13 @@
             <p:nvPr/>
           </p:nvPicPr>
           <p:blipFill>
-            <a:blip r:embed="rId8">
+            <a:blip r:embed="rId6">
               <a:extLst>
                 <a:ext uri="{28A0092B-C50C-407E-A947-70E740481C1C}">
                   <a14:useLocalDpi xmlns:a14="http://schemas.microsoft.com/office/drawing/2010/main" val="0"/>
                 </a:ext>
                 <a:ext uri="{96DAC541-7B7A-43D3-8B79-37D633B846F1}">
-                  <asvg:svgBlip xmlns:asvg="http://schemas.microsoft.com/office/drawing/2016/SVG/main" r:embed="rId9"/>
+                  <asvg:svgBlip xmlns:asvg="http://schemas.microsoft.com/office/drawing/2016/SVG/main" r:embed="rId7"/>
                 </a:ext>
               </a:extLst>
             </a:blip>
@@ -8920,13 +7972,13 @@
             <p:nvPr/>
           </p:nvPicPr>
           <p:blipFill>
-            <a:blip r:embed="rId10">
+            <a:blip r:embed="rId8">
               <a:extLst>
                 <a:ext uri="{28A0092B-C50C-407E-A947-70E740481C1C}">
                   <a14:useLocalDpi xmlns:a14="http://schemas.microsoft.com/office/drawing/2010/main" val="0"/>
                 </a:ext>
                 <a:ext uri="{96DAC541-7B7A-43D3-8B79-37D633B846F1}">
-                  <asvg:svgBlip xmlns:asvg="http://schemas.microsoft.com/office/drawing/2016/SVG/main" r:embed="rId11"/>
+                  <asvg:svgBlip xmlns:asvg="http://schemas.microsoft.com/office/drawing/2016/SVG/main" r:embed="rId9"/>
                 </a:ext>
               </a:extLst>
             </a:blip>
@@ -8959,13 +8011,13 @@
             <p:nvPr/>
           </p:nvPicPr>
           <p:blipFill>
-            <a:blip r:embed="rId8">
+            <a:blip r:embed="rId6">
               <a:extLst>
                 <a:ext uri="{28A0092B-C50C-407E-A947-70E740481C1C}">
                   <a14:useLocalDpi xmlns:a14="http://schemas.microsoft.com/office/drawing/2010/main" val="0"/>
                 </a:ext>
                 <a:ext uri="{96DAC541-7B7A-43D3-8B79-37D633B846F1}">
-                  <asvg:svgBlip xmlns:asvg="http://schemas.microsoft.com/office/drawing/2016/SVG/main" r:embed="rId9"/>
+                  <asvg:svgBlip xmlns:asvg="http://schemas.microsoft.com/office/drawing/2016/SVG/main" r:embed="rId7"/>
                 </a:ext>
               </a:extLst>
             </a:blip>
@@ -9019,13 +8071,13 @@
             <p:nvPr/>
           </p:nvPicPr>
           <p:blipFill>
-            <a:blip r:embed="rId10">
+            <a:blip r:embed="rId8">
               <a:extLst>
                 <a:ext uri="{28A0092B-C50C-407E-A947-70E740481C1C}">
                   <a14:useLocalDpi xmlns:a14="http://schemas.microsoft.com/office/drawing/2010/main" val="0"/>
                 </a:ext>
                 <a:ext uri="{96DAC541-7B7A-43D3-8B79-37D633B846F1}">
-                  <asvg:svgBlip xmlns:asvg="http://schemas.microsoft.com/office/drawing/2016/SVG/main" r:embed="rId11"/>
+                  <asvg:svgBlip xmlns:asvg="http://schemas.microsoft.com/office/drawing/2016/SVG/main" r:embed="rId9"/>
                 </a:ext>
               </a:extLst>
             </a:blip>
@@ -9058,13 +8110,13 @@
             <p:nvPr/>
           </p:nvPicPr>
           <p:blipFill>
-            <a:blip r:embed="rId8">
+            <a:blip r:embed="rId6">
               <a:extLst>
                 <a:ext uri="{28A0092B-C50C-407E-A947-70E740481C1C}">
                   <a14:useLocalDpi xmlns:a14="http://schemas.microsoft.com/office/drawing/2010/main" val="0"/>
                 </a:ext>
                 <a:ext uri="{96DAC541-7B7A-43D3-8B79-37D633B846F1}">
-                  <asvg:svgBlip xmlns:asvg="http://schemas.microsoft.com/office/drawing/2016/SVG/main" r:embed="rId9"/>
+                  <asvg:svgBlip xmlns:asvg="http://schemas.microsoft.com/office/drawing/2016/SVG/main" r:embed="rId7"/>
                 </a:ext>
               </a:extLst>
             </a:blip>
@@ -9118,13 +8170,13 @@
             <p:nvPr/>
           </p:nvPicPr>
           <p:blipFill>
-            <a:blip r:embed="rId10">
+            <a:blip r:embed="rId8">
               <a:extLst>
                 <a:ext uri="{28A0092B-C50C-407E-A947-70E740481C1C}">
                   <a14:useLocalDpi xmlns:a14="http://schemas.microsoft.com/office/drawing/2010/main" val="0"/>
                 </a:ext>
                 <a:ext uri="{96DAC541-7B7A-43D3-8B79-37D633B846F1}">
-                  <asvg:svgBlip xmlns:asvg="http://schemas.microsoft.com/office/drawing/2016/SVG/main" r:embed="rId11"/>
+                  <asvg:svgBlip xmlns:asvg="http://schemas.microsoft.com/office/drawing/2016/SVG/main" r:embed="rId9"/>
                 </a:ext>
               </a:extLst>
             </a:blip>
@@ -9157,13 +8209,13 @@
             <p:nvPr/>
           </p:nvPicPr>
           <p:blipFill>
-            <a:blip r:embed="rId8">
+            <a:blip r:embed="rId6">
               <a:extLst>
                 <a:ext uri="{28A0092B-C50C-407E-A947-70E740481C1C}">
                   <a14:useLocalDpi xmlns:a14="http://schemas.microsoft.com/office/drawing/2010/main" val="0"/>
                 </a:ext>
                 <a:ext uri="{96DAC541-7B7A-43D3-8B79-37D633B846F1}">
-                  <asvg:svgBlip xmlns:asvg="http://schemas.microsoft.com/office/drawing/2016/SVG/main" r:embed="rId9"/>
+                  <asvg:svgBlip xmlns:asvg="http://schemas.microsoft.com/office/drawing/2016/SVG/main" r:embed="rId7"/>
                 </a:ext>
               </a:extLst>
             </a:blip>
@@ -9271,13 +8323,13 @@
             <p:nvPr/>
           </p:nvPicPr>
           <p:blipFill>
-            <a:blip r:embed="rId12">
+            <a:blip r:embed="rId10">
               <a:extLst>
                 <a:ext uri="{28A0092B-C50C-407E-A947-70E740481C1C}">
                   <a14:useLocalDpi xmlns:a14="http://schemas.microsoft.com/office/drawing/2010/main" val="0"/>
                 </a:ext>
                 <a:ext uri="{96DAC541-7B7A-43D3-8B79-37D633B846F1}">
-                  <asvg:svgBlip xmlns:asvg="http://schemas.microsoft.com/office/drawing/2016/SVG/main" r:embed="rId13"/>
+                  <asvg:svgBlip xmlns:asvg="http://schemas.microsoft.com/office/drawing/2016/SVG/main" r:embed="rId11"/>
                 </a:ext>
               </a:extLst>
             </a:blip>
@@ -9310,13 +8362,13 @@
             <p:nvPr/>
           </p:nvPicPr>
           <p:blipFill>
-            <a:blip r:embed="rId8">
+            <a:blip r:embed="rId6">
               <a:extLst>
                 <a:ext uri="{28A0092B-C50C-407E-A947-70E740481C1C}">
                   <a14:useLocalDpi xmlns:a14="http://schemas.microsoft.com/office/drawing/2010/main" val="0"/>
                 </a:ext>
                 <a:ext uri="{96DAC541-7B7A-43D3-8B79-37D633B846F1}">
-                  <asvg:svgBlip xmlns:asvg="http://schemas.microsoft.com/office/drawing/2016/SVG/main" r:embed="rId9"/>
+                  <asvg:svgBlip xmlns:asvg="http://schemas.microsoft.com/office/drawing/2016/SVG/main" r:embed="rId7"/>
                 </a:ext>
               </a:extLst>
             </a:blip>
@@ -9350,13 +8402,13 @@
           <p:nvPr/>
         </p:nvPicPr>
         <p:blipFill>
-          <a:blip r:embed="rId8">
+          <a:blip r:embed="rId6">
             <a:extLst>
               <a:ext uri="{28A0092B-C50C-407E-A947-70E740481C1C}">
                 <a14:useLocalDpi xmlns:a14="http://schemas.microsoft.com/office/drawing/2010/main" val="0"/>
               </a:ext>
               <a:ext uri="{96DAC541-7B7A-43D3-8B79-37D633B846F1}">
-                <asvg:svgBlip xmlns:asvg="http://schemas.microsoft.com/office/drawing/2016/SVG/main" r:embed="rId9"/>
+                <asvg:svgBlip xmlns:asvg="http://schemas.microsoft.com/office/drawing/2016/SVG/main" r:embed="rId7"/>
               </a:ext>
             </a:extLst>
           </a:blip>
@@ -9389,13 +8441,13 @@
           <p:nvPr/>
         </p:nvPicPr>
         <p:blipFill>
-          <a:blip r:embed="rId8">
+          <a:blip r:embed="rId6">
             <a:extLst>
               <a:ext uri="{28A0092B-C50C-407E-A947-70E740481C1C}">
                 <a14:useLocalDpi xmlns:a14="http://schemas.microsoft.com/office/drawing/2010/main" val="0"/>
               </a:ext>
               <a:ext uri="{96DAC541-7B7A-43D3-8B79-37D633B846F1}">
-                <asvg:svgBlip xmlns:asvg="http://schemas.microsoft.com/office/drawing/2016/SVG/main" r:embed="rId9"/>
+                <asvg:svgBlip xmlns:asvg="http://schemas.microsoft.com/office/drawing/2016/SVG/main" r:embed="rId7"/>
               </a:ext>
             </a:extLst>
           </a:blip>
@@ -9428,13 +8480,13 @@
           <p:nvPr/>
         </p:nvPicPr>
         <p:blipFill>
-          <a:blip r:embed="rId8">
+          <a:blip r:embed="rId6">
             <a:extLst>
               <a:ext uri="{28A0092B-C50C-407E-A947-70E740481C1C}">
                 <a14:useLocalDpi xmlns:a14="http://schemas.microsoft.com/office/drawing/2010/main" val="0"/>
               </a:ext>
               <a:ext uri="{96DAC541-7B7A-43D3-8B79-37D633B846F1}">
-                <asvg:svgBlip xmlns:asvg="http://schemas.microsoft.com/office/drawing/2016/SVG/main" r:embed="rId9"/>
+                <asvg:svgBlip xmlns:asvg="http://schemas.microsoft.com/office/drawing/2016/SVG/main" r:embed="rId7"/>
               </a:ext>
             </a:extLst>
           </a:blip>
@@ -10058,13 +9110,13 @@
           <p:nvPr/>
         </p:nvPicPr>
         <p:blipFill>
-          <a:blip r:embed="rId14">
+          <a:blip r:embed="rId12">
             <a:extLst>
               <a:ext uri="{28A0092B-C50C-407E-A947-70E740481C1C}">
                 <a14:useLocalDpi xmlns:a14="http://schemas.microsoft.com/office/drawing/2010/main" val="0"/>
               </a:ext>
               <a:ext uri="{96DAC541-7B7A-43D3-8B79-37D633B846F1}">
-                <asvg:svgBlip xmlns:asvg="http://schemas.microsoft.com/office/drawing/2016/SVG/main" r:embed="rId15"/>
+                <asvg:svgBlip xmlns:asvg="http://schemas.microsoft.com/office/drawing/2016/SVG/main" r:embed="rId13"/>
               </a:ext>
             </a:extLst>
           </a:blip>
@@ -10097,13 +9149,13 @@
           <p:nvPr/>
         </p:nvPicPr>
         <p:blipFill>
-          <a:blip r:embed="rId14">
+          <a:blip r:embed="rId12">
             <a:extLst>
               <a:ext uri="{28A0092B-C50C-407E-A947-70E740481C1C}">
                 <a14:useLocalDpi xmlns:a14="http://schemas.microsoft.com/office/drawing/2010/main" val="0"/>
               </a:ext>
               <a:ext uri="{96DAC541-7B7A-43D3-8B79-37D633B846F1}">
-                <asvg:svgBlip xmlns:asvg="http://schemas.microsoft.com/office/drawing/2016/SVG/main" r:embed="rId15"/>
+                <asvg:svgBlip xmlns:asvg="http://schemas.microsoft.com/office/drawing/2016/SVG/main" r:embed="rId13"/>
               </a:ext>
             </a:extLst>
           </a:blip>
@@ -10136,13 +9188,13 @@
           <p:nvPr/>
         </p:nvPicPr>
         <p:blipFill>
-          <a:blip r:embed="rId14">
+          <a:blip r:embed="rId12">
             <a:extLst>
               <a:ext uri="{28A0092B-C50C-407E-A947-70E740481C1C}">
                 <a14:useLocalDpi xmlns:a14="http://schemas.microsoft.com/office/drawing/2010/main" val="0"/>
               </a:ext>
               <a:ext uri="{96DAC541-7B7A-43D3-8B79-37D633B846F1}">
-                <asvg:svgBlip xmlns:asvg="http://schemas.microsoft.com/office/drawing/2016/SVG/main" r:embed="rId15"/>
+                <asvg:svgBlip xmlns:asvg="http://schemas.microsoft.com/office/drawing/2016/SVG/main" r:embed="rId13"/>
               </a:ext>
             </a:extLst>
           </a:blip>
@@ -10249,13 +9301,13 @@
             <p:nvPr/>
           </p:nvPicPr>
           <p:blipFill>
-            <a:blip r:embed="rId16">
+            <a:blip r:embed="rId14">
               <a:extLst>
                 <a:ext uri="{28A0092B-C50C-407E-A947-70E740481C1C}">
                   <a14:useLocalDpi xmlns:a14="http://schemas.microsoft.com/office/drawing/2010/main" val="0"/>
                 </a:ext>
                 <a:ext uri="{96DAC541-7B7A-43D3-8B79-37D633B846F1}">
-                  <asvg:svgBlip xmlns:asvg="http://schemas.microsoft.com/office/drawing/2016/SVG/main" r:embed="rId17"/>
+                  <asvg:svgBlip xmlns:asvg="http://schemas.microsoft.com/office/drawing/2016/SVG/main" r:embed="rId15"/>
                 </a:ext>
               </a:extLst>
             </a:blip>
@@ -10368,7 +9420,7 @@
         </p:nvSpPr>
         <p:spPr>
           <a:xfrm>
-            <a:off x="-1183702" y="2598719"/>
+            <a:off x="477458" y="2598719"/>
             <a:ext cx="1701410" cy="1552235"/>
           </a:xfrm>
           <a:prstGeom prst="roundRect">
@@ -10422,7 +9474,7 @@
         </p:nvGrpSpPr>
         <p:grpSpPr>
           <a:xfrm>
-            <a:off x="-675770" y="1668943"/>
+            <a:off x="985390" y="1668943"/>
             <a:ext cx="762000" cy="762000"/>
             <a:chOff x="1190625" y="1381125"/>
             <a:chExt cx="762000" cy="762000"/>
@@ -10443,13 +9495,13 @@
             <p:nvPr/>
           </p:nvPicPr>
           <p:blipFill>
-            <a:blip r:embed="rId18">
+            <a:blip r:embed="rId16">
               <a:extLst>
                 <a:ext uri="{28A0092B-C50C-407E-A947-70E740481C1C}">
                   <a14:useLocalDpi xmlns:a14="http://schemas.microsoft.com/office/drawing/2010/main" val="0"/>
                 </a:ext>
                 <a:ext uri="{96DAC541-7B7A-43D3-8B79-37D633B846F1}">
-                  <asvg:svgBlip xmlns:asvg="http://schemas.microsoft.com/office/drawing/2016/SVG/main" r:embed="rId19"/>
+                  <asvg:svgBlip xmlns:asvg="http://schemas.microsoft.com/office/drawing/2016/SVG/main" r:embed="rId17"/>
                 </a:ext>
               </a:extLst>
             </a:blip>
@@ -10482,13 +9534,13 @@
             <p:nvPr/>
           </p:nvPicPr>
           <p:blipFill>
-            <a:blip r:embed="rId18">
+            <a:blip r:embed="rId16">
               <a:extLst>
                 <a:ext uri="{28A0092B-C50C-407E-A947-70E740481C1C}">
                   <a14:useLocalDpi xmlns:a14="http://schemas.microsoft.com/office/drawing/2010/main" val="0"/>
                 </a:ext>
                 <a:ext uri="{96DAC541-7B7A-43D3-8B79-37D633B846F1}">
-                  <asvg:svgBlip xmlns:asvg="http://schemas.microsoft.com/office/drawing/2016/SVG/main" r:embed="rId19"/>
+                  <asvg:svgBlip xmlns:asvg="http://schemas.microsoft.com/office/drawing/2016/SVG/main" r:embed="rId17"/>
                 </a:ext>
               </a:extLst>
             </a:blip>
@@ -10521,13 +9573,13 @@
             <p:nvPr/>
           </p:nvPicPr>
           <p:blipFill>
-            <a:blip r:embed="rId18">
+            <a:blip r:embed="rId16">
               <a:extLst>
                 <a:ext uri="{28A0092B-C50C-407E-A947-70E740481C1C}">
                   <a14:useLocalDpi xmlns:a14="http://schemas.microsoft.com/office/drawing/2010/main" val="0"/>
                 </a:ext>
                 <a:ext uri="{96DAC541-7B7A-43D3-8B79-37D633B846F1}">
-                  <asvg:svgBlip xmlns:asvg="http://schemas.microsoft.com/office/drawing/2016/SVG/main" r:embed="rId19"/>
+                  <asvg:svgBlip xmlns:asvg="http://schemas.microsoft.com/office/drawing/2016/SVG/main" r:embed="rId17"/>
                 </a:ext>
               </a:extLst>
             </a:blip>
@@ -10561,13 +9613,13 @@
           <p:nvPr/>
         </p:nvPicPr>
         <p:blipFill>
-          <a:blip r:embed="rId20">
+          <a:blip r:embed="rId18">
             <a:extLst>
               <a:ext uri="{28A0092B-C50C-407E-A947-70E740481C1C}">
                 <a14:useLocalDpi xmlns:a14="http://schemas.microsoft.com/office/drawing/2010/main" val="0"/>
               </a:ext>
               <a:ext uri="{96DAC541-7B7A-43D3-8B79-37D633B846F1}">
-                <asvg:svgBlip xmlns:asvg="http://schemas.microsoft.com/office/drawing/2016/SVG/main" r:embed="rId21"/>
+                <asvg:svgBlip xmlns:asvg="http://schemas.microsoft.com/office/drawing/2016/SVG/main" r:embed="rId19"/>
               </a:ext>
             </a:extLst>
           </a:blip>
@@ -10577,7 +9629,7 @@
         </p:blipFill>
         <p:spPr>
           <a:xfrm>
-            <a:off x="-535277" y="2702405"/>
+            <a:off x="1125883" y="2702405"/>
             <a:ext cx="457200" cy="457200"/>
           </a:xfrm>
           <a:prstGeom prst="rect">
@@ -10600,13 +9652,13 @@
           <p:nvPr/>
         </p:nvPicPr>
         <p:blipFill>
-          <a:blip r:embed="rId6">
+          <a:blip r:embed="rId20">
             <a:extLst>
               <a:ext uri="{28A0092B-C50C-407E-A947-70E740481C1C}">
                 <a14:useLocalDpi xmlns:a14="http://schemas.microsoft.com/office/drawing/2010/main" val="0"/>
               </a:ext>
               <a:ext uri="{96DAC541-7B7A-43D3-8B79-37D633B846F1}">
-                <asvg:svgBlip xmlns:asvg="http://schemas.microsoft.com/office/drawing/2016/SVG/main" r:embed="rId7"/>
+                <asvg:svgBlip xmlns:asvg="http://schemas.microsoft.com/office/drawing/2016/SVG/main" r:embed="rId21"/>
               </a:ext>
             </a:extLst>
           </a:blip>
@@ -10616,7 +9668,7 @@
         </p:blipFill>
         <p:spPr>
           <a:xfrm>
-            <a:off x="-498538" y="3302617"/>
+            <a:off x="1162622" y="3302617"/>
             <a:ext cx="365760" cy="365760"/>
           </a:xfrm>
           <a:prstGeom prst="rect">
@@ -10638,7 +9690,7 @@
         </p:nvSpPr>
         <p:spPr>
           <a:xfrm>
-            <a:off x="-1183702" y="3760795"/>
+            <a:off x="477458" y="3760795"/>
             <a:ext cx="1701411" cy="307777"/>
           </a:xfrm>
           <a:prstGeom prst="rect">
@@ -10678,7 +9730,7 @@
         </p:nvCxnSpPr>
         <p:spPr>
           <a:xfrm>
-            <a:off x="86230" y="2202343"/>
+            <a:off x="1747390" y="2202343"/>
             <a:ext cx="1331688" cy="524416"/>
           </a:xfrm>
           <a:prstGeom prst="straightConnector1">
@@ -10721,7 +9773,7 @@
         </p:nvCxnSpPr>
         <p:spPr>
           <a:xfrm flipV="1">
-            <a:off x="517708" y="2726759"/>
+            <a:off x="2178868" y="2726759"/>
             <a:ext cx="900210" cy="648078"/>
           </a:xfrm>
           <a:prstGeom prst="straightConnector1">
